--- a/hw1/ppt/第八組.pptx
+++ b/hw1/ppt/第八組.pptx
@@ -5,7 +5,7 @@
     <p:sldMasterId id="2147483648" r:id="rId1"/>
   </p:sldMasterIdLst>
   <p:notesMasterIdLst>
-    <p:notesMasterId r:id="rId29"/>
+    <p:notesMasterId r:id="rId43"/>
   </p:notesMasterIdLst>
   <p:sldIdLst>
     <p:sldId id="256" r:id="rId2"/>
@@ -26,15 +26,29 @@
     <p:sldId id="274" r:id="rId17"/>
     <p:sldId id="275" r:id="rId18"/>
     <p:sldId id="284" r:id="rId19"/>
-    <p:sldId id="258" r:id="rId20"/>
-    <p:sldId id="278" r:id="rId21"/>
-    <p:sldId id="280" r:id="rId22"/>
-    <p:sldId id="281" r:id="rId23"/>
-    <p:sldId id="282" r:id="rId24"/>
-    <p:sldId id="283" r:id="rId25"/>
-    <p:sldId id="276" r:id="rId26"/>
-    <p:sldId id="259" r:id="rId27"/>
-    <p:sldId id="277" r:id="rId28"/>
+    <p:sldId id="296" r:id="rId20"/>
+    <p:sldId id="297" r:id="rId21"/>
+    <p:sldId id="298" r:id="rId22"/>
+    <p:sldId id="258" r:id="rId23"/>
+    <p:sldId id="278" r:id="rId24"/>
+    <p:sldId id="280" r:id="rId25"/>
+    <p:sldId id="281" r:id="rId26"/>
+    <p:sldId id="282" r:id="rId27"/>
+    <p:sldId id="283" r:id="rId28"/>
+    <p:sldId id="276" r:id="rId29"/>
+    <p:sldId id="259" r:id="rId30"/>
+    <p:sldId id="277" r:id="rId31"/>
+    <p:sldId id="285" r:id="rId32"/>
+    <p:sldId id="286" r:id="rId33"/>
+    <p:sldId id="288" r:id="rId34"/>
+    <p:sldId id="287" r:id="rId35"/>
+    <p:sldId id="289" r:id="rId36"/>
+    <p:sldId id="291" r:id="rId37"/>
+    <p:sldId id="292" r:id="rId38"/>
+    <p:sldId id="290" r:id="rId39"/>
+    <p:sldId id="293" r:id="rId40"/>
+    <p:sldId id="294" r:id="rId41"/>
+    <p:sldId id="295" r:id="rId42"/>
   </p:sldIdLst>
   <p:sldSz cx="12192000" cy="6858000"/>
   <p:notesSz cx="6858000" cy="9144000"/>
@@ -15465,7 +15479,7 @@
           <p:cNvPr id="2" name="標題 1">
             <a:extLst>
               <a:ext uri="{FF2B5EF4-FFF2-40B4-BE49-F238E27FC236}">
-                <a16:creationId xmlns:a16="http://schemas.microsoft.com/office/drawing/2014/main" id="{EF3BE42F-165D-6CAC-0748-619DF3D50D62}"/>
+                <a16:creationId xmlns:a16="http://schemas.microsoft.com/office/drawing/2014/main" id="{7BDC027D-0EFD-5E87-C32C-78BCBA19CA82}"/>
               </a:ext>
             </a:extLst>
           </p:cNvPr>
@@ -15485,733 +15499,400 @@
               <a:rPr lang="en-US" altLang="zh-TW" dirty="0">
                 <a:latin typeface="Consolas" panose="020B0609020204030204" pitchFamily="49" charset="0"/>
               </a:rPr>
-              <a:t>Decision tree</a:t>
+              <a:t>KNN – Brute Force</a:t>
             </a:r>
-            <a:endParaRPr lang="zh-TW" altLang="en-US" dirty="0">
-              <a:latin typeface="Consolas" panose="020B0609020204030204" pitchFamily="49" charset="0"/>
-            </a:endParaRPr>
+            <a:endParaRPr lang="zh-TW" altLang="en-US" dirty="0"/>
           </a:p>
         </p:txBody>
       </p:sp>
-      <p:sp>
-        <p:nvSpPr>
-          <p:cNvPr id="4" name="流程圖: 決策 3">
-            <a:extLst>
-              <a:ext uri="{FF2B5EF4-FFF2-40B4-BE49-F238E27FC236}">
-                <a16:creationId xmlns:a16="http://schemas.microsoft.com/office/drawing/2014/main" id="{DF3041D4-1E6F-A73D-69D1-7E4156E608E7}"/>
-              </a:ext>
-            </a:extLst>
-          </p:cNvPr>
-          <p:cNvSpPr/>
-          <p:nvPr/>
-        </p:nvSpPr>
-        <p:spPr>
-          <a:xfrm>
-            <a:off x="4287520" y="1690688"/>
-            <a:ext cx="2275840" cy="944880"/>
-          </a:xfrm>
-          <a:prstGeom prst="flowChartDecision">
-            <a:avLst/>
-          </a:prstGeom>
-        </p:spPr>
-        <p:style>
-          <a:lnRef idx="2">
-            <a:schemeClr val="accent1">
-              <a:shade val="50000"/>
-            </a:schemeClr>
-          </a:lnRef>
-          <a:fillRef idx="1">
-            <a:schemeClr val="accent1"/>
-          </a:fillRef>
-          <a:effectRef idx="0">
-            <a:schemeClr val="accent1"/>
-          </a:effectRef>
-          <a:fontRef idx="minor">
-            <a:schemeClr val="lt1"/>
-          </a:fontRef>
-        </p:style>
-        <p:txBody>
-          <a:bodyPr rtlCol="0" anchor="ctr"/>
-          <a:lstStyle/>
-          <a:p>
-            <a:pPr algn="ctr"/>
-            <a:r>
-              <a:rPr lang="en-US" altLang="zh-TW" dirty="0"/>
-              <a:t>if</a:t>
-            </a:r>
-            <a:endParaRPr lang="zh-TW" altLang="en-US" dirty="0"/>
-          </a:p>
-        </p:txBody>
-      </p:sp>
-      <p:sp>
-        <p:nvSpPr>
-          <p:cNvPr id="5" name="流程圖: 決策 4">
-            <a:extLst>
-              <a:ext uri="{FF2B5EF4-FFF2-40B4-BE49-F238E27FC236}">
-                <a16:creationId xmlns:a16="http://schemas.microsoft.com/office/drawing/2014/main" id="{EF788136-4317-E670-5819-A8985E43E28B}"/>
-              </a:ext>
-            </a:extLst>
-          </p:cNvPr>
-          <p:cNvSpPr/>
-          <p:nvPr/>
-        </p:nvSpPr>
-        <p:spPr>
-          <a:xfrm>
-            <a:off x="2824480" y="3194368"/>
-            <a:ext cx="2275840" cy="944880"/>
-          </a:xfrm>
-          <a:prstGeom prst="flowChartDecision">
-            <a:avLst/>
-          </a:prstGeom>
-        </p:spPr>
-        <p:style>
-          <a:lnRef idx="2">
-            <a:schemeClr val="accent1">
-              <a:shade val="50000"/>
-            </a:schemeClr>
-          </a:lnRef>
-          <a:fillRef idx="1">
-            <a:schemeClr val="accent1"/>
-          </a:fillRef>
-          <a:effectRef idx="0">
-            <a:schemeClr val="accent1"/>
-          </a:effectRef>
-          <a:fontRef idx="minor">
-            <a:schemeClr val="lt1"/>
-          </a:fontRef>
-        </p:style>
-        <p:txBody>
-          <a:bodyPr rtlCol="0" anchor="ctr"/>
-          <a:lstStyle/>
-          <a:p>
-            <a:pPr algn="ctr"/>
-            <a:r>
-              <a:rPr lang="en-US" altLang="zh-TW" dirty="0"/>
-              <a:t>if</a:t>
-            </a:r>
-            <a:endParaRPr lang="zh-TW" altLang="en-US" dirty="0"/>
-          </a:p>
-        </p:txBody>
-      </p:sp>
-      <p:sp>
-        <p:nvSpPr>
-          <p:cNvPr id="6" name="流程圖: 決策 5">
-            <a:extLst>
-              <a:ext uri="{FF2B5EF4-FFF2-40B4-BE49-F238E27FC236}">
-                <a16:creationId xmlns:a16="http://schemas.microsoft.com/office/drawing/2014/main" id="{586AEF13-AF9B-1E95-776D-E96A378754EC}"/>
-              </a:ext>
-            </a:extLst>
-          </p:cNvPr>
-          <p:cNvSpPr/>
-          <p:nvPr/>
-        </p:nvSpPr>
-        <p:spPr>
-          <a:xfrm>
-            <a:off x="5801360" y="3194368"/>
-            <a:ext cx="2275840" cy="944880"/>
-          </a:xfrm>
-          <a:prstGeom prst="flowChartDecision">
-            <a:avLst/>
-          </a:prstGeom>
-        </p:spPr>
-        <p:style>
-          <a:lnRef idx="2">
-            <a:schemeClr val="accent1">
-              <a:shade val="50000"/>
-            </a:schemeClr>
-          </a:lnRef>
-          <a:fillRef idx="1">
-            <a:schemeClr val="accent1"/>
-          </a:fillRef>
-          <a:effectRef idx="0">
-            <a:schemeClr val="accent1"/>
-          </a:effectRef>
-          <a:fontRef idx="minor">
-            <a:schemeClr val="lt1"/>
-          </a:fontRef>
-        </p:style>
-        <p:txBody>
-          <a:bodyPr rtlCol="0" anchor="ctr"/>
-          <a:lstStyle/>
-          <a:p>
-            <a:pPr algn="ctr"/>
-            <a:r>
-              <a:rPr lang="en-US" altLang="zh-TW" dirty="0"/>
-              <a:t>Class 0</a:t>
-            </a:r>
-            <a:endParaRPr lang="zh-TW" altLang="en-US" dirty="0"/>
-          </a:p>
-        </p:txBody>
-      </p:sp>
-      <p:sp>
-        <p:nvSpPr>
-          <p:cNvPr id="7" name="流程圖: 決策 6">
-            <a:extLst>
-              <a:ext uri="{FF2B5EF4-FFF2-40B4-BE49-F238E27FC236}">
-                <a16:creationId xmlns:a16="http://schemas.microsoft.com/office/drawing/2014/main" id="{837C007B-7933-4051-542C-E1C3DB1F6D9A}"/>
-              </a:ext>
-            </a:extLst>
-          </p:cNvPr>
-          <p:cNvSpPr/>
-          <p:nvPr/>
-        </p:nvSpPr>
-        <p:spPr>
-          <a:xfrm>
-            <a:off x="1330960" y="4799648"/>
-            <a:ext cx="2275840" cy="944880"/>
-          </a:xfrm>
-          <a:prstGeom prst="flowChartDecision">
-            <a:avLst/>
-          </a:prstGeom>
-        </p:spPr>
-        <p:style>
-          <a:lnRef idx="2">
-            <a:schemeClr val="accent1">
-              <a:shade val="50000"/>
-            </a:schemeClr>
-          </a:lnRef>
-          <a:fillRef idx="1">
-            <a:schemeClr val="accent1"/>
-          </a:fillRef>
-          <a:effectRef idx="0">
-            <a:schemeClr val="accent1"/>
-          </a:effectRef>
-          <a:fontRef idx="minor">
-            <a:schemeClr val="lt1"/>
-          </a:fontRef>
-        </p:style>
-        <p:txBody>
-          <a:bodyPr rtlCol="0" anchor="ctr"/>
-          <a:lstStyle/>
-          <a:p>
-            <a:pPr algn="ctr"/>
-            <a:r>
-              <a:rPr lang="en-US" altLang="zh-TW" dirty="0"/>
-              <a:t>Class 1</a:t>
-            </a:r>
-            <a:endParaRPr lang="zh-TW" altLang="en-US" dirty="0"/>
-          </a:p>
-        </p:txBody>
-      </p:sp>
-      <p:sp>
-        <p:nvSpPr>
-          <p:cNvPr id="8" name="流程圖: 決策 7">
-            <a:extLst>
-              <a:ext uri="{FF2B5EF4-FFF2-40B4-BE49-F238E27FC236}">
-                <a16:creationId xmlns:a16="http://schemas.microsoft.com/office/drawing/2014/main" id="{0038EE7F-7110-6875-73D9-D691011BAF9A}"/>
-              </a:ext>
-            </a:extLst>
-          </p:cNvPr>
-          <p:cNvSpPr/>
-          <p:nvPr/>
-        </p:nvSpPr>
-        <p:spPr>
-          <a:xfrm>
-            <a:off x="4175760" y="4799648"/>
-            <a:ext cx="2275840" cy="944880"/>
-          </a:xfrm>
-          <a:prstGeom prst="flowChartDecision">
-            <a:avLst/>
-          </a:prstGeom>
-        </p:spPr>
-        <p:style>
-          <a:lnRef idx="2">
-            <a:schemeClr val="accent1">
-              <a:shade val="50000"/>
-            </a:schemeClr>
-          </a:lnRef>
-          <a:fillRef idx="1">
-            <a:schemeClr val="accent1"/>
-          </a:fillRef>
-          <a:effectRef idx="0">
-            <a:schemeClr val="accent1"/>
-          </a:effectRef>
-          <a:fontRef idx="minor">
-            <a:schemeClr val="lt1"/>
-          </a:fontRef>
-        </p:style>
-        <p:txBody>
-          <a:bodyPr rtlCol="0" anchor="ctr"/>
-          <a:lstStyle/>
-          <a:p>
-            <a:pPr algn="ctr"/>
-            <a:r>
-              <a:rPr lang="en-US" altLang="zh-TW" dirty="0"/>
-              <a:t>Class 0</a:t>
-            </a:r>
-            <a:endParaRPr lang="zh-TW" altLang="en-US" dirty="0"/>
-          </a:p>
-        </p:txBody>
-      </p:sp>
-      <p:cxnSp>
-        <p:nvCxnSpPr>
-          <p:cNvPr id="10" name="直線單箭頭接點 9">
-            <a:extLst>
-              <a:ext uri="{FF2B5EF4-FFF2-40B4-BE49-F238E27FC236}">
-                <a16:creationId xmlns:a16="http://schemas.microsoft.com/office/drawing/2014/main" id="{FB5CA644-C9CA-8E5B-1FE9-96C0649A9185}"/>
-              </a:ext>
-            </a:extLst>
-          </p:cNvPr>
-          <p:cNvCxnSpPr>
-            <a:cxnSpLocks/>
-            <a:endCxn id="5" idx="0"/>
-          </p:cNvCxnSpPr>
-          <p:nvPr/>
-        </p:nvCxnSpPr>
-        <p:spPr>
-          <a:xfrm>
-            <a:off x="3962400" y="2163128"/>
-            <a:ext cx="0" cy="1031240"/>
-          </a:xfrm>
-          <a:prstGeom prst="straightConnector1">
-            <a:avLst/>
-          </a:prstGeom>
-          <a:ln>
-            <a:tailEnd type="triangle"/>
-          </a:ln>
-        </p:spPr>
-        <p:style>
-          <a:lnRef idx="1">
-            <a:schemeClr val="accent1"/>
-          </a:lnRef>
-          <a:fillRef idx="0">
-            <a:schemeClr val="accent1"/>
-          </a:fillRef>
-          <a:effectRef idx="0">
-            <a:schemeClr val="accent1"/>
-          </a:effectRef>
-          <a:fontRef idx="minor">
-            <a:schemeClr val="tx1"/>
-          </a:fontRef>
-        </p:style>
-      </p:cxnSp>
-      <p:cxnSp>
-        <p:nvCxnSpPr>
-          <p:cNvPr id="14" name="直線接點 13">
-            <a:extLst>
-              <a:ext uri="{FF2B5EF4-FFF2-40B4-BE49-F238E27FC236}">
-                <a16:creationId xmlns:a16="http://schemas.microsoft.com/office/drawing/2014/main" id="{7237AE18-EB9A-BC13-8874-0F6FDBF1C2BB}"/>
-              </a:ext>
-            </a:extLst>
-          </p:cNvPr>
-          <p:cNvCxnSpPr>
-            <a:endCxn id="4" idx="1"/>
-          </p:cNvCxnSpPr>
-          <p:nvPr/>
-        </p:nvCxnSpPr>
-        <p:spPr>
-          <a:xfrm>
-            <a:off x="3962400" y="2163128"/>
-            <a:ext cx="325120" cy="0"/>
-          </a:xfrm>
-          <a:prstGeom prst="line">
-            <a:avLst/>
-          </a:prstGeom>
-        </p:spPr>
-        <p:style>
-          <a:lnRef idx="1">
-            <a:schemeClr val="accent1"/>
-          </a:lnRef>
-          <a:fillRef idx="0">
-            <a:schemeClr val="accent1"/>
-          </a:fillRef>
-          <a:effectRef idx="0">
-            <a:schemeClr val="accent1"/>
-          </a:effectRef>
-          <a:fontRef idx="minor">
-            <a:schemeClr val="tx1"/>
-          </a:fontRef>
-        </p:style>
-      </p:cxnSp>
-      <p:cxnSp>
-        <p:nvCxnSpPr>
-          <p:cNvPr id="15" name="直線單箭頭接點 14">
-            <a:extLst>
-              <a:ext uri="{FF2B5EF4-FFF2-40B4-BE49-F238E27FC236}">
-                <a16:creationId xmlns:a16="http://schemas.microsoft.com/office/drawing/2014/main" id="{E742D735-B5C2-5631-3F10-8FB0ED7B2877}"/>
-              </a:ext>
-            </a:extLst>
-          </p:cNvPr>
-          <p:cNvCxnSpPr>
-            <a:cxnSpLocks/>
-            <a:endCxn id="7" idx="0"/>
-          </p:cNvCxnSpPr>
-          <p:nvPr/>
-        </p:nvCxnSpPr>
-        <p:spPr>
-          <a:xfrm>
-            <a:off x="2468880" y="3666808"/>
-            <a:ext cx="0" cy="1132840"/>
-          </a:xfrm>
-          <a:prstGeom prst="straightConnector1">
-            <a:avLst/>
-          </a:prstGeom>
-          <a:ln>
-            <a:tailEnd type="triangle"/>
-          </a:ln>
-        </p:spPr>
-        <p:style>
-          <a:lnRef idx="1">
-            <a:schemeClr val="accent1"/>
-          </a:lnRef>
-          <a:fillRef idx="0">
-            <a:schemeClr val="accent1"/>
-          </a:fillRef>
-          <a:effectRef idx="0">
-            <a:schemeClr val="accent1"/>
-          </a:effectRef>
-          <a:fontRef idx="minor">
-            <a:schemeClr val="tx1"/>
-          </a:fontRef>
-        </p:style>
-      </p:cxnSp>
-      <p:cxnSp>
-        <p:nvCxnSpPr>
-          <p:cNvPr id="16" name="直線接點 15">
-            <a:extLst>
-              <a:ext uri="{FF2B5EF4-FFF2-40B4-BE49-F238E27FC236}">
-                <a16:creationId xmlns:a16="http://schemas.microsoft.com/office/drawing/2014/main" id="{445364CC-D3EA-BAA3-37C6-5E176BE140F0}"/>
-              </a:ext>
-            </a:extLst>
-          </p:cNvPr>
-          <p:cNvCxnSpPr>
-            <a:cxnSpLocks/>
-            <a:endCxn id="5" idx="1"/>
-          </p:cNvCxnSpPr>
-          <p:nvPr/>
-        </p:nvCxnSpPr>
-        <p:spPr>
-          <a:xfrm>
-            <a:off x="2468880" y="3666808"/>
-            <a:ext cx="355600" cy="0"/>
-          </a:xfrm>
-          <a:prstGeom prst="line">
-            <a:avLst/>
-          </a:prstGeom>
-        </p:spPr>
-        <p:style>
-          <a:lnRef idx="1">
-            <a:schemeClr val="accent1"/>
-          </a:lnRef>
-          <a:fillRef idx="0">
-            <a:schemeClr val="accent1"/>
-          </a:fillRef>
-          <a:effectRef idx="0">
-            <a:schemeClr val="accent1"/>
-          </a:effectRef>
-          <a:fontRef idx="minor">
-            <a:schemeClr val="tx1"/>
-          </a:fontRef>
-        </p:style>
-      </p:cxnSp>
-      <p:cxnSp>
-        <p:nvCxnSpPr>
-          <p:cNvPr id="22" name="直線單箭頭接點 21">
-            <a:extLst>
-              <a:ext uri="{FF2B5EF4-FFF2-40B4-BE49-F238E27FC236}">
-                <a16:creationId xmlns:a16="http://schemas.microsoft.com/office/drawing/2014/main" id="{D4B14DA0-3B11-1164-684E-3B983E8A4EC3}"/>
-              </a:ext>
-            </a:extLst>
-          </p:cNvPr>
-          <p:cNvCxnSpPr>
-            <a:cxnSpLocks/>
-          </p:cNvCxnSpPr>
-          <p:nvPr/>
-        </p:nvCxnSpPr>
-        <p:spPr>
-          <a:xfrm>
-            <a:off x="5313680" y="3666808"/>
-            <a:ext cx="0" cy="1129348"/>
-          </a:xfrm>
-          <a:prstGeom prst="straightConnector1">
-            <a:avLst/>
-          </a:prstGeom>
-          <a:ln>
-            <a:tailEnd type="triangle"/>
-          </a:ln>
-        </p:spPr>
-        <p:style>
-          <a:lnRef idx="1">
-            <a:schemeClr val="accent1"/>
-          </a:lnRef>
-          <a:fillRef idx="0">
-            <a:schemeClr val="accent1"/>
-          </a:fillRef>
-          <a:effectRef idx="0">
-            <a:schemeClr val="accent1"/>
-          </a:effectRef>
-          <a:fontRef idx="minor">
-            <a:schemeClr val="tx1"/>
-          </a:fontRef>
-        </p:style>
-      </p:cxnSp>
-      <p:cxnSp>
-        <p:nvCxnSpPr>
-          <p:cNvPr id="23" name="直線接點 22">
-            <a:extLst>
-              <a:ext uri="{FF2B5EF4-FFF2-40B4-BE49-F238E27FC236}">
-                <a16:creationId xmlns:a16="http://schemas.microsoft.com/office/drawing/2014/main" id="{5D28CD06-A97F-23BF-3414-6A39F05A5823}"/>
-              </a:ext>
-            </a:extLst>
-          </p:cNvPr>
-          <p:cNvCxnSpPr>
-            <a:cxnSpLocks/>
-            <a:stCxn id="5" idx="3"/>
-          </p:cNvCxnSpPr>
-          <p:nvPr/>
-        </p:nvCxnSpPr>
-        <p:spPr>
-          <a:xfrm>
-            <a:off x="5100320" y="3666808"/>
-            <a:ext cx="213360" cy="0"/>
-          </a:xfrm>
-          <a:prstGeom prst="line">
-            <a:avLst/>
-          </a:prstGeom>
-        </p:spPr>
-        <p:style>
-          <a:lnRef idx="1">
-            <a:schemeClr val="accent1"/>
-          </a:lnRef>
-          <a:fillRef idx="0">
-            <a:schemeClr val="accent1"/>
-          </a:fillRef>
-          <a:effectRef idx="0">
-            <a:schemeClr val="accent1"/>
-          </a:effectRef>
-          <a:fontRef idx="minor">
-            <a:schemeClr val="tx1"/>
-          </a:fontRef>
-        </p:style>
-      </p:cxnSp>
-      <p:cxnSp>
-        <p:nvCxnSpPr>
-          <p:cNvPr id="27" name="直線單箭頭接點 26">
-            <a:extLst>
-              <a:ext uri="{FF2B5EF4-FFF2-40B4-BE49-F238E27FC236}">
-                <a16:creationId xmlns:a16="http://schemas.microsoft.com/office/drawing/2014/main" id="{49D14303-A9D1-43DF-6773-B712BD1E7DAC}"/>
-              </a:ext>
-            </a:extLst>
-          </p:cNvPr>
-          <p:cNvCxnSpPr>
-            <a:cxnSpLocks/>
-          </p:cNvCxnSpPr>
-          <p:nvPr/>
-        </p:nvCxnSpPr>
-        <p:spPr>
-          <a:xfrm>
-            <a:off x="6939280" y="2163128"/>
-            <a:ext cx="0" cy="1031240"/>
-          </a:xfrm>
-          <a:prstGeom prst="straightConnector1">
-            <a:avLst/>
-          </a:prstGeom>
-          <a:ln>
-            <a:tailEnd type="triangle"/>
-          </a:ln>
-        </p:spPr>
-        <p:style>
-          <a:lnRef idx="1">
-            <a:schemeClr val="accent1"/>
-          </a:lnRef>
-          <a:fillRef idx="0">
-            <a:schemeClr val="accent1"/>
-          </a:fillRef>
-          <a:effectRef idx="0">
-            <a:schemeClr val="accent1"/>
-          </a:effectRef>
-          <a:fontRef idx="minor">
-            <a:schemeClr val="tx1"/>
-          </a:fontRef>
-        </p:style>
-      </p:cxnSp>
-      <p:cxnSp>
-        <p:nvCxnSpPr>
-          <p:cNvPr id="28" name="直線接點 27">
-            <a:extLst>
-              <a:ext uri="{FF2B5EF4-FFF2-40B4-BE49-F238E27FC236}">
-                <a16:creationId xmlns:a16="http://schemas.microsoft.com/office/drawing/2014/main" id="{9E84CD7B-D5FA-1B72-FCD6-932B3ECE9219}"/>
-              </a:ext>
-            </a:extLst>
-          </p:cNvPr>
-          <p:cNvCxnSpPr>
-            <a:cxnSpLocks/>
-            <a:stCxn id="4" idx="3"/>
-          </p:cNvCxnSpPr>
-          <p:nvPr/>
-        </p:nvCxnSpPr>
-        <p:spPr>
-          <a:xfrm>
-            <a:off x="6563360" y="2163128"/>
-            <a:ext cx="375920" cy="0"/>
-          </a:xfrm>
-          <a:prstGeom prst="line">
-            <a:avLst/>
-          </a:prstGeom>
-        </p:spPr>
-        <p:style>
-          <a:lnRef idx="1">
-            <a:schemeClr val="accent1"/>
-          </a:lnRef>
-          <a:fillRef idx="0">
-            <a:schemeClr val="accent1"/>
-          </a:fillRef>
-          <a:effectRef idx="0">
-            <a:schemeClr val="accent1"/>
-          </a:effectRef>
-          <a:fontRef idx="minor">
-            <a:schemeClr val="tx1"/>
-          </a:fontRef>
-        </p:style>
-      </p:cxnSp>
-      <p:sp>
-        <p:nvSpPr>
-          <p:cNvPr id="31" name="文字方塊 30">
-            <a:extLst>
-              <a:ext uri="{FF2B5EF4-FFF2-40B4-BE49-F238E27FC236}">
-                <a16:creationId xmlns:a16="http://schemas.microsoft.com/office/drawing/2014/main" id="{F972E326-A91C-A167-B188-3225021367C0}"/>
-              </a:ext>
-            </a:extLst>
-          </p:cNvPr>
-          <p:cNvSpPr txBox="1"/>
-          <p:nvPr/>
-        </p:nvSpPr>
-        <p:spPr>
-          <a:xfrm>
-            <a:off x="2976880" y="2326640"/>
-            <a:ext cx="901209" cy="369332"/>
-          </a:xfrm>
-          <a:prstGeom prst="rect">
-            <a:avLst/>
-          </a:prstGeom>
-          <a:noFill/>
-        </p:spPr>
-        <p:txBody>
-          <a:bodyPr wrap="none" rtlCol="0">
-            <a:spAutoFit/>
-          </a:bodyPr>
-          <a:lstStyle/>
-          <a:p>
-            <a:r>
-              <a:rPr lang="en-US" altLang="zh-TW" dirty="0"/>
-              <a:t>if x &lt;= k</a:t>
-            </a:r>
-            <a:endParaRPr lang="zh-TW" altLang="en-US" dirty="0"/>
-          </a:p>
-        </p:txBody>
-      </p:sp>
-      <p:sp>
-        <p:nvSpPr>
-          <p:cNvPr id="32" name="文字方塊 31">
-            <a:extLst>
-              <a:ext uri="{FF2B5EF4-FFF2-40B4-BE49-F238E27FC236}">
-                <a16:creationId xmlns:a16="http://schemas.microsoft.com/office/drawing/2014/main" id="{277DDF0A-BB96-DF11-DDA4-6A3F2ED534FF}"/>
-              </a:ext>
-            </a:extLst>
-          </p:cNvPr>
-          <p:cNvSpPr txBox="1"/>
-          <p:nvPr/>
-        </p:nvSpPr>
-        <p:spPr>
-          <a:xfrm>
-            <a:off x="7115344" y="2326640"/>
-            <a:ext cx="785793" cy="369332"/>
-          </a:xfrm>
-          <a:prstGeom prst="rect">
-            <a:avLst/>
-          </a:prstGeom>
-          <a:noFill/>
-        </p:spPr>
-        <p:txBody>
-          <a:bodyPr wrap="none" rtlCol="0">
-            <a:spAutoFit/>
-          </a:bodyPr>
-          <a:lstStyle/>
-          <a:p>
-            <a:r>
-              <a:rPr lang="en-US" altLang="zh-TW" dirty="0"/>
-              <a:t>if x &gt; k</a:t>
-            </a:r>
-            <a:endParaRPr lang="zh-TW" altLang="en-US" dirty="0"/>
-          </a:p>
-        </p:txBody>
-      </p:sp>
-      <p:sp>
-        <p:nvSpPr>
-          <p:cNvPr id="33" name="文字方塊 32">
-            <a:extLst>
-              <a:ext uri="{FF2B5EF4-FFF2-40B4-BE49-F238E27FC236}">
-                <a16:creationId xmlns:a16="http://schemas.microsoft.com/office/drawing/2014/main" id="{EC092C98-60B7-13E1-F3DF-F5E9300E5CC1}"/>
-              </a:ext>
-            </a:extLst>
-          </p:cNvPr>
-          <p:cNvSpPr txBox="1"/>
-          <p:nvPr/>
-        </p:nvSpPr>
-        <p:spPr>
-          <a:xfrm>
-            <a:off x="1435592" y="3915450"/>
-            <a:ext cx="981359" cy="369332"/>
-          </a:xfrm>
-          <a:prstGeom prst="rect">
-            <a:avLst/>
-          </a:prstGeom>
-          <a:noFill/>
-        </p:spPr>
-        <p:txBody>
-          <a:bodyPr wrap="none" rtlCol="0">
-            <a:spAutoFit/>
-          </a:bodyPr>
-          <a:lstStyle/>
-          <a:p>
-            <a:r>
-              <a:rPr lang="en-US" altLang="zh-TW" dirty="0"/>
-              <a:t>if x &lt;= m</a:t>
-            </a:r>
-            <a:endParaRPr lang="zh-TW" altLang="en-US" dirty="0"/>
-          </a:p>
-        </p:txBody>
-      </p:sp>
-      <p:sp>
-        <p:nvSpPr>
-          <p:cNvPr id="34" name="文字方塊 33">
-            <a:extLst>
-              <a:ext uri="{FF2B5EF4-FFF2-40B4-BE49-F238E27FC236}">
-                <a16:creationId xmlns:a16="http://schemas.microsoft.com/office/drawing/2014/main" id="{006F3295-9D4B-A851-4CA4-C91380B7C1EA}"/>
-              </a:ext>
-            </a:extLst>
-          </p:cNvPr>
-          <p:cNvSpPr txBox="1"/>
-          <p:nvPr/>
-        </p:nvSpPr>
-        <p:spPr>
-          <a:xfrm>
-            <a:off x="5343031" y="4037767"/>
-            <a:ext cx="865943" cy="369332"/>
-          </a:xfrm>
-          <a:prstGeom prst="rect">
-            <a:avLst/>
-          </a:prstGeom>
-          <a:noFill/>
-        </p:spPr>
-        <p:txBody>
-          <a:bodyPr wrap="none" rtlCol="0">
-            <a:spAutoFit/>
-          </a:bodyPr>
-          <a:lstStyle/>
-          <a:p>
-            <a:r>
-              <a:rPr lang="en-US" altLang="zh-TW" dirty="0"/>
-              <a:t>if x &gt; m</a:t>
-            </a:r>
-            <a:endParaRPr lang="zh-TW" altLang="en-US" dirty="0"/>
-          </a:p>
-        </p:txBody>
-      </p:sp>
+      <p:graphicFrame>
+        <p:nvGraphicFramePr>
+          <p:cNvPr id="4" name="表格 4">
+            <a:extLst>
+              <a:ext uri="{FF2B5EF4-FFF2-40B4-BE49-F238E27FC236}">
+                <a16:creationId xmlns:a16="http://schemas.microsoft.com/office/drawing/2014/main" id="{5F3E0619-219B-E13A-0433-2F63B4B4B02D}"/>
+              </a:ext>
+            </a:extLst>
+          </p:cNvPr>
+          <p:cNvGraphicFramePr>
+            <a:graphicFrameLocks noGrp="1"/>
+          </p:cNvGraphicFramePr>
+          <p:nvPr>
+            <p:extLst>
+              <p:ext uri="{D42A27DB-BD31-4B8C-83A1-F6EECF244321}">
+                <p14:modId xmlns:p14="http://schemas.microsoft.com/office/powerpoint/2010/main" val="228657796"/>
+              </p:ext>
+            </p:extLst>
+          </p:nvPr>
+        </p:nvGraphicFramePr>
+        <p:xfrm>
+          <a:off x="1239520" y="1791335"/>
+          <a:ext cx="9712959" cy="3275330"/>
+        </p:xfrm>
+        <a:graphic>
+          <a:graphicData uri="http://schemas.openxmlformats.org/drawingml/2006/table">
+            <a:tbl>
+              <a:tblPr firstRow="1" bandRow="1">
+                <a:tableStyleId>{5C22544A-7EE6-4342-B048-85BDC9FD1C3A}</a:tableStyleId>
+              </a:tblPr>
+              <a:tblGrid>
+                <a:gridCol w="3237653">
+                  <a:extLst>
+                    <a:ext uri="{9D8B030D-6E8A-4147-A177-3AD203B41FA5}">
+                      <a16:colId xmlns:a16="http://schemas.microsoft.com/office/drawing/2014/main" val="3991208199"/>
+                    </a:ext>
+                  </a:extLst>
+                </a:gridCol>
+                <a:gridCol w="3237653">
+                  <a:extLst>
+                    <a:ext uri="{9D8B030D-6E8A-4147-A177-3AD203B41FA5}">
+                      <a16:colId xmlns:a16="http://schemas.microsoft.com/office/drawing/2014/main" val="1262213421"/>
+                    </a:ext>
+                  </a:extLst>
+                </a:gridCol>
+                <a:gridCol w="3237653">
+                  <a:extLst>
+                    <a:ext uri="{9D8B030D-6E8A-4147-A177-3AD203B41FA5}">
+                      <a16:colId xmlns:a16="http://schemas.microsoft.com/office/drawing/2014/main" val="3788634706"/>
+                    </a:ext>
+                  </a:extLst>
+                </a:gridCol>
+              </a:tblGrid>
+              <a:tr h="655066">
+                <a:tc>
+                  <a:txBody>
+                    <a:bodyPr/>
+                    <a:lstStyle/>
+                    <a:p>
+                      <a:pPr marL="0" marR="0" lvl="0" indent="0" algn="l" defTabSz="914400" rtl="0" eaLnBrk="1" fontAlgn="auto" latinLnBrk="0" hangingPunct="1">
+                        <a:lnSpc>
+                          <a:spcPct val="100000"/>
+                        </a:lnSpc>
+                        <a:spcBef>
+                          <a:spcPts val="0"/>
+                        </a:spcBef>
+                        <a:spcAft>
+                          <a:spcPts val="0"/>
+                        </a:spcAft>
+                        <a:buClrTx/>
+                        <a:buSzTx/>
+                        <a:buFontTx/>
+                        <a:buNone/>
+                        <a:tabLst/>
+                        <a:defRPr/>
+                      </a:pPr>
+                      <a:r>
+                        <a:rPr lang="en-US" altLang="zh-TW" sz="2800" dirty="0"/>
+                        <a:t>Repeat 50 times</a:t>
+                      </a:r>
+                      <a:endParaRPr lang="zh-TW" altLang="en-US" sz="2800" dirty="0"/>
+                    </a:p>
+                  </a:txBody>
+                  <a:tcPr/>
+                </a:tc>
+                <a:tc>
+                  <a:txBody>
+                    <a:bodyPr/>
+                    <a:lstStyle/>
+                    <a:p>
+                      <a:r>
+                        <a:rPr lang="en-US" altLang="zh-TW" sz="2800" dirty="0"/>
+                        <a:t>Max Accuracy (%)</a:t>
+                      </a:r>
+                      <a:endParaRPr lang="zh-TW" altLang="en-US" sz="2800" dirty="0"/>
+                    </a:p>
+                  </a:txBody>
+                  <a:tcPr/>
+                </a:tc>
+                <a:tc>
+                  <a:txBody>
+                    <a:bodyPr/>
+                    <a:lstStyle/>
+                    <a:p>
+                      <a:r>
+                        <a:rPr lang="en-US" altLang="zh-TW" sz="2800" dirty="0"/>
+                        <a:t>Time (s)</a:t>
+                      </a:r>
+                      <a:endParaRPr lang="zh-TW" altLang="en-US" sz="2800" dirty="0"/>
+                    </a:p>
+                  </a:txBody>
+                  <a:tcPr/>
+                </a:tc>
+                <a:extLst>
+                  <a:ext uri="{0D108BD9-81ED-4DB2-BD59-A6C34878D82A}">
+                    <a16:rowId xmlns:a16="http://schemas.microsoft.com/office/drawing/2014/main" val="2028684342"/>
+                  </a:ext>
+                </a:extLst>
+              </a:tr>
+              <a:tr h="655066">
+                <a:tc>
+                  <a:txBody>
+                    <a:bodyPr/>
+                    <a:lstStyle/>
+                    <a:p>
+                      <a:r>
+                        <a:rPr lang="en-US" altLang="zh-TW" sz="2800" dirty="0" err="1"/>
+                        <a:t>testA</a:t>
+                      </a:r>
+                      <a:endParaRPr lang="zh-TW" altLang="en-US" sz="2800" dirty="0"/>
+                    </a:p>
+                  </a:txBody>
+                  <a:tcPr/>
+                </a:tc>
+                <a:tc>
+                  <a:txBody>
+                    <a:bodyPr/>
+                    <a:lstStyle/>
+                    <a:p>
+                      <a:r>
+                        <a:rPr lang="en-US" altLang="zh-TW" sz="2800" dirty="0"/>
+                        <a:t>78.6965% </a:t>
+                      </a:r>
+                      <a:r>
+                        <a:rPr lang="en-US" altLang="zh-TW" sz="2800" dirty="0">
+                          <a:latin typeface="Wide Latin" panose="020A0A07050505020404" pitchFamily="18" charset="0"/>
+                        </a:rPr>
+                        <a:t>±</a:t>
+                      </a:r>
+                      <a:r>
+                        <a:rPr lang="en-US" altLang="zh-TW" sz="2800" dirty="0"/>
+                        <a:t> 1.751% </a:t>
+                      </a:r>
+                      <a:endParaRPr lang="zh-TW" altLang="en-US" sz="2800" dirty="0"/>
+                    </a:p>
+                  </a:txBody>
+                  <a:tcPr/>
+                </a:tc>
+                <a:tc>
+                  <a:txBody>
+                    <a:bodyPr/>
+                    <a:lstStyle/>
+                    <a:p>
+                      <a:r>
+                        <a:rPr lang="en-US" altLang="zh-TW" sz="2800" dirty="0"/>
+                        <a:t>0.003</a:t>
+                      </a:r>
+                      <a:endParaRPr lang="zh-TW" altLang="en-US" sz="2800" dirty="0"/>
+                    </a:p>
+                  </a:txBody>
+                  <a:tcPr/>
+                </a:tc>
+                <a:extLst>
+                  <a:ext uri="{0D108BD9-81ED-4DB2-BD59-A6C34878D82A}">
+                    <a16:rowId xmlns:a16="http://schemas.microsoft.com/office/drawing/2014/main" val="1629505054"/>
+                  </a:ext>
+                </a:extLst>
+              </a:tr>
+              <a:tr h="655066">
+                <a:tc>
+                  <a:txBody>
+                    <a:bodyPr/>
+                    <a:lstStyle/>
+                    <a:p>
+                      <a:r>
+                        <a:rPr lang="en-US" altLang="zh-TW" sz="2800" dirty="0" err="1"/>
+                        <a:t>testA</a:t>
+                      </a:r>
+                      <a:r>
+                        <a:rPr lang="en-US" altLang="zh-TW" sz="2800" dirty="0"/>
+                        <a:t> (normalized)</a:t>
+                      </a:r>
+                      <a:endParaRPr lang="zh-TW" altLang="en-US" sz="2800" dirty="0"/>
+                    </a:p>
+                  </a:txBody>
+                  <a:tcPr/>
+                </a:tc>
+                <a:tc>
+                  <a:txBody>
+                    <a:bodyPr/>
+                    <a:lstStyle/>
+                    <a:p>
+                      <a:r>
+                        <a:rPr lang="en-US" altLang="zh-TW" sz="2800" dirty="0"/>
+                        <a:t>78.5373% </a:t>
+                      </a:r>
+                      <a:r>
+                        <a:rPr lang="en-US" altLang="zh-TW" sz="2800" dirty="0">
+                          <a:latin typeface="Wide Latin" panose="020A0A07050505020404" pitchFamily="18" charset="0"/>
+                        </a:rPr>
+                        <a:t>±</a:t>
+                      </a:r>
+                      <a:r>
+                        <a:rPr lang="en-US" altLang="zh-TW" sz="2800" dirty="0"/>
+                        <a:t> 1.452% </a:t>
+                      </a:r>
+                      <a:endParaRPr lang="zh-TW" altLang="en-US" sz="2800" dirty="0"/>
+                    </a:p>
+                  </a:txBody>
+                  <a:tcPr/>
+                </a:tc>
+                <a:tc>
+                  <a:txBody>
+                    <a:bodyPr/>
+                    <a:lstStyle/>
+                    <a:p>
+                      <a:r>
+                        <a:rPr lang="en-US" altLang="zh-TW" sz="2800" dirty="0"/>
+                        <a:t>0.004</a:t>
+                      </a:r>
+                      <a:endParaRPr lang="zh-TW" altLang="en-US" sz="2800" dirty="0"/>
+                    </a:p>
+                  </a:txBody>
+                  <a:tcPr/>
+                </a:tc>
+                <a:extLst>
+                  <a:ext uri="{0D108BD9-81ED-4DB2-BD59-A6C34878D82A}">
+                    <a16:rowId xmlns:a16="http://schemas.microsoft.com/office/drawing/2014/main" val="2232274875"/>
+                  </a:ext>
+                </a:extLst>
+              </a:tr>
+              <a:tr h="655066">
+                <a:tc>
+                  <a:txBody>
+                    <a:bodyPr/>
+                    <a:lstStyle/>
+                    <a:p>
+                      <a:r>
+                        <a:rPr lang="en-US" altLang="zh-TW" sz="2800" dirty="0" err="1"/>
+                        <a:t>testB</a:t>
+                      </a:r>
+                      <a:endParaRPr lang="zh-TW" altLang="en-US" sz="2800" dirty="0"/>
+                    </a:p>
+                  </a:txBody>
+                  <a:tcPr/>
+                </a:tc>
+                <a:tc>
+                  <a:txBody>
+                    <a:bodyPr/>
+                    <a:lstStyle/>
+                    <a:p>
+                      <a:r>
+                        <a:rPr lang="en-US" altLang="zh-TW" sz="2800" dirty="0"/>
+                        <a:t>77.98% </a:t>
+                      </a:r>
+                      <a:r>
+                        <a:rPr lang="en-US" altLang="zh-TW" sz="2800" dirty="0">
+                          <a:latin typeface="Wide Latin" panose="020A0A07050505020404" pitchFamily="18" charset="0"/>
+                        </a:rPr>
+                        <a:t>±</a:t>
+                      </a:r>
+                      <a:r>
+                        <a:rPr lang="en-US" altLang="zh-TW" sz="2800" dirty="0"/>
+                        <a:t> 2.083%</a:t>
+                      </a:r>
+                      <a:endParaRPr lang="zh-TW" altLang="en-US" sz="2800" dirty="0"/>
+                    </a:p>
+                  </a:txBody>
+                  <a:tcPr/>
+                </a:tc>
+                <a:tc>
+                  <a:txBody>
+                    <a:bodyPr/>
+                    <a:lstStyle/>
+                    <a:p>
+                      <a:r>
+                        <a:rPr lang="en-US" altLang="zh-TW" sz="2800" dirty="0"/>
+                        <a:t>0.006</a:t>
+                      </a:r>
+                      <a:endParaRPr lang="zh-TW" altLang="en-US" sz="2800" dirty="0"/>
+                    </a:p>
+                  </a:txBody>
+                  <a:tcPr/>
+                </a:tc>
+                <a:extLst>
+                  <a:ext uri="{0D108BD9-81ED-4DB2-BD59-A6C34878D82A}">
+                    <a16:rowId xmlns:a16="http://schemas.microsoft.com/office/drawing/2014/main" val="4251700897"/>
+                  </a:ext>
+                </a:extLst>
+              </a:tr>
+              <a:tr h="655066">
+                <a:tc>
+                  <a:txBody>
+                    <a:bodyPr/>
+                    <a:lstStyle/>
+                    <a:p>
+                      <a:r>
+                        <a:rPr lang="en-US" altLang="zh-TW" sz="2800" dirty="0" err="1"/>
+                        <a:t>testB</a:t>
+                      </a:r>
+                      <a:r>
+                        <a:rPr lang="en-US" altLang="zh-TW" sz="2800" dirty="0"/>
+                        <a:t> (normalized)</a:t>
+                      </a:r>
+                      <a:endParaRPr lang="zh-TW" altLang="en-US" sz="2800" dirty="0"/>
+                    </a:p>
+                  </a:txBody>
+                  <a:tcPr/>
+                </a:tc>
+                <a:tc>
+                  <a:txBody>
+                    <a:bodyPr/>
+                    <a:lstStyle/>
+                    <a:p>
+                      <a:pPr marL="0" marR="0" lvl="0" indent="0" algn="l" defTabSz="914400" rtl="0" eaLnBrk="1" fontAlgn="auto" latinLnBrk="0" hangingPunct="1">
+                        <a:lnSpc>
+                          <a:spcPct val="100000"/>
+                        </a:lnSpc>
+                        <a:spcBef>
+                          <a:spcPts val="0"/>
+                        </a:spcBef>
+                        <a:spcAft>
+                          <a:spcPts val="0"/>
+                        </a:spcAft>
+                        <a:buClrTx/>
+                        <a:buSzTx/>
+                        <a:buFontTx/>
+                        <a:buNone/>
+                        <a:tabLst/>
+                        <a:defRPr/>
+                      </a:pPr>
+                      <a:r>
+                        <a:rPr lang="en-US" altLang="zh-TW" sz="2800" dirty="0"/>
+                        <a:t>77.5% </a:t>
+                      </a:r>
+                      <a:r>
+                        <a:rPr lang="en-US" altLang="zh-TW" sz="2800" dirty="0">
+                          <a:latin typeface="Wide Latin" panose="020A0A07050505020404" pitchFamily="18" charset="0"/>
+                        </a:rPr>
+                        <a:t>±</a:t>
+                      </a:r>
+                      <a:r>
+                        <a:rPr lang="en-US" altLang="zh-TW" sz="2800" dirty="0"/>
+                        <a:t> 2.516%</a:t>
+                      </a:r>
+                      <a:endParaRPr lang="zh-TW" altLang="en-US" sz="2800" dirty="0"/>
+                    </a:p>
+                  </a:txBody>
+                  <a:tcPr/>
+                </a:tc>
+                <a:tc>
+                  <a:txBody>
+                    <a:bodyPr/>
+                    <a:lstStyle/>
+                    <a:p>
+                      <a:r>
+                        <a:rPr lang="en-US" altLang="zh-TW" sz="2800" dirty="0"/>
+                        <a:t>0.005</a:t>
+                      </a:r>
+                      <a:endParaRPr lang="zh-TW" altLang="en-US" sz="2800" dirty="0"/>
+                    </a:p>
+                  </a:txBody>
+                  <a:tcPr/>
+                </a:tc>
+                <a:extLst>
+                  <a:ext uri="{0D108BD9-81ED-4DB2-BD59-A6C34878D82A}">
+                    <a16:rowId xmlns:a16="http://schemas.microsoft.com/office/drawing/2014/main" val="4168020029"/>
+                  </a:ext>
+                </a:extLst>
+              </a:tr>
+            </a:tbl>
+          </a:graphicData>
+        </a:graphic>
+      </p:graphicFrame>
     </p:spTree>
     <p:extLst>
       <p:ext uri="{BB962C8B-B14F-4D97-AF65-F5344CB8AC3E}">
-        <p14:creationId xmlns:p14="http://schemas.microsoft.com/office/powerpoint/2010/main" val="1169225488"/>
+        <p14:creationId xmlns:p14="http://schemas.microsoft.com/office/powerpoint/2010/main" val="2220883863"/>
       </p:ext>
     </p:extLst>
   </p:cSld>
@@ -16315,6 +15996,1686 @@
 </file>
 
 <file path=ppt/slides/slide20.xml><?xml version="1.0" encoding="utf-8"?>
+<p:sld xmlns:a="http://schemas.openxmlformats.org/drawingml/2006/main" xmlns:r="http://schemas.openxmlformats.org/officeDocument/2006/relationships" xmlns:p="http://schemas.openxmlformats.org/presentationml/2006/main">
+  <p:cSld>
+    <p:spTree>
+      <p:nvGrpSpPr>
+        <p:cNvPr id="1" name=""/>
+        <p:cNvGrpSpPr/>
+        <p:nvPr/>
+      </p:nvGrpSpPr>
+      <p:grpSpPr>
+        <a:xfrm>
+          <a:off x="0" y="0"/>
+          <a:ext cx="0" cy="0"/>
+          <a:chOff x="0" y="0"/>
+          <a:chExt cx="0" cy="0"/>
+        </a:xfrm>
+      </p:grpSpPr>
+      <p:sp>
+        <p:nvSpPr>
+          <p:cNvPr id="2" name="標題 1">
+            <a:extLst>
+              <a:ext uri="{FF2B5EF4-FFF2-40B4-BE49-F238E27FC236}">
+                <a16:creationId xmlns:a16="http://schemas.microsoft.com/office/drawing/2014/main" id="{7BDC027D-0EFD-5E87-C32C-78BCBA19CA82}"/>
+              </a:ext>
+            </a:extLst>
+          </p:cNvPr>
+          <p:cNvSpPr>
+            <a:spLocks noGrp="1"/>
+          </p:cNvSpPr>
+          <p:nvPr>
+            <p:ph type="title"/>
+          </p:nvPr>
+        </p:nvSpPr>
+        <p:spPr/>
+        <p:txBody>
+          <a:bodyPr/>
+          <a:lstStyle/>
+          <a:p>
+            <a:r>
+              <a:rPr lang="en-US" altLang="zh-TW" dirty="0">
+                <a:latin typeface="Consolas" panose="020B0609020204030204" pitchFamily="49" charset="0"/>
+              </a:rPr>
+              <a:t>KNN – ANNOY </a:t>
+            </a:r>
+            <a:r>
+              <a:rPr lang="en-US" altLang="zh-TW" dirty="0" err="1">
+                <a:latin typeface="Consolas" panose="020B0609020204030204" pitchFamily="49" charset="0"/>
+              </a:rPr>
+              <a:t>w.t.</a:t>
+            </a:r>
+            <a:r>
+              <a:rPr lang="en-US" altLang="zh-TW" dirty="0">
+                <a:latin typeface="Consolas" panose="020B0609020204030204" pitchFamily="49" charset="0"/>
+              </a:rPr>
+              <a:t> DFS</a:t>
+            </a:r>
+            <a:endParaRPr lang="zh-TW" altLang="en-US" dirty="0"/>
+          </a:p>
+        </p:txBody>
+      </p:sp>
+      <p:graphicFrame>
+        <p:nvGraphicFramePr>
+          <p:cNvPr id="4" name="表格 4">
+            <a:extLst>
+              <a:ext uri="{FF2B5EF4-FFF2-40B4-BE49-F238E27FC236}">
+                <a16:creationId xmlns:a16="http://schemas.microsoft.com/office/drawing/2014/main" id="{5F3E0619-219B-E13A-0433-2F63B4B4B02D}"/>
+              </a:ext>
+            </a:extLst>
+          </p:cNvPr>
+          <p:cNvGraphicFramePr>
+            <a:graphicFrameLocks noGrp="1"/>
+          </p:cNvGraphicFramePr>
+          <p:nvPr/>
+        </p:nvGraphicFramePr>
+        <p:xfrm>
+          <a:off x="1239520" y="1791335"/>
+          <a:ext cx="9712959" cy="3275330"/>
+        </p:xfrm>
+        <a:graphic>
+          <a:graphicData uri="http://schemas.openxmlformats.org/drawingml/2006/table">
+            <a:tbl>
+              <a:tblPr firstRow="1" bandRow="1">
+                <a:tableStyleId>{5C22544A-7EE6-4342-B048-85BDC9FD1C3A}</a:tableStyleId>
+              </a:tblPr>
+              <a:tblGrid>
+                <a:gridCol w="3237653">
+                  <a:extLst>
+                    <a:ext uri="{9D8B030D-6E8A-4147-A177-3AD203B41FA5}">
+                      <a16:colId xmlns:a16="http://schemas.microsoft.com/office/drawing/2014/main" val="3991208199"/>
+                    </a:ext>
+                  </a:extLst>
+                </a:gridCol>
+                <a:gridCol w="3237653">
+                  <a:extLst>
+                    <a:ext uri="{9D8B030D-6E8A-4147-A177-3AD203B41FA5}">
+                      <a16:colId xmlns:a16="http://schemas.microsoft.com/office/drawing/2014/main" val="1262213421"/>
+                    </a:ext>
+                  </a:extLst>
+                </a:gridCol>
+                <a:gridCol w="3237653">
+                  <a:extLst>
+                    <a:ext uri="{9D8B030D-6E8A-4147-A177-3AD203B41FA5}">
+                      <a16:colId xmlns:a16="http://schemas.microsoft.com/office/drawing/2014/main" val="3788634706"/>
+                    </a:ext>
+                  </a:extLst>
+                </a:gridCol>
+              </a:tblGrid>
+              <a:tr h="655066">
+                <a:tc>
+                  <a:txBody>
+                    <a:bodyPr/>
+                    <a:lstStyle/>
+                    <a:p>
+                      <a:pPr marL="0" marR="0" lvl="0" indent="0" algn="l" defTabSz="914400" rtl="0" eaLnBrk="1" fontAlgn="auto" latinLnBrk="0" hangingPunct="1">
+                        <a:lnSpc>
+                          <a:spcPct val="100000"/>
+                        </a:lnSpc>
+                        <a:spcBef>
+                          <a:spcPts val="0"/>
+                        </a:spcBef>
+                        <a:spcAft>
+                          <a:spcPts val="0"/>
+                        </a:spcAft>
+                        <a:buClrTx/>
+                        <a:buSzTx/>
+                        <a:buFontTx/>
+                        <a:buNone/>
+                        <a:tabLst/>
+                        <a:defRPr/>
+                      </a:pPr>
+                      <a:r>
+                        <a:rPr lang="en-US" altLang="zh-TW" sz="2800" dirty="0"/>
+                        <a:t>Repeat 50 times</a:t>
+                      </a:r>
+                      <a:endParaRPr lang="zh-TW" altLang="en-US" sz="2800" dirty="0"/>
+                    </a:p>
+                  </a:txBody>
+                  <a:tcPr/>
+                </a:tc>
+                <a:tc>
+                  <a:txBody>
+                    <a:bodyPr/>
+                    <a:lstStyle/>
+                    <a:p>
+                      <a:r>
+                        <a:rPr lang="en-US" altLang="zh-TW" sz="2800" dirty="0"/>
+                        <a:t>Max Accuracy (%)</a:t>
+                      </a:r>
+                      <a:endParaRPr lang="zh-TW" altLang="en-US" sz="2800" dirty="0"/>
+                    </a:p>
+                  </a:txBody>
+                  <a:tcPr/>
+                </a:tc>
+                <a:tc>
+                  <a:txBody>
+                    <a:bodyPr/>
+                    <a:lstStyle/>
+                    <a:p>
+                      <a:r>
+                        <a:rPr lang="en-US" altLang="zh-TW" sz="2800" dirty="0"/>
+                        <a:t>Time (s)</a:t>
+                      </a:r>
+                      <a:endParaRPr lang="zh-TW" altLang="en-US" sz="2800" dirty="0"/>
+                    </a:p>
+                  </a:txBody>
+                  <a:tcPr/>
+                </a:tc>
+                <a:extLst>
+                  <a:ext uri="{0D108BD9-81ED-4DB2-BD59-A6C34878D82A}">
+                    <a16:rowId xmlns:a16="http://schemas.microsoft.com/office/drawing/2014/main" val="2028684342"/>
+                  </a:ext>
+                </a:extLst>
+              </a:tr>
+              <a:tr h="655066">
+                <a:tc>
+                  <a:txBody>
+                    <a:bodyPr/>
+                    <a:lstStyle/>
+                    <a:p>
+                      <a:r>
+                        <a:rPr lang="en-US" altLang="zh-TW" sz="2800" dirty="0" err="1"/>
+                        <a:t>testA</a:t>
+                      </a:r>
+                      <a:endParaRPr lang="zh-TW" altLang="en-US" sz="2800" dirty="0"/>
+                    </a:p>
+                  </a:txBody>
+                  <a:tcPr/>
+                </a:tc>
+                <a:tc>
+                  <a:txBody>
+                    <a:bodyPr/>
+                    <a:lstStyle/>
+                    <a:p>
+                      <a:r>
+                        <a:rPr lang="en-US" altLang="zh-TW" sz="2800" dirty="0"/>
+                        <a:t>78.6965% </a:t>
+                      </a:r>
+                      <a:r>
+                        <a:rPr lang="en-US" altLang="zh-TW" sz="2800" dirty="0">
+                          <a:latin typeface="Wide Latin" panose="020A0A07050505020404" pitchFamily="18" charset="0"/>
+                        </a:rPr>
+                        <a:t>±</a:t>
+                      </a:r>
+                      <a:r>
+                        <a:rPr lang="en-US" altLang="zh-TW" sz="2800" dirty="0"/>
+                        <a:t> 1.751% </a:t>
+                      </a:r>
+                      <a:endParaRPr lang="zh-TW" altLang="en-US" sz="2800" dirty="0"/>
+                    </a:p>
+                  </a:txBody>
+                  <a:tcPr/>
+                </a:tc>
+                <a:tc>
+                  <a:txBody>
+                    <a:bodyPr/>
+                    <a:lstStyle/>
+                    <a:p>
+                      <a:r>
+                        <a:rPr lang="en-US" altLang="zh-TW" sz="2800" dirty="0"/>
+                        <a:t>0.003</a:t>
+                      </a:r>
+                      <a:endParaRPr lang="zh-TW" altLang="en-US" sz="2800" dirty="0"/>
+                    </a:p>
+                  </a:txBody>
+                  <a:tcPr/>
+                </a:tc>
+                <a:extLst>
+                  <a:ext uri="{0D108BD9-81ED-4DB2-BD59-A6C34878D82A}">
+                    <a16:rowId xmlns:a16="http://schemas.microsoft.com/office/drawing/2014/main" val="1629505054"/>
+                  </a:ext>
+                </a:extLst>
+              </a:tr>
+              <a:tr h="655066">
+                <a:tc>
+                  <a:txBody>
+                    <a:bodyPr/>
+                    <a:lstStyle/>
+                    <a:p>
+                      <a:r>
+                        <a:rPr lang="en-US" altLang="zh-TW" sz="2800" dirty="0" err="1"/>
+                        <a:t>testA</a:t>
+                      </a:r>
+                      <a:r>
+                        <a:rPr lang="en-US" altLang="zh-TW" sz="2800" dirty="0"/>
+                        <a:t> (normalized)</a:t>
+                      </a:r>
+                      <a:endParaRPr lang="zh-TW" altLang="en-US" sz="2800" dirty="0"/>
+                    </a:p>
+                  </a:txBody>
+                  <a:tcPr/>
+                </a:tc>
+                <a:tc>
+                  <a:txBody>
+                    <a:bodyPr/>
+                    <a:lstStyle/>
+                    <a:p>
+                      <a:r>
+                        <a:rPr lang="en-US" altLang="zh-TW" sz="2800" dirty="0"/>
+                        <a:t>78.5373% </a:t>
+                      </a:r>
+                      <a:r>
+                        <a:rPr lang="en-US" altLang="zh-TW" sz="2800" dirty="0">
+                          <a:latin typeface="Wide Latin" panose="020A0A07050505020404" pitchFamily="18" charset="0"/>
+                        </a:rPr>
+                        <a:t>±</a:t>
+                      </a:r>
+                      <a:r>
+                        <a:rPr lang="en-US" altLang="zh-TW" sz="2800" dirty="0"/>
+                        <a:t> 1.452% </a:t>
+                      </a:r>
+                      <a:endParaRPr lang="zh-TW" altLang="en-US" sz="2800" dirty="0"/>
+                    </a:p>
+                  </a:txBody>
+                  <a:tcPr/>
+                </a:tc>
+                <a:tc>
+                  <a:txBody>
+                    <a:bodyPr/>
+                    <a:lstStyle/>
+                    <a:p>
+                      <a:r>
+                        <a:rPr lang="en-US" altLang="zh-TW" sz="2800" dirty="0"/>
+                        <a:t>0.004</a:t>
+                      </a:r>
+                      <a:endParaRPr lang="zh-TW" altLang="en-US" sz="2800" dirty="0"/>
+                    </a:p>
+                  </a:txBody>
+                  <a:tcPr/>
+                </a:tc>
+                <a:extLst>
+                  <a:ext uri="{0D108BD9-81ED-4DB2-BD59-A6C34878D82A}">
+                    <a16:rowId xmlns:a16="http://schemas.microsoft.com/office/drawing/2014/main" val="2232274875"/>
+                  </a:ext>
+                </a:extLst>
+              </a:tr>
+              <a:tr h="655066">
+                <a:tc>
+                  <a:txBody>
+                    <a:bodyPr/>
+                    <a:lstStyle/>
+                    <a:p>
+                      <a:r>
+                        <a:rPr lang="en-US" altLang="zh-TW" sz="2800" dirty="0" err="1"/>
+                        <a:t>testB</a:t>
+                      </a:r>
+                      <a:endParaRPr lang="zh-TW" altLang="en-US" sz="2800" dirty="0"/>
+                    </a:p>
+                  </a:txBody>
+                  <a:tcPr/>
+                </a:tc>
+                <a:tc>
+                  <a:txBody>
+                    <a:bodyPr/>
+                    <a:lstStyle/>
+                    <a:p>
+                      <a:r>
+                        <a:rPr lang="en-US" altLang="zh-TW" sz="2800" dirty="0"/>
+                        <a:t>77.98% </a:t>
+                      </a:r>
+                      <a:r>
+                        <a:rPr lang="en-US" altLang="zh-TW" sz="2800" dirty="0">
+                          <a:latin typeface="Wide Latin" panose="020A0A07050505020404" pitchFamily="18" charset="0"/>
+                        </a:rPr>
+                        <a:t>±</a:t>
+                      </a:r>
+                      <a:r>
+                        <a:rPr lang="en-US" altLang="zh-TW" sz="2800" dirty="0"/>
+                        <a:t> 2.083%</a:t>
+                      </a:r>
+                      <a:endParaRPr lang="zh-TW" altLang="en-US" sz="2800" dirty="0"/>
+                    </a:p>
+                  </a:txBody>
+                  <a:tcPr/>
+                </a:tc>
+                <a:tc>
+                  <a:txBody>
+                    <a:bodyPr/>
+                    <a:lstStyle/>
+                    <a:p>
+                      <a:r>
+                        <a:rPr lang="en-US" altLang="zh-TW" sz="2800" dirty="0"/>
+                        <a:t>0.006</a:t>
+                      </a:r>
+                      <a:endParaRPr lang="zh-TW" altLang="en-US" sz="2800" dirty="0"/>
+                    </a:p>
+                  </a:txBody>
+                  <a:tcPr/>
+                </a:tc>
+                <a:extLst>
+                  <a:ext uri="{0D108BD9-81ED-4DB2-BD59-A6C34878D82A}">
+                    <a16:rowId xmlns:a16="http://schemas.microsoft.com/office/drawing/2014/main" val="4251700897"/>
+                  </a:ext>
+                </a:extLst>
+              </a:tr>
+              <a:tr h="655066">
+                <a:tc>
+                  <a:txBody>
+                    <a:bodyPr/>
+                    <a:lstStyle/>
+                    <a:p>
+                      <a:r>
+                        <a:rPr lang="en-US" altLang="zh-TW" sz="2800" dirty="0" err="1"/>
+                        <a:t>testB</a:t>
+                      </a:r>
+                      <a:r>
+                        <a:rPr lang="en-US" altLang="zh-TW" sz="2800" dirty="0"/>
+                        <a:t> (normalized)</a:t>
+                      </a:r>
+                      <a:endParaRPr lang="zh-TW" altLang="en-US" sz="2800" dirty="0"/>
+                    </a:p>
+                  </a:txBody>
+                  <a:tcPr/>
+                </a:tc>
+                <a:tc>
+                  <a:txBody>
+                    <a:bodyPr/>
+                    <a:lstStyle/>
+                    <a:p>
+                      <a:pPr marL="0" marR="0" lvl="0" indent="0" algn="l" defTabSz="914400" rtl="0" eaLnBrk="1" fontAlgn="auto" latinLnBrk="0" hangingPunct="1">
+                        <a:lnSpc>
+                          <a:spcPct val="100000"/>
+                        </a:lnSpc>
+                        <a:spcBef>
+                          <a:spcPts val="0"/>
+                        </a:spcBef>
+                        <a:spcAft>
+                          <a:spcPts val="0"/>
+                        </a:spcAft>
+                        <a:buClrTx/>
+                        <a:buSzTx/>
+                        <a:buFontTx/>
+                        <a:buNone/>
+                        <a:tabLst/>
+                        <a:defRPr/>
+                      </a:pPr>
+                      <a:r>
+                        <a:rPr lang="en-US" altLang="zh-TW" sz="2800" dirty="0"/>
+                        <a:t>77.5% </a:t>
+                      </a:r>
+                      <a:r>
+                        <a:rPr lang="en-US" altLang="zh-TW" sz="2800" dirty="0">
+                          <a:latin typeface="Wide Latin" panose="020A0A07050505020404" pitchFamily="18" charset="0"/>
+                        </a:rPr>
+                        <a:t>±</a:t>
+                      </a:r>
+                      <a:r>
+                        <a:rPr lang="en-US" altLang="zh-TW" sz="2800" dirty="0"/>
+                        <a:t> 2.516%</a:t>
+                      </a:r>
+                      <a:endParaRPr lang="zh-TW" altLang="en-US" sz="2800" dirty="0"/>
+                    </a:p>
+                  </a:txBody>
+                  <a:tcPr/>
+                </a:tc>
+                <a:tc>
+                  <a:txBody>
+                    <a:bodyPr/>
+                    <a:lstStyle/>
+                    <a:p>
+                      <a:r>
+                        <a:rPr lang="en-US" altLang="zh-TW" sz="2800" dirty="0"/>
+                        <a:t>0.005</a:t>
+                      </a:r>
+                      <a:endParaRPr lang="zh-TW" altLang="en-US" sz="2800" dirty="0"/>
+                    </a:p>
+                  </a:txBody>
+                  <a:tcPr/>
+                </a:tc>
+                <a:extLst>
+                  <a:ext uri="{0D108BD9-81ED-4DB2-BD59-A6C34878D82A}">
+                    <a16:rowId xmlns:a16="http://schemas.microsoft.com/office/drawing/2014/main" val="4168020029"/>
+                  </a:ext>
+                </a:extLst>
+              </a:tr>
+            </a:tbl>
+          </a:graphicData>
+        </a:graphic>
+      </p:graphicFrame>
+    </p:spTree>
+    <p:extLst>
+      <p:ext uri="{BB962C8B-B14F-4D97-AF65-F5344CB8AC3E}">
+        <p14:creationId xmlns:p14="http://schemas.microsoft.com/office/powerpoint/2010/main" val="1076128067"/>
+      </p:ext>
+    </p:extLst>
+  </p:cSld>
+  <p:clrMapOvr>
+    <a:masterClrMapping/>
+  </p:clrMapOvr>
+</p:sld>
+</file>
+
+<file path=ppt/slides/slide21.xml><?xml version="1.0" encoding="utf-8"?>
+<p:sld xmlns:a="http://schemas.openxmlformats.org/drawingml/2006/main" xmlns:r="http://schemas.openxmlformats.org/officeDocument/2006/relationships" xmlns:p="http://schemas.openxmlformats.org/presentationml/2006/main">
+  <p:cSld>
+    <p:spTree>
+      <p:nvGrpSpPr>
+        <p:cNvPr id="1" name=""/>
+        <p:cNvGrpSpPr/>
+        <p:nvPr/>
+      </p:nvGrpSpPr>
+      <p:grpSpPr>
+        <a:xfrm>
+          <a:off x="0" y="0"/>
+          <a:ext cx="0" cy="0"/>
+          <a:chOff x="0" y="0"/>
+          <a:chExt cx="0" cy="0"/>
+        </a:xfrm>
+      </p:grpSpPr>
+      <p:sp>
+        <p:nvSpPr>
+          <p:cNvPr id="2" name="標題 1">
+            <a:extLst>
+              <a:ext uri="{FF2B5EF4-FFF2-40B4-BE49-F238E27FC236}">
+                <a16:creationId xmlns:a16="http://schemas.microsoft.com/office/drawing/2014/main" id="{7BDC027D-0EFD-5E87-C32C-78BCBA19CA82}"/>
+              </a:ext>
+            </a:extLst>
+          </p:cNvPr>
+          <p:cNvSpPr>
+            <a:spLocks noGrp="1"/>
+          </p:cNvSpPr>
+          <p:nvPr>
+            <p:ph type="title"/>
+          </p:nvPr>
+        </p:nvSpPr>
+        <p:spPr/>
+        <p:txBody>
+          <a:bodyPr/>
+          <a:lstStyle/>
+          <a:p>
+            <a:r>
+              <a:rPr lang="en-US" altLang="zh-TW" dirty="0">
+                <a:latin typeface="Consolas" panose="020B0609020204030204" pitchFamily="49" charset="0"/>
+              </a:rPr>
+              <a:t>KNN – ANNOY </a:t>
+            </a:r>
+            <a:r>
+              <a:rPr lang="en-US" altLang="zh-TW" dirty="0" err="1">
+                <a:latin typeface="Consolas" panose="020B0609020204030204" pitchFamily="49" charset="0"/>
+              </a:rPr>
+              <a:t>w.t.</a:t>
+            </a:r>
+            <a:r>
+              <a:rPr lang="en-US" altLang="zh-TW" dirty="0">
+                <a:latin typeface="Consolas" panose="020B0609020204030204" pitchFamily="49" charset="0"/>
+              </a:rPr>
+              <a:t> BFS</a:t>
+            </a:r>
+            <a:endParaRPr lang="zh-TW" altLang="en-US" dirty="0"/>
+          </a:p>
+        </p:txBody>
+      </p:sp>
+      <p:graphicFrame>
+        <p:nvGraphicFramePr>
+          <p:cNvPr id="4" name="表格 4">
+            <a:extLst>
+              <a:ext uri="{FF2B5EF4-FFF2-40B4-BE49-F238E27FC236}">
+                <a16:creationId xmlns:a16="http://schemas.microsoft.com/office/drawing/2014/main" id="{5F3E0619-219B-E13A-0433-2F63B4B4B02D}"/>
+              </a:ext>
+            </a:extLst>
+          </p:cNvPr>
+          <p:cNvGraphicFramePr>
+            <a:graphicFrameLocks noGrp="1"/>
+          </p:cNvGraphicFramePr>
+          <p:nvPr/>
+        </p:nvGraphicFramePr>
+        <p:xfrm>
+          <a:off x="1239520" y="1791335"/>
+          <a:ext cx="9712959" cy="3275330"/>
+        </p:xfrm>
+        <a:graphic>
+          <a:graphicData uri="http://schemas.openxmlformats.org/drawingml/2006/table">
+            <a:tbl>
+              <a:tblPr firstRow="1" bandRow="1">
+                <a:tableStyleId>{5C22544A-7EE6-4342-B048-85BDC9FD1C3A}</a:tableStyleId>
+              </a:tblPr>
+              <a:tblGrid>
+                <a:gridCol w="3237653">
+                  <a:extLst>
+                    <a:ext uri="{9D8B030D-6E8A-4147-A177-3AD203B41FA5}">
+                      <a16:colId xmlns:a16="http://schemas.microsoft.com/office/drawing/2014/main" val="3991208199"/>
+                    </a:ext>
+                  </a:extLst>
+                </a:gridCol>
+                <a:gridCol w="3237653">
+                  <a:extLst>
+                    <a:ext uri="{9D8B030D-6E8A-4147-A177-3AD203B41FA5}">
+                      <a16:colId xmlns:a16="http://schemas.microsoft.com/office/drawing/2014/main" val="1262213421"/>
+                    </a:ext>
+                  </a:extLst>
+                </a:gridCol>
+                <a:gridCol w="3237653">
+                  <a:extLst>
+                    <a:ext uri="{9D8B030D-6E8A-4147-A177-3AD203B41FA5}">
+                      <a16:colId xmlns:a16="http://schemas.microsoft.com/office/drawing/2014/main" val="3788634706"/>
+                    </a:ext>
+                  </a:extLst>
+                </a:gridCol>
+              </a:tblGrid>
+              <a:tr h="655066">
+                <a:tc>
+                  <a:txBody>
+                    <a:bodyPr/>
+                    <a:lstStyle/>
+                    <a:p>
+                      <a:pPr marL="0" marR="0" lvl="0" indent="0" algn="l" defTabSz="914400" rtl="0" eaLnBrk="1" fontAlgn="auto" latinLnBrk="0" hangingPunct="1">
+                        <a:lnSpc>
+                          <a:spcPct val="100000"/>
+                        </a:lnSpc>
+                        <a:spcBef>
+                          <a:spcPts val="0"/>
+                        </a:spcBef>
+                        <a:spcAft>
+                          <a:spcPts val="0"/>
+                        </a:spcAft>
+                        <a:buClrTx/>
+                        <a:buSzTx/>
+                        <a:buFontTx/>
+                        <a:buNone/>
+                        <a:tabLst/>
+                        <a:defRPr/>
+                      </a:pPr>
+                      <a:r>
+                        <a:rPr lang="en-US" altLang="zh-TW" sz="2800" dirty="0"/>
+                        <a:t>Repeat 50 times</a:t>
+                      </a:r>
+                      <a:endParaRPr lang="zh-TW" altLang="en-US" sz="2800" dirty="0"/>
+                    </a:p>
+                  </a:txBody>
+                  <a:tcPr/>
+                </a:tc>
+                <a:tc>
+                  <a:txBody>
+                    <a:bodyPr/>
+                    <a:lstStyle/>
+                    <a:p>
+                      <a:r>
+                        <a:rPr lang="en-US" altLang="zh-TW" sz="2800" dirty="0"/>
+                        <a:t>Max Accuracy (%)</a:t>
+                      </a:r>
+                      <a:endParaRPr lang="zh-TW" altLang="en-US" sz="2800" dirty="0"/>
+                    </a:p>
+                  </a:txBody>
+                  <a:tcPr/>
+                </a:tc>
+                <a:tc>
+                  <a:txBody>
+                    <a:bodyPr/>
+                    <a:lstStyle/>
+                    <a:p>
+                      <a:r>
+                        <a:rPr lang="en-US" altLang="zh-TW" sz="2800" dirty="0"/>
+                        <a:t>Time (s)</a:t>
+                      </a:r>
+                      <a:endParaRPr lang="zh-TW" altLang="en-US" sz="2800" dirty="0"/>
+                    </a:p>
+                  </a:txBody>
+                  <a:tcPr/>
+                </a:tc>
+                <a:extLst>
+                  <a:ext uri="{0D108BD9-81ED-4DB2-BD59-A6C34878D82A}">
+                    <a16:rowId xmlns:a16="http://schemas.microsoft.com/office/drawing/2014/main" val="2028684342"/>
+                  </a:ext>
+                </a:extLst>
+              </a:tr>
+              <a:tr h="655066">
+                <a:tc>
+                  <a:txBody>
+                    <a:bodyPr/>
+                    <a:lstStyle/>
+                    <a:p>
+                      <a:r>
+                        <a:rPr lang="en-US" altLang="zh-TW" sz="2800" dirty="0" err="1"/>
+                        <a:t>testA</a:t>
+                      </a:r>
+                      <a:endParaRPr lang="zh-TW" altLang="en-US" sz="2800" dirty="0"/>
+                    </a:p>
+                  </a:txBody>
+                  <a:tcPr/>
+                </a:tc>
+                <a:tc>
+                  <a:txBody>
+                    <a:bodyPr/>
+                    <a:lstStyle/>
+                    <a:p>
+                      <a:r>
+                        <a:rPr lang="en-US" altLang="zh-TW" sz="2800" dirty="0"/>
+                        <a:t>78.6965% </a:t>
+                      </a:r>
+                      <a:r>
+                        <a:rPr lang="en-US" altLang="zh-TW" sz="2800" dirty="0">
+                          <a:latin typeface="Wide Latin" panose="020A0A07050505020404" pitchFamily="18" charset="0"/>
+                        </a:rPr>
+                        <a:t>±</a:t>
+                      </a:r>
+                      <a:r>
+                        <a:rPr lang="en-US" altLang="zh-TW" sz="2800" dirty="0"/>
+                        <a:t> 1.751% </a:t>
+                      </a:r>
+                      <a:endParaRPr lang="zh-TW" altLang="en-US" sz="2800" dirty="0"/>
+                    </a:p>
+                  </a:txBody>
+                  <a:tcPr/>
+                </a:tc>
+                <a:tc>
+                  <a:txBody>
+                    <a:bodyPr/>
+                    <a:lstStyle/>
+                    <a:p>
+                      <a:r>
+                        <a:rPr lang="en-US" altLang="zh-TW" sz="2800" dirty="0"/>
+                        <a:t>0.003</a:t>
+                      </a:r>
+                      <a:endParaRPr lang="zh-TW" altLang="en-US" sz="2800" dirty="0"/>
+                    </a:p>
+                  </a:txBody>
+                  <a:tcPr/>
+                </a:tc>
+                <a:extLst>
+                  <a:ext uri="{0D108BD9-81ED-4DB2-BD59-A6C34878D82A}">
+                    <a16:rowId xmlns:a16="http://schemas.microsoft.com/office/drawing/2014/main" val="1629505054"/>
+                  </a:ext>
+                </a:extLst>
+              </a:tr>
+              <a:tr h="655066">
+                <a:tc>
+                  <a:txBody>
+                    <a:bodyPr/>
+                    <a:lstStyle/>
+                    <a:p>
+                      <a:r>
+                        <a:rPr lang="en-US" altLang="zh-TW" sz="2800" dirty="0" err="1"/>
+                        <a:t>testA</a:t>
+                      </a:r>
+                      <a:r>
+                        <a:rPr lang="en-US" altLang="zh-TW" sz="2800" dirty="0"/>
+                        <a:t> (normalized)</a:t>
+                      </a:r>
+                      <a:endParaRPr lang="zh-TW" altLang="en-US" sz="2800" dirty="0"/>
+                    </a:p>
+                  </a:txBody>
+                  <a:tcPr/>
+                </a:tc>
+                <a:tc>
+                  <a:txBody>
+                    <a:bodyPr/>
+                    <a:lstStyle/>
+                    <a:p>
+                      <a:r>
+                        <a:rPr lang="en-US" altLang="zh-TW" sz="2800" dirty="0"/>
+                        <a:t>78.5373% </a:t>
+                      </a:r>
+                      <a:r>
+                        <a:rPr lang="en-US" altLang="zh-TW" sz="2800" dirty="0">
+                          <a:latin typeface="Wide Latin" panose="020A0A07050505020404" pitchFamily="18" charset="0"/>
+                        </a:rPr>
+                        <a:t>±</a:t>
+                      </a:r>
+                      <a:r>
+                        <a:rPr lang="en-US" altLang="zh-TW" sz="2800" dirty="0"/>
+                        <a:t> 1.452% </a:t>
+                      </a:r>
+                      <a:endParaRPr lang="zh-TW" altLang="en-US" sz="2800" dirty="0"/>
+                    </a:p>
+                  </a:txBody>
+                  <a:tcPr/>
+                </a:tc>
+                <a:tc>
+                  <a:txBody>
+                    <a:bodyPr/>
+                    <a:lstStyle/>
+                    <a:p>
+                      <a:r>
+                        <a:rPr lang="en-US" altLang="zh-TW" sz="2800" dirty="0"/>
+                        <a:t>0.004</a:t>
+                      </a:r>
+                      <a:endParaRPr lang="zh-TW" altLang="en-US" sz="2800" dirty="0"/>
+                    </a:p>
+                  </a:txBody>
+                  <a:tcPr/>
+                </a:tc>
+                <a:extLst>
+                  <a:ext uri="{0D108BD9-81ED-4DB2-BD59-A6C34878D82A}">
+                    <a16:rowId xmlns:a16="http://schemas.microsoft.com/office/drawing/2014/main" val="2232274875"/>
+                  </a:ext>
+                </a:extLst>
+              </a:tr>
+              <a:tr h="655066">
+                <a:tc>
+                  <a:txBody>
+                    <a:bodyPr/>
+                    <a:lstStyle/>
+                    <a:p>
+                      <a:r>
+                        <a:rPr lang="en-US" altLang="zh-TW" sz="2800" dirty="0" err="1"/>
+                        <a:t>testB</a:t>
+                      </a:r>
+                      <a:endParaRPr lang="zh-TW" altLang="en-US" sz="2800" dirty="0"/>
+                    </a:p>
+                  </a:txBody>
+                  <a:tcPr/>
+                </a:tc>
+                <a:tc>
+                  <a:txBody>
+                    <a:bodyPr/>
+                    <a:lstStyle/>
+                    <a:p>
+                      <a:r>
+                        <a:rPr lang="en-US" altLang="zh-TW" sz="2800" dirty="0"/>
+                        <a:t>77.98% </a:t>
+                      </a:r>
+                      <a:r>
+                        <a:rPr lang="en-US" altLang="zh-TW" sz="2800" dirty="0">
+                          <a:latin typeface="Wide Latin" panose="020A0A07050505020404" pitchFamily="18" charset="0"/>
+                        </a:rPr>
+                        <a:t>±</a:t>
+                      </a:r>
+                      <a:r>
+                        <a:rPr lang="en-US" altLang="zh-TW" sz="2800" dirty="0"/>
+                        <a:t> 2.083%</a:t>
+                      </a:r>
+                      <a:endParaRPr lang="zh-TW" altLang="en-US" sz="2800" dirty="0"/>
+                    </a:p>
+                  </a:txBody>
+                  <a:tcPr/>
+                </a:tc>
+                <a:tc>
+                  <a:txBody>
+                    <a:bodyPr/>
+                    <a:lstStyle/>
+                    <a:p>
+                      <a:r>
+                        <a:rPr lang="en-US" altLang="zh-TW" sz="2800" dirty="0"/>
+                        <a:t>0.006</a:t>
+                      </a:r>
+                      <a:endParaRPr lang="zh-TW" altLang="en-US" sz="2800" dirty="0"/>
+                    </a:p>
+                  </a:txBody>
+                  <a:tcPr/>
+                </a:tc>
+                <a:extLst>
+                  <a:ext uri="{0D108BD9-81ED-4DB2-BD59-A6C34878D82A}">
+                    <a16:rowId xmlns:a16="http://schemas.microsoft.com/office/drawing/2014/main" val="4251700897"/>
+                  </a:ext>
+                </a:extLst>
+              </a:tr>
+              <a:tr h="655066">
+                <a:tc>
+                  <a:txBody>
+                    <a:bodyPr/>
+                    <a:lstStyle/>
+                    <a:p>
+                      <a:r>
+                        <a:rPr lang="en-US" altLang="zh-TW" sz="2800" dirty="0" err="1"/>
+                        <a:t>testB</a:t>
+                      </a:r>
+                      <a:r>
+                        <a:rPr lang="en-US" altLang="zh-TW" sz="2800" dirty="0"/>
+                        <a:t> (normalized)</a:t>
+                      </a:r>
+                      <a:endParaRPr lang="zh-TW" altLang="en-US" sz="2800" dirty="0"/>
+                    </a:p>
+                  </a:txBody>
+                  <a:tcPr/>
+                </a:tc>
+                <a:tc>
+                  <a:txBody>
+                    <a:bodyPr/>
+                    <a:lstStyle/>
+                    <a:p>
+                      <a:pPr marL="0" marR="0" lvl="0" indent="0" algn="l" defTabSz="914400" rtl="0" eaLnBrk="1" fontAlgn="auto" latinLnBrk="0" hangingPunct="1">
+                        <a:lnSpc>
+                          <a:spcPct val="100000"/>
+                        </a:lnSpc>
+                        <a:spcBef>
+                          <a:spcPts val="0"/>
+                        </a:spcBef>
+                        <a:spcAft>
+                          <a:spcPts val="0"/>
+                        </a:spcAft>
+                        <a:buClrTx/>
+                        <a:buSzTx/>
+                        <a:buFontTx/>
+                        <a:buNone/>
+                        <a:tabLst/>
+                        <a:defRPr/>
+                      </a:pPr>
+                      <a:r>
+                        <a:rPr lang="en-US" altLang="zh-TW" sz="2800" dirty="0"/>
+                        <a:t>77.5% </a:t>
+                      </a:r>
+                      <a:r>
+                        <a:rPr lang="en-US" altLang="zh-TW" sz="2800" dirty="0">
+                          <a:latin typeface="Wide Latin" panose="020A0A07050505020404" pitchFamily="18" charset="0"/>
+                        </a:rPr>
+                        <a:t>±</a:t>
+                      </a:r>
+                      <a:r>
+                        <a:rPr lang="en-US" altLang="zh-TW" sz="2800" dirty="0"/>
+                        <a:t> 2.516%</a:t>
+                      </a:r>
+                      <a:endParaRPr lang="zh-TW" altLang="en-US" sz="2800" dirty="0"/>
+                    </a:p>
+                  </a:txBody>
+                  <a:tcPr/>
+                </a:tc>
+                <a:tc>
+                  <a:txBody>
+                    <a:bodyPr/>
+                    <a:lstStyle/>
+                    <a:p>
+                      <a:r>
+                        <a:rPr lang="en-US" altLang="zh-TW" sz="2800" dirty="0"/>
+                        <a:t>0.005</a:t>
+                      </a:r>
+                      <a:endParaRPr lang="zh-TW" altLang="en-US" sz="2800" dirty="0"/>
+                    </a:p>
+                  </a:txBody>
+                  <a:tcPr/>
+                </a:tc>
+                <a:extLst>
+                  <a:ext uri="{0D108BD9-81ED-4DB2-BD59-A6C34878D82A}">
+                    <a16:rowId xmlns:a16="http://schemas.microsoft.com/office/drawing/2014/main" val="4168020029"/>
+                  </a:ext>
+                </a:extLst>
+              </a:tr>
+            </a:tbl>
+          </a:graphicData>
+        </a:graphic>
+      </p:graphicFrame>
+    </p:spTree>
+    <p:extLst>
+      <p:ext uri="{BB962C8B-B14F-4D97-AF65-F5344CB8AC3E}">
+        <p14:creationId xmlns:p14="http://schemas.microsoft.com/office/powerpoint/2010/main" val="3922319148"/>
+      </p:ext>
+    </p:extLst>
+  </p:cSld>
+  <p:clrMapOvr>
+    <a:masterClrMapping/>
+  </p:clrMapOvr>
+</p:sld>
+</file>
+
+<file path=ppt/slides/slide22.xml><?xml version="1.0" encoding="utf-8"?>
+<p:sld xmlns:a="http://schemas.openxmlformats.org/drawingml/2006/main" xmlns:r="http://schemas.openxmlformats.org/officeDocument/2006/relationships" xmlns:p="http://schemas.openxmlformats.org/presentationml/2006/main">
+  <p:cSld>
+    <p:spTree>
+      <p:nvGrpSpPr>
+        <p:cNvPr id="1" name=""/>
+        <p:cNvGrpSpPr/>
+        <p:nvPr/>
+      </p:nvGrpSpPr>
+      <p:grpSpPr>
+        <a:xfrm>
+          <a:off x="0" y="0"/>
+          <a:ext cx="0" cy="0"/>
+          <a:chOff x="0" y="0"/>
+          <a:chExt cx="0" cy="0"/>
+        </a:xfrm>
+      </p:grpSpPr>
+      <p:sp>
+        <p:nvSpPr>
+          <p:cNvPr id="2" name="標題 1">
+            <a:extLst>
+              <a:ext uri="{FF2B5EF4-FFF2-40B4-BE49-F238E27FC236}">
+                <a16:creationId xmlns:a16="http://schemas.microsoft.com/office/drawing/2014/main" id="{EF3BE42F-165D-6CAC-0748-619DF3D50D62}"/>
+              </a:ext>
+            </a:extLst>
+          </p:cNvPr>
+          <p:cNvSpPr>
+            <a:spLocks noGrp="1"/>
+          </p:cNvSpPr>
+          <p:nvPr>
+            <p:ph type="title"/>
+          </p:nvPr>
+        </p:nvSpPr>
+        <p:spPr/>
+        <p:txBody>
+          <a:bodyPr/>
+          <a:lstStyle/>
+          <a:p>
+            <a:r>
+              <a:rPr lang="en-US" altLang="zh-TW" dirty="0">
+                <a:latin typeface="Consolas" panose="020B0609020204030204" pitchFamily="49" charset="0"/>
+              </a:rPr>
+              <a:t>Decision tree</a:t>
+            </a:r>
+            <a:endParaRPr lang="zh-TW" altLang="en-US" dirty="0">
+              <a:latin typeface="Consolas" panose="020B0609020204030204" pitchFamily="49" charset="0"/>
+            </a:endParaRPr>
+          </a:p>
+        </p:txBody>
+      </p:sp>
+      <p:sp>
+        <p:nvSpPr>
+          <p:cNvPr id="4" name="流程圖: 決策 3">
+            <a:extLst>
+              <a:ext uri="{FF2B5EF4-FFF2-40B4-BE49-F238E27FC236}">
+                <a16:creationId xmlns:a16="http://schemas.microsoft.com/office/drawing/2014/main" id="{DF3041D4-1E6F-A73D-69D1-7E4156E608E7}"/>
+              </a:ext>
+            </a:extLst>
+          </p:cNvPr>
+          <p:cNvSpPr/>
+          <p:nvPr/>
+        </p:nvSpPr>
+        <p:spPr>
+          <a:xfrm>
+            <a:off x="4287520" y="1690688"/>
+            <a:ext cx="2275840" cy="944880"/>
+          </a:xfrm>
+          <a:prstGeom prst="flowChartDecision">
+            <a:avLst/>
+          </a:prstGeom>
+        </p:spPr>
+        <p:style>
+          <a:lnRef idx="2">
+            <a:schemeClr val="accent1">
+              <a:shade val="50000"/>
+            </a:schemeClr>
+          </a:lnRef>
+          <a:fillRef idx="1">
+            <a:schemeClr val="accent1"/>
+          </a:fillRef>
+          <a:effectRef idx="0">
+            <a:schemeClr val="accent1"/>
+          </a:effectRef>
+          <a:fontRef idx="minor">
+            <a:schemeClr val="lt1"/>
+          </a:fontRef>
+        </p:style>
+        <p:txBody>
+          <a:bodyPr rtlCol="0" anchor="ctr"/>
+          <a:lstStyle/>
+          <a:p>
+            <a:pPr algn="ctr"/>
+            <a:r>
+              <a:rPr lang="en-US" altLang="zh-TW" dirty="0"/>
+              <a:t>if</a:t>
+            </a:r>
+            <a:endParaRPr lang="zh-TW" altLang="en-US" dirty="0"/>
+          </a:p>
+        </p:txBody>
+      </p:sp>
+      <p:sp>
+        <p:nvSpPr>
+          <p:cNvPr id="5" name="流程圖: 決策 4">
+            <a:extLst>
+              <a:ext uri="{FF2B5EF4-FFF2-40B4-BE49-F238E27FC236}">
+                <a16:creationId xmlns:a16="http://schemas.microsoft.com/office/drawing/2014/main" id="{EF788136-4317-E670-5819-A8985E43E28B}"/>
+              </a:ext>
+            </a:extLst>
+          </p:cNvPr>
+          <p:cNvSpPr/>
+          <p:nvPr/>
+        </p:nvSpPr>
+        <p:spPr>
+          <a:xfrm>
+            <a:off x="2824480" y="3194368"/>
+            <a:ext cx="2275840" cy="944880"/>
+          </a:xfrm>
+          <a:prstGeom prst="flowChartDecision">
+            <a:avLst/>
+          </a:prstGeom>
+        </p:spPr>
+        <p:style>
+          <a:lnRef idx="2">
+            <a:schemeClr val="accent1">
+              <a:shade val="50000"/>
+            </a:schemeClr>
+          </a:lnRef>
+          <a:fillRef idx="1">
+            <a:schemeClr val="accent1"/>
+          </a:fillRef>
+          <a:effectRef idx="0">
+            <a:schemeClr val="accent1"/>
+          </a:effectRef>
+          <a:fontRef idx="minor">
+            <a:schemeClr val="lt1"/>
+          </a:fontRef>
+        </p:style>
+        <p:txBody>
+          <a:bodyPr rtlCol="0" anchor="ctr"/>
+          <a:lstStyle/>
+          <a:p>
+            <a:pPr algn="ctr"/>
+            <a:r>
+              <a:rPr lang="en-US" altLang="zh-TW" dirty="0"/>
+              <a:t>if</a:t>
+            </a:r>
+            <a:endParaRPr lang="zh-TW" altLang="en-US" dirty="0"/>
+          </a:p>
+        </p:txBody>
+      </p:sp>
+      <p:sp>
+        <p:nvSpPr>
+          <p:cNvPr id="6" name="流程圖: 決策 5">
+            <a:extLst>
+              <a:ext uri="{FF2B5EF4-FFF2-40B4-BE49-F238E27FC236}">
+                <a16:creationId xmlns:a16="http://schemas.microsoft.com/office/drawing/2014/main" id="{586AEF13-AF9B-1E95-776D-E96A378754EC}"/>
+              </a:ext>
+            </a:extLst>
+          </p:cNvPr>
+          <p:cNvSpPr/>
+          <p:nvPr/>
+        </p:nvSpPr>
+        <p:spPr>
+          <a:xfrm>
+            <a:off x="5801360" y="3194368"/>
+            <a:ext cx="2275840" cy="944880"/>
+          </a:xfrm>
+          <a:prstGeom prst="flowChartDecision">
+            <a:avLst/>
+          </a:prstGeom>
+        </p:spPr>
+        <p:style>
+          <a:lnRef idx="2">
+            <a:schemeClr val="accent1">
+              <a:shade val="50000"/>
+            </a:schemeClr>
+          </a:lnRef>
+          <a:fillRef idx="1">
+            <a:schemeClr val="accent1"/>
+          </a:fillRef>
+          <a:effectRef idx="0">
+            <a:schemeClr val="accent1"/>
+          </a:effectRef>
+          <a:fontRef idx="minor">
+            <a:schemeClr val="lt1"/>
+          </a:fontRef>
+        </p:style>
+        <p:txBody>
+          <a:bodyPr rtlCol="0" anchor="ctr"/>
+          <a:lstStyle/>
+          <a:p>
+            <a:pPr algn="ctr"/>
+            <a:r>
+              <a:rPr lang="en-US" altLang="zh-TW" dirty="0"/>
+              <a:t>Class 0</a:t>
+            </a:r>
+            <a:endParaRPr lang="zh-TW" altLang="en-US" dirty="0"/>
+          </a:p>
+        </p:txBody>
+      </p:sp>
+      <p:sp>
+        <p:nvSpPr>
+          <p:cNvPr id="7" name="流程圖: 決策 6">
+            <a:extLst>
+              <a:ext uri="{FF2B5EF4-FFF2-40B4-BE49-F238E27FC236}">
+                <a16:creationId xmlns:a16="http://schemas.microsoft.com/office/drawing/2014/main" id="{837C007B-7933-4051-542C-E1C3DB1F6D9A}"/>
+              </a:ext>
+            </a:extLst>
+          </p:cNvPr>
+          <p:cNvSpPr/>
+          <p:nvPr/>
+        </p:nvSpPr>
+        <p:spPr>
+          <a:xfrm>
+            <a:off x="1330960" y="4799648"/>
+            <a:ext cx="2275840" cy="944880"/>
+          </a:xfrm>
+          <a:prstGeom prst="flowChartDecision">
+            <a:avLst/>
+          </a:prstGeom>
+        </p:spPr>
+        <p:style>
+          <a:lnRef idx="2">
+            <a:schemeClr val="accent1">
+              <a:shade val="50000"/>
+            </a:schemeClr>
+          </a:lnRef>
+          <a:fillRef idx="1">
+            <a:schemeClr val="accent1"/>
+          </a:fillRef>
+          <a:effectRef idx="0">
+            <a:schemeClr val="accent1"/>
+          </a:effectRef>
+          <a:fontRef idx="minor">
+            <a:schemeClr val="lt1"/>
+          </a:fontRef>
+        </p:style>
+        <p:txBody>
+          <a:bodyPr rtlCol="0" anchor="ctr"/>
+          <a:lstStyle/>
+          <a:p>
+            <a:pPr algn="ctr"/>
+            <a:r>
+              <a:rPr lang="en-US" altLang="zh-TW" dirty="0"/>
+              <a:t>Class 1</a:t>
+            </a:r>
+            <a:endParaRPr lang="zh-TW" altLang="en-US" dirty="0"/>
+          </a:p>
+        </p:txBody>
+      </p:sp>
+      <p:sp>
+        <p:nvSpPr>
+          <p:cNvPr id="8" name="流程圖: 決策 7">
+            <a:extLst>
+              <a:ext uri="{FF2B5EF4-FFF2-40B4-BE49-F238E27FC236}">
+                <a16:creationId xmlns:a16="http://schemas.microsoft.com/office/drawing/2014/main" id="{0038EE7F-7110-6875-73D9-D691011BAF9A}"/>
+              </a:ext>
+            </a:extLst>
+          </p:cNvPr>
+          <p:cNvSpPr/>
+          <p:nvPr/>
+        </p:nvSpPr>
+        <p:spPr>
+          <a:xfrm>
+            <a:off x="4175760" y="4799648"/>
+            <a:ext cx="2275840" cy="944880"/>
+          </a:xfrm>
+          <a:prstGeom prst="flowChartDecision">
+            <a:avLst/>
+          </a:prstGeom>
+        </p:spPr>
+        <p:style>
+          <a:lnRef idx="2">
+            <a:schemeClr val="accent1">
+              <a:shade val="50000"/>
+            </a:schemeClr>
+          </a:lnRef>
+          <a:fillRef idx="1">
+            <a:schemeClr val="accent1"/>
+          </a:fillRef>
+          <a:effectRef idx="0">
+            <a:schemeClr val="accent1"/>
+          </a:effectRef>
+          <a:fontRef idx="minor">
+            <a:schemeClr val="lt1"/>
+          </a:fontRef>
+        </p:style>
+        <p:txBody>
+          <a:bodyPr rtlCol="0" anchor="ctr"/>
+          <a:lstStyle/>
+          <a:p>
+            <a:pPr algn="ctr"/>
+            <a:r>
+              <a:rPr lang="en-US" altLang="zh-TW" dirty="0"/>
+              <a:t>Class 0</a:t>
+            </a:r>
+            <a:endParaRPr lang="zh-TW" altLang="en-US" dirty="0"/>
+          </a:p>
+        </p:txBody>
+      </p:sp>
+      <p:cxnSp>
+        <p:nvCxnSpPr>
+          <p:cNvPr id="10" name="直線單箭頭接點 9">
+            <a:extLst>
+              <a:ext uri="{FF2B5EF4-FFF2-40B4-BE49-F238E27FC236}">
+                <a16:creationId xmlns:a16="http://schemas.microsoft.com/office/drawing/2014/main" id="{FB5CA644-C9CA-8E5B-1FE9-96C0649A9185}"/>
+              </a:ext>
+            </a:extLst>
+          </p:cNvPr>
+          <p:cNvCxnSpPr>
+            <a:cxnSpLocks/>
+            <a:endCxn id="5" idx="0"/>
+          </p:cNvCxnSpPr>
+          <p:nvPr/>
+        </p:nvCxnSpPr>
+        <p:spPr>
+          <a:xfrm>
+            <a:off x="3962400" y="2163128"/>
+            <a:ext cx="0" cy="1031240"/>
+          </a:xfrm>
+          <a:prstGeom prst="straightConnector1">
+            <a:avLst/>
+          </a:prstGeom>
+          <a:ln>
+            <a:tailEnd type="triangle"/>
+          </a:ln>
+        </p:spPr>
+        <p:style>
+          <a:lnRef idx="1">
+            <a:schemeClr val="accent1"/>
+          </a:lnRef>
+          <a:fillRef idx="0">
+            <a:schemeClr val="accent1"/>
+          </a:fillRef>
+          <a:effectRef idx="0">
+            <a:schemeClr val="accent1"/>
+          </a:effectRef>
+          <a:fontRef idx="minor">
+            <a:schemeClr val="tx1"/>
+          </a:fontRef>
+        </p:style>
+      </p:cxnSp>
+      <p:cxnSp>
+        <p:nvCxnSpPr>
+          <p:cNvPr id="14" name="直線接點 13">
+            <a:extLst>
+              <a:ext uri="{FF2B5EF4-FFF2-40B4-BE49-F238E27FC236}">
+                <a16:creationId xmlns:a16="http://schemas.microsoft.com/office/drawing/2014/main" id="{7237AE18-EB9A-BC13-8874-0F6FDBF1C2BB}"/>
+              </a:ext>
+            </a:extLst>
+          </p:cNvPr>
+          <p:cNvCxnSpPr>
+            <a:endCxn id="4" idx="1"/>
+          </p:cNvCxnSpPr>
+          <p:nvPr/>
+        </p:nvCxnSpPr>
+        <p:spPr>
+          <a:xfrm>
+            <a:off x="3962400" y="2163128"/>
+            <a:ext cx="325120" cy="0"/>
+          </a:xfrm>
+          <a:prstGeom prst="line">
+            <a:avLst/>
+          </a:prstGeom>
+        </p:spPr>
+        <p:style>
+          <a:lnRef idx="1">
+            <a:schemeClr val="accent1"/>
+          </a:lnRef>
+          <a:fillRef idx="0">
+            <a:schemeClr val="accent1"/>
+          </a:fillRef>
+          <a:effectRef idx="0">
+            <a:schemeClr val="accent1"/>
+          </a:effectRef>
+          <a:fontRef idx="minor">
+            <a:schemeClr val="tx1"/>
+          </a:fontRef>
+        </p:style>
+      </p:cxnSp>
+      <p:cxnSp>
+        <p:nvCxnSpPr>
+          <p:cNvPr id="15" name="直線單箭頭接點 14">
+            <a:extLst>
+              <a:ext uri="{FF2B5EF4-FFF2-40B4-BE49-F238E27FC236}">
+                <a16:creationId xmlns:a16="http://schemas.microsoft.com/office/drawing/2014/main" id="{E742D735-B5C2-5631-3F10-8FB0ED7B2877}"/>
+              </a:ext>
+            </a:extLst>
+          </p:cNvPr>
+          <p:cNvCxnSpPr>
+            <a:cxnSpLocks/>
+            <a:endCxn id="7" idx="0"/>
+          </p:cNvCxnSpPr>
+          <p:nvPr/>
+        </p:nvCxnSpPr>
+        <p:spPr>
+          <a:xfrm>
+            <a:off x="2468880" y="3666808"/>
+            <a:ext cx="0" cy="1132840"/>
+          </a:xfrm>
+          <a:prstGeom prst="straightConnector1">
+            <a:avLst/>
+          </a:prstGeom>
+          <a:ln>
+            <a:tailEnd type="triangle"/>
+          </a:ln>
+        </p:spPr>
+        <p:style>
+          <a:lnRef idx="1">
+            <a:schemeClr val="accent1"/>
+          </a:lnRef>
+          <a:fillRef idx="0">
+            <a:schemeClr val="accent1"/>
+          </a:fillRef>
+          <a:effectRef idx="0">
+            <a:schemeClr val="accent1"/>
+          </a:effectRef>
+          <a:fontRef idx="minor">
+            <a:schemeClr val="tx1"/>
+          </a:fontRef>
+        </p:style>
+      </p:cxnSp>
+      <p:cxnSp>
+        <p:nvCxnSpPr>
+          <p:cNvPr id="16" name="直線接點 15">
+            <a:extLst>
+              <a:ext uri="{FF2B5EF4-FFF2-40B4-BE49-F238E27FC236}">
+                <a16:creationId xmlns:a16="http://schemas.microsoft.com/office/drawing/2014/main" id="{445364CC-D3EA-BAA3-37C6-5E176BE140F0}"/>
+              </a:ext>
+            </a:extLst>
+          </p:cNvPr>
+          <p:cNvCxnSpPr>
+            <a:cxnSpLocks/>
+            <a:endCxn id="5" idx="1"/>
+          </p:cNvCxnSpPr>
+          <p:nvPr/>
+        </p:nvCxnSpPr>
+        <p:spPr>
+          <a:xfrm>
+            <a:off x="2468880" y="3666808"/>
+            <a:ext cx="355600" cy="0"/>
+          </a:xfrm>
+          <a:prstGeom prst="line">
+            <a:avLst/>
+          </a:prstGeom>
+        </p:spPr>
+        <p:style>
+          <a:lnRef idx="1">
+            <a:schemeClr val="accent1"/>
+          </a:lnRef>
+          <a:fillRef idx="0">
+            <a:schemeClr val="accent1"/>
+          </a:fillRef>
+          <a:effectRef idx="0">
+            <a:schemeClr val="accent1"/>
+          </a:effectRef>
+          <a:fontRef idx="minor">
+            <a:schemeClr val="tx1"/>
+          </a:fontRef>
+        </p:style>
+      </p:cxnSp>
+      <p:cxnSp>
+        <p:nvCxnSpPr>
+          <p:cNvPr id="22" name="直線單箭頭接點 21">
+            <a:extLst>
+              <a:ext uri="{FF2B5EF4-FFF2-40B4-BE49-F238E27FC236}">
+                <a16:creationId xmlns:a16="http://schemas.microsoft.com/office/drawing/2014/main" id="{D4B14DA0-3B11-1164-684E-3B983E8A4EC3}"/>
+              </a:ext>
+            </a:extLst>
+          </p:cNvPr>
+          <p:cNvCxnSpPr>
+            <a:cxnSpLocks/>
+          </p:cNvCxnSpPr>
+          <p:nvPr/>
+        </p:nvCxnSpPr>
+        <p:spPr>
+          <a:xfrm>
+            <a:off x="5313680" y="3666808"/>
+            <a:ext cx="0" cy="1129348"/>
+          </a:xfrm>
+          <a:prstGeom prst="straightConnector1">
+            <a:avLst/>
+          </a:prstGeom>
+          <a:ln>
+            <a:tailEnd type="triangle"/>
+          </a:ln>
+        </p:spPr>
+        <p:style>
+          <a:lnRef idx="1">
+            <a:schemeClr val="accent1"/>
+          </a:lnRef>
+          <a:fillRef idx="0">
+            <a:schemeClr val="accent1"/>
+          </a:fillRef>
+          <a:effectRef idx="0">
+            <a:schemeClr val="accent1"/>
+          </a:effectRef>
+          <a:fontRef idx="minor">
+            <a:schemeClr val="tx1"/>
+          </a:fontRef>
+        </p:style>
+      </p:cxnSp>
+      <p:cxnSp>
+        <p:nvCxnSpPr>
+          <p:cNvPr id="23" name="直線接點 22">
+            <a:extLst>
+              <a:ext uri="{FF2B5EF4-FFF2-40B4-BE49-F238E27FC236}">
+                <a16:creationId xmlns:a16="http://schemas.microsoft.com/office/drawing/2014/main" id="{5D28CD06-A97F-23BF-3414-6A39F05A5823}"/>
+              </a:ext>
+            </a:extLst>
+          </p:cNvPr>
+          <p:cNvCxnSpPr>
+            <a:cxnSpLocks/>
+            <a:stCxn id="5" idx="3"/>
+          </p:cNvCxnSpPr>
+          <p:nvPr/>
+        </p:nvCxnSpPr>
+        <p:spPr>
+          <a:xfrm>
+            <a:off x="5100320" y="3666808"/>
+            <a:ext cx="213360" cy="0"/>
+          </a:xfrm>
+          <a:prstGeom prst="line">
+            <a:avLst/>
+          </a:prstGeom>
+        </p:spPr>
+        <p:style>
+          <a:lnRef idx="1">
+            <a:schemeClr val="accent1"/>
+          </a:lnRef>
+          <a:fillRef idx="0">
+            <a:schemeClr val="accent1"/>
+          </a:fillRef>
+          <a:effectRef idx="0">
+            <a:schemeClr val="accent1"/>
+          </a:effectRef>
+          <a:fontRef idx="minor">
+            <a:schemeClr val="tx1"/>
+          </a:fontRef>
+        </p:style>
+      </p:cxnSp>
+      <p:cxnSp>
+        <p:nvCxnSpPr>
+          <p:cNvPr id="27" name="直線單箭頭接點 26">
+            <a:extLst>
+              <a:ext uri="{FF2B5EF4-FFF2-40B4-BE49-F238E27FC236}">
+                <a16:creationId xmlns:a16="http://schemas.microsoft.com/office/drawing/2014/main" id="{49D14303-A9D1-43DF-6773-B712BD1E7DAC}"/>
+              </a:ext>
+            </a:extLst>
+          </p:cNvPr>
+          <p:cNvCxnSpPr>
+            <a:cxnSpLocks/>
+          </p:cNvCxnSpPr>
+          <p:nvPr/>
+        </p:nvCxnSpPr>
+        <p:spPr>
+          <a:xfrm>
+            <a:off x="6939280" y="2163128"/>
+            <a:ext cx="0" cy="1031240"/>
+          </a:xfrm>
+          <a:prstGeom prst="straightConnector1">
+            <a:avLst/>
+          </a:prstGeom>
+          <a:ln>
+            <a:tailEnd type="triangle"/>
+          </a:ln>
+        </p:spPr>
+        <p:style>
+          <a:lnRef idx="1">
+            <a:schemeClr val="accent1"/>
+          </a:lnRef>
+          <a:fillRef idx="0">
+            <a:schemeClr val="accent1"/>
+          </a:fillRef>
+          <a:effectRef idx="0">
+            <a:schemeClr val="accent1"/>
+          </a:effectRef>
+          <a:fontRef idx="minor">
+            <a:schemeClr val="tx1"/>
+          </a:fontRef>
+        </p:style>
+      </p:cxnSp>
+      <p:cxnSp>
+        <p:nvCxnSpPr>
+          <p:cNvPr id="28" name="直線接點 27">
+            <a:extLst>
+              <a:ext uri="{FF2B5EF4-FFF2-40B4-BE49-F238E27FC236}">
+                <a16:creationId xmlns:a16="http://schemas.microsoft.com/office/drawing/2014/main" id="{9E84CD7B-D5FA-1B72-FCD6-932B3ECE9219}"/>
+              </a:ext>
+            </a:extLst>
+          </p:cNvPr>
+          <p:cNvCxnSpPr>
+            <a:cxnSpLocks/>
+            <a:stCxn id="4" idx="3"/>
+          </p:cNvCxnSpPr>
+          <p:nvPr/>
+        </p:nvCxnSpPr>
+        <p:spPr>
+          <a:xfrm>
+            <a:off x="6563360" y="2163128"/>
+            <a:ext cx="375920" cy="0"/>
+          </a:xfrm>
+          <a:prstGeom prst="line">
+            <a:avLst/>
+          </a:prstGeom>
+        </p:spPr>
+        <p:style>
+          <a:lnRef idx="1">
+            <a:schemeClr val="accent1"/>
+          </a:lnRef>
+          <a:fillRef idx="0">
+            <a:schemeClr val="accent1"/>
+          </a:fillRef>
+          <a:effectRef idx="0">
+            <a:schemeClr val="accent1"/>
+          </a:effectRef>
+          <a:fontRef idx="minor">
+            <a:schemeClr val="tx1"/>
+          </a:fontRef>
+        </p:style>
+      </p:cxnSp>
+      <p:sp>
+        <p:nvSpPr>
+          <p:cNvPr id="31" name="文字方塊 30">
+            <a:extLst>
+              <a:ext uri="{FF2B5EF4-FFF2-40B4-BE49-F238E27FC236}">
+                <a16:creationId xmlns:a16="http://schemas.microsoft.com/office/drawing/2014/main" id="{F972E326-A91C-A167-B188-3225021367C0}"/>
+              </a:ext>
+            </a:extLst>
+          </p:cNvPr>
+          <p:cNvSpPr txBox="1"/>
+          <p:nvPr/>
+        </p:nvSpPr>
+        <p:spPr>
+          <a:xfrm>
+            <a:off x="2976880" y="2326640"/>
+            <a:ext cx="901209" cy="369332"/>
+          </a:xfrm>
+          <a:prstGeom prst="rect">
+            <a:avLst/>
+          </a:prstGeom>
+          <a:noFill/>
+        </p:spPr>
+        <p:txBody>
+          <a:bodyPr wrap="none" rtlCol="0">
+            <a:spAutoFit/>
+          </a:bodyPr>
+          <a:lstStyle/>
+          <a:p>
+            <a:r>
+              <a:rPr lang="en-US" altLang="zh-TW" dirty="0"/>
+              <a:t>if x &lt;= k</a:t>
+            </a:r>
+            <a:endParaRPr lang="zh-TW" altLang="en-US" dirty="0"/>
+          </a:p>
+        </p:txBody>
+      </p:sp>
+      <p:sp>
+        <p:nvSpPr>
+          <p:cNvPr id="32" name="文字方塊 31">
+            <a:extLst>
+              <a:ext uri="{FF2B5EF4-FFF2-40B4-BE49-F238E27FC236}">
+                <a16:creationId xmlns:a16="http://schemas.microsoft.com/office/drawing/2014/main" id="{277DDF0A-BB96-DF11-DDA4-6A3F2ED534FF}"/>
+              </a:ext>
+            </a:extLst>
+          </p:cNvPr>
+          <p:cNvSpPr txBox="1"/>
+          <p:nvPr/>
+        </p:nvSpPr>
+        <p:spPr>
+          <a:xfrm>
+            <a:off x="7115344" y="2326640"/>
+            <a:ext cx="785793" cy="369332"/>
+          </a:xfrm>
+          <a:prstGeom prst="rect">
+            <a:avLst/>
+          </a:prstGeom>
+          <a:noFill/>
+        </p:spPr>
+        <p:txBody>
+          <a:bodyPr wrap="none" rtlCol="0">
+            <a:spAutoFit/>
+          </a:bodyPr>
+          <a:lstStyle/>
+          <a:p>
+            <a:r>
+              <a:rPr lang="en-US" altLang="zh-TW" dirty="0"/>
+              <a:t>if x &gt; k</a:t>
+            </a:r>
+            <a:endParaRPr lang="zh-TW" altLang="en-US" dirty="0"/>
+          </a:p>
+        </p:txBody>
+      </p:sp>
+      <p:sp>
+        <p:nvSpPr>
+          <p:cNvPr id="33" name="文字方塊 32">
+            <a:extLst>
+              <a:ext uri="{FF2B5EF4-FFF2-40B4-BE49-F238E27FC236}">
+                <a16:creationId xmlns:a16="http://schemas.microsoft.com/office/drawing/2014/main" id="{EC092C98-60B7-13E1-F3DF-F5E9300E5CC1}"/>
+              </a:ext>
+            </a:extLst>
+          </p:cNvPr>
+          <p:cNvSpPr txBox="1"/>
+          <p:nvPr/>
+        </p:nvSpPr>
+        <p:spPr>
+          <a:xfrm>
+            <a:off x="1435592" y="3915450"/>
+            <a:ext cx="981359" cy="369332"/>
+          </a:xfrm>
+          <a:prstGeom prst="rect">
+            <a:avLst/>
+          </a:prstGeom>
+          <a:noFill/>
+        </p:spPr>
+        <p:txBody>
+          <a:bodyPr wrap="none" rtlCol="0">
+            <a:spAutoFit/>
+          </a:bodyPr>
+          <a:lstStyle/>
+          <a:p>
+            <a:r>
+              <a:rPr lang="en-US" altLang="zh-TW" dirty="0"/>
+              <a:t>if x &lt;= m</a:t>
+            </a:r>
+            <a:endParaRPr lang="zh-TW" altLang="en-US" dirty="0"/>
+          </a:p>
+        </p:txBody>
+      </p:sp>
+      <p:sp>
+        <p:nvSpPr>
+          <p:cNvPr id="34" name="文字方塊 33">
+            <a:extLst>
+              <a:ext uri="{FF2B5EF4-FFF2-40B4-BE49-F238E27FC236}">
+                <a16:creationId xmlns:a16="http://schemas.microsoft.com/office/drawing/2014/main" id="{006F3295-9D4B-A851-4CA4-C91380B7C1EA}"/>
+              </a:ext>
+            </a:extLst>
+          </p:cNvPr>
+          <p:cNvSpPr txBox="1"/>
+          <p:nvPr/>
+        </p:nvSpPr>
+        <p:spPr>
+          <a:xfrm>
+            <a:off x="5343031" y="4037767"/>
+            <a:ext cx="865943" cy="369332"/>
+          </a:xfrm>
+          <a:prstGeom prst="rect">
+            <a:avLst/>
+          </a:prstGeom>
+          <a:noFill/>
+        </p:spPr>
+        <p:txBody>
+          <a:bodyPr wrap="none" rtlCol="0">
+            <a:spAutoFit/>
+          </a:bodyPr>
+          <a:lstStyle/>
+          <a:p>
+            <a:r>
+              <a:rPr lang="en-US" altLang="zh-TW" dirty="0"/>
+              <a:t>if x &gt; m</a:t>
+            </a:r>
+            <a:endParaRPr lang="zh-TW" altLang="en-US" dirty="0"/>
+          </a:p>
+        </p:txBody>
+      </p:sp>
+    </p:spTree>
+    <p:extLst>
+      <p:ext uri="{BB962C8B-B14F-4D97-AF65-F5344CB8AC3E}">
+        <p14:creationId xmlns:p14="http://schemas.microsoft.com/office/powerpoint/2010/main" val="1169225488"/>
+      </p:ext>
+    </p:extLst>
+  </p:cSld>
+  <p:clrMapOvr>
+    <a:masterClrMapping/>
+  </p:clrMapOvr>
+</p:sld>
+</file>
+
+<file path=ppt/slides/slide23.xml><?xml version="1.0" encoding="utf-8"?>
 <p:sld xmlns:a="http://schemas.openxmlformats.org/drawingml/2006/main" xmlns:r="http://schemas.openxmlformats.org/officeDocument/2006/relationships" xmlns:p="http://schemas.openxmlformats.org/presentationml/2006/main">
   <p:cSld>
     <p:spTree>
@@ -17236,7 +18597,7 @@
 </p:sld>
 </file>
 
-<file path=ppt/slides/slide21.xml><?xml version="1.0" encoding="utf-8"?>
+<file path=ppt/slides/slide24.xml><?xml version="1.0" encoding="utf-8"?>
 <p:sld xmlns:a="http://schemas.openxmlformats.org/drawingml/2006/main" xmlns:r="http://schemas.openxmlformats.org/officeDocument/2006/relationships" xmlns:p="http://schemas.openxmlformats.org/presentationml/2006/main">
   <p:cSld>
     <p:spTree>
@@ -18194,7 +19555,7 @@
 </p:sld>
 </file>
 
-<file path=ppt/slides/slide22.xml><?xml version="1.0" encoding="utf-8"?>
+<file path=ppt/slides/slide25.xml><?xml version="1.0" encoding="utf-8"?>
 <p:sld xmlns:a="http://schemas.openxmlformats.org/drawingml/2006/main" xmlns:r="http://schemas.openxmlformats.org/officeDocument/2006/relationships" xmlns:p="http://schemas.openxmlformats.org/presentationml/2006/main">
   <p:cSld>
     <p:spTree>
@@ -19134,7 +20495,7 @@
 </p:sld>
 </file>
 
-<file path=ppt/slides/slide23.xml><?xml version="1.0" encoding="utf-8"?>
+<file path=ppt/slides/slide26.xml><?xml version="1.0" encoding="utf-8"?>
 <p:sld xmlns:a="http://schemas.openxmlformats.org/drawingml/2006/main" xmlns:r="http://schemas.openxmlformats.org/officeDocument/2006/relationships" xmlns:p="http://schemas.openxmlformats.org/presentationml/2006/main">
   <p:cSld>
     <p:spTree>
@@ -20346,7 +21707,7 @@
 </p:sld>
 </file>
 
-<file path=ppt/slides/slide24.xml><?xml version="1.0" encoding="utf-8"?>
+<file path=ppt/slides/slide27.xml><?xml version="1.0" encoding="utf-8"?>
 <p:sld xmlns:a="http://schemas.openxmlformats.org/drawingml/2006/main" xmlns:r="http://schemas.openxmlformats.org/officeDocument/2006/relationships" xmlns:p="http://schemas.openxmlformats.org/presentationml/2006/main">
   <p:cSld>
     <p:spTree>
@@ -21524,7 +22885,7 @@
 </p:sld>
 </file>
 
-<file path=ppt/slides/slide25.xml><?xml version="1.0" encoding="utf-8"?>
+<file path=ppt/slides/slide28.xml><?xml version="1.0" encoding="utf-8"?>
 <p:sld xmlns:a="http://schemas.openxmlformats.org/drawingml/2006/main" xmlns:r="http://schemas.openxmlformats.org/officeDocument/2006/relationships" xmlns:p="http://schemas.openxmlformats.org/presentationml/2006/main">
   <p:cSld>
     <p:spTree>
@@ -21971,7 +23332,7 @@
 </p:sld>
 </file>
 
-<file path=ppt/slides/slide26.xml><?xml version="1.0" encoding="utf-8"?>
+<file path=ppt/slides/slide29.xml><?xml version="1.0" encoding="utf-8"?>
 <p:sld xmlns:a="http://schemas.openxmlformats.org/drawingml/2006/main" xmlns:r="http://schemas.openxmlformats.org/officeDocument/2006/relationships" xmlns:p="http://schemas.openxmlformats.org/presentationml/2006/main">
   <p:cSld>
     <p:spTree>
@@ -22120,7 +23481,100 @@
 </p:sld>
 </file>
 
-<file path=ppt/slides/slide27.xml><?xml version="1.0" encoding="utf-8"?>
+<file path=ppt/slides/slide3.xml><?xml version="1.0" encoding="utf-8"?>
+<p:sld xmlns:a="http://schemas.openxmlformats.org/drawingml/2006/main" xmlns:r="http://schemas.openxmlformats.org/officeDocument/2006/relationships" xmlns:p="http://schemas.openxmlformats.org/presentationml/2006/main">
+  <p:cSld>
+    <p:spTree>
+      <p:nvGrpSpPr>
+        <p:cNvPr id="1" name=""/>
+        <p:cNvGrpSpPr/>
+        <p:nvPr/>
+      </p:nvGrpSpPr>
+      <p:grpSpPr>
+        <a:xfrm>
+          <a:off x="0" y="0"/>
+          <a:ext cx="0" cy="0"/>
+          <a:chOff x="0" y="0"/>
+          <a:chExt cx="0" cy="0"/>
+        </a:xfrm>
+      </p:grpSpPr>
+      <p:sp>
+        <p:nvSpPr>
+          <p:cNvPr id="2" name="標題 1">
+            <a:extLst>
+              <a:ext uri="{FF2B5EF4-FFF2-40B4-BE49-F238E27FC236}">
+                <a16:creationId xmlns:a16="http://schemas.microsoft.com/office/drawing/2014/main" id="{7BDC027D-0EFD-5E87-C32C-78BCBA19CA82}"/>
+              </a:ext>
+            </a:extLst>
+          </p:cNvPr>
+          <p:cNvSpPr>
+            <a:spLocks noGrp="1"/>
+          </p:cNvSpPr>
+          <p:nvPr>
+            <p:ph type="title"/>
+          </p:nvPr>
+        </p:nvSpPr>
+        <p:spPr/>
+        <p:txBody>
+          <a:bodyPr/>
+          <a:lstStyle/>
+          <a:p>
+            <a:r>
+              <a:rPr lang="en-US" altLang="zh-TW" dirty="0">
+                <a:latin typeface="Consolas" panose="020B0609020204030204" pitchFamily="49" charset="0"/>
+              </a:rPr>
+              <a:t>Approximate Nearest Neighbors Oh Yeah (ANNOY)</a:t>
+            </a:r>
+            <a:endParaRPr lang="zh-TW" altLang="en-US" dirty="0">
+              <a:latin typeface="Consolas" panose="020B0609020204030204" pitchFamily="49" charset="0"/>
+            </a:endParaRPr>
+          </a:p>
+        </p:txBody>
+      </p:sp>
+      <p:pic>
+        <p:nvPicPr>
+          <p:cNvPr id="5" name="圖片 4">
+            <a:extLst>
+              <a:ext uri="{FF2B5EF4-FFF2-40B4-BE49-F238E27FC236}">
+                <a16:creationId xmlns:a16="http://schemas.microsoft.com/office/drawing/2014/main" id="{F225B57B-39AE-F819-F2FE-320956D1AE4B}"/>
+              </a:ext>
+            </a:extLst>
+          </p:cNvPr>
+          <p:cNvPicPr>
+            <a:picLocks noChangeAspect="1"/>
+          </p:cNvPicPr>
+          <p:nvPr/>
+        </p:nvPicPr>
+        <p:blipFill>
+          <a:blip r:embed="rId2"/>
+          <a:stretch>
+            <a:fillRect/>
+          </a:stretch>
+        </p:blipFill>
+        <p:spPr>
+          <a:xfrm>
+            <a:off x="4098931" y="1690688"/>
+            <a:ext cx="7254869" cy="4915326"/>
+          </a:xfrm>
+          <a:prstGeom prst="rect">
+            <a:avLst/>
+          </a:prstGeom>
+        </p:spPr>
+      </p:pic>
+    </p:spTree>
+    <p:extLst>
+      <p:ext uri="{BB962C8B-B14F-4D97-AF65-F5344CB8AC3E}">
+        <p14:creationId xmlns:p14="http://schemas.microsoft.com/office/powerpoint/2010/main" val="3651755546"/>
+      </p:ext>
+    </p:extLst>
+  </p:cSld>
+  <p:clrMapOvr>
+    <a:masterClrMapping/>
+  </p:clrMapOvr>
+</p:sld>
+</file>
+
+<file path=ppt/slides/slide30.xml><?xml version="1.0" encoding="utf-8"?>
 <p:sld xmlns:a="http://schemas.openxmlformats.org/drawingml/2006/main" xmlns:r="http://schemas.openxmlformats.org/officeDocument/2006/relationships" xmlns:p="http://schemas.openxmlformats.org/presentationml/2006/main">
   <p:cSld>
     <p:spTree>
@@ -22711,7 +24165,7 @@
 </p:sld>
 </file>
 
-<file path=ppt/slides/slide3.xml><?xml version="1.0" encoding="utf-8"?>
+<file path=ppt/slides/slide31.xml><?xml version="1.0" encoding="utf-8"?>
 <p:sld xmlns:a="http://schemas.openxmlformats.org/drawingml/2006/main" xmlns:r="http://schemas.openxmlformats.org/officeDocument/2006/relationships" xmlns:p="http://schemas.openxmlformats.org/presentationml/2006/main">
   <p:cSld>
     <p:spTree>
@@ -22733,7 +24187,7 @@
           <p:cNvPr id="2" name="標題 1">
             <a:extLst>
               <a:ext uri="{FF2B5EF4-FFF2-40B4-BE49-F238E27FC236}">
-                <a16:creationId xmlns:a16="http://schemas.microsoft.com/office/drawing/2014/main" id="{7BDC027D-0EFD-5E87-C32C-78BCBA19CA82}"/>
+                <a16:creationId xmlns:a16="http://schemas.microsoft.com/office/drawing/2014/main" id="{0211B06F-6168-7653-9AD5-34ED7872FDE9}"/>
               </a:ext>
             </a:extLst>
           </p:cNvPr>
@@ -22753,20 +24207,18 @@
               <a:rPr lang="en-US" altLang="zh-TW" dirty="0">
                 <a:latin typeface="Consolas" panose="020B0609020204030204" pitchFamily="49" charset="0"/>
               </a:rPr>
-              <a:t>Approximate Nearest Neighbors Oh Yeah (ANNOY)</a:t>
+              <a:t>Support Vector Machine</a:t>
             </a:r>
-            <a:endParaRPr lang="zh-TW" altLang="en-US" dirty="0">
-              <a:latin typeface="Consolas" panose="020B0609020204030204" pitchFamily="49" charset="0"/>
-            </a:endParaRPr>
+            <a:endParaRPr lang="zh-TW" altLang="en-US" dirty="0"/>
           </a:p>
         </p:txBody>
       </p:sp>
       <p:pic>
         <p:nvPicPr>
-          <p:cNvPr id="5" name="圖片 4">
-            <a:extLst>
-              <a:ext uri="{FF2B5EF4-FFF2-40B4-BE49-F238E27FC236}">
-                <a16:creationId xmlns:a16="http://schemas.microsoft.com/office/drawing/2014/main" id="{F225B57B-39AE-F819-F2FE-320956D1AE4B}"/>
+          <p:cNvPr id="4" name="圖片 3">
+            <a:extLst>
+              <a:ext uri="{FF2B5EF4-FFF2-40B4-BE49-F238E27FC236}">
+                <a16:creationId xmlns:a16="http://schemas.microsoft.com/office/drawing/2014/main" id="{D7546997-188B-885B-E7A4-5DC6C8DD74F2}"/>
               </a:ext>
             </a:extLst>
           </p:cNvPr>
@@ -22783,18 +24235,4984 @@
         </p:blipFill>
         <p:spPr>
           <a:xfrm>
-            <a:off x="4098931" y="1690688"/>
-            <a:ext cx="7254869" cy="4915326"/>
+            <a:off x="2189540" y="2518791"/>
+            <a:ext cx="2505425" cy="2257740"/>
           </a:xfrm>
           <a:prstGeom prst="rect">
             <a:avLst/>
           </a:prstGeom>
+          <a:ln>
+            <a:noFill/>
+          </a:ln>
+          <a:effectLst>
+            <a:outerShdw blurRad="190500" algn="tl" rotWithShape="0">
+              <a:srgbClr val="000000">
+                <a:alpha val="70000"/>
+              </a:srgbClr>
+            </a:outerShdw>
+          </a:effectLst>
+        </p:spPr>
+      </p:pic>
+      <p:pic>
+        <p:nvPicPr>
+          <p:cNvPr id="5" name="圖片 4">
+            <a:extLst>
+              <a:ext uri="{FF2B5EF4-FFF2-40B4-BE49-F238E27FC236}">
+                <a16:creationId xmlns:a16="http://schemas.microsoft.com/office/drawing/2014/main" id="{ED3E9212-78CB-DCE5-7298-FCBA5B43872D}"/>
+              </a:ext>
+            </a:extLst>
+          </p:cNvPr>
+          <p:cNvPicPr>
+            <a:picLocks noChangeAspect="1"/>
+          </p:cNvPicPr>
+          <p:nvPr/>
+        </p:nvPicPr>
+        <p:blipFill>
+          <a:blip r:embed="rId3"/>
+          <a:stretch>
+            <a:fillRect/>
+          </a:stretch>
+        </p:blipFill>
+        <p:spPr>
+          <a:xfrm>
+            <a:off x="6662531" y="2557722"/>
+            <a:ext cx="2695951" cy="2238687"/>
+          </a:xfrm>
+          <a:prstGeom prst="rect">
+            <a:avLst/>
+          </a:prstGeom>
+          <a:ln>
+            <a:noFill/>
+          </a:ln>
+          <a:effectLst>
+            <a:outerShdw blurRad="292100" dist="139700" dir="2700000" algn="tl" rotWithShape="0">
+              <a:srgbClr val="333333">
+                <a:alpha val="65000"/>
+              </a:srgbClr>
+            </a:outerShdw>
+          </a:effectLst>
+        </p:spPr>
+      </p:pic>
+      <p:sp>
+        <p:nvSpPr>
+          <p:cNvPr id="6" name="文字方塊 5">
+            <a:extLst>
+              <a:ext uri="{FF2B5EF4-FFF2-40B4-BE49-F238E27FC236}">
+                <a16:creationId xmlns:a16="http://schemas.microsoft.com/office/drawing/2014/main" id="{3029CDE8-7E18-9DC6-E5D1-753B715942A5}"/>
+              </a:ext>
+            </a:extLst>
+          </p:cNvPr>
+          <p:cNvSpPr txBox="1"/>
+          <p:nvPr/>
+        </p:nvSpPr>
+        <p:spPr>
+          <a:xfrm>
+            <a:off x="5656879" y="3277680"/>
+            <a:ext cx="439121" cy="461665"/>
+          </a:xfrm>
+          <a:prstGeom prst="rect">
+            <a:avLst/>
+          </a:prstGeom>
+          <a:noFill/>
+        </p:spPr>
+        <p:txBody>
+          <a:bodyPr wrap="square">
+            <a:spAutoFit/>
+          </a:bodyPr>
+          <a:lstStyle>
+            <a:defPPr>
+              <a:defRPr lang="zh-TW"/>
+            </a:defPPr>
+            <a:lvl1pPr marL="0" algn="l" defTabSz="914400" rtl="0" eaLnBrk="1" latinLnBrk="0" hangingPunct="1">
+              <a:defRPr sz="1800" kern="1200">
+                <a:solidFill>
+                  <a:schemeClr val="tx1"/>
+                </a:solidFill>
+                <a:latin typeface="+mn-lt"/>
+                <a:ea typeface="+mn-ea"/>
+                <a:cs typeface="+mn-cs"/>
+              </a:defRPr>
+            </a:lvl1pPr>
+            <a:lvl2pPr marL="457200" algn="l" defTabSz="914400" rtl="0" eaLnBrk="1" latinLnBrk="0" hangingPunct="1">
+              <a:defRPr sz="1800" kern="1200">
+                <a:solidFill>
+                  <a:schemeClr val="tx1"/>
+                </a:solidFill>
+                <a:latin typeface="+mn-lt"/>
+                <a:ea typeface="+mn-ea"/>
+                <a:cs typeface="+mn-cs"/>
+              </a:defRPr>
+            </a:lvl2pPr>
+            <a:lvl3pPr marL="914400" algn="l" defTabSz="914400" rtl="0" eaLnBrk="1" latinLnBrk="0" hangingPunct="1">
+              <a:defRPr sz="1800" kern="1200">
+                <a:solidFill>
+                  <a:schemeClr val="tx1"/>
+                </a:solidFill>
+                <a:latin typeface="+mn-lt"/>
+                <a:ea typeface="+mn-ea"/>
+                <a:cs typeface="+mn-cs"/>
+              </a:defRPr>
+            </a:lvl3pPr>
+            <a:lvl4pPr marL="1371600" algn="l" defTabSz="914400" rtl="0" eaLnBrk="1" latinLnBrk="0" hangingPunct="1">
+              <a:defRPr sz="1800" kern="1200">
+                <a:solidFill>
+                  <a:schemeClr val="tx1"/>
+                </a:solidFill>
+                <a:latin typeface="+mn-lt"/>
+                <a:ea typeface="+mn-ea"/>
+                <a:cs typeface="+mn-cs"/>
+              </a:defRPr>
+            </a:lvl4pPr>
+            <a:lvl5pPr marL="1828800" algn="l" defTabSz="914400" rtl="0" eaLnBrk="1" latinLnBrk="0" hangingPunct="1">
+              <a:defRPr sz="1800" kern="1200">
+                <a:solidFill>
+                  <a:schemeClr val="tx1"/>
+                </a:solidFill>
+                <a:latin typeface="+mn-lt"/>
+                <a:ea typeface="+mn-ea"/>
+                <a:cs typeface="+mn-cs"/>
+              </a:defRPr>
+            </a:lvl5pPr>
+            <a:lvl6pPr marL="2286000" algn="l" defTabSz="914400" rtl="0" eaLnBrk="1" latinLnBrk="0" hangingPunct="1">
+              <a:defRPr sz="1800" kern="1200">
+                <a:solidFill>
+                  <a:schemeClr val="tx1"/>
+                </a:solidFill>
+                <a:latin typeface="+mn-lt"/>
+                <a:ea typeface="+mn-ea"/>
+                <a:cs typeface="+mn-cs"/>
+              </a:defRPr>
+            </a:lvl6pPr>
+            <a:lvl7pPr marL="2743200" algn="l" defTabSz="914400" rtl="0" eaLnBrk="1" latinLnBrk="0" hangingPunct="1">
+              <a:defRPr sz="1800" kern="1200">
+                <a:solidFill>
+                  <a:schemeClr val="tx1"/>
+                </a:solidFill>
+                <a:latin typeface="+mn-lt"/>
+                <a:ea typeface="+mn-ea"/>
+                <a:cs typeface="+mn-cs"/>
+              </a:defRPr>
+            </a:lvl7pPr>
+            <a:lvl8pPr marL="3200400" algn="l" defTabSz="914400" rtl="0" eaLnBrk="1" latinLnBrk="0" hangingPunct="1">
+              <a:defRPr sz="1800" kern="1200">
+                <a:solidFill>
+                  <a:schemeClr val="tx1"/>
+                </a:solidFill>
+                <a:latin typeface="+mn-lt"/>
+                <a:ea typeface="+mn-ea"/>
+                <a:cs typeface="+mn-cs"/>
+              </a:defRPr>
+            </a:lvl8pPr>
+            <a:lvl9pPr marL="3657600" algn="l" defTabSz="914400" rtl="0" eaLnBrk="1" latinLnBrk="0" hangingPunct="1">
+              <a:defRPr sz="1800" kern="1200">
+                <a:solidFill>
+                  <a:schemeClr val="tx1"/>
+                </a:solidFill>
+                <a:latin typeface="+mn-lt"/>
+                <a:ea typeface="+mn-ea"/>
+                <a:cs typeface="+mn-cs"/>
+              </a:defRPr>
+            </a:lvl9pPr>
+          </a:lstStyle>
+          <a:p>
+            <a:r>
+              <a:rPr lang="en-US" altLang="zh-TW" sz="2400" dirty="0">
+                <a:latin typeface="源泉圓體 R" panose="020B0500000000000000" pitchFamily="34" charset="-120"/>
+                <a:ea typeface="源泉圓體 R" panose="020B0500000000000000" pitchFamily="34" charset="-120"/>
+                <a:sym typeface="Wingdings" panose="05000000000000000000" pitchFamily="2" charset="2"/>
+              </a:rPr>
+              <a:t></a:t>
+            </a:r>
+            <a:endParaRPr lang="zh-TW" altLang="en-US" sz="2400" dirty="0">
+              <a:latin typeface="源泉圓體 R" panose="020B0500000000000000" pitchFamily="34" charset="-120"/>
+              <a:ea typeface="源泉圓體 R" panose="020B0500000000000000" pitchFamily="34" charset="-120"/>
+            </a:endParaRPr>
+          </a:p>
+        </p:txBody>
+      </p:sp>
+    </p:spTree>
+    <p:extLst>
+      <p:ext uri="{BB962C8B-B14F-4D97-AF65-F5344CB8AC3E}">
+        <p14:creationId xmlns:p14="http://schemas.microsoft.com/office/powerpoint/2010/main" val="802493604"/>
+      </p:ext>
+    </p:extLst>
+  </p:cSld>
+  <p:clrMapOvr>
+    <a:masterClrMapping/>
+  </p:clrMapOvr>
+</p:sld>
+</file>
+
+<file path=ppt/slides/slide32.xml><?xml version="1.0" encoding="utf-8"?>
+<p:sld xmlns:a="http://schemas.openxmlformats.org/drawingml/2006/main" xmlns:r="http://schemas.openxmlformats.org/officeDocument/2006/relationships" xmlns:p="http://schemas.openxmlformats.org/presentationml/2006/main">
+  <p:cSld>
+    <p:spTree>
+      <p:nvGrpSpPr>
+        <p:cNvPr id="1" name=""/>
+        <p:cNvGrpSpPr/>
+        <p:nvPr/>
+      </p:nvGrpSpPr>
+      <p:grpSpPr>
+        <a:xfrm>
+          <a:off x="0" y="0"/>
+          <a:ext cx="0" cy="0"/>
+          <a:chOff x="0" y="0"/>
+          <a:chExt cx="0" cy="0"/>
+        </a:xfrm>
+      </p:grpSpPr>
+      <p:sp>
+        <p:nvSpPr>
+          <p:cNvPr id="2" name="標題 1">
+            <a:extLst>
+              <a:ext uri="{FF2B5EF4-FFF2-40B4-BE49-F238E27FC236}">
+                <a16:creationId xmlns:a16="http://schemas.microsoft.com/office/drawing/2014/main" id="{0211B06F-6168-7653-9AD5-34ED7872FDE9}"/>
+              </a:ext>
+            </a:extLst>
+          </p:cNvPr>
+          <p:cNvSpPr>
+            <a:spLocks noGrp="1"/>
+          </p:cNvSpPr>
+          <p:nvPr>
+            <p:ph type="title"/>
+          </p:nvPr>
+        </p:nvSpPr>
+        <p:spPr/>
+        <p:txBody>
+          <a:bodyPr/>
+          <a:lstStyle/>
+          <a:p>
+            <a:r>
+              <a:rPr lang="en-US" altLang="zh-TW" dirty="0">
+                <a:latin typeface="Consolas" panose="020B0609020204030204" pitchFamily="49" charset="0"/>
+              </a:rPr>
+              <a:t>Support Vector Machine</a:t>
+            </a:r>
+            <a:endParaRPr lang="zh-TW" altLang="en-US" dirty="0"/>
+          </a:p>
+        </p:txBody>
+      </p:sp>
+      <p:pic>
+        <p:nvPicPr>
+          <p:cNvPr id="3" name="圖片 2">
+            <a:extLst>
+              <a:ext uri="{FF2B5EF4-FFF2-40B4-BE49-F238E27FC236}">
+                <a16:creationId xmlns:a16="http://schemas.microsoft.com/office/drawing/2014/main" id="{ED3E9212-78CB-DCE5-7298-FCBA5B43872D}"/>
+              </a:ext>
+            </a:extLst>
+          </p:cNvPr>
+          <p:cNvPicPr>
+            <a:picLocks noChangeAspect="1"/>
+          </p:cNvPicPr>
+          <p:nvPr/>
+        </p:nvPicPr>
+        <p:blipFill>
+          <a:blip r:embed="rId2"/>
+          <a:stretch>
+            <a:fillRect/>
+          </a:stretch>
+        </p:blipFill>
+        <p:spPr>
+          <a:xfrm>
+            <a:off x="4139525" y="2201931"/>
+            <a:ext cx="3912950" cy="3249269"/>
+          </a:xfrm>
+          <a:prstGeom prst="rect">
+            <a:avLst/>
+          </a:prstGeom>
+          <a:ln>
+            <a:noFill/>
+          </a:ln>
+          <a:effectLst>
+            <a:outerShdw blurRad="292100" dist="139700" dir="2700000" algn="tl" rotWithShape="0">
+              <a:srgbClr val="333333">
+                <a:alpha val="65000"/>
+              </a:srgbClr>
+            </a:outerShdw>
+          </a:effectLst>
+        </p:spPr>
+      </p:pic>
+      <p:pic>
+        <p:nvPicPr>
+          <p:cNvPr id="7" name="圖片 6">
+            <a:extLst>
+              <a:ext uri="{FF2B5EF4-FFF2-40B4-BE49-F238E27FC236}">
+                <a16:creationId xmlns:a16="http://schemas.microsoft.com/office/drawing/2014/main" id="{8C3E666F-97D8-5268-D4C3-64E41051634A}"/>
+              </a:ext>
+            </a:extLst>
+          </p:cNvPr>
+          <p:cNvPicPr>
+            <a:picLocks noChangeAspect="1"/>
+          </p:cNvPicPr>
+          <p:nvPr/>
+        </p:nvPicPr>
+        <p:blipFill>
+          <a:blip r:embed="rId3">
+            <a:extLst>
+              <a:ext uri="{28A0092B-C50C-407E-A947-70E740481C1C}">
+                <a14:useLocalDpi xmlns:a14="http://schemas.microsoft.com/office/drawing/2010/main" val="0"/>
+              </a:ext>
+            </a:extLst>
+          </a:blip>
+          <a:stretch>
+            <a:fillRect/>
+          </a:stretch>
+        </p:blipFill>
+        <p:spPr>
+          <a:xfrm>
+            <a:off x="4262773" y="4999800"/>
+            <a:ext cx="1579236" cy="217826"/>
+          </a:xfrm>
+          <a:prstGeom prst="rect">
+            <a:avLst/>
+          </a:prstGeom>
+        </p:spPr>
+      </p:pic>
+      <p:pic>
+        <p:nvPicPr>
+          <p:cNvPr id="8" name="圖片 7">
+            <a:extLst>
+              <a:ext uri="{FF2B5EF4-FFF2-40B4-BE49-F238E27FC236}">
+                <a16:creationId xmlns:a16="http://schemas.microsoft.com/office/drawing/2014/main" id="{8F1823B6-7EFF-1710-003D-1D77A7D8832A}"/>
+              </a:ext>
+            </a:extLst>
+          </p:cNvPr>
+          <p:cNvPicPr>
+            <a:picLocks noChangeAspect="1"/>
+          </p:cNvPicPr>
+          <p:nvPr/>
+        </p:nvPicPr>
+        <p:blipFill>
+          <a:blip r:embed="rId4">
+            <a:extLst>
+              <a:ext uri="{28A0092B-C50C-407E-A947-70E740481C1C}">
+                <a14:useLocalDpi xmlns:a14="http://schemas.microsoft.com/office/drawing/2010/main" val="0"/>
+              </a:ext>
+            </a:extLst>
+          </a:blip>
+          <a:stretch>
+            <a:fillRect/>
+          </a:stretch>
+        </p:blipFill>
+        <p:spPr>
+          <a:xfrm>
+            <a:off x="6394117" y="2505680"/>
+            <a:ext cx="1570497" cy="216621"/>
+          </a:xfrm>
+          <a:prstGeom prst="rect">
+            <a:avLst/>
+          </a:prstGeom>
+        </p:spPr>
+      </p:pic>
+      <p:cxnSp>
+        <p:nvCxnSpPr>
+          <p:cNvPr id="10" name="直線單箭頭接點 9">
+            <a:extLst>
+              <a:ext uri="{FF2B5EF4-FFF2-40B4-BE49-F238E27FC236}">
+                <a16:creationId xmlns:a16="http://schemas.microsoft.com/office/drawing/2014/main" id="{69143032-A950-9041-2677-AE1F9E6766A1}"/>
+              </a:ext>
+            </a:extLst>
+          </p:cNvPr>
+          <p:cNvCxnSpPr>
+            <a:cxnSpLocks/>
+          </p:cNvCxnSpPr>
+          <p:nvPr/>
+        </p:nvCxnSpPr>
+        <p:spPr>
+          <a:xfrm flipH="1" flipV="1">
+            <a:off x="6997148" y="2842591"/>
+            <a:ext cx="258417" cy="390953"/>
+          </a:xfrm>
+          <a:prstGeom prst="straightConnector1">
+            <a:avLst/>
+          </a:prstGeom>
+          <a:ln w="38100">
+            <a:solidFill>
+              <a:srgbClr val="FF0000"/>
+            </a:solidFill>
+            <a:tailEnd type="triangle"/>
+          </a:ln>
+        </p:spPr>
+        <p:style>
+          <a:lnRef idx="1">
+            <a:schemeClr val="accent1"/>
+          </a:lnRef>
+          <a:fillRef idx="0">
+            <a:schemeClr val="accent1"/>
+          </a:fillRef>
+          <a:effectRef idx="0">
+            <a:schemeClr val="accent1"/>
+          </a:effectRef>
+          <a:fontRef idx="minor">
+            <a:schemeClr val="tx1"/>
+          </a:fontRef>
+        </p:style>
+      </p:cxnSp>
+      <p:cxnSp>
+        <p:nvCxnSpPr>
+          <p:cNvPr id="12" name="直線單箭頭接點 11">
+            <a:extLst>
+              <a:ext uri="{FF2B5EF4-FFF2-40B4-BE49-F238E27FC236}">
+                <a16:creationId xmlns:a16="http://schemas.microsoft.com/office/drawing/2014/main" id="{6A121215-A7A1-740C-874A-04A9BAB121C1}"/>
+              </a:ext>
+            </a:extLst>
+          </p:cNvPr>
+          <p:cNvCxnSpPr>
+            <a:cxnSpLocks/>
+          </p:cNvCxnSpPr>
+          <p:nvPr/>
+        </p:nvCxnSpPr>
+        <p:spPr>
+          <a:xfrm>
+            <a:off x="5178287" y="4603486"/>
+            <a:ext cx="248478" cy="396314"/>
+          </a:xfrm>
+          <a:prstGeom prst="straightConnector1">
+            <a:avLst/>
+          </a:prstGeom>
+          <a:ln w="38100">
+            <a:solidFill>
+              <a:srgbClr val="FF0000"/>
+            </a:solidFill>
+            <a:tailEnd type="triangle"/>
+          </a:ln>
+        </p:spPr>
+        <p:style>
+          <a:lnRef idx="1">
+            <a:schemeClr val="accent1"/>
+          </a:lnRef>
+          <a:fillRef idx="0">
+            <a:schemeClr val="accent1"/>
+          </a:fillRef>
+          <a:effectRef idx="0">
+            <a:schemeClr val="accent1"/>
+          </a:effectRef>
+          <a:fontRef idx="minor">
+            <a:schemeClr val="tx1"/>
+          </a:fontRef>
+        </p:style>
+      </p:cxnSp>
+      <p:sp>
+        <p:nvSpPr>
+          <p:cNvPr id="15" name="文字方塊 27">
+            <a:extLst>
+              <a:ext uri="{FF2B5EF4-FFF2-40B4-BE49-F238E27FC236}">
+                <a16:creationId xmlns:a16="http://schemas.microsoft.com/office/drawing/2014/main" id="{4E57AD80-3075-69A9-5666-DA2F902FF102}"/>
+              </a:ext>
+            </a:extLst>
+          </p:cNvPr>
+          <p:cNvSpPr txBox="1"/>
+          <p:nvPr/>
+        </p:nvSpPr>
+        <p:spPr>
+          <a:xfrm>
+            <a:off x="555064" y="5847514"/>
+            <a:ext cx="6311088" cy="400110"/>
+          </a:xfrm>
+          <a:prstGeom prst="rect">
+            <a:avLst/>
+          </a:prstGeom>
+          <a:noFill/>
+        </p:spPr>
+        <p:txBody>
+          <a:bodyPr wrap="square">
+            <a:spAutoFit/>
+          </a:bodyPr>
+          <a:lstStyle>
+            <a:defPPr>
+              <a:defRPr lang="zh-TW"/>
+            </a:defPPr>
+            <a:lvl1pPr marL="0" algn="l" defTabSz="914400" rtl="0" eaLnBrk="1" latinLnBrk="0" hangingPunct="1">
+              <a:defRPr sz="1800" kern="1200">
+                <a:solidFill>
+                  <a:schemeClr val="tx1"/>
+                </a:solidFill>
+                <a:latin typeface="+mn-lt"/>
+                <a:ea typeface="+mn-ea"/>
+                <a:cs typeface="+mn-cs"/>
+              </a:defRPr>
+            </a:lvl1pPr>
+            <a:lvl2pPr marL="457200" algn="l" defTabSz="914400" rtl="0" eaLnBrk="1" latinLnBrk="0" hangingPunct="1">
+              <a:defRPr sz="1800" kern="1200">
+                <a:solidFill>
+                  <a:schemeClr val="tx1"/>
+                </a:solidFill>
+                <a:latin typeface="+mn-lt"/>
+                <a:ea typeface="+mn-ea"/>
+                <a:cs typeface="+mn-cs"/>
+              </a:defRPr>
+            </a:lvl2pPr>
+            <a:lvl3pPr marL="914400" algn="l" defTabSz="914400" rtl="0" eaLnBrk="1" latinLnBrk="0" hangingPunct="1">
+              <a:defRPr sz="1800" kern="1200">
+                <a:solidFill>
+                  <a:schemeClr val="tx1"/>
+                </a:solidFill>
+                <a:latin typeface="+mn-lt"/>
+                <a:ea typeface="+mn-ea"/>
+                <a:cs typeface="+mn-cs"/>
+              </a:defRPr>
+            </a:lvl3pPr>
+            <a:lvl4pPr marL="1371600" algn="l" defTabSz="914400" rtl="0" eaLnBrk="1" latinLnBrk="0" hangingPunct="1">
+              <a:defRPr sz="1800" kern="1200">
+                <a:solidFill>
+                  <a:schemeClr val="tx1"/>
+                </a:solidFill>
+                <a:latin typeface="+mn-lt"/>
+                <a:ea typeface="+mn-ea"/>
+                <a:cs typeface="+mn-cs"/>
+              </a:defRPr>
+            </a:lvl4pPr>
+            <a:lvl5pPr marL="1828800" algn="l" defTabSz="914400" rtl="0" eaLnBrk="1" latinLnBrk="0" hangingPunct="1">
+              <a:defRPr sz="1800" kern="1200">
+                <a:solidFill>
+                  <a:schemeClr val="tx1"/>
+                </a:solidFill>
+                <a:latin typeface="+mn-lt"/>
+                <a:ea typeface="+mn-ea"/>
+                <a:cs typeface="+mn-cs"/>
+              </a:defRPr>
+            </a:lvl5pPr>
+            <a:lvl6pPr marL="2286000" algn="l" defTabSz="914400" rtl="0" eaLnBrk="1" latinLnBrk="0" hangingPunct="1">
+              <a:defRPr sz="1800" kern="1200">
+                <a:solidFill>
+                  <a:schemeClr val="tx1"/>
+                </a:solidFill>
+                <a:latin typeface="+mn-lt"/>
+                <a:ea typeface="+mn-ea"/>
+                <a:cs typeface="+mn-cs"/>
+              </a:defRPr>
+            </a:lvl6pPr>
+            <a:lvl7pPr marL="2743200" algn="l" defTabSz="914400" rtl="0" eaLnBrk="1" latinLnBrk="0" hangingPunct="1">
+              <a:defRPr sz="1800" kern="1200">
+                <a:solidFill>
+                  <a:schemeClr val="tx1"/>
+                </a:solidFill>
+                <a:latin typeface="+mn-lt"/>
+                <a:ea typeface="+mn-ea"/>
+                <a:cs typeface="+mn-cs"/>
+              </a:defRPr>
+            </a:lvl7pPr>
+            <a:lvl8pPr marL="3200400" algn="l" defTabSz="914400" rtl="0" eaLnBrk="1" latinLnBrk="0" hangingPunct="1">
+              <a:defRPr sz="1800" kern="1200">
+                <a:solidFill>
+                  <a:schemeClr val="tx1"/>
+                </a:solidFill>
+                <a:latin typeface="+mn-lt"/>
+                <a:ea typeface="+mn-ea"/>
+                <a:cs typeface="+mn-cs"/>
+              </a:defRPr>
+            </a:lvl8pPr>
+            <a:lvl9pPr marL="3657600" algn="l" defTabSz="914400" rtl="0" eaLnBrk="1" latinLnBrk="0" hangingPunct="1">
+              <a:defRPr sz="1800" kern="1200">
+                <a:solidFill>
+                  <a:schemeClr val="tx1"/>
+                </a:solidFill>
+                <a:latin typeface="+mn-lt"/>
+                <a:ea typeface="+mn-ea"/>
+                <a:cs typeface="+mn-cs"/>
+              </a:defRPr>
+            </a:lvl9pPr>
+          </a:lstStyle>
+          <a:p>
+            <a:r>
+              <a:rPr lang="zh-TW" altLang="en-US" sz="2000" dirty="0">
+                <a:latin typeface="源泉圓體 R" panose="020B0500000000000000" pitchFamily="34" charset="-120"/>
+                <a:ea typeface="源泉圓體 R" panose="020B0500000000000000" pitchFamily="34" charset="-120"/>
+              </a:rPr>
+              <a:t>找出這條線之後，之後的資料用</a:t>
+            </a:r>
+          </a:p>
+        </p:txBody>
+      </p:sp>
+      <p:pic>
+        <p:nvPicPr>
+          <p:cNvPr id="17" name="圖片 16">
+            <a:extLst>
+              <a:ext uri="{FF2B5EF4-FFF2-40B4-BE49-F238E27FC236}">
+                <a16:creationId xmlns:a16="http://schemas.microsoft.com/office/drawing/2014/main" id="{69BB34CF-009D-A12E-85FC-5F7D90EFF3D9}"/>
+              </a:ext>
+            </a:extLst>
+          </p:cNvPr>
+          <p:cNvPicPr>
+            <a:picLocks noChangeAspect="1"/>
+          </p:cNvPicPr>
+          <p:nvPr/>
+        </p:nvPicPr>
+        <p:blipFill>
+          <a:blip r:embed="rId3">
+            <a:extLst>
+              <a:ext uri="{28A0092B-C50C-407E-A947-70E740481C1C}">
+                <a14:useLocalDpi xmlns:a14="http://schemas.microsoft.com/office/drawing/2010/main" val="0"/>
+              </a:ext>
+            </a:extLst>
+          </a:blip>
+          <a:stretch>
+            <a:fillRect/>
+          </a:stretch>
+        </p:blipFill>
+        <p:spPr>
+          <a:xfrm>
+            <a:off x="4290391" y="5938656"/>
+            <a:ext cx="1579236" cy="217826"/>
+          </a:xfrm>
+          <a:prstGeom prst="rect">
+            <a:avLst/>
+          </a:prstGeom>
+        </p:spPr>
+      </p:pic>
+      <p:sp>
+        <p:nvSpPr>
+          <p:cNvPr id="18" name="文字方塊 29">
+            <a:extLst>
+              <a:ext uri="{FF2B5EF4-FFF2-40B4-BE49-F238E27FC236}">
+                <a16:creationId xmlns:a16="http://schemas.microsoft.com/office/drawing/2014/main" id="{72D37AB1-858C-0459-74C7-8F0B9F51348F}"/>
+              </a:ext>
+            </a:extLst>
+          </p:cNvPr>
+          <p:cNvSpPr txBox="1"/>
+          <p:nvPr/>
+        </p:nvSpPr>
+        <p:spPr>
+          <a:xfrm>
+            <a:off x="5869627" y="5847514"/>
+            <a:ext cx="1401151" cy="400110"/>
+          </a:xfrm>
+          <a:prstGeom prst="rect">
+            <a:avLst/>
+          </a:prstGeom>
+          <a:noFill/>
+        </p:spPr>
+        <p:txBody>
+          <a:bodyPr wrap="square">
+            <a:spAutoFit/>
+          </a:bodyPr>
+          <a:lstStyle>
+            <a:defPPr>
+              <a:defRPr lang="zh-TW"/>
+            </a:defPPr>
+            <a:lvl1pPr marL="0" algn="l" defTabSz="914400" rtl="0" eaLnBrk="1" latinLnBrk="0" hangingPunct="1">
+              <a:defRPr sz="1800" kern="1200">
+                <a:solidFill>
+                  <a:schemeClr val="tx1"/>
+                </a:solidFill>
+                <a:latin typeface="+mn-lt"/>
+                <a:ea typeface="+mn-ea"/>
+                <a:cs typeface="+mn-cs"/>
+              </a:defRPr>
+            </a:lvl1pPr>
+            <a:lvl2pPr marL="457200" algn="l" defTabSz="914400" rtl="0" eaLnBrk="1" latinLnBrk="0" hangingPunct="1">
+              <a:defRPr sz="1800" kern="1200">
+                <a:solidFill>
+                  <a:schemeClr val="tx1"/>
+                </a:solidFill>
+                <a:latin typeface="+mn-lt"/>
+                <a:ea typeface="+mn-ea"/>
+                <a:cs typeface="+mn-cs"/>
+              </a:defRPr>
+            </a:lvl2pPr>
+            <a:lvl3pPr marL="914400" algn="l" defTabSz="914400" rtl="0" eaLnBrk="1" latinLnBrk="0" hangingPunct="1">
+              <a:defRPr sz="1800" kern="1200">
+                <a:solidFill>
+                  <a:schemeClr val="tx1"/>
+                </a:solidFill>
+                <a:latin typeface="+mn-lt"/>
+                <a:ea typeface="+mn-ea"/>
+                <a:cs typeface="+mn-cs"/>
+              </a:defRPr>
+            </a:lvl3pPr>
+            <a:lvl4pPr marL="1371600" algn="l" defTabSz="914400" rtl="0" eaLnBrk="1" latinLnBrk="0" hangingPunct="1">
+              <a:defRPr sz="1800" kern="1200">
+                <a:solidFill>
+                  <a:schemeClr val="tx1"/>
+                </a:solidFill>
+                <a:latin typeface="+mn-lt"/>
+                <a:ea typeface="+mn-ea"/>
+                <a:cs typeface="+mn-cs"/>
+              </a:defRPr>
+            </a:lvl4pPr>
+            <a:lvl5pPr marL="1828800" algn="l" defTabSz="914400" rtl="0" eaLnBrk="1" latinLnBrk="0" hangingPunct="1">
+              <a:defRPr sz="1800" kern="1200">
+                <a:solidFill>
+                  <a:schemeClr val="tx1"/>
+                </a:solidFill>
+                <a:latin typeface="+mn-lt"/>
+                <a:ea typeface="+mn-ea"/>
+                <a:cs typeface="+mn-cs"/>
+              </a:defRPr>
+            </a:lvl5pPr>
+            <a:lvl6pPr marL="2286000" algn="l" defTabSz="914400" rtl="0" eaLnBrk="1" latinLnBrk="0" hangingPunct="1">
+              <a:defRPr sz="1800" kern="1200">
+                <a:solidFill>
+                  <a:schemeClr val="tx1"/>
+                </a:solidFill>
+                <a:latin typeface="+mn-lt"/>
+                <a:ea typeface="+mn-ea"/>
+                <a:cs typeface="+mn-cs"/>
+              </a:defRPr>
+            </a:lvl6pPr>
+            <a:lvl7pPr marL="2743200" algn="l" defTabSz="914400" rtl="0" eaLnBrk="1" latinLnBrk="0" hangingPunct="1">
+              <a:defRPr sz="1800" kern="1200">
+                <a:solidFill>
+                  <a:schemeClr val="tx1"/>
+                </a:solidFill>
+                <a:latin typeface="+mn-lt"/>
+                <a:ea typeface="+mn-ea"/>
+                <a:cs typeface="+mn-cs"/>
+              </a:defRPr>
+            </a:lvl7pPr>
+            <a:lvl8pPr marL="3200400" algn="l" defTabSz="914400" rtl="0" eaLnBrk="1" latinLnBrk="0" hangingPunct="1">
+              <a:defRPr sz="1800" kern="1200">
+                <a:solidFill>
+                  <a:schemeClr val="tx1"/>
+                </a:solidFill>
+                <a:latin typeface="+mn-lt"/>
+                <a:ea typeface="+mn-ea"/>
+                <a:cs typeface="+mn-cs"/>
+              </a:defRPr>
+            </a:lvl8pPr>
+            <a:lvl9pPr marL="3657600" algn="l" defTabSz="914400" rtl="0" eaLnBrk="1" latinLnBrk="0" hangingPunct="1">
+              <a:defRPr sz="1800" kern="1200">
+                <a:solidFill>
+                  <a:schemeClr val="tx1"/>
+                </a:solidFill>
+                <a:latin typeface="+mn-lt"/>
+                <a:ea typeface="+mn-ea"/>
+                <a:cs typeface="+mn-cs"/>
+              </a:defRPr>
+            </a:lvl9pPr>
+          </a:lstStyle>
+          <a:p>
+            <a:r>
+              <a:rPr lang="zh-TW" altLang="en-US" sz="2000" dirty="0">
+                <a:latin typeface="源泉圓體 R" panose="020B0500000000000000" pitchFamily="34" charset="-120"/>
+                <a:ea typeface="源泉圓體 R" panose="020B0500000000000000" pitchFamily="34" charset="-120"/>
+              </a:rPr>
+              <a:t>帶入即可</a:t>
+            </a:r>
+          </a:p>
+        </p:txBody>
+      </p:sp>
+    </p:spTree>
+    <p:extLst>
+      <p:ext uri="{BB962C8B-B14F-4D97-AF65-F5344CB8AC3E}">
+        <p14:creationId xmlns:p14="http://schemas.microsoft.com/office/powerpoint/2010/main" val="2940130371"/>
+      </p:ext>
+    </p:extLst>
+  </p:cSld>
+  <p:clrMapOvr>
+    <a:masterClrMapping/>
+  </p:clrMapOvr>
+</p:sld>
+</file>
+
+<file path=ppt/slides/slide33.xml><?xml version="1.0" encoding="utf-8"?>
+<p:sld xmlns:a="http://schemas.openxmlformats.org/drawingml/2006/main" xmlns:r="http://schemas.openxmlformats.org/officeDocument/2006/relationships" xmlns:p="http://schemas.openxmlformats.org/presentationml/2006/main">
+  <p:cSld>
+    <p:spTree>
+      <p:nvGrpSpPr>
+        <p:cNvPr id="1" name=""/>
+        <p:cNvGrpSpPr/>
+        <p:nvPr/>
+      </p:nvGrpSpPr>
+      <p:grpSpPr>
+        <a:xfrm>
+          <a:off x="0" y="0"/>
+          <a:ext cx="0" cy="0"/>
+          <a:chOff x="0" y="0"/>
+          <a:chExt cx="0" cy="0"/>
+        </a:xfrm>
+      </p:grpSpPr>
+      <p:sp>
+        <p:nvSpPr>
+          <p:cNvPr id="2" name="標題 1">
+            <a:extLst>
+              <a:ext uri="{FF2B5EF4-FFF2-40B4-BE49-F238E27FC236}">
+                <a16:creationId xmlns:a16="http://schemas.microsoft.com/office/drawing/2014/main" id="{0211B06F-6168-7653-9AD5-34ED7872FDE9}"/>
+              </a:ext>
+            </a:extLst>
+          </p:cNvPr>
+          <p:cNvSpPr>
+            <a:spLocks noGrp="1"/>
+          </p:cNvSpPr>
+          <p:nvPr>
+            <p:ph type="title"/>
+          </p:nvPr>
+        </p:nvSpPr>
+        <p:spPr/>
+        <p:txBody>
+          <a:bodyPr/>
+          <a:lstStyle/>
+          <a:p>
+            <a:r>
+              <a:rPr lang="en-US" altLang="zh-TW" dirty="0">
+                <a:latin typeface="Consolas" panose="020B0609020204030204" pitchFamily="49" charset="0"/>
+              </a:rPr>
+              <a:t>Support Vector Machine</a:t>
+            </a:r>
+            <a:endParaRPr lang="zh-TW" altLang="en-US" dirty="0"/>
+          </a:p>
+        </p:txBody>
+      </p:sp>
+      <p:pic>
+        <p:nvPicPr>
+          <p:cNvPr id="3" name="圖片 2">
+            <a:extLst>
+              <a:ext uri="{FF2B5EF4-FFF2-40B4-BE49-F238E27FC236}">
+                <a16:creationId xmlns:a16="http://schemas.microsoft.com/office/drawing/2014/main" id="{ED3E9212-78CB-DCE5-7298-FCBA5B43872D}"/>
+              </a:ext>
+            </a:extLst>
+          </p:cNvPr>
+          <p:cNvPicPr>
+            <a:picLocks noChangeAspect="1"/>
+          </p:cNvPicPr>
+          <p:nvPr/>
+        </p:nvPicPr>
+        <p:blipFill>
+          <a:blip r:embed="rId2"/>
+          <a:stretch>
+            <a:fillRect/>
+          </a:stretch>
+        </p:blipFill>
+        <p:spPr>
+          <a:xfrm>
+            <a:off x="4139525" y="2201931"/>
+            <a:ext cx="3912950" cy="3249269"/>
+          </a:xfrm>
+          <a:prstGeom prst="rect">
+            <a:avLst/>
+          </a:prstGeom>
+          <a:ln>
+            <a:noFill/>
+          </a:ln>
+          <a:effectLst>
+            <a:outerShdw blurRad="292100" dist="139700" dir="2700000" algn="tl" rotWithShape="0">
+              <a:srgbClr val="333333">
+                <a:alpha val="65000"/>
+              </a:srgbClr>
+            </a:outerShdw>
+          </a:effectLst>
+        </p:spPr>
+      </p:pic>
+      <p:pic>
+        <p:nvPicPr>
+          <p:cNvPr id="7" name="圖片 6">
+            <a:extLst>
+              <a:ext uri="{FF2B5EF4-FFF2-40B4-BE49-F238E27FC236}">
+                <a16:creationId xmlns:a16="http://schemas.microsoft.com/office/drawing/2014/main" id="{8C3E666F-97D8-5268-D4C3-64E41051634A}"/>
+              </a:ext>
+            </a:extLst>
+          </p:cNvPr>
+          <p:cNvPicPr>
+            <a:picLocks noChangeAspect="1"/>
+          </p:cNvPicPr>
+          <p:nvPr/>
+        </p:nvPicPr>
+        <p:blipFill>
+          <a:blip r:embed="rId3">
+            <a:extLst>
+              <a:ext uri="{28A0092B-C50C-407E-A947-70E740481C1C}">
+                <a14:useLocalDpi xmlns:a14="http://schemas.microsoft.com/office/drawing/2010/main" val="0"/>
+              </a:ext>
+            </a:extLst>
+          </a:blip>
+          <a:stretch>
+            <a:fillRect/>
+          </a:stretch>
+        </p:blipFill>
+        <p:spPr>
+          <a:xfrm>
+            <a:off x="4262773" y="4999800"/>
+            <a:ext cx="1579236" cy="217826"/>
+          </a:xfrm>
+          <a:prstGeom prst="rect">
+            <a:avLst/>
+          </a:prstGeom>
+        </p:spPr>
+      </p:pic>
+      <p:pic>
+        <p:nvPicPr>
+          <p:cNvPr id="8" name="圖片 7">
+            <a:extLst>
+              <a:ext uri="{FF2B5EF4-FFF2-40B4-BE49-F238E27FC236}">
+                <a16:creationId xmlns:a16="http://schemas.microsoft.com/office/drawing/2014/main" id="{8F1823B6-7EFF-1710-003D-1D77A7D8832A}"/>
+              </a:ext>
+            </a:extLst>
+          </p:cNvPr>
+          <p:cNvPicPr>
+            <a:picLocks noChangeAspect="1"/>
+          </p:cNvPicPr>
+          <p:nvPr/>
+        </p:nvPicPr>
+        <p:blipFill>
+          <a:blip r:embed="rId4">
+            <a:extLst>
+              <a:ext uri="{28A0092B-C50C-407E-A947-70E740481C1C}">
+                <a14:useLocalDpi xmlns:a14="http://schemas.microsoft.com/office/drawing/2010/main" val="0"/>
+              </a:ext>
+            </a:extLst>
+          </a:blip>
+          <a:stretch>
+            <a:fillRect/>
+          </a:stretch>
+        </p:blipFill>
+        <p:spPr>
+          <a:xfrm>
+            <a:off x="6394117" y="2505680"/>
+            <a:ext cx="1570497" cy="216621"/>
+          </a:xfrm>
+          <a:prstGeom prst="rect">
+            <a:avLst/>
+          </a:prstGeom>
+        </p:spPr>
+      </p:pic>
+      <p:cxnSp>
+        <p:nvCxnSpPr>
+          <p:cNvPr id="10" name="直線單箭頭接點 9">
+            <a:extLst>
+              <a:ext uri="{FF2B5EF4-FFF2-40B4-BE49-F238E27FC236}">
+                <a16:creationId xmlns:a16="http://schemas.microsoft.com/office/drawing/2014/main" id="{69143032-A950-9041-2677-AE1F9E6766A1}"/>
+              </a:ext>
+            </a:extLst>
+          </p:cNvPr>
+          <p:cNvCxnSpPr>
+            <a:cxnSpLocks/>
+          </p:cNvCxnSpPr>
+          <p:nvPr/>
+        </p:nvCxnSpPr>
+        <p:spPr>
+          <a:xfrm flipH="1" flipV="1">
+            <a:off x="6997148" y="2842591"/>
+            <a:ext cx="258417" cy="390953"/>
+          </a:xfrm>
+          <a:prstGeom prst="straightConnector1">
+            <a:avLst/>
+          </a:prstGeom>
+          <a:ln w="38100">
+            <a:solidFill>
+              <a:srgbClr val="FF0000"/>
+            </a:solidFill>
+            <a:tailEnd type="triangle"/>
+          </a:ln>
+        </p:spPr>
+        <p:style>
+          <a:lnRef idx="1">
+            <a:schemeClr val="accent1"/>
+          </a:lnRef>
+          <a:fillRef idx="0">
+            <a:schemeClr val="accent1"/>
+          </a:fillRef>
+          <a:effectRef idx="0">
+            <a:schemeClr val="accent1"/>
+          </a:effectRef>
+          <a:fontRef idx="minor">
+            <a:schemeClr val="tx1"/>
+          </a:fontRef>
+        </p:style>
+      </p:cxnSp>
+      <p:cxnSp>
+        <p:nvCxnSpPr>
+          <p:cNvPr id="12" name="直線單箭頭接點 11">
+            <a:extLst>
+              <a:ext uri="{FF2B5EF4-FFF2-40B4-BE49-F238E27FC236}">
+                <a16:creationId xmlns:a16="http://schemas.microsoft.com/office/drawing/2014/main" id="{6A121215-A7A1-740C-874A-04A9BAB121C1}"/>
+              </a:ext>
+            </a:extLst>
+          </p:cNvPr>
+          <p:cNvCxnSpPr>
+            <a:cxnSpLocks/>
+          </p:cNvCxnSpPr>
+          <p:nvPr/>
+        </p:nvCxnSpPr>
+        <p:spPr>
+          <a:xfrm>
+            <a:off x="5178287" y="4603486"/>
+            <a:ext cx="248478" cy="396314"/>
+          </a:xfrm>
+          <a:prstGeom prst="straightConnector1">
+            <a:avLst/>
+          </a:prstGeom>
+          <a:ln w="38100">
+            <a:solidFill>
+              <a:srgbClr val="FF0000"/>
+            </a:solidFill>
+            <a:tailEnd type="triangle"/>
+          </a:ln>
+        </p:spPr>
+        <p:style>
+          <a:lnRef idx="1">
+            <a:schemeClr val="accent1"/>
+          </a:lnRef>
+          <a:fillRef idx="0">
+            <a:schemeClr val="accent1"/>
+          </a:fillRef>
+          <a:effectRef idx="0">
+            <a:schemeClr val="accent1"/>
+          </a:effectRef>
+          <a:fontRef idx="minor">
+            <a:schemeClr val="tx1"/>
+          </a:fontRef>
+        </p:style>
+      </p:cxnSp>
+      <p:sp>
+        <p:nvSpPr>
+          <p:cNvPr id="4" name="文字方塊 11">
+            <a:extLst>
+              <a:ext uri="{FF2B5EF4-FFF2-40B4-BE49-F238E27FC236}">
+                <a16:creationId xmlns:a16="http://schemas.microsoft.com/office/drawing/2014/main" id="{BF8D7DE3-89C3-B977-5B95-FE5121EA983D}"/>
+              </a:ext>
+            </a:extLst>
+          </p:cNvPr>
+          <p:cNvSpPr txBox="1"/>
+          <p:nvPr/>
+        </p:nvSpPr>
+        <p:spPr>
+          <a:xfrm>
+            <a:off x="535185" y="5847514"/>
+            <a:ext cx="6311088" cy="400110"/>
+          </a:xfrm>
+          <a:prstGeom prst="rect">
+            <a:avLst/>
+          </a:prstGeom>
+          <a:noFill/>
+        </p:spPr>
+        <p:txBody>
+          <a:bodyPr wrap="square">
+            <a:spAutoFit/>
+          </a:bodyPr>
+          <a:lstStyle>
+            <a:defPPr>
+              <a:defRPr lang="zh-TW"/>
+            </a:defPPr>
+            <a:lvl1pPr marL="0" algn="l" defTabSz="914400" rtl="0" eaLnBrk="1" latinLnBrk="0" hangingPunct="1">
+              <a:defRPr sz="1800" kern="1200">
+                <a:solidFill>
+                  <a:schemeClr val="tx1"/>
+                </a:solidFill>
+                <a:latin typeface="+mn-lt"/>
+                <a:ea typeface="+mn-ea"/>
+                <a:cs typeface="+mn-cs"/>
+              </a:defRPr>
+            </a:lvl1pPr>
+            <a:lvl2pPr marL="457200" algn="l" defTabSz="914400" rtl="0" eaLnBrk="1" latinLnBrk="0" hangingPunct="1">
+              <a:defRPr sz="1800" kern="1200">
+                <a:solidFill>
+                  <a:schemeClr val="tx1"/>
+                </a:solidFill>
+                <a:latin typeface="+mn-lt"/>
+                <a:ea typeface="+mn-ea"/>
+                <a:cs typeface="+mn-cs"/>
+              </a:defRPr>
+            </a:lvl2pPr>
+            <a:lvl3pPr marL="914400" algn="l" defTabSz="914400" rtl="0" eaLnBrk="1" latinLnBrk="0" hangingPunct="1">
+              <a:defRPr sz="1800" kern="1200">
+                <a:solidFill>
+                  <a:schemeClr val="tx1"/>
+                </a:solidFill>
+                <a:latin typeface="+mn-lt"/>
+                <a:ea typeface="+mn-ea"/>
+                <a:cs typeface="+mn-cs"/>
+              </a:defRPr>
+            </a:lvl3pPr>
+            <a:lvl4pPr marL="1371600" algn="l" defTabSz="914400" rtl="0" eaLnBrk="1" latinLnBrk="0" hangingPunct="1">
+              <a:defRPr sz="1800" kern="1200">
+                <a:solidFill>
+                  <a:schemeClr val="tx1"/>
+                </a:solidFill>
+                <a:latin typeface="+mn-lt"/>
+                <a:ea typeface="+mn-ea"/>
+                <a:cs typeface="+mn-cs"/>
+              </a:defRPr>
+            </a:lvl4pPr>
+            <a:lvl5pPr marL="1828800" algn="l" defTabSz="914400" rtl="0" eaLnBrk="1" latinLnBrk="0" hangingPunct="1">
+              <a:defRPr sz="1800" kern="1200">
+                <a:solidFill>
+                  <a:schemeClr val="tx1"/>
+                </a:solidFill>
+                <a:latin typeface="+mn-lt"/>
+                <a:ea typeface="+mn-ea"/>
+                <a:cs typeface="+mn-cs"/>
+              </a:defRPr>
+            </a:lvl5pPr>
+            <a:lvl6pPr marL="2286000" algn="l" defTabSz="914400" rtl="0" eaLnBrk="1" latinLnBrk="0" hangingPunct="1">
+              <a:defRPr sz="1800" kern="1200">
+                <a:solidFill>
+                  <a:schemeClr val="tx1"/>
+                </a:solidFill>
+                <a:latin typeface="+mn-lt"/>
+                <a:ea typeface="+mn-ea"/>
+                <a:cs typeface="+mn-cs"/>
+              </a:defRPr>
+            </a:lvl6pPr>
+            <a:lvl7pPr marL="2743200" algn="l" defTabSz="914400" rtl="0" eaLnBrk="1" latinLnBrk="0" hangingPunct="1">
+              <a:defRPr sz="1800" kern="1200">
+                <a:solidFill>
+                  <a:schemeClr val="tx1"/>
+                </a:solidFill>
+                <a:latin typeface="+mn-lt"/>
+                <a:ea typeface="+mn-ea"/>
+                <a:cs typeface="+mn-cs"/>
+              </a:defRPr>
+            </a:lvl7pPr>
+            <a:lvl8pPr marL="3200400" algn="l" defTabSz="914400" rtl="0" eaLnBrk="1" latinLnBrk="0" hangingPunct="1">
+              <a:defRPr sz="1800" kern="1200">
+                <a:solidFill>
+                  <a:schemeClr val="tx1"/>
+                </a:solidFill>
+                <a:latin typeface="+mn-lt"/>
+                <a:ea typeface="+mn-ea"/>
+                <a:cs typeface="+mn-cs"/>
+              </a:defRPr>
+            </a:lvl8pPr>
+            <a:lvl9pPr marL="3657600" algn="l" defTabSz="914400" rtl="0" eaLnBrk="1" latinLnBrk="0" hangingPunct="1">
+              <a:defRPr sz="1800" kern="1200">
+                <a:solidFill>
+                  <a:schemeClr val="tx1"/>
+                </a:solidFill>
+                <a:latin typeface="+mn-lt"/>
+                <a:ea typeface="+mn-ea"/>
+                <a:cs typeface="+mn-cs"/>
+              </a:defRPr>
+            </a:lvl9pPr>
+          </a:lstStyle>
+          <a:p>
+            <a:r>
+              <a:rPr lang="zh-TW" altLang="en-US" sz="2000" dirty="0">
+                <a:latin typeface="源泉圓體 R" panose="020B0500000000000000" pitchFamily="34" charset="-120"/>
+                <a:ea typeface="源泉圓體 R" panose="020B0500000000000000" pitchFamily="34" charset="-120"/>
+              </a:rPr>
+              <a:t>但是這麼做有個條件：必須要是線性可分（硬間隔）</a:t>
+            </a:r>
+          </a:p>
+        </p:txBody>
+      </p:sp>
+    </p:spTree>
+    <p:extLst>
+      <p:ext uri="{BB962C8B-B14F-4D97-AF65-F5344CB8AC3E}">
+        <p14:creationId xmlns:p14="http://schemas.microsoft.com/office/powerpoint/2010/main" val="538910223"/>
+      </p:ext>
+    </p:extLst>
+  </p:cSld>
+  <p:clrMapOvr>
+    <a:masterClrMapping/>
+  </p:clrMapOvr>
+</p:sld>
+</file>
+
+<file path=ppt/slides/slide34.xml><?xml version="1.0" encoding="utf-8"?>
+<p:sld xmlns:a="http://schemas.openxmlformats.org/drawingml/2006/main" xmlns:r="http://schemas.openxmlformats.org/officeDocument/2006/relationships" xmlns:p="http://schemas.openxmlformats.org/presentationml/2006/main">
+  <p:cSld>
+    <p:spTree>
+      <p:nvGrpSpPr>
+        <p:cNvPr id="1" name=""/>
+        <p:cNvGrpSpPr/>
+        <p:nvPr/>
+      </p:nvGrpSpPr>
+      <p:grpSpPr>
+        <a:xfrm>
+          <a:off x="0" y="0"/>
+          <a:ext cx="0" cy="0"/>
+          <a:chOff x="0" y="0"/>
+          <a:chExt cx="0" cy="0"/>
+        </a:xfrm>
+      </p:grpSpPr>
+      <p:sp>
+        <p:nvSpPr>
+          <p:cNvPr id="2" name="標題 1">
+            <a:extLst>
+              <a:ext uri="{FF2B5EF4-FFF2-40B4-BE49-F238E27FC236}">
+                <a16:creationId xmlns:a16="http://schemas.microsoft.com/office/drawing/2014/main" id="{0211B06F-6168-7653-9AD5-34ED7872FDE9}"/>
+              </a:ext>
+            </a:extLst>
+          </p:cNvPr>
+          <p:cNvSpPr>
+            <a:spLocks noGrp="1"/>
+          </p:cNvSpPr>
+          <p:nvPr>
+            <p:ph type="title"/>
+          </p:nvPr>
+        </p:nvSpPr>
+        <p:spPr/>
+        <p:txBody>
+          <a:bodyPr/>
+          <a:lstStyle/>
+          <a:p>
+            <a:r>
+              <a:rPr lang="en-US" altLang="zh-TW" dirty="0">
+                <a:latin typeface="Consolas" panose="020B0609020204030204" pitchFamily="49" charset="0"/>
+              </a:rPr>
+              <a:t>Support Vector Machine</a:t>
+            </a:r>
+            <a:endParaRPr lang="zh-TW" altLang="en-US" dirty="0"/>
+          </a:p>
+        </p:txBody>
+      </p:sp>
+      <p:pic>
+        <p:nvPicPr>
+          <p:cNvPr id="6" name="Picture 2">
+            <a:extLst>
+              <a:ext uri="{FF2B5EF4-FFF2-40B4-BE49-F238E27FC236}">
+                <a16:creationId xmlns:a16="http://schemas.microsoft.com/office/drawing/2014/main" id="{E718096F-9D3E-AF0A-BD0B-429E5A9E45E4}"/>
+              </a:ext>
+            </a:extLst>
+          </p:cNvPr>
+          <p:cNvPicPr>
+            <a:picLocks noChangeAspect="1" noChangeArrowheads="1"/>
+          </p:cNvPicPr>
+          <p:nvPr/>
+        </p:nvPicPr>
+        <p:blipFill>
+          <a:blip r:embed="rId2">
+            <a:extLst>
+              <a:ext uri="{28A0092B-C50C-407E-A947-70E740481C1C}">
+                <a14:useLocalDpi xmlns:a14="http://schemas.microsoft.com/office/drawing/2010/main" val="0"/>
+              </a:ext>
+            </a:extLst>
+          </a:blip>
+          <a:srcRect/>
+          <a:stretch>
+            <a:fillRect/>
+          </a:stretch>
+        </p:blipFill>
+        <p:spPr bwMode="auto">
+          <a:xfrm>
+            <a:off x="4636450" y="2765106"/>
+            <a:ext cx="2919099" cy="2440971"/>
+          </a:xfrm>
+          <a:prstGeom prst="rect">
+            <a:avLst/>
+          </a:prstGeom>
+          <a:noFill/>
+          <a:extLst>
+            <a:ext uri="{909E8E84-426E-40DD-AFC4-6F175D3DCCD1}">
+              <a14:hiddenFill xmlns:a14="http://schemas.microsoft.com/office/drawing/2010/main">
+                <a:solidFill>
+                  <a:srgbClr val="FFFFFF"/>
+                </a:solidFill>
+              </a14:hiddenFill>
+            </a:ext>
+          </a:extLst>
+        </p:spPr>
+      </p:pic>
+      <p:sp>
+        <p:nvSpPr>
+          <p:cNvPr id="9" name="文字方塊 2">
+            <a:extLst>
+              <a:ext uri="{FF2B5EF4-FFF2-40B4-BE49-F238E27FC236}">
+                <a16:creationId xmlns:a16="http://schemas.microsoft.com/office/drawing/2014/main" id="{6F698CA9-FB80-AB95-B80A-E7D1E9599A2D}"/>
+              </a:ext>
+            </a:extLst>
+          </p:cNvPr>
+          <p:cNvSpPr txBox="1"/>
+          <p:nvPr/>
+        </p:nvSpPr>
+        <p:spPr>
+          <a:xfrm>
+            <a:off x="838200" y="1690688"/>
+            <a:ext cx="2919099" cy="461665"/>
+          </a:xfrm>
+          <a:prstGeom prst="rect">
+            <a:avLst/>
+          </a:prstGeom>
+          <a:noFill/>
+        </p:spPr>
+        <p:txBody>
+          <a:bodyPr wrap="square">
+            <a:spAutoFit/>
+          </a:bodyPr>
+          <a:lstStyle>
+            <a:defPPr>
+              <a:defRPr lang="zh-TW"/>
+            </a:defPPr>
+            <a:lvl1pPr marL="0" algn="l" defTabSz="914400" rtl="0" eaLnBrk="1" latinLnBrk="0" hangingPunct="1">
+              <a:defRPr sz="1800" kern="1200">
+                <a:solidFill>
+                  <a:schemeClr val="tx1"/>
+                </a:solidFill>
+                <a:latin typeface="+mn-lt"/>
+                <a:ea typeface="+mn-ea"/>
+                <a:cs typeface="+mn-cs"/>
+              </a:defRPr>
+            </a:lvl1pPr>
+            <a:lvl2pPr marL="457200" algn="l" defTabSz="914400" rtl="0" eaLnBrk="1" latinLnBrk="0" hangingPunct="1">
+              <a:defRPr sz="1800" kern="1200">
+                <a:solidFill>
+                  <a:schemeClr val="tx1"/>
+                </a:solidFill>
+                <a:latin typeface="+mn-lt"/>
+                <a:ea typeface="+mn-ea"/>
+                <a:cs typeface="+mn-cs"/>
+              </a:defRPr>
+            </a:lvl2pPr>
+            <a:lvl3pPr marL="914400" algn="l" defTabSz="914400" rtl="0" eaLnBrk="1" latinLnBrk="0" hangingPunct="1">
+              <a:defRPr sz="1800" kern="1200">
+                <a:solidFill>
+                  <a:schemeClr val="tx1"/>
+                </a:solidFill>
+                <a:latin typeface="+mn-lt"/>
+                <a:ea typeface="+mn-ea"/>
+                <a:cs typeface="+mn-cs"/>
+              </a:defRPr>
+            </a:lvl3pPr>
+            <a:lvl4pPr marL="1371600" algn="l" defTabSz="914400" rtl="0" eaLnBrk="1" latinLnBrk="0" hangingPunct="1">
+              <a:defRPr sz="1800" kern="1200">
+                <a:solidFill>
+                  <a:schemeClr val="tx1"/>
+                </a:solidFill>
+                <a:latin typeface="+mn-lt"/>
+                <a:ea typeface="+mn-ea"/>
+                <a:cs typeface="+mn-cs"/>
+              </a:defRPr>
+            </a:lvl4pPr>
+            <a:lvl5pPr marL="1828800" algn="l" defTabSz="914400" rtl="0" eaLnBrk="1" latinLnBrk="0" hangingPunct="1">
+              <a:defRPr sz="1800" kern="1200">
+                <a:solidFill>
+                  <a:schemeClr val="tx1"/>
+                </a:solidFill>
+                <a:latin typeface="+mn-lt"/>
+                <a:ea typeface="+mn-ea"/>
+                <a:cs typeface="+mn-cs"/>
+              </a:defRPr>
+            </a:lvl5pPr>
+            <a:lvl6pPr marL="2286000" algn="l" defTabSz="914400" rtl="0" eaLnBrk="1" latinLnBrk="0" hangingPunct="1">
+              <a:defRPr sz="1800" kern="1200">
+                <a:solidFill>
+                  <a:schemeClr val="tx1"/>
+                </a:solidFill>
+                <a:latin typeface="+mn-lt"/>
+                <a:ea typeface="+mn-ea"/>
+                <a:cs typeface="+mn-cs"/>
+              </a:defRPr>
+            </a:lvl6pPr>
+            <a:lvl7pPr marL="2743200" algn="l" defTabSz="914400" rtl="0" eaLnBrk="1" latinLnBrk="0" hangingPunct="1">
+              <a:defRPr sz="1800" kern="1200">
+                <a:solidFill>
+                  <a:schemeClr val="tx1"/>
+                </a:solidFill>
+                <a:latin typeface="+mn-lt"/>
+                <a:ea typeface="+mn-ea"/>
+                <a:cs typeface="+mn-cs"/>
+              </a:defRPr>
+            </a:lvl7pPr>
+            <a:lvl8pPr marL="3200400" algn="l" defTabSz="914400" rtl="0" eaLnBrk="1" latinLnBrk="0" hangingPunct="1">
+              <a:defRPr sz="1800" kern="1200">
+                <a:solidFill>
+                  <a:schemeClr val="tx1"/>
+                </a:solidFill>
+                <a:latin typeface="+mn-lt"/>
+                <a:ea typeface="+mn-ea"/>
+                <a:cs typeface="+mn-cs"/>
+              </a:defRPr>
+            </a:lvl8pPr>
+            <a:lvl9pPr marL="3657600" algn="l" defTabSz="914400" rtl="0" eaLnBrk="1" latinLnBrk="0" hangingPunct="1">
+              <a:defRPr sz="1800" kern="1200">
+                <a:solidFill>
+                  <a:schemeClr val="tx1"/>
+                </a:solidFill>
+                <a:latin typeface="+mn-lt"/>
+                <a:ea typeface="+mn-ea"/>
+                <a:cs typeface="+mn-cs"/>
+              </a:defRPr>
+            </a:lvl9pPr>
+          </a:lstStyle>
+          <a:p>
+            <a:r>
+              <a:rPr lang="zh-TW" altLang="en-US" sz="2400" dirty="0">
+                <a:latin typeface="源泉圓體 R" panose="020B0500000000000000" pitchFamily="34" charset="-120"/>
+                <a:ea typeface="源泉圓體 R" panose="020B0500000000000000" pitchFamily="34" charset="-120"/>
+              </a:rPr>
+              <a:t>非線性可分：</a:t>
+            </a:r>
+          </a:p>
+        </p:txBody>
+      </p:sp>
+    </p:spTree>
+    <p:extLst>
+      <p:ext uri="{BB962C8B-B14F-4D97-AF65-F5344CB8AC3E}">
+        <p14:creationId xmlns:p14="http://schemas.microsoft.com/office/powerpoint/2010/main" val="520834336"/>
+      </p:ext>
+    </p:extLst>
+  </p:cSld>
+  <p:clrMapOvr>
+    <a:masterClrMapping/>
+  </p:clrMapOvr>
+</p:sld>
+</file>
+
+<file path=ppt/slides/slide35.xml><?xml version="1.0" encoding="utf-8"?>
+<p:sld xmlns:a="http://schemas.openxmlformats.org/drawingml/2006/main" xmlns:r="http://schemas.openxmlformats.org/officeDocument/2006/relationships" xmlns:p="http://schemas.openxmlformats.org/presentationml/2006/main">
+  <p:cSld>
+    <p:spTree>
+      <p:nvGrpSpPr>
+        <p:cNvPr id="1" name=""/>
+        <p:cNvGrpSpPr/>
+        <p:nvPr/>
+      </p:nvGrpSpPr>
+      <p:grpSpPr>
+        <a:xfrm>
+          <a:off x="0" y="0"/>
+          <a:ext cx="0" cy="0"/>
+          <a:chOff x="0" y="0"/>
+          <a:chExt cx="0" cy="0"/>
+        </a:xfrm>
+      </p:grpSpPr>
+      <p:sp>
+        <p:nvSpPr>
+          <p:cNvPr id="2" name="標題 1">
+            <a:extLst>
+              <a:ext uri="{FF2B5EF4-FFF2-40B4-BE49-F238E27FC236}">
+                <a16:creationId xmlns:a16="http://schemas.microsoft.com/office/drawing/2014/main" id="{0211B06F-6168-7653-9AD5-34ED7872FDE9}"/>
+              </a:ext>
+            </a:extLst>
+          </p:cNvPr>
+          <p:cNvSpPr>
+            <a:spLocks noGrp="1"/>
+          </p:cNvSpPr>
+          <p:nvPr>
+            <p:ph type="title"/>
+          </p:nvPr>
+        </p:nvSpPr>
+        <p:spPr/>
+        <p:txBody>
+          <a:bodyPr/>
+          <a:lstStyle/>
+          <a:p>
+            <a:r>
+              <a:rPr lang="en-US" altLang="zh-TW" dirty="0">
+                <a:latin typeface="Consolas" panose="020B0609020204030204" pitchFamily="49" charset="0"/>
+              </a:rPr>
+              <a:t>Support Vector Machine</a:t>
+            </a:r>
+            <a:endParaRPr lang="zh-TW" altLang="en-US" dirty="0"/>
+          </a:p>
+        </p:txBody>
+      </p:sp>
+      <p:pic>
+        <p:nvPicPr>
+          <p:cNvPr id="6" name="Picture 2">
+            <a:extLst>
+              <a:ext uri="{FF2B5EF4-FFF2-40B4-BE49-F238E27FC236}">
+                <a16:creationId xmlns:a16="http://schemas.microsoft.com/office/drawing/2014/main" id="{E718096F-9D3E-AF0A-BD0B-429E5A9E45E4}"/>
+              </a:ext>
+            </a:extLst>
+          </p:cNvPr>
+          <p:cNvPicPr>
+            <a:picLocks noChangeAspect="1" noChangeArrowheads="1"/>
+          </p:cNvPicPr>
+          <p:nvPr/>
+        </p:nvPicPr>
+        <p:blipFill>
+          <a:blip r:embed="rId2">
+            <a:extLst>
+              <a:ext uri="{28A0092B-C50C-407E-A947-70E740481C1C}">
+                <a14:useLocalDpi xmlns:a14="http://schemas.microsoft.com/office/drawing/2010/main" val="0"/>
+              </a:ext>
+            </a:extLst>
+          </a:blip>
+          <a:srcRect/>
+          <a:stretch>
+            <a:fillRect/>
+          </a:stretch>
+        </p:blipFill>
+        <p:spPr bwMode="auto">
+          <a:xfrm>
+            <a:off x="2191425" y="2899994"/>
+            <a:ext cx="2919099" cy="2440971"/>
+          </a:xfrm>
+          <a:prstGeom prst="rect">
+            <a:avLst/>
+          </a:prstGeom>
+          <a:noFill/>
+          <a:extLst>
+            <a:ext uri="{909E8E84-426E-40DD-AFC4-6F175D3DCCD1}">
+              <a14:hiddenFill xmlns:a14="http://schemas.microsoft.com/office/drawing/2010/main">
+                <a:solidFill>
+                  <a:srgbClr val="FFFFFF"/>
+                </a:solidFill>
+              </a14:hiddenFill>
+            </a:ext>
+          </a:extLst>
+        </p:spPr>
+      </p:pic>
+      <p:sp>
+        <p:nvSpPr>
+          <p:cNvPr id="3" name="文字方塊 2">
+            <a:extLst>
+              <a:ext uri="{FF2B5EF4-FFF2-40B4-BE49-F238E27FC236}">
+                <a16:creationId xmlns:a16="http://schemas.microsoft.com/office/drawing/2014/main" id="{6F698CA9-FB80-AB95-B80A-E7D1E9599A2D}"/>
+              </a:ext>
+            </a:extLst>
+          </p:cNvPr>
+          <p:cNvSpPr txBox="1"/>
+          <p:nvPr/>
+        </p:nvSpPr>
+        <p:spPr>
+          <a:xfrm>
+            <a:off x="838200" y="1690688"/>
+            <a:ext cx="2919099" cy="461665"/>
+          </a:xfrm>
+          <a:prstGeom prst="rect">
+            <a:avLst/>
+          </a:prstGeom>
+          <a:noFill/>
+        </p:spPr>
+        <p:txBody>
+          <a:bodyPr wrap="square">
+            <a:spAutoFit/>
+          </a:bodyPr>
+          <a:lstStyle>
+            <a:defPPr>
+              <a:defRPr lang="zh-TW"/>
+            </a:defPPr>
+            <a:lvl1pPr marL="0" algn="l" defTabSz="914400" rtl="0" eaLnBrk="1" latinLnBrk="0" hangingPunct="1">
+              <a:defRPr sz="1800" kern="1200">
+                <a:solidFill>
+                  <a:schemeClr val="tx1"/>
+                </a:solidFill>
+                <a:latin typeface="+mn-lt"/>
+                <a:ea typeface="+mn-ea"/>
+                <a:cs typeface="+mn-cs"/>
+              </a:defRPr>
+            </a:lvl1pPr>
+            <a:lvl2pPr marL="457200" algn="l" defTabSz="914400" rtl="0" eaLnBrk="1" latinLnBrk="0" hangingPunct="1">
+              <a:defRPr sz="1800" kern="1200">
+                <a:solidFill>
+                  <a:schemeClr val="tx1"/>
+                </a:solidFill>
+                <a:latin typeface="+mn-lt"/>
+                <a:ea typeface="+mn-ea"/>
+                <a:cs typeface="+mn-cs"/>
+              </a:defRPr>
+            </a:lvl2pPr>
+            <a:lvl3pPr marL="914400" algn="l" defTabSz="914400" rtl="0" eaLnBrk="1" latinLnBrk="0" hangingPunct="1">
+              <a:defRPr sz="1800" kern="1200">
+                <a:solidFill>
+                  <a:schemeClr val="tx1"/>
+                </a:solidFill>
+                <a:latin typeface="+mn-lt"/>
+                <a:ea typeface="+mn-ea"/>
+                <a:cs typeface="+mn-cs"/>
+              </a:defRPr>
+            </a:lvl3pPr>
+            <a:lvl4pPr marL="1371600" algn="l" defTabSz="914400" rtl="0" eaLnBrk="1" latinLnBrk="0" hangingPunct="1">
+              <a:defRPr sz="1800" kern="1200">
+                <a:solidFill>
+                  <a:schemeClr val="tx1"/>
+                </a:solidFill>
+                <a:latin typeface="+mn-lt"/>
+                <a:ea typeface="+mn-ea"/>
+                <a:cs typeface="+mn-cs"/>
+              </a:defRPr>
+            </a:lvl4pPr>
+            <a:lvl5pPr marL="1828800" algn="l" defTabSz="914400" rtl="0" eaLnBrk="1" latinLnBrk="0" hangingPunct="1">
+              <a:defRPr sz="1800" kern="1200">
+                <a:solidFill>
+                  <a:schemeClr val="tx1"/>
+                </a:solidFill>
+                <a:latin typeface="+mn-lt"/>
+                <a:ea typeface="+mn-ea"/>
+                <a:cs typeface="+mn-cs"/>
+              </a:defRPr>
+            </a:lvl5pPr>
+            <a:lvl6pPr marL="2286000" algn="l" defTabSz="914400" rtl="0" eaLnBrk="1" latinLnBrk="0" hangingPunct="1">
+              <a:defRPr sz="1800" kern="1200">
+                <a:solidFill>
+                  <a:schemeClr val="tx1"/>
+                </a:solidFill>
+                <a:latin typeface="+mn-lt"/>
+                <a:ea typeface="+mn-ea"/>
+                <a:cs typeface="+mn-cs"/>
+              </a:defRPr>
+            </a:lvl6pPr>
+            <a:lvl7pPr marL="2743200" algn="l" defTabSz="914400" rtl="0" eaLnBrk="1" latinLnBrk="0" hangingPunct="1">
+              <a:defRPr sz="1800" kern="1200">
+                <a:solidFill>
+                  <a:schemeClr val="tx1"/>
+                </a:solidFill>
+                <a:latin typeface="+mn-lt"/>
+                <a:ea typeface="+mn-ea"/>
+                <a:cs typeface="+mn-cs"/>
+              </a:defRPr>
+            </a:lvl7pPr>
+            <a:lvl8pPr marL="3200400" algn="l" defTabSz="914400" rtl="0" eaLnBrk="1" latinLnBrk="0" hangingPunct="1">
+              <a:defRPr sz="1800" kern="1200">
+                <a:solidFill>
+                  <a:schemeClr val="tx1"/>
+                </a:solidFill>
+                <a:latin typeface="+mn-lt"/>
+                <a:ea typeface="+mn-ea"/>
+                <a:cs typeface="+mn-cs"/>
+              </a:defRPr>
+            </a:lvl8pPr>
+            <a:lvl9pPr marL="3657600" algn="l" defTabSz="914400" rtl="0" eaLnBrk="1" latinLnBrk="0" hangingPunct="1">
+              <a:defRPr sz="1800" kern="1200">
+                <a:solidFill>
+                  <a:schemeClr val="tx1"/>
+                </a:solidFill>
+                <a:latin typeface="+mn-lt"/>
+                <a:ea typeface="+mn-ea"/>
+                <a:cs typeface="+mn-cs"/>
+              </a:defRPr>
+            </a:lvl9pPr>
+          </a:lstStyle>
+          <a:p>
+            <a:r>
+              <a:rPr lang="zh-TW" altLang="en-US" sz="2400" dirty="0">
+                <a:latin typeface="源泉圓體 R" panose="020B0500000000000000" pitchFamily="34" charset="-120"/>
+                <a:ea typeface="源泉圓體 R" panose="020B0500000000000000" pitchFamily="34" charset="-120"/>
+              </a:rPr>
+              <a:t>解決方案：</a:t>
+            </a:r>
+          </a:p>
+        </p:txBody>
+      </p:sp>
+      <p:sp>
+        <p:nvSpPr>
+          <p:cNvPr id="4" name="文字方塊 8">
+            <a:extLst>
+              <a:ext uri="{FF2B5EF4-FFF2-40B4-BE49-F238E27FC236}">
+                <a16:creationId xmlns:a16="http://schemas.microsoft.com/office/drawing/2014/main" id="{C516A67A-C664-71D2-4632-D9D9FA4417D9}"/>
+              </a:ext>
+            </a:extLst>
+          </p:cNvPr>
+          <p:cNvSpPr txBox="1"/>
+          <p:nvPr/>
+        </p:nvSpPr>
+        <p:spPr>
+          <a:xfrm>
+            <a:off x="6096000" y="3429000"/>
+            <a:ext cx="439121" cy="461665"/>
+          </a:xfrm>
+          <a:prstGeom prst="rect">
+            <a:avLst/>
+          </a:prstGeom>
+          <a:noFill/>
+        </p:spPr>
+        <p:txBody>
+          <a:bodyPr wrap="square">
+            <a:spAutoFit/>
+          </a:bodyPr>
+          <a:lstStyle>
+            <a:defPPr>
+              <a:defRPr lang="zh-TW"/>
+            </a:defPPr>
+            <a:lvl1pPr marL="0" algn="l" defTabSz="914400" rtl="0" eaLnBrk="1" latinLnBrk="0" hangingPunct="1">
+              <a:defRPr sz="1800" kern="1200">
+                <a:solidFill>
+                  <a:schemeClr val="tx1"/>
+                </a:solidFill>
+                <a:latin typeface="+mn-lt"/>
+                <a:ea typeface="+mn-ea"/>
+                <a:cs typeface="+mn-cs"/>
+              </a:defRPr>
+            </a:lvl1pPr>
+            <a:lvl2pPr marL="457200" algn="l" defTabSz="914400" rtl="0" eaLnBrk="1" latinLnBrk="0" hangingPunct="1">
+              <a:defRPr sz="1800" kern="1200">
+                <a:solidFill>
+                  <a:schemeClr val="tx1"/>
+                </a:solidFill>
+                <a:latin typeface="+mn-lt"/>
+                <a:ea typeface="+mn-ea"/>
+                <a:cs typeface="+mn-cs"/>
+              </a:defRPr>
+            </a:lvl2pPr>
+            <a:lvl3pPr marL="914400" algn="l" defTabSz="914400" rtl="0" eaLnBrk="1" latinLnBrk="0" hangingPunct="1">
+              <a:defRPr sz="1800" kern="1200">
+                <a:solidFill>
+                  <a:schemeClr val="tx1"/>
+                </a:solidFill>
+                <a:latin typeface="+mn-lt"/>
+                <a:ea typeface="+mn-ea"/>
+                <a:cs typeface="+mn-cs"/>
+              </a:defRPr>
+            </a:lvl3pPr>
+            <a:lvl4pPr marL="1371600" algn="l" defTabSz="914400" rtl="0" eaLnBrk="1" latinLnBrk="0" hangingPunct="1">
+              <a:defRPr sz="1800" kern="1200">
+                <a:solidFill>
+                  <a:schemeClr val="tx1"/>
+                </a:solidFill>
+                <a:latin typeface="+mn-lt"/>
+                <a:ea typeface="+mn-ea"/>
+                <a:cs typeface="+mn-cs"/>
+              </a:defRPr>
+            </a:lvl4pPr>
+            <a:lvl5pPr marL="1828800" algn="l" defTabSz="914400" rtl="0" eaLnBrk="1" latinLnBrk="0" hangingPunct="1">
+              <a:defRPr sz="1800" kern="1200">
+                <a:solidFill>
+                  <a:schemeClr val="tx1"/>
+                </a:solidFill>
+                <a:latin typeface="+mn-lt"/>
+                <a:ea typeface="+mn-ea"/>
+                <a:cs typeface="+mn-cs"/>
+              </a:defRPr>
+            </a:lvl5pPr>
+            <a:lvl6pPr marL="2286000" algn="l" defTabSz="914400" rtl="0" eaLnBrk="1" latinLnBrk="0" hangingPunct="1">
+              <a:defRPr sz="1800" kern="1200">
+                <a:solidFill>
+                  <a:schemeClr val="tx1"/>
+                </a:solidFill>
+                <a:latin typeface="+mn-lt"/>
+                <a:ea typeface="+mn-ea"/>
+                <a:cs typeface="+mn-cs"/>
+              </a:defRPr>
+            </a:lvl6pPr>
+            <a:lvl7pPr marL="2743200" algn="l" defTabSz="914400" rtl="0" eaLnBrk="1" latinLnBrk="0" hangingPunct="1">
+              <a:defRPr sz="1800" kern="1200">
+                <a:solidFill>
+                  <a:schemeClr val="tx1"/>
+                </a:solidFill>
+                <a:latin typeface="+mn-lt"/>
+                <a:ea typeface="+mn-ea"/>
+                <a:cs typeface="+mn-cs"/>
+              </a:defRPr>
+            </a:lvl7pPr>
+            <a:lvl8pPr marL="3200400" algn="l" defTabSz="914400" rtl="0" eaLnBrk="1" latinLnBrk="0" hangingPunct="1">
+              <a:defRPr sz="1800" kern="1200">
+                <a:solidFill>
+                  <a:schemeClr val="tx1"/>
+                </a:solidFill>
+                <a:latin typeface="+mn-lt"/>
+                <a:ea typeface="+mn-ea"/>
+                <a:cs typeface="+mn-cs"/>
+              </a:defRPr>
+            </a:lvl8pPr>
+            <a:lvl9pPr marL="3657600" algn="l" defTabSz="914400" rtl="0" eaLnBrk="1" latinLnBrk="0" hangingPunct="1">
+              <a:defRPr sz="1800" kern="1200">
+                <a:solidFill>
+                  <a:schemeClr val="tx1"/>
+                </a:solidFill>
+                <a:latin typeface="+mn-lt"/>
+                <a:ea typeface="+mn-ea"/>
+                <a:cs typeface="+mn-cs"/>
+              </a:defRPr>
+            </a:lvl9pPr>
+          </a:lstStyle>
+          <a:p>
+            <a:r>
+              <a:rPr lang="en-US" altLang="zh-TW" sz="2400" dirty="0">
+                <a:latin typeface="源泉圓體 R" panose="020B0500000000000000" pitchFamily="34" charset="-120"/>
+                <a:ea typeface="源泉圓體 R" panose="020B0500000000000000" pitchFamily="34" charset="-120"/>
+                <a:sym typeface="Wingdings" panose="05000000000000000000" pitchFamily="2" charset="2"/>
+              </a:rPr>
+              <a:t></a:t>
+            </a:r>
+            <a:endParaRPr lang="zh-TW" altLang="en-US" sz="2400" dirty="0">
+              <a:latin typeface="源泉圓體 R" panose="020B0500000000000000" pitchFamily="34" charset="-120"/>
+              <a:ea typeface="源泉圓體 R" panose="020B0500000000000000" pitchFamily="34" charset="-120"/>
+            </a:endParaRPr>
+          </a:p>
+        </p:txBody>
+      </p:sp>
+      <p:sp>
+        <p:nvSpPr>
+          <p:cNvPr id="5" name="文字方塊 13">
+            <a:extLst>
+              <a:ext uri="{FF2B5EF4-FFF2-40B4-BE49-F238E27FC236}">
+                <a16:creationId xmlns:a16="http://schemas.microsoft.com/office/drawing/2014/main" id="{412A0B69-968A-6ADF-FBC8-96D30D1683F5}"/>
+              </a:ext>
+            </a:extLst>
+          </p:cNvPr>
+          <p:cNvSpPr txBox="1"/>
+          <p:nvPr/>
+        </p:nvSpPr>
+        <p:spPr>
+          <a:xfrm>
+            <a:off x="5858360" y="3890665"/>
+            <a:ext cx="914400" cy="369332"/>
+          </a:xfrm>
+          <a:prstGeom prst="rect">
+            <a:avLst/>
+          </a:prstGeom>
+          <a:noFill/>
+        </p:spPr>
+        <p:txBody>
+          <a:bodyPr wrap="square">
+            <a:spAutoFit/>
+          </a:bodyPr>
+          <a:lstStyle>
+            <a:defPPr>
+              <a:defRPr lang="zh-TW"/>
+            </a:defPPr>
+            <a:lvl1pPr marL="0" algn="l" defTabSz="914400" rtl="0" eaLnBrk="1" latinLnBrk="0" hangingPunct="1">
+              <a:defRPr sz="1800" kern="1200">
+                <a:solidFill>
+                  <a:schemeClr val="tx1"/>
+                </a:solidFill>
+                <a:latin typeface="+mn-lt"/>
+                <a:ea typeface="+mn-ea"/>
+                <a:cs typeface="+mn-cs"/>
+              </a:defRPr>
+            </a:lvl1pPr>
+            <a:lvl2pPr marL="457200" algn="l" defTabSz="914400" rtl="0" eaLnBrk="1" latinLnBrk="0" hangingPunct="1">
+              <a:defRPr sz="1800" kern="1200">
+                <a:solidFill>
+                  <a:schemeClr val="tx1"/>
+                </a:solidFill>
+                <a:latin typeface="+mn-lt"/>
+                <a:ea typeface="+mn-ea"/>
+                <a:cs typeface="+mn-cs"/>
+              </a:defRPr>
+            </a:lvl2pPr>
+            <a:lvl3pPr marL="914400" algn="l" defTabSz="914400" rtl="0" eaLnBrk="1" latinLnBrk="0" hangingPunct="1">
+              <a:defRPr sz="1800" kern="1200">
+                <a:solidFill>
+                  <a:schemeClr val="tx1"/>
+                </a:solidFill>
+                <a:latin typeface="+mn-lt"/>
+                <a:ea typeface="+mn-ea"/>
+                <a:cs typeface="+mn-cs"/>
+              </a:defRPr>
+            </a:lvl3pPr>
+            <a:lvl4pPr marL="1371600" algn="l" defTabSz="914400" rtl="0" eaLnBrk="1" latinLnBrk="0" hangingPunct="1">
+              <a:defRPr sz="1800" kern="1200">
+                <a:solidFill>
+                  <a:schemeClr val="tx1"/>
+                </a:solidFill>
+                <a:latin typeface="+mn-lt"/>
+                <a:ea typeface="+mn-ea"/>
+                <a:cs typeface="+mn-cs"/>
+              </a:defRPr>
+            </a:lvl4pPr>
+            <a:lvl5pPr marL="1828800" algn="l" defTabSz="914400" rtl="0" eaLnBrk="1" latinLnBrk="0" hangingPunct="1">
+              <a:defRPr sz="1800" kern="1200">
+                <a:solidFill>
+                  <a:schemeClr val="tx1"/>
+                </a:solidFill>
+                <a:latin typeface="+mn-lt"/>
+                <a:ea typeface="+mn-ea"/>
+                <a:cs typeface="+mn-cs"/>
+              </a:defRPr>
+            </a:lvl5pPr>
+            <a:lvl6pPr marL="2286000" algn="l" defTabSz="914400" rtl="0" eaLnBrk="1" latinLnBrk="0" hangingPunct="1">
+              <a:defRPr sz="1800" kern="1200">
+                <a:solidFill>
+                  <a:schemeClr val="tx1"/>
+                </a:solidFill>
+                <a:latin typeface="+mn-lt"/>
+                <a:ea typeface="+mn-ea"/>
+                <a:cs typeface="+mn-cs"/>
+              </a:defRPr>
+            </a:lvl6pPr>
+            <a:lvl7pPr marL="2743200" algn="l" defTabSz="914400" rtl="0" eaLnBrk="1" latinLnBrk="0" hangingPunct="1">
+              <a:defRPr sz="1800" kern="1200">
+                <a:solidFill>
+                  <a:schemeClr val="tx1"/>
+                </a:solidFill>
+                <a:latin typeface="+mn-lt"/>
+                <a:ea typeface="+mn-ea"/>
+                <a:cs typeface="+mn-cs"/>
+              </a:defRPr>
+            </a:lvl7pPr>
+            <a:lvl8pPr marL="3200400" algn="l" defTabSz="914400" rtl="0" eaLnBrk="1" latinLnBrk="0" hangingPunct="1">
+              <a:defRPr sz="1800" kern="1200">
+                <a:solidFill>
+                  <a:schemeClr val="tx1"/>
+                </a:solidFill>
+                <a:latin typeface="+mn-lt"/>
+                <a:ea typeface="+mn-ea"/>
+                <a:cs typeface="+mn-cs"/>
+              </a:defRPr>
+            </a:lvl8pPr>
+            <a:lvl9pPr marL="3657600" algn="l" defTabSz="914400" rtl="0" eaLnBrk="1" latinLnBrk="0" hangingPunct="1">
+              <a:defRPr sz="1800" kern="1200">
+                <a:solidFill>
+                  <a:schemeClr val="tx1"/>
+                </a:solidFill>
+                <a:latin typeface="+mn-lt"/>
+                <a:ea typeface="+mn-ea"/>
+                <a:cs typeface="+mn-cs"/>
+              </a:defRPr>
+            </a:lvl9pPr>
+          </a:lstStyle>
+          <a:p>
+            <a:r>
+              <a:rPr lang="en-US" altLang="zh-TW" dirty="0">
+                <a:latin typeface="源泉圓體 R" panose="020B0500000000000000" pitchFamily="34" charset="-120"/>
+                <a:ea typeface="源泉圓體 R" panose="020B0500000000000000" pitchFamily="34" charset="-120"/>
+              </a:rPr>
+              <a:t>kernel</a:t>
+            </a:r>
+            <a:endParaRPr lang="zh-TW" altLang="en-US" dirty="0">
+              <a:latin typeface="源泉圓體 R" panose="020B0500000000000000" pitchFamily="34" charset="-120"/>
+              <a:ea typeface="源泉圓體 R" panose="020B0500000000000000" pitchFamily="34" charset="-120"/>
+            </a:endParaRPr>
+          </a:p>
+        </p:txBody>
+      </p:sp>
+      <p:pic>
+        <p:nvPicPr>
+          <p:cNvPr id="7" name="Picture 2">
+            <a:extLst>
+              <a:ext uri="{FF2B5EF4-FFF2-40B4-BE49-F238E27FC236}">
+                <a16:creationId xmlns:a16="http://schemas.microsoft.com/office/drawing/2014/main" id="{127478A5-1F20-3B7C-028E-389D4DD12721}"/>
+              </a:ext>
+            </a:extLst>
+          </p:cNvPr>
+          <p:cNvPicPr>
+            <a:picLocks noChangeAspect="1" noChangeArrowheads="1"/>
+          </p:cNvPicPr>
+          <p:nvPr/>
+        </p:nvPicPr>
+        <p:blipFill>
+          <a:blip r:embed="rId3">
+            <a:extLst>
+              <a:ext uri="{BEBA8EAE-BF5A-486C-A8C5-ECC9F3942E4B}">
+                <a14:imgProps xmlns:a14="http://schemas.microsoft.com/office/drawing/2010/main">
+                  <a14:imgLayer r:embed="rId4">
+                    <a14:imgEffect>
+                      <a14:backgroundRemoval t="9804" b="90686" l="10000" r="90000">
+                        <a14:foregroundMark x1="23409" y1="42892" x2="24545" y2="42892"/>
+                        <a14:foregroundMark x1="22045" y1="47059" x2="22045" y2="47059"/>
+                        <a14:foregroundMark x1="27727" y1="55147" x2="27727" y2="55147"/>
+                        <a14:foregroundMark x1="32045" y1="50980" x2="32045" y2="50980"/>
+                        <a14:foregroundMark x1="34545" y1="55882" x2="34545" y2="55882"/>
+                        <a14:foregroundMark x1="39091" y1="52941" x2="39091" y2="52941"/>
+                        <a14:foregroundMark x1="49545" y1="59804" x2="49545" y2="59804"/>
+                        <a14:foregroundMark x1="49318" y1="61275" x2="49318" y2="61275"/>
+                        <a14:foregroundMark x1="49318" y1="59804" x2="49318" y2="61029"/>
+                        <a14:foregroundMark x1="55682" y1="55882" x2="55682" y2="55882"/>
+                        <a14:foregroundMark x1="58636" y1="47059" x2="58636" y2="47059"/>
+                        <a14:foregroundMark x1="55227" y1="42157" x2="55227" y2="42157"/>
+                        <a14:foregroundMark x1="49545" y1="40196" x2="49545" y2="40196"/>
+                        <a14:foregroundMark x1="51591" y1="34314" x2="51591" y2="34314"/>
+                        <a14:foregroundMark x1="48409" y1="29902" x2="48409" y2="29902"/>
+                        <a14:foregroundMark x1="46818" y1="25490" x2="46818" y2="25490"/>
+                        <a14:foregroundMark x1="50455" y1="25245" x2="50455" y2="25245"/>
+                        <a14:foregroundMark x1="45000" y1="25980" x2="45000" y2="25980"/>
+                        <a14:foregroundMark x1="68864" y1="23529" x2="68864" y2="23529"/>
+                        <a14:foregroundMark x1="65455" y1="30147" x2="65455" y2="30147"/>
+                        <a14:foregroundMark x1="72273" y1="33088" x2="72273" y2="33088"/>
+                        <a14:foregroundMark x1="73864" y1="27451" x2="73864" y2="27451"/>
+                        <a14:foregroundMark x1="76136" y1="33824" x2="76136" y2="33824"/>
+                        <a14:foregroundMark x1="78409" y1="47059" x2="78409" y2="47059"/>
+                        <a14:foregroundMark x1="74545" y1="43137" x2="74545" y2="43137"/>
+                        <a14:foregroundMark x1="69091" y1="39216" x2="69091" y2="39216"/>
+                        <a14:foregroundMark x1="64318" y1="42157" x2="64318" y2="42157"/>
+                        <a14:foregroundMark x1="60000" y1="39951" x2="60000" y2="39951"/>
+                        <a14:foregroundMark x1="58182" y1="36029" x2="58182" y2="36029"/>
+                        <a14:foregroundMark x1="60000" y1="26961" x2="60000" y2="26961"/>
+                        <a14:foregroundMark x1="64318" y1="49755" x2="64318" y2="49755"/>
+                        <a14:foregroundMark x1="67045" y1="54167" x2="67045" y2="54167"/>
+                        <a14:foregroundMark x1="48636" y1="60294" x2="48636" y2="60294"/>
+                        <a14:foregroundMark x1="44091" y1="68627" x2="44091" y2="68627"/>
+                        <a14:foregroundMark x1="38409" y1="64706" x2="38409" y2="64706"/>
+                        <a14:foregroundMark x1="37727" y1="59804" x2="37727" y2="59804"/>
+                        <a14:foregroundMark x1="32955" y1="64706" x2="32955" y2="64706"/>
+                        <a14:foregroundMark x1="30455" y1="58333" x2="30455" y2="58333"/>
+                        <a14:foregroundMark x1="26364" y1="66667" x2="26364" y2="66667"/>
+                        <a14:foregroundMark x1="25682" y1="61765" x2="25682" y2="61765"/>
+                        <a14:foregroundMark x1="17045" y1="62745" x2="17045" y2="62745"/>
+                        <a14:foregroundMark x1="16136" y1="58824" x2="16136" y2="58824"/>
+                        <a14:foregroundMark x1="11591" y1="53676" x2="11591" y2="53676"/>
+                        <a14:foregroundMark x1="14318" y1="50000" x2="14318" y2="50000"/>
+                        <a14:foregroundMark x1="19318" y1="71078" x2="19318" y2="71078"/>
+                        <a14:foregroundMark x1="16591" y1="80147" x2="16591" y2="80147"/>
+                        <a14:foregroundMark x1="31136" y1="76716" x2="31136" y2="76716"/>
+                        <a14:foregroundMark x1="35455" y1="75000" x2="35455" y2="75000"/>
+                        <a14:foregroundMark x1="40000" y1="69118" x2="40000" y2="69118"/>
+                        <a14:foregroundMark x1="68636" y1="90686" x2="68636" y2="90686"/>
+                      </a14:backgroundRemoval>
+                    </a14:imgEffect>
+                  </a14:imgLayer>
+                </a14:imgProps>
+              </a:ext>
+              <a:ext uri="{28A0092B-C50C-407E-A947-70E740481C1C}">
+                <a14:useLocalDpi xmlns:a14="http://schemas.microsoft.com/office/drawing/2010/main" val="0"/>
+              </a:ext>
+            </a:extLst>
+          </a:blip>
+          <a:srcRect/>
+          <a:stretch>
+            <a:fillRect/>
+          </a:stretch>
+        </p:blipFill>
+        <p:spPr bwMode="auto">
+          <a:xfrm>
+            <a:off x="7319116" y="2066352"/>
+            <a:ext cx="3556998" cy="3298308"/>
+          </a:xfrm>
+          <a:prstGeom prst="rect">
+            <a:avLst/>
+          </a:prstGeom>
+          <a:noFill/>
+          <a:extLst>
+            <a:ext uri="{909E8E84-426E-40DD-AFC4-6F175D3DCCD1}">
+              <a14:hiddenFill xmlns:a14="http://schemas.microsoft.com/office/drawing/2010/main">
+                <a:solidFill>
+                  <a:srgbClr val="FFFFFF"/>
+                </a:solidFill>
+              </a14:hiddenFill>
+            </a:ext>
+          </a:extLst>
         </p:spPr>
       </p:pic>
     </p:spTree>
     <p:extLst>
       <p:ext uri="{BB962C8B-B14F-4D97-AF65-F5344CB8AC3E}">
-        <p14:creationId xmlns:p14="http://schemas.microsoft.com/office/powerpoint/2010/main" val="3651755546"/>
+        <p14:creationId xmlns:p14="http://schemas.microsoft.com/office/powerpoint/2010/main" val="2989424772"/>
+      </p:ext>
+    </p:extLst>
+  </p:cSld>
+  <p:clrMapOvr>
+    <a:masterClrMapping/>
+  </p:clrMapOvr>
+</p:sld>
+</file>
+
+<file path=ppt/slides/slide36.xml><?xml version="1.0" encoding="utf-8"?>
+<p:sld xmlns:a="http://schemas.openxmlformats.org/drawingml/2006/main" xmlns:r="http://schemas.openxmlformats.org/officeDocument/2006/relationships" xmlns:p="http://schemas.openxmlformats.org/presentationml/2006/main">
+  <p:cSld>
+    <p:spTree>
+      <p:nvGrpSpPr>
+        <p:cNvPr id="1" name=""/>
+        <p:cNvGrpSpPr/>
+        <p:nvPr/>
+      </p:nvGrpSpPr>
+      <p:grpSpPr>
+        <a:xfrm>
+          <a:off x="0" y="0"/>
+          <a:ext cx="0" cy="0"/>
+          <a:chOff x="0" y="0"/>
+          <a:chExt cx="0" cy="0"/>
+        </a:xfrm>
+      </p:grpSpPr>
+      <p:sp>
+        <p:nvSpPr>
+          <p:cNvPr id="2" name="標題 1">
+            <a:extLst>
+              <a:ext uri="{FF2B5EF4-FFF2-40B4-BE49-F238E27FC236}">
+                <a16:creationId xmlns:a16="http://schemas.microsoft.com/office/drawing/2014/main" id="{0211B06F-6168-7653-9AD5-34ED7872FDE9}"/>
+              </a:ext>
+            </a:extLst>
+          </p:cNvPr>
+          <p:cNvSpPr>
+            <a:spLocks noGrp="1"/>
+          </p:cNvSpPr>
+          <p:nvPr>
+            <p:ph type="title"/>
+          </p:nvPr>
+        </p:nvSpPr>
+        <p:spPr/>
+        <p:txBody>
+          <a:bodyPr/>
+          <a:lstStyle/>
+          <a:p>
+            <a:r>
+              <a:rPr lang="en-US" altLang="zh-TW" dirty="0">
+                <a:latin typeface="Consolas" panose="020B0609020204030204" pitchFamily="49" charset="0"/>
+              </a:rPr>
+              <a:t>Support Vector Machine</a:t>
+            </a:r>
+            <a:endParaRPr lang="zh-TW" altLang="en-US" dirty="0"/>
+          </a:p>
+        </p:txBody>
+      </p:sp>
+      <p:pic>
+        <p:nvPicPr>
+          <p:cNvPr id="6" name="Picture 2">
+            <a:extLst>
+              <a:ext uri="{FF2B5EF4-FFF2-40B4-BE49-F238E27FC236}">
+                <a16:creationId xmlns:a16="http://schemas.microsoft.com/office/drawing/2014/main" id="{E718096F-9D3E-AF0A-BD0B-429E5A9E45E4}"/>
+              </a:ext>
+            </a:extLst>
+          </p:cNvPr>
+          <p:cNvPicPr>
+            <a:picLocks noChangeAspect="1" noChangeArrowheads="1"/>
+          </p:cNvPicPr>
+          <p:nvPr/>
+        </p:nvPicPr>
+        <p:blipFill>
+          <a:blip r:embed="rId2">
+            <a:extLst>
+              <a:ext uri="{28A0092B-C50C-407E-A947-70E740481C1C}">
+                <a14:useLocalDpi xmlns:a14="http://schemas.microsoft.com/office/drawing/2010/main" val="0"/>
+              </a:ext>
+            </a:extLst>
+          </a:blip>
+          <a:srcRect/>
+          <a:stretch>
+            <a:fillRect/>
+          </a:stretch>
+        </p:blipFill>
+        <p:spPr bwMode="auto">
+          <a:xfrm>
+            <a:off x="2191425" y="2899994"/>
+            <a:ext cx="2919099" cy="2440971"/>
+          </a:xfrm>
+          <a:prstGeom prst="rect">
+            <a:avLst/>
+          </a:prstGeom>
+          <a:noFill/>
+          <a:extLst>
+            <a:ext uri="{909E8E84-426E-40DD-AFC4-6F175D3DCCD1}">
+              <a14:hiddenFill xmlns:a14="http://schemas.microsoft.com/office/drawing/2010/main">
+                <a:solidFill>
+                  <a:srgbClr val="FFFFFF"/>
+                </a:solidFill>
+              </a14:hiddenFill>
+            </a:ext>
+          </a:extLst>
+        </p:spPr>
+      </p:pic>
+      <p:sp>
+        <p:nvSpPr>
+          <p:cNvPr id="4" name="文字方塊 8">
+            <a:extLst>
+              <a:ext uri="{FF2B5EF4-FFF2-40B4-BE49-F238E27FC236}">
+                <a16:creationId xmlns:a16="http://schemas.microsoft.com/office/drawing/2014/main" id="{C516A67A-C664-71D2-4632-D9D9FA4417D9}"/>
+              </a:ext>
+            </a:extLst>
+          </p:cNvPr>
+          <p:cNvSpPr txBox="1"/>
+          <p:nvPr/>
+        </p:nvSpPr>
+        <p:spPr>
+          <a:xfrm>
+            <a:off x="6096000" y="3429000"/>
+            <a:ext cx="439121" cy="461665"/>
+          </a:xfrm>
+          <a:prstGeom prst="rect">
+            <a:avLst/>
+          </a:prstGeom>
+          <a:noFill/>
+        </p:spPr>
+        <p:txBody>
+          <a:bodyPr wrap="square">
+            <a:spAutoFit/>
+          </a:bodyPr>
+          <a:lstStyle>
+            <a:defPPr>
+              <a:defRPr lang="zh-TW"/>
+            </a:defPPr>
+            <a:lvl1pPr marL="0" algn="l" defTabSz="914400" rtl="0" eaLnBrk="1" latinLnBrk="0" hangingPunct="1">
+              <a:defRPr sz="1800" kern="1200">
+                <a:solidFill>
+                  <a:schemeClr val="tx1"/>
+                </a:solidFill>
+                <a:latin typeface="+mn-lt"/>
+                <a:ea typeface="+mn-ea"/>
+                <a:cs typeface="+mn-cs"/>
+              </a:defRPr>
+            </a:lvl1pPr>
+            <a:lvl2pPr marL="457200" algn="l" defTabSz="914400" rtl="0" eaLnBrk="1" latinLnBrk="0" hangingPunct="1">
+              <a:defRPr sz="1800" kern="1200">
+                <a:solidFill>
+                  <a:schemeClr val="tx1"/>
+                </a:solidFill>
+                <a:latin typeface="+mn-lt"/>
+                <a:ea typeface="+mn-ea"/>
+                <a:cs typeface="+mn-cs"/>
+              </a:defRPr>
+            </a:lvl2pPr>
+            <a:lvl3pPr marL="914400" algn="l" defTabSz="914400" rtl="0" eaLnBrk="1" latinLnBrk="0" hangingPunct="1">
+              <a:defRPr sz="1800" kern="1200">
+                <a:solidFill>
+                  <a:schemeClr val="tx1"/>
+                </a:solidFill>
+                <a:latin typeface="+mn-lt"/>
+                <a:ea typeface="+mn-ea"/>
+                <a:cs typeface="+mn-cs"/>
+              </a:defRPr>
+            </a:lvl3pPr>
+            <a:lvl4pPr marL="1371600" algn="l" defTabSz="914400" rtl="0" eaLnBrk="1" latinLnBrk="0" hangingPunct="1">
+              <a:defRPr sz="1800" kern="1200">
+                <a:solidFill>
+                  <a:schemeClr val="tx1"/>
+                </a:solidFill>
+                <a:latin typeface="+mn-lt"/>
+                <a:ea typeface="+mn-ea"/>
+                <a:cs typeface="+mn-cs"/>
+              </a:defRPr>
+            </a:lvl4pPr>
+            <a:lvl5pPr marL="1828800" algn="l" defTabSz="914400" rtl="0" eaLnBrk="1" latinLnBrk="0" hangingPunct="1">
+              <a:defRPr sz="1800" kern="1200">
+                <a:solidFill>
+                  <a:schemeClr val="tx1"/>
+                </a:solidFill>
+                <a:latin typeface="+mn-lt"/>
+                <a:ea typeface="+mn-ea"/>
+                <a:cs typeface="+mn-cs"/>
+              </a:defRPr>
+            </a:lvl5pPr>
+            <a:lvl6pPr marL="2286000" algn="l" defTabSz="914400" rtl="0" eaLnBrk="1" latinLnBrk="0" hangingPunct="1">
+              <a:defRPr sz="1800" kern="1200">
+                <a:solidFill>
+                  <a:schemeClr val="tx1"/>
+                </a:solidFill>
+                <a:latin typeface="+mn-lt"/>
+                <a:ea typeface="+mn-ea"/>
+                <a:cs typeface="+mn-cs"/>
+              </a:defRPr>
+            </a:lvl6pPr>
+            <a:lvl7pPr marL="2743200" algn="l" defTabSz="914400" rtl="0" eaLnBrk="1" latinLnBrk="0" hangingPunct="1">
+              <a:defRPr sz="1800" kern="1200">
+                <a:solidFill>
+                  <a:schemeClr val="tx1"/>
+                </a:solidFill>
+                <a:latin typeface="+mn-lt"/>
+                <a:ea typeface="+mn-ea"/>
+                <a:cs typeface="+mn-cs"/>
+              </a:defRPr>
+            </a:lvl7pPr>
+            <a:lvl8pPr marL="3200400" algn="l" defTabSz="914400" rtl="0" eaLnBrk="1" latinLnBrk="0" hangingPunct="1">
+              <a:defRPr sz="1800" kern="1200">
+                <a:solidFill>
+                  <a:schemeClr val="tx1"/>
+                </a:solidFill>
+                <a:latin typeface="+mn-lt"/>
+                <a:ea typeface="+mn-ea"/>
+                <a:cs typeface="+mn-cs"/>
+              </a:defRPr>
+            </a:lvl8pPr>
+            <a:lvl9pPr marL="3657600" algn="l" defTabSz="914400" rtl="0" eaLnBrk="1" latinLnBrk="0" hangingPunct="1">
+              <a:defRPr sz="1800" kern="1200">
+                <a:solidFill>
+                  <a:schemeClr val="tx1"/>
+                </a:solidFill>
+                <a:latin typeface="+mn-lt"/>
+                <a:ea typeface="+mn-ea"/>
+                <a:cs typeface="+mn-cs"/>
+              </a:defRPr>
+            </a:lvl9pPr>
+          </a:lstStyle>
+          <a:p>
+            <a:r>
+              <a:rPr lang="en-US" altLang="zh-TW" sz="2400" dirty="0">
+                <a:latin typeface="源泉圓體 R" panose="020B0500000000000000" pitchFamily="34" charset="-120"/>
+                <a:ea typeface="源泉圓體 R" panose="020B0500000000000000" pitchFamily="34" charset="-120"/>
+                <a:sym typeface="Wingdings" panose="05000000000000000000" pitchFamily="2" charset="2"/>
+              </a:rPr>
+              <a:t></a:t>
+            </a:r>
+            <a:endParaRPr lang="zh-TW" altLang="en-US" sz="2400" dirty="0">
+              <a:latin typeface="源泉圓體 R" panose="020B0500000000000000" pitchFamily="34" charset="-120"/>
+              <a:ea typeface="源泉圓體 R" panose="020B0500000000000000" pitchFamily="34" charset="-120"/>
+            </a:endParaRPr>
+          </a:p>
+        </p:txBody>
+      </p:sp>
+      <p:sp>
+        <p:nvSpPr>
+          <p:cNvPr id="5" name="文字方塊 13">
+            <a:extLst>
+              <a:ext uri="{FF2B5EF4-FFF2-40B4-BE49-F238E27FC236}">
+                <a16:creationId xmlns:a16="http://schemas.microsoft.com/office/drawing/2014/main" id="{412A0B69-968A-6ADF-FBC8-96D30D1683F5}"/>
+              </a:ext>
+            </a:extLst>
+          </p:cNvPr>
+          <p:cNvSpPr txBox="1"/>
+          <p:nvPr/>
+        </p:nvSpPr>
+        <p:spPr>
+          <a:xfrm>
+            <a:off x="5858360" y="3890665"/>
+            <a:ext cx="914400" cy="369332"/>
+          </a:xfrm>
+          <a:prstGeom prst="rect">
+            <a:avLst/>
+          </a:prstGeom>
+          <a:noFill/>
+        </p:spPr>
+        <p:txBody>
+          <a:bodyPr wrap="square">
+            <a:spAutoFit/>
+          </a:bodyPr>
+          <a:lstStyle>
+            <a:defPPr>
+              <a:defRPr lang="zh-TW"/>
+            </a:defPPr>
+            <a:lvl1pPr marL="0" algn="l" defTabSz="914400" rtl="0" eaLnBrk="1" latinLnBrk="0" hangingPunct="1">
+              <a:defRPr sz="1800" kern="1200">
+                <a:solidFill>
+                  <a:schemeClr val="tx1"/>
+                </a:solidFill>
+                <a:latin typeface="+mn-lt"/>
+                <a:ea typeface="+mn-ea"/>
+                <a:cs typeface="+mn-cs"/>
+              </a:defRPr>
+            </a:lvl1pPr>
+            <a:lvl2pPr marL="457200" algn="l" defTabSz="914400" rtl="0" eaLnBrk="1" latinLnBrk="0" hangingPunct="1">
+              <a:defRPr sz="1800" kern="1200">
+                <a:solidFill>
+                  <a:schemeClr val="tx1"/>
+                </a:solidFill>
+                <a:latin typeface="+mn-lt"/>
+                <a:ea typeface="+mn-ea"/>
+                <a:cs typeface="+mn-cs"/>
+              </a:defRPr>
+            </a:lvl2pPr>
+            <a:lvl3pPr marL="914400" algn="l" defTabSz="914400" rtl="0" eaLnBrk="1" latinLnBrk="0" hangingPunct="1">
+              <a:defRPr sz="1800" kern="1200">
+                <a:solidFill>
+                  <a:schemeClr val="tx1"/>
+                </a:solidFill>
+                <a:latin typeface="+mn-lt"/>
+                <a:ea typeface="+mn-ea"/>
+                <a:cs typeface="+mn-cs"/>
+              </a:defRPr>
+            </a:lvl3pPr>
+            <a:lvl4pPr marL="1371600" algn="l" defTabSz="914400" rtl="0" eaLnBrk="1" latinLnBrk="0" hangingPunct="1">
+              <a:defRPr sz="1800" kern="1200">
+                <a:solidFill>
+                  <a:schemeClr val="tx1"/>
+                </a:solidFill>
+                <a:latin typeface="+mn-lt"/>
+                <a:ea typeface="+mn-ea"/>
+                <a:cs typeface="+mn-cs"/>
+              </a:defRPr>
+            </a:lvl4pPr>
+            <a:lvl5pPr marL="1828800" algn="l" defTabSz="914400" rtl="0" eaLnBrk="1" latinLnBrk="0" hangingPunct="1">
+              <a:defRPr sz="1800" kern="1200">
+                <a:solidFill>
+                  <a:schemeClr val="tx1"/>
+                </a:solidFill>
+                <a:latin typeface="+mn-lt"/>
+                <a:ea typeface="+mn-ea"/>
+                <a:cs typeface="+mn-cs"/>
+              </a:defRPr>
+            </a:lvl5pPr>
+            <a:lvl6pPr marL="2286000" algn="l" defTabSz="914400" rtl="0" eaLnBrk="1" latinLnBrk="0" hangingPunct="1">
+              <a:defRPr sz="1800" kern="1200">
+                <a:solidFill>
+                  <a:schemeClr val="tx1"/>
+                </a:solidFill>
+                <a:latin typeface="+mn-lt"/>
+                <a:ea typeface="+mn-ea"/>
+                <a:cs typeface="+mn-cs"/>
+              </a:defRPr>
+            </a:lvl6pPr>
+            <a:lvl7pPr marL="2743200" algn="l" defTabSz="914400" rtl="0" eaLnBrk="1" latinLnBrk="0" hangingPunct="1">
+              <a:defRPr sz="1800" kern="1200">
+                <a:solidFill>
+                  <a:schemeClr val="tx1"/>
+                </a:solidFill>
+                <a:latin typeface="+mn-lt"/>
+                <a:ea typeface="+mn-ea"/>
+                <a:cs typeface="+mn-cs"/>
+              </a:defRPr>
+            </a:lvl7pPr>
+            <a:lvl8pPr marL="3200400" algn="l" defTabSz="914400" rtl="0" eaLnBrk="1" latinLnBrk="0" hangingPunct="1">
+              <a:defRPr sz="1800" kern="1200">
+                <a:solidFill>
+                  <a:schemeClr val="tx1"/>
+                </a:solidFill>
+                <a:latin typeface="+mn-lt"/>
+                <a:ea typeface="+mn-ea"/>
+                <a:cs typeface="+mn-cs"/>
+              </a:defRPr>
+            </a:lvl8pPr>
+            <a:lvl9pPr marL="3657600" algn="l" defTabSz="914400" rtl="0" eaLnBrk="1" latinLnBrk="0" hangingPunct="1">
+              <a:defRPr sz="1800" kern="1200">
+                <a:solidFill>
+                  <a:schemeClr val="tx1"/>
+                </a:solidFill>
+                <a:latin typeface="+mn-lt"/>
+                <a:ea typeface="+mn-ea"/>
+                <a:cs typeface="+mn-cs"/>
+              </a:defRPr>
+            </a:lvl9pPr>
+          </a:lstStyle>
+          <a:p>
+            <a:r>
+              <a:rPr lang="en-US" altLang="zh-TW" dirty="0">
+                <a:latin typeface="源泉圓體 R" panose="020B0500000000000000" pitchFamily="34" charset="-120"/>
+                <a:ea typeface="源泉圓體 R" panose="020B0500000000000000" pitchFamily="34" charset="-120"/>
+              </a:rPr>
+              <a:t>kernel</a:t>
+            </a:r>
+            <a:endParaRPr lang="zh-TW" altLang="en-US" dirty="0">
+              <a:latin typeface="源泉圓體 R" panose="020B0500000000000000" pitchFamily="34" charset="-120"/>
+              <a:ea typeface="源泉圓體 R" panose="020B0500000000000000" pitchFamily="34" charset="-120"/>
+            </a:endParaRPr>
+          </a:p>
+        </p:txBody>
+      </p:sp>
+      <p:pic>
+        <p:nvPicPr>
+          <p:cNvPr id="7" name="Picture 2">
+            <a:extLst>
+              <a:ext uri="{FF2B5EF4-FFF2-40B4-BE49-F238E27FC236}">
+                <a16:creationId xmlns:a16="http://schemas.microsoft.com/office/drawing/2014/main" id="{127478A5-1F20-3B7C-028E-389D4DD12721}"/>
+              </a:ext>
+            </a:extLst>
+          </p:cNvPr>
+          <p:cNvPicPr>
+            <a:picLocks noChangeAspect="1" noChangeArrowheads="1"/>
+          </p:cNvPicPr>
+          <p:nvPr/>
+        </p:nvPicPr>
+        <p:blipFill>
+          <a:blip r:embed="rId3">
+            <a:extLst>
+              <a:ext uri="{BEBA8EAE-BF5A-486C-A8C5-ECC9F3942E4B}">
+                <a14:imgProps xmlns:a14="http://schemas.microsoft.com/office/drawing/2010/main">
+                  <a14:imgLayer r:embed="rId4">
+                    <a14:imgEffect>
+                      <a14:backgroundRemoval t="9804" b="90686" l="10000" r="90000">
+                        <a14:foregroundMark x1="23409" y1="42892" x2="24545" y2="42892"/>
+                        <a14:foregroundMark x1="22045" y1="47059" x2="22045" y2="47059"/>
+                        <a14:foregroundMark x1="27727" y1="55147" x2="27727" y2="55147"/>
+                        <a14:foregroundMark x1="32045" y1="50980" x2="32045" y2="50980"/>
+                        <a14:foregroundMark x1="34545" y1="55882" x2="34545" y2="55882"/>
+                        <a14:foregroundMark x1="39091" y1="52941" x2="39091" y2="52941"/>
+                        <a14:foregroundMark x1="49545" y1="59804" x2="49545" y2="59804"/>
+                        <a14:foregroundMark x1="49318" y1="61275" x2="49318" y2="61275"/>
+                        <a14:foregroundMark x1="49318" y1="59804" x2="49318" y2="61029"/>
+                        <a14:foregroundMark x1="55682" y1="55882" x2="55682" y2="55882"/>
+                        <a14:foregroundMark x1="58636" y1="47059" x2="58636" y2="47059"/>
+                        <a14:foregroundMark x1="55227" y1="42157" x2="55227" y2="42157"/>
+                        <a14:foregroundMark x1="49545" y1="40196" x2="49545" y2="40196"/>
+                        <a14:foregroundMark x1="51591" y1="34314" x2="51591" y2="34314"/>
+                        <a14:foregroundMark x1="48409" y1="29902" x2="48409" y2="29902"/>
+                        <a14:foregroundMark x1="46818" y1="25490" x2="46818" y2="25490"/>
+                        <a14:foregroundMark x1="50455" y1="25245" x2="50455" y2="25245"/>
+                        <a14:foregroundMark x1="45000" y1="25980" x2="45000" y2="25980"/>
+                        <a14:foregroundMark x1="68864" y1="23529" x2="68864" y2="23529"/>
+                        <a14:foregroundMark x1="65455" y1="30147" x2="65455" y2="30147"/>
+                        <a14:foregroundMark x1="72273" y1="33088" x2="72273" y2="33088"/>
+                        <a14:foregroundMark x1="73864" y1="27451" x2="73864" y2="27451"/>
+                        <a14:foregroundMark x1="76136" y1="33824" x2="76136" y2="33824"/>
+                        <a14:foregroundMark x1="78409" y1="47059" x2="78409" y2="47059"/>
+                        <a14:foregroundMark x1="74545" y1="43137" x2="74545" y2="43137"/>
+                        <a14:foregroundMark x1="69091" y1="39216" x2="69091" y2="39216"/>
+                        <a14:foregroundMark x1="64318" y1="42157" x2="64318" y2="42157"/>
+                        <a14:foregroundMark x1="60000" y1="39951" x2="60000" y2="39951"/>
+                        <a14:foregroundMark x1="58182" y1="36029" x2="58182" y2="36029"/>
+                        <a14:foregroundMark x1="60000" y1="26961" x2="60000" y2="26961"/>
+                        <a14:foregroundMark x1="64318" y1="49755" x2="64318" y2="49755"/>
+                        <a14:foregroundMark x1="67045" y1="54167" x2="67045" y2="54167"/>
+                        <a14:foregroundMark x1="48636" y1="60294" x2="48636" y2="60294"/>
+                        <a14:foregroundMark x1="44091" y1="68627" x2="44091" y2="68627"/>
+                        <a14:foregroundMark x1="38409" y1="64706" x2="38409" y2="64706"/>
+                        <a14:foregroundMark x1="37727" y1="59804" x2="37727" y2="59804"/>
+                        <a14:foregroundMark x1="32955" y1="64706" x2="32955" y2="64706"/>
+                        <a14:foregroundMark x1="30455" y1="58333" x2="30455" y2="58333"/>
+                        <a14:foregroundMark x1="26364" y1="66667" x2="26364" y2="66667"/>
+                        <a14:foregroundMark x1="25682" y1="61765" x2="25682" y2="61765"/>
+                        <a14:foregroundMark x1="17045" y1="62745" x2="17045" y2="62745"/>
+                        <a14:foregroundMark x1="16136" y1="58824" x2="16136" y2="58824"/>
+                        <a14:foregroundMark x1="11591" y1="53676" x2="11591" y2="53676"/>
+                        <a14:foregroundMark x1="14318" y1="50000" x2="14318" y2="50000"/>
+                        <a14:foregroundMark x1="19318" y1="71078" x2="19318" y2="71078"/>
+                        <a14:foregroundMark x1="16591" y1="80147" x2="16591" y2="80147"/>
+                        <a14:foregroundMark x1="31136" y1="76716" x2="31136" y2="76716"/>
+                        <a14:foregroundMark x1="35455" y1="75000" x2="35455" y2="75000"/>
+                        <a14:foregroundMark x1="40000" y1="69118" x2="40000" y2="69118"/>
+                        <a14:foregroundMark x1="68636" y1="90686" x2="68636" y2="90686"/>
+                      </a14:backgroundRemoval>
+                    </a14:imgEffect>
+                  </a14:imgLayer>
+                </a14:imgProps>
+              </a:ext>
+              <a:ext uri="{28A0092B-C50C-407E-A947-70E740481C1C}">
+                <a14:useLocalDpi xmlns:a14="http://schemas.microsoft.com/office/drawing/2010/main" val="0"/>
+              </a:ext>
+            </a:extLst>
+          </a:blip>
+          <a:srcRect/>
+          <a:stretch>
+            <a:fillRect/>
+          </a:stretch>
+        </p:blipFill>
+        <p:spPr bwMode="auto">
+          <a:xfrm>
+            <a:off x="7319116" y="2066352"/>
+            <a:ext cx="3556998" cy="3298308"/>
+          </a:xfrm>
+          <a:prstGeom prst="rect">
+            <a:avLst/>
+          </a:prstGeom>
+          <a:noFill/>
+          <a:extLst>
+            <a:ext uri="{909E8E84-426E-40DD-AFC4-6F175D3DCCD1}">
+              <a14:hiddenFill xmlns:a14="http://schemas.microsoft.com/office/drawing/2010/main">
+                <a:solidFill>
+                  <a:srgbClr val="FFFFFF"/>
+                </a:solidFill>
+              </a14:hiddenFill>
+            </a:ext>
+          </a:extLst>
+        </p:spPr>
+      </p:pic>
+      <p:sp>
+        <p:nvSpPr>
+          <p:cNvPr id="8" name="文字方塊 4">
+            <a:extLst>
+              <a:ext uri="{FF2B5EF4-FFF2-40B4-BE49-F238E27FC236}">
+                <a16:creationId xmlns:a16="http://schemas.microsoft.com/office/drawing/2014/main" id="{F510C4CD-A618-E56B-5F9A-AEB74D1A5618}"/>
+              </a:ext>
+            </a:extLst>
+          </p:cNvPr>
+          <p:cNvSpPr txBox="1"/>
+          <p:nvPr/>
+        </p:nvSpPr>
+        <p:spPr>
+          <a:xfrm>
+            <a:off x="1528838" y="5628977"/>
+            <a:ext cx="9347275" cy="369332"/>
+          </a:xfrm>
+          <a:prstGeom prst="rect">
+            <a:avLst/>
+          </a:prstGeom>
+          <a:noFill/>
+        </p:spPr>
+        <p:txBody>
+          <a:bodyPr wrap="square">
+            <a:spAutoFit/>
+          </a:bodyPr>
+          <a:lstStyle>
+            <a:defPPr>
+              <a:defRPr lang="zh-TW"/>
+            </a:defPPr>
+            <a:lvl1pPr marL="0" algn="l" defTabSz="914400" rtl="0" eaLnBrk="1" latinLnBrk="0" hangingPunct="1">
+              <a:defRPr sz="1800" kern="1200">
+                <a:solidFill>
+                  <a:schemeClr val="tx1"/>
+                </a:solidFill>
+                <a:latin typeface="+mn-lt"/>
+                <a:ea typeface="+mn-ea"/>
+                <a:cs typeface="+mn-cs"/>
+              </a:defRPr>
+            </a:lvl1pPr>
+            <a:lvl2pPr marL="457200" algn="l" defTabSz="914400" rtl="0" eaLnBrk="1" latinLnBrk="0" hangingPunct="1">
+              <a:defRPr sz="1800" kern="1200">
+                <a:solidFill>
+                  <a:schemeClr val="tx1"/>
+                </a:solidFill>
+                <a:latin typeface="+mn-lt"/>
+                <a:ea typeface="+mn-ea"/>
+                <a:cs typeface="+mn-cs"/>
+              </a:defRPr>
+            </a:lvl2pPr>
+            <a:lvl3pPr marL="914400" algn="l" defTabSz="914400" rtl="0" eaLnBrk="1" latinLnBrk="0" hangingPunct="1">
+              <a:defRPr sz="1800" kern="1200">
+                <a:solidFill>
+                  <a:schemeClr val="tx1"/>
+                </a:solidFill>
+                <a:latin typeface="+mn-lt"/>
+                <a:ea typeface="+mn-ea"/>
+                <a:cs typeface="+mn-cs"/>
+              </a:defRPr>
+            </a:lvl3pPr>
+            <a:lvl4pPr marL="1371600" algn="l" defTabSz="914400" rtl="0" eaLnBrk="1" latinLnBrk="0" hangingPunct="1">
+              <a:defRPr sz="1800" kern="1200">
+                <a:solidFill>
+                  <a:schemeClr val="tx1"/>
+                </a:solidFill>
+                <a:latin typeface="+mn-lt"/>
+                <a:ea typeface="+mn-ea"/>
+                <a:cs typeface="+mn-cs"/>
+              </a:defRPr>
+            </a:lvl4pPr>
+            <a:lvl5pPr marL="1828800" algn="l" defTabSz="914400" rtl="0" eaLnBrk="1" latinLnBrk="0" hangingPunct="1">
+              <a:defRPr sz="1800" kern="1200">
+                <a:solidFill>
+                  <a:schemeClr val="tx1"/>
+                </a:solidFill>
+                <a:latin typeface="+mn-lt"/>
+                <a:ea typeface="+mn-ea"/>
+                <a:cs typeface="+mn-cs"/>
+              </a:defRPr>
+            </a:lvl5pPr>
+            <a:lvl6pPr marL="2286000" algn="l" defTabSz="914400" rtl="0" eaLnBrk="1" latinLnBrk="0" hangingPunct="1">
+              <a:defRPr sz="1800" kern="1200">
+                <a:solidFill>
+                  <a:schemeClr val="tx1"/>
+                </a:solidFill>
+                <a:latin typeface="+mn-lt"/>
+                <a:ea typeface="+mn-ea"/>
+                <a:cs typeface="+mn-cs"/>
+              </a:defRPr>
+            </a:lvl6pPr>
+            <a:lvl7pPr marL="2743200" algn="l" defTabSz="914400" rtl="0" eaLnBrk="1" latinLnBrk="0" hangingPunct="1">
+              <a:defRPr sz="1800" kern="1200">
+                <a:solidFill>
+                  <a:schemeClr val="tx1"/>
+                </a:solidFill>
+                <a:latin typeface="+mn-lt"/>
+                <a:ea typeface="+mn-ea"/>
+                <a:cs typeface="+mn-cs"/>
+              </a:defRPr>
+            </a:lvl7pPr>
+            <a:lvl8pPr marL="3200400" algn="l" defTabSz="914400" rtl="0" eaLnBrk="1" latinLnBrk="0" hangingPunct="1">
+              <a:defRPr sz="1800" kern="1200">
+                <a:solidFill>
+                  <a:schemeClr val="tx1"/>
+                </a:solidFill>
+                <a:latin typeface="+mn-lt"/>
+                <a:ea typeface="+mn-ea"/>
+                <a:cs typeface="+mn-cs"/>
+              </a:defRPr>
+            </a:lvl8pPr>
+            <a:lvl9pPr marL="3657600" algn="l" defTabSz="914400" rtl="0" eaLnBrk="1" latinLnBrk="0" hangingPunct="1">
+              <a:defRPr sz="1800" kern="1200">
+                <a:solidFill>
+                  <a:schemeClr val="tx1"/>
+                </a:solidFill>
+                <a:latin typeface="+mn-lt"/>
+                <a:ea typeface="+mn-ea"/>
+                <a:cs typeface="+mn-cs"/>
+              </a:defRPr>
+            </a:lvl9pPr>
+          </a:lstStyle>
+          <a:p>
+            <a:r>
+              <a:rPr lang="zh-TW" altLang="en-US" dirty="0">
+                <a:latin typeface="源泉圓體 R" panose="020B0500000000000000" pitchFamily="34" charset="-120"/>
+                <a:ea typeface="源泉圓體 R" panose="020B0500000000000000" pitchFamily="34" charset="-120"/>
+              </a:rPr>
+              <a:t>其實沒有一個正規的找法，就是某些</a:t>
+            </a:r>
+            <a:r>
+              <a:rPr lang="en-US" altLang="zh-TW" dirty="0">
+                <a:latin typeface="源泉圓體 R" panose="020B0500000000000000" pitchFamily="34" charset="-120"/>
+                <a:ea typeface="源泉圓體 R" panose="020B0500000000000000" pitchFamily="34" charset="-120"/>
+              </a:rPr>
+              <a:t>paper</a:t>
+            </a:r>
+            <a:r>
+              <a:rPr lang="zh-TW" altLang="en-US" dirty="0">
+                <a:latin typeface="源泉圓體 R" panose="020B0500000000000000" pitchFamily="34" charset="-120"/>
+                <a:ea typeface="源泉圓體 R" panose="020B0500000000000000" pitchFamily="34" charset="-120"/>
+              </a:rPr>
+              <a:t>實驗出來某些 </a:t>
+            </a:r>
+            <a:r>
+              <a:rPr lang="en-US" altLang="zh-TW" dirty="0">
+                <a:latin typeface="源泉圓體 R" panose="020B0500000000000000" pitchFamily="34" charset="-120"/>
+                <a:ea typeface="源泉圓體 R" panose="020B0500000000000000" pitchFamily="34" charset="-120"/>
+              </a:rPr>
+              <a:t>kernel</a:t>
+            </a:r>
+            <a:r>
+              <a:rPr lang="zh-TW" altLang="en-US" dirty="0">
+                <a:latin typeface="源泉圓體 R" panose="020B0500000000000000" pitchFamily="34" charset="-120"/>
+                <a:ea typeface="源泉圓體 R" panose="020B0500000000000000" pitchFamily="34" charset="-120"/>
+              </a:rPr>
+              <a:t> 分得還不錯就這樣用了</a:t>
+            </a:r>
+          </a:p>
+        </p:txBody>
+      </p:sp>
+      <p:sp>
+        <p:nvSpPr>
+          <p:cNvPr id="9" name="文字方塊 2">
+            <a:extLst>
+              <a:ext uri="{FF2B5EF4-FFF2-40B4-BE49-F238E27FC236}">
+                <a16:creationId xmlns:a16="http://schemas.microsoft.com/office/drawing/2014/main" id="{6F698CA9-FB80-AB95-B80A-E7D1E9599A2D}"/>
+              </a:ext>
+            </a:extLst>
+          </p:cNvPr>
+          <p:cNvSpPr txBox="1"/>
+          <p:nvPr/>
+        </p:nvSpPr>
+        <p:spPr>
+          <a:xfrm>
+            <a:off x="838200" y="1690688"/>
+            <a:ext cx="2919099" cy="461665"/>
+          </a:xfrm>
+          <a:prstGeom prst="rect">
+            <a:avLst/>
+          </a:prstGeom>
+          <a:noFill/>
+        </p:spPr>
+        <p:txBody>
+          <a:bodyPr wrap="square">
+            <a:spAutoFit/>
+          </a:bodyPr>
+          <a:lstStyle>
+            <a:defPPr>
+              <a:defRPr lang="zh-TW"/>
+            </a:defPPr>
+            <a:lvl1pPr marL="0" algn="l" defTabSz="914400" rtl="0" eaLnBrk="1" latinLnBrk="0" hangingPunct="1">
+              <a:defRPr sz="1800" kern="1200">
+                <a:solidFill>
+                  <a:schemeClr val="tx1"/>
+                </a:solidFill>
+                <a:latin typeface="+mn-lt"/>
+                <a:ea typeface="+mn-ea"/>
+                <a:cs typeface="+mn-cs"/>
+              </a:defRPr>
+            </a:lvl1pPr>
+            <a:lvl2pPr marL="457200" algn="l" defTabSz="914400" rtl="0" eaLnBrk="1" latinLnBrk="0" hangingPunct="1">
+              <a:defRPr sz="1800" kern="1200">
+                <a:solidFill>
+                  <a:schemeClr val="tx1"/>
+                </a:solidFill>
+                <a:latin typeface="+mn-lt"/>
+                <a:ea typeface="+mn-ea"/>
+                <a:cs typeface="+mn-cs"/>
+              </a:defRPr>
+            </a:lvl2pPr>
+            <a:lvl3pPr marL="914400" algn="l" defTabSz="914400" rtl="0" eaLnBrk="1" latinLnBrk="0" hangingPunct="1">
+              <a:defRPr sz="1800" kern="1200">
+                <a:solidFill>
+                  <a:schemeClr val="tx1"/>
+                </a:solidFill>
+                <a:latin typeface="+mn-lt"/>
+                <a:ea typeface="+mn-ea"/>
+                <a:cs typeface="+mn-cs"/>
+              </a:defRPr>
+            </a:lvl3pPr>
+            <a:lvl4pPr marL="1371600" algn="l" defTabSz="914400" rtl="0" eaLnBrk="1" latinLnBrk="0" hangingPunct="1">
+              <a:defRPr sz="1800" kern="1200">
+                <a:solidFill>
+                  <a:schemeClr val="tx1"/>
+                </a:solidFill>
+                <a:latin typeface="+mn-lt"/>
+                <a:ea typeface="+mn-ea"/>
+                <a:cs typeface="+mn-cs"/>
+              </a:defRPr>
+            </a:lvl4pPr>
+            <a:lvl5pPr marL="1828800" algn="l" defTabSz="914400" rtl="0" eaLnBrk="1" latinLnBrk="0" hangingPunct="1">
+              <a:defRPr sz="1800" kern="1200">
+                <a:solidFill>
+                  <a:schemeClr val="tx1"/>
+                </a:solidFill>
+                <a:latin typeface="+mn-lt"/>
+                <a:ea typeface="+mn-ea"/>
+                <a:cs typeface="+mn-cs"/>
+              </a:defRPr>
+            </a:lvl5pPr>
+            <a:lvl6pPr marL="2286000" algn="l" defTabSz="914400" rtl="0" eaLnBrk="1" latinLnBrk="0" hangingPunct="1">
+              <a:defRPr sz="1800" kern="1200">
+                <a:solidFill>
+                  <a:schemeClr val="tx1"/>
+                </a:solidFill>
+                <a:latin typeface="+mn-lt"/>
+                <a:ea typeface="+mn-ea"/>
+                <a:cs typeface="+mn-cs"/>
+              </a:defRPr>
+            </a:lvl6pPr>
+            <a:lvl7pPr marL="2743200" algn="l" defTabSz="914400" rtl="0" eaLnBrk="1" latinLnBrk="0" hangingPunct="1">
+              <a:defRPr sz="1800" kern="1200">
+                <a:solidFill>
+                  <a:schemeClr val="tx1"/>
+                </a:solidFill>
+                <a:latin typeface="+mn-lt"/>
+                <a:ea typeface="+mn-ea"/>
+                <a:cs typeface="+mn-cs"/>
+              </a:defRPr>
+            </a:lvl7pPr>
+            <a:lvl8pPr marL="3200400" algn="l" defTabSz="914400" rtl="0" eaLnBrk="1" latinLnBrk="0" hangingPunct="1">
+              <a:defRPr sz="1800" kern="1200">
+                <a:solidFill>
+                  <a:schemeClr val="tx1"/>
+                </a:solidFill>
+                <a:latin typeface="+mn-lt"/>
+                <a:ea typeface="+mn-ea"/>
+                <a:cs typeface="+mn-cs"/>
+              </a:defRPr>
+            </a:lvl8pPr>
+            <a:lvl9pPr marL="3657600" algn="l" defTabSz="914400" rtl="0" eaLnBrk="1" latinLnBrk="0" hangingPunct="1">
+              <a:defRPr sz="1800" kern="1200">
+                <a:solidFill>
+                  <a:schemeClr val="tx1"/>
+                </a:solidFill>
+                <a:latin typeface="+mn-lt"/>
+                <a:ea typeface="+mn-ea"/>
+                <a:cs typeface="+mn-cs"/>
+              </a:defRPr>
+            </a:lvl9pPr>
+          </a:lstStyle>
+          <a:p>
+            <a:r>
+              <a:rPr lang="zh-TW" altLang="en-US" sz="2400" dirty="0">
+                <a:latin typeface="源泉圓體 R" panose="020B0500000000000000" pitchFamily="34" charset="-120"/>
+                <a:ea typeface="源泉圓體 R" panose="020B0500000000000000" pitchFamily="34" charset="-120"/>
+              </a:rPr>
+              <a:t>找出 </a:t>
+            </a:r>
+            <a:r>
+              <a:rPr lang="en-US" altLang="zh-TW" sz="2400" dirty="0">
+                <a:latin typeface="源泉圓體 R" panose="020B0500000000000000" pitchFamily="34" charset="-120"/>
+                <a:ea typeface="源泉圓體 R" panose="020B0500000000000000" pitchFamily="34" charset="-120"/>
+              </a:rPr>
+              <a:t>kernel</a:t>
+            </a:r>
+            <a:r>
+              <a:rPr lang="zh-TW" altLang="en-US" sz="2400" dirty="0">
+                <a:latin typeface="源泉圓體 R" panose="020B0500000000000000" pitchFamily="34" charset="-120"/>
+                <a:ea typeface="源泉圓體 R" panose="020B0500000000000000" pitchFamily="34" charset="-120"/>
+              </a:rPr>
+              <a:t>：</a:t>
+            </a:r>
+          </a:p>
+        </p:txBody>
+      </p:sp>
+    </p:spTree>
+    <p:extLst>
+      <p:ext uri="{BB962C8B-B14F-4D97-AF65-F5344CB8AC3E}">
+        <p14:creationId xmlns:p14="http://schemas.microsoft.com/office/powerpoint/2010/main" val="4236246706"/>
+      </p:ext>
+    </p:extLst>
+  </p:cSld>
+  <p:clrMapOvr>
+    <a:masterClrMapping/>
+  </p:clrMapOvr>
+</p:sld>
+</file>
+
+<file path=ppt/slides/slide37.xml><?xml version="1.0" encoding="utf-8"?>
+<p:sld xmlns:a="http://schemas.openxmlformats.org/drawingml/2006/main" xmlns:r="http://schemas.openxmlformats.org/officeDocument/2006/relationships" xmlns:p="http://schemas.openxmlformats.org/presentationml/2006/main">
+  <p:cSld>
+    <p:spTree>
+      <p:nvGrpSpPr>
+        <p:cNvPr id="1" name=""/>
+        <p:cNvGrpSpPr/>
+        <p:nvPr/>
+      </p:nvGrpSpPr>
+      <p:grpSpPr>
+        <a:xfrm>
+          <a:off x="0" y="0"/>
+          <a:ext cx="0" cy="0"/>
+          <a:chOff x="0" y="0"/>
+          <a:chExt cx="0" cy="0"/>
+        </a:xfrm>
+      </p:grpSpPr>
+      <p:sp>
+        <p:nvSpPr>
+          <p:cNvPr id="2" name="標題 1">
+            <a:extLst>
+              <a:ext uri="{FF2B5EF4-FFF2-40B4-BE49-F238E27FC236}">
+                <a16:creationId xmlns:a16="http://schemas.microsoft.com/office/drawing/2014/main" id="{0211B06F-6168-7653-9AD5-34ED7872FDE9}"/>
+              </a:ext>
+            </a:extLst>
+          </p:cNvPr>
+          <p:cNvSpPr>
+            <a:spLocks noGrp="1"/>
+          </p:cNvSpPr>
+          <p:nvPr>
+            <p:ph type="title"/>
+          </p:nvPr>
+        </p:nvSpPr>
+        <p:spPr/>
+        <p:txBody>
+          <a:bodyPr/>
+          <a:lstStyle/>
+          <a:p>
+            <a:r>
+              <a:rPr lang="en-US" altLang="zh-TW" dirty="0">
+                <a:latin typeface="Consolas" panose="020B0609020204030204" pitchFamily="49" charset="0"/>
+              </a:rPr>
+              <a:t>Support Vector Machine</a:t>
+            </a:r>
+            <a:endParaRPr lang="zh-TW" altLang="en-US" dirty="0"/>
+          </a:p>
+        </p:txBody>
+      </p:sp>
+      <p:sp>
+        <p:nvSpPr>
+          <p:cNvPr id="9" name="文字方塊 2">
+            <a:extLst>
+              <a:ext uri="{FF2B5EF4-FFF2-40B4-BE49-F238E27FC236}">
+                <a16:creationId xmlns:a16="http://schemas.microsoft.com/office/drawing/2014/main" id="{6F698CA9-FB80-AB95-B80A-E7D1E9599A2D}"/>
+              </a:ext>
+            </a:extLst>
+          </p:cNvPr>
+          <p:cNvSpPr txBox="1"/>
+          <p:nvPr/>
+        </p:nvSpPr>
+        <p:spPr>
+          <a:xfrm>
+            <a:off x="838200" y="1690688"/>
+            <a:ext cx="2919099" cy="461665"/>
+          </a:xfrm>
+          <a:prstGeom prst="rect">
+            <a:avLst/>
+          </a:prstGeom>
+          <a:noFill/>
+        </p:spPr>
+        <p:txBody>
+          <a:bodyPr wrap="square">
+            <a:spAutoFit/>
+          </a:bodyPr>
+          <a:lstStyle>
+            <a:defPPr>
+              <a:defRPr lang="zh-TW"/>
+            </a:defPPr>
+            <a:lvl1pPr marL="0" algn="l" defTabSz="914400" rtl="0" eaLnBrk="1" latinLnBrk="0" hangingPunct="1">
+              <a:defRPr sz="1800" kern="1200">
+                <a:solidFill>
+                  <a:schemeClr val="tx1"/>
+                </a:solidFill>
+                <a:latin typeface="+mn-lt"/>
+                <a:ea typeface="+mn-ea"/>
+                <a:cs typeface="+mn-cs"/>
+              </a:defRPr>
+            </a:lvl1pPr>
+            <a:lvl2pPr marL="457200" algn="l" defTabSz="914400" rtl="0" eaLnBrk="1" latinLnBrk="0" hangingPunct="1">
+              <a:defRPr sz="1800" kern="1200">
+                <a:solidFill>
+                  <a:schemeClr val="tx1"/>
+                </a:solidFill>
+                <a:latin typeface="+mn-lt"/>
+                <a:ea typeface="+mn-ea"/>
+                <a:cs typeface="+mn-cs"/>
+              </a:defRPr>
+            </a:lvl2pPr>
+            <a:lvl3pPr marL="914400" algn="l" defTabSz="914400" rtl="0" eaLnBrk="1" latinLnBrk="0" hangingPunct="1">
+              <a:defRPr sz="1800" kern="1200">
+                <a:solidFill>
+                  <a:schemeClr val="tx1"/>
+                </a:solidFill>
+                <a:latin typeface="+mn-lt"/>
+                <a:ea typeface="+mn-ea"/>
+                <a:cs typeface="+mn-cs"/>
+              </a:defRPr>
+            </a:lvl3pPr>
+            <a:lvl4pPr marL="1371600" algn="l" defTabSz="914400" rtl="0" eaLnBrk="1" latinLnBrk="0" hangingPunct="1">
+              <a:defRPr sz="1800" kern="1200">
+                <a:solidFill>
+                  <a:schemeClr val="tx1"/>
+                </a:solidFill>
+                <a:latin typeface="+mn-lt"/>
+                <a:ea typeface="+mn-ea"/>
+                <a:cs typeface="+mn-cs"/>
+              </a:defRPr>
+            </a:lvl4pPr>
+            <a:lvl5pPr marL="1828800" algn="l" defTabSz="914400" rtl="0" eaLnBrk="1" latinLnBrk="0" hangingPunct="1">
+              <a:defRPr sz="1800" kern="1200">
+                <a:solidFill>
+                  <a:schemeClr val="tx1"/>
+                </a:solidFill>
+                <a:latin typeface="+mn-lt"/>
+                <a:ea typeface="+mn-ea"/>
+                <a:cs typeface="+mn-cs"/>
+              </a:defRPr>
+            </a:lvl5pPr>
+            <a:lvl6pPr marL="2286000" algn="l" defTabSz="914400" rtl="0" eaLnBrk="1" latinLnBrk="0" hangingPunct="1">
+              <a:defRPr sz="1800" kern="1200">
+                <a:solidFill>
+                  <a:schemeClr val="tx1"/>
+                </a:solidFill>
+                <a:latin typeface="+mn-lt"/>
+                <a:ea typeface="+mn-ea"/>
+                <a:cs typeface="+mn-cs"/>
+              </a:defRPr>
+            </a:lvl6pPr>
+            <a:lvl7pPr marL="2743200" algn="l" defTabSz="914400" rtl="0" eaLnBrk="1" latinLnBrk="0" hangingPunct="1">
+              <a:defRPr sz="1800" kern="1200">
+                <a:solidFill>
+                  <a:schemeClr val="tx1"/>
+                </a:solidFill>
+                <a:latin typeface="+mn-lt"/>
+                <a:ea typeface="+mn-ea"/>
+                <a:cs typeface="+mn-cs"/>
+              </a:defRPr>
+            </a:lvl7pPr>
+            <a:lvl8pPr marL="3200400" algn="l" defTabSz="914400" rtl="0" eaLnBrk="1" latinLnBrk="0" hangingPunct="1">
+              <a:defRPr sz="1800" kern="1200">
+                <a:solidFill>
+                  <a:schemeClr val="tx1"/>
+                </a:solidFill>
+                <a:latin typeface="+mn-lt"/>
+                <a:ea typeface="+mn-ea"/>
+                <a:cs typeface="+mn-cs"/>
+              </a:defRPr>
+            </a:lvl8pPr>
+            <a:lvl9pPr marL="3657600" algn="l" defTabSz="914400" rtl="0" eaLnBrk="1" latinLnBrk="0" hangingPunct="1">
+              <a:defRPr sz="1800" kern="1200">
+                <a:solidFill>
+                  <a:schemeClr val="tx1"/>
+                </a:solidFill>
+                <a:latin typeface="+mn-lt"/>
+                <a:ea typeface="+mn-ea"/>
+                <a:cs typeface="+mn-cs"/>
+              </a:defRPr>
+            </a:lvl9pPr>
+          </a:lstStyle>
+          <a:p>
+            <a:r>
+              <a:rPr lang="zh-TW" altLang="en-US" sz="2400" dirty="0">
+                <a:latin typeface="源泉圓體 R" panose="020B0500000000000000" pitchFamily="34" charset="-120"/>
+                <a:ea typeface="源泉圓體 R" panose="020B0500000000000000" pitchFamily="34" charset="-120"/>
+              </a:rPr>
+              <a:t>找出 </a:t>
+            </a:r>
+            <a:r>
+              <a:rPr lang="en-US" altLang="zh-TW" sz="2400" dirty="0">
+                <a:latin typeface="源泉圓體 R" panose="020B0500000000000000" pitchFamily="34" charset="-120"/>
+                <a:ea typeface="源泉圓體 R" panose="020B0500000000000000" pitchFamily="34" charset="-120"/>
+              </a:rPr>
+              <a:t>kernel</a:t>
+            </a:r>
+            <a:r>
+              <a:rPr lang="zh-TW" altLang="en-US" sz="2400" dirty="0">
+                <a:latin typeface="源泉圓體 R" panose="020B0500000000000000" pitchFamily="34" charset="-120"/>
+                <a:ea typeface="源泉圓體 R" panose="020B0500000000000000" pitchFamily="34" charset="-120"/>
+              </a:rPr>
+              <a:t>：</a:t>
+            </a:r>
+          </a:p>
+        </p:txBody>
+      </p:sp>
+      <p:pic>
+        <p:nvPicPr>
+          <p:cNvPr id="3" name="圖片 2">
+            <a:extLst>
+              <a:ext uri="{FF2B5EF4-FFF2-40B4-BE49-F238E27FC236}">
+                <a16:creationId xmlns:a16="http://schemas.microsoft.com/office/drawing/2014/main" id="{78D015FB-5330-528E-8D3B-3C4CB4099CD4}"/>
+              </a:ext>
+            </a:extLst>
+          </p:cNvPr>
+          <p:cNvPicPr>
+            <a:picLocks noChangeAspect="1"/>
+          </p:cNvPicPr>
+          <p:nvPr/>
+        </p:nvPicPr>
+        <p:blipFill>
+          <a:blip r:embed="rId2"/>
+          <a:stretch>
+            <a:fillRect/>
+          </a:stretch>
+        </p:blipFill>
+        <p:spPr>
+          <a:xfrm>
+            <a:off x="1405204" y="2449181"/>
+            <a:ext cx="4889105" cy="2057469"/>
+          </a:xfrm>
+          <a:prstGeom prst="rect">
+            <a:avLst/>
+          </a:prstGeom>
+        </p:spPr>
+      </p:pic>
+      <p:pic>
+        <p:nvPicPr>
+          <p:cNvPr id="10" name="圖片 9">
+            <a:extLst>
+              <a:ext uri="{FF2B5EF4-FFF2-40B4-BE49-F238E27FC236}">
+                <a16:creationId xmlns:a16="http://schemas.microsoft.com/office/drawing/2014/main" id="{B77AD05E-1E66-FC86-8C3A-05179ABAF0F4}"/>
+              </a:ext>
+            </a:extLst>
+          </p:cNvPr>
+          <p:cNvPicPr>
+            <a:picLocks noChangeAspect="1"/>
+          </p:cNvPicPr>
+          <p:nvPr/>
+        </p:nvPicPr>
+        <p:blipFill>
+          <a:blip r:embed="rId3"/>
+          <a:stretch>
+            <a:fillRect/>
+          </a:stretch>
+        </p:blipFill>
+        <p:spPr>
+          <a:xfrm>
+            <a:off x="1133312" y="4803478"/>
+            <a:ext cx="5247974" cy="1818900"/>
+          </a:xfrm>
+          <a:prstGeom prst="rect">
+            <a:avLst/>
+          </a:prstGeom>
+        </p:spPr>
+      </p:pic>
+      <p:sp>
+        <p:nvSpPr>
+          <p:cNvPr id="11" name="文字方塊 14">
+            <a:extLst>
+              <a:ext uri="{FF2B5EF4-FFF2-40B4-BE49-F238E27FC236}">
+                <a16:creationId xmlns:a16="http://schemas.microsoft.com/office/drawing/2014/main" id="{BA6F4BA1-7004-FD6D-AE0F-DB4EA44D4B4D}"/>
+              </a:ext>
+            </a:extLst>
+          </p:cNvPr>
+          <p:cNvSpPr txBox="1"/>
+          <p:nvPr/>
+        </p:nvSpPr>
+        <p:spPr>
+          <a:xfrm>
+            <a:off x="6753486" y="3198167"/>
+            <a:ext cx="2919099" cy="461665"/>
+          </a:xfrm>
+          <a:prstGeom prst="rect">
+            <a:avLst/>
+          </a:prstGeom>
+          <a:noFill/>
+        </p:spPr>
+        <p:txBody>
+          <a:bodyPr wrap="square">
+            <a:spAutoFit/>
+          </a:bodyPr>
+          <a:lstStyle>
+            <a:defPPr>
+              <a:defRPr lang="zh-TW"/>
+            </a:defPPr>
+            <a:lvl1pPr marL="0" algn="l" defTabSz="914400" rtl="0" eaLnBrk="1" latinLnBrk="0" hangingPunct="1">
+              <a:defRPr sz="1800" kern="1200">
+                <a:solidFill>
+                  <a:schemeClr val="tx1"/>
+                </a:solidFill>
+                <a:latin typeface="+mn-lt"/>
+                <a:ea typeface="+mn-ea"/>
+                <a:cs typeface="+mn-cs"/>
+              </a:defRPr>
+            </a:lvl1pPr>
+            <a:lvl2pPr marL="457200" algn="l" defTabSz="914400" rtl="0" eaLnBrk="1" latinLnBrk="0" hangingPunct="1">
+              <a:defRPr sz="1800" kern="1200">
+                <a:solidFill>
+                  <a:schemeClr val="tx1"/>
+                </a:solidFill>
+                <a:latin typeface="+mn-lt"/>
+                <a:ea typeface="+mn-ea"/>
+                <a:cs typeface="+mn-cs"/>
+              </a:defRPr>
+            </a:lvl2pPr>
+            <a:lvl3pPr marL="914400" algn="l" defTabSz="914400" rtl="0" eaLnBrk="1" latinLnBrk="0" hangingPunct="1">
+              <a:defRPr sz="1800" kern="1200">
+                <a:solidFill>
+                  <a:schemeClr val="tx1"/>
+                </a:solidFill>
+                <a:latin typeface="+mn-lt"/>
+                <a:ea typeface="+mn-ea"/>
+                <a:cs typeface="+mn-cs"/>
+              </a:defRPr>
+            </a:lvl3pPr>
+            <a:lvl4pPr marL="1371600" algn="l" defTabSz="914400" rtl="0" eaLnBrk="1" latinLnBrk="0" hangingPunct="1">
+              <a:defRPr sz="1800" kern="1200">
+                <a:solidFill>
+                  <a:schemeClr val="tx1"/>
+                </a:solidFill>
+                <a:latin typeface="+mn-lt"/>
+                <a:ea typeface="+mn-ea"/>
+                <a:cs typeface="+mn-cs"/>
+              </a:defRPr>
+            </a:lvl4pPr>
+            <a:lvl5pPr marL="1828800" algn="l" defTabSz="914400" rtl="0" eaLnBrk="1" latinLnBrk="0" hangingPunct="1">
+              <a:defRPr sz="1800" kern="1200">
+                <a:solidFill>
+                  <a:schemeClr val="tx1"/>
+                </a:solidFill>
+                <a:latin typeface="+mn-lt"/>
+                <a:ea typeface="+mn-ea"/>
+                <a:cs typeface="+mn-cs"/>
+              </a:defRPr>
+            </a:lvl5pPr>
+            <a:lvl6pPr marL="2286000" algn="l" defTabSz="914400" rtl="0" eaLnBrk="1" latinLnBrk="0" hangingPunct="1">
+              <a:defRPr sz="1800" kern="1200">
+                <a:solidFill>
+                  <a:schemeClr val="tx1"/>
+                </a:solidFill>
+                <a:latin typeface="+mn-lt"/>
+                <a:ea typeface="+mn-ea"/>
+                <a:cs typeface="+mn-cs"/>
+              </a:defRPr>
+            </a:lvl6pPr>
+            <a:lvl7pPr marL="2743200" algn="l" defTabSz="914400" rtl="0" eaLnBrk="1" latinLnBrk="0" hangingPunct="1">
+              <a:defRPr sz="1800" kern="1200">
+                <a:solidFill>
+                  <a:schemeClr val="tx1"/>
+                </a:solidFill>
+                <a:latin typeface="+mn-lt"/>
+                <a:ea typeface="+mn-ea"/>
+                <a:cs typeface="+mn-cs"/>
+              </a:defRPr>
+            </a:lvl7pPr>
+            <a:lvl8pPr marL="3200400" algn="l" defTabSz="914400" rtl="0" eaLnBrk="1" latinLnBrk="0" hangingPunct="1">
+              <a:defRPr sz="1800" kern="1200">
+                <a:solidFill>
+                  <a:schemeClr val="tx1"/>
+                </a:solidFill>
+                <a:latin typeface="+mn-lt"/>
+                <a:ea typeface="+mn-ea"/>
+                <a:cs typeface="+mn-cs"/>
+              </a:defRPr>
+            </a:lvl8pPr>
+            <a:lvl9pPr marL="3657600" algn="l" defTabSz="914400" rtl="0" eaLnBrk="1" latinLnBrk="0" hangingPunct="1">
+              <a:defRPr sz="1800" kern="1200">
+                <a:solidFill>
+                  <a:schemeClr val="tx1"/>
+                </a:solidFill>
+                <a:latin typeface="+mn-lt"/>
+                <a:ea typeface="+mn-ea"/>
+                <a:cs typeface="+mn-cs"/>
+              </a:defRPr>
+            </a:lvl9pPr>
+          </a:lstStyle>
+          <a:p>
+            <a:r>
+              <a:rPr lang="en-US" altLang="zh-TW" sz="2400" dirty="0">
+                <a:latin typeface="源泉圓體 R" panose="020B0500000000000000" pitchFamily="34" charset="-120"/>
+                <a:ea typeface="源泉圓體 R" panose="020B0500000000000000" pitchFamily="34" charset="-120"/>
+              </a:rPr>
+              <a:t>RBF</a:t>
+            </a:r>
+            <a:r>
+              <a:rPr lang="zh-TW" altLang="en-US" sz="2400" dirty="0">
+                <a:latin typeface="源泉圓體 R" panose="020B0500000000000000" pitchFamily="34" charset="-120"/>
+                <a:ea typeface="源泉圓體 R" panose="020B0500000000000000" pitchFamily="34" charset="-120"/>
+              </a:rPr>
+              <a:t> </a:t>
+            </a:r>
+            <a:r>
+              <a:rPr lang="en-US" altLang="zh-TW" sz="2400" dirty="0">
+                <a:latin typeface="源泉圓體 R" panose="020B0500000000000000" pitchFamily="34" charset="-120"/>
+                <a:ea typeface="源泉圓體 R" panose="020B0500000000000000" pitchFamily="34" charset="-120"/>
+              </a:rPr>
+              <a:t>kernel</a:t>
+            </a:r>
+            <a:endParaRPr lang="zh-TW" altLang="en-US" sz="2400" dirty="0">
+              <a:latin typeface="源泉圓體 R" panose="020B0500000000000000" pitchFamily="34" charset="-120"/>
+              <a:ea typeface="源泉圓體 R" panose="020B0500000000000000" pitchFamily="34" charset="-120"/>
+            </a:endParaRPr>
+          </a:p>
+        </p:txBody>
+      </p:sp>
+      <p:sp>
+        <p:nvSpPr>
+          <p:cNvPr id="12" name="文字方塊 15">
+            <a:extLst>
+              <a:ext uri="{FF2B5EF4-FFF2-40B4-BE49-F238E27FC236}">
+                <a16:creationId xmlns:a16="http://schemas.microsoft.com/office/drawing/2014/main" id="{C8DD5EF5-BE5B-6715-82ED-671CB1CF0336}"/>
+              </a:ext>
+            </a:extLst>
+          </p:cNvPr>
+          <p:cNvSpPr txBox="1"/>
+          <p:nvPr/>
+        </p:nvSpPr>
+        <p:spPr>
+          <a:xfrm>
+            <a:off x="6753486" y="5268129"/>
+            <a:ext cx="2919099" cy="461665"/>
+          </a:xfrm>
+          <a:prstGeom prst="rect">
+            <a:avLst/>
+          </a:prstGeom>
+          <a:noFill/>
+        </p:spPr>
+        <p:txBody>
+          <a:bodyPr wrap="square">
+            <a:spAutoFit/>
+          </a:bodyPr>
+          <a:lstStyle>
+            <a:defPPr>
+              <a:defRPr lang="zh-TW"/>
+            </a:defPPr>
+            <a:lvl1pPr marL="0" algn="l" defTabSz="914400" rtl="0" eaLnBrk="1" latinLnBrk="0" hangingPunct="1">
+              <a:defRPr sz="1800" kern="1200">
+                <a:solidFill>
+                  <a:schemeClr val="tx1"/>
+                </a:solidFill>
+                <a:latin typeface="+mn-lt"/>
+                <a:ea typeface="+mn-ea"/>
+                <a:cs typeface="+mn-cs"/>
+              </a:defRPr>
+            </a:lvl1pPr>
+            <a:lvl2pPr marL="457200" algn="l" defTabSz="914400" rtl="0" eaLnBrk="1" latinLnBrk="0" hangingPunct="1">
+              <a:defRPr sz="1800" kern="1200">
+                <a:solidFill>
+                  <a:schemeClr val="tx1"/>
+                </a:solidFill>
+                <a:latin typeface="+mn-lt"/>
+                <a:ea typeface="+mn-ea"/>
+                <a:cs typeface="+mn-cs"/>
+              </a:defRPr>
+            </a:lvl2pPr>
+            <a:lvl3pPr marL="914400" algn="l" defTabSz="914400" rtl="0" eaLnBrk="1" latinLnBrk="0" hangingPunct="1">
+              <a:defRPr sz="1800" kern="1200">
+                <a:solidFill>
+                  <a:schemeClr val="tx1"/>
+                </a:solidFill>
+                <a:latin typeface="+mn-lt"/>
+                <a:ea typeface="+mn-ea"/>
+                <a:cs typeface="+mn-cs"/>
+              </a:defRPr>
+            </a:lvl3pPr>
+            <a:lvl4pPr marL="1371600" algn="l" defTabSz="914400" rtl="0" eaLnBrk="1" latinLnBrk="0" hangingPunct="1">
+              <a:defRPr sz="1800" kern="1200">
+                <a:solidFill>
+                  <a:schemeClr val="tx1"/>
+                </a:solidFill>
+                <a:latin typeface="+mn-lt"/>
+                <a:ea typeface="+mn-ea"/>
+                <a:cs typeface="+mn-cs"/>
+              </a:defRPr>
+            </a:lvl4pPr>
+            <a:lvl5pPr marL="1828800" algn="l" defTabSz="914400" rtl="0" eaLnBrk="1" latinLnBrk="0" hangingPunct="1">
+              <a:defRPr sz="1800" kern="1200">
+                <a:solidFill>
+                  <a:schemeClr val="tx1"/>
+                </a:solidFill>
+                <a:latin typeface="+mn-lt"/>
+                <a:ea typeface="+mn-ea"/>
+                <a:cs typeface="+mn-cs"/>
+              </a:defRPr>
+            </a:lvl5pPr>
+            <a:lvl6pPr marL="2286000" algn="l" defTabSz="914400" rtl="0" eaLnBrk="1" latinLnBrk="0" hangingPunct="1">
+              <a:defRPr sz="1800" kern="1200">
+                <a:solidFill>
+                  <a:schemeClr val="tx1"/>
+                </a:solidFill>
+                <a:latin typeface="+mn-lt"/>
+                <a:ea typeface="+mn-ea"/>
+                <a:cs typeface="+mn-cs"/>
+              </a:defRPr>
+            </a:lvl6pPr>
+            <a:lvl7pPr marL="2743200" algn="l" defTabSz="914400" rtl="0" eaLnBrk="1" latinLnBrk="0" hangingPunct="1">
+              <a:defRPr sz="1800" kern="1200">
+                <a:solidFill>
+                  <a:schemeClr val="tx1"/>
+                </a:solidFill>
+                <a:latin typeface="+mn-lt"/>
+                <a:ea typeface="+mn-ea"/>
+                <a:cs typeface="+mn-cs"/>
+              </a:defRPr>
+            </a:lvl7pPr>
+            <a:lvl8pPr marL="3200400" algn="l" defTabSz="914400" rtl="0" eaLnBrk="1" latinLnBrk="0" hangingPunct="1">
+              <a:defRPr sz="1800" kern="1200">
+                <a:solidFill>
+                  <a:schemeClr val="tx1"/>
+                </a:solidFill>
+                <a:latin typeface="+mn-lt"/>
+                <a:ea typeface="+mn-ea"/>
+                <a:cs typeface="+mn-cs"/>
+              </a:defRPr>
+            </a:lvl8pPr>
+            <a:lvl9pPr marL="3657600" algn="l" defTabSz="914400" rtl="0" eaLnBrk="1" latinLnBrk="0" hangingPunct="1">
+              <a:defRPr sz="1800" kern="1200">
+                <a:solidFill>
+                  <a:schemeClr val="tx1"/>
+                </a:solidFill>
+                <a:latin typeface="+mn-lt"/>
+                <a:ea typeface="+mn-ea"/>
+                <a:cs typeface="+mn-cs"/>
+              </a:defRPr>
+            </a:lvl9pPr>
+          </a:lstStyle>
+          <a:p>
+            <a:r>
+              <a:rPr lang="en-US" altLang="zh-TW" sz="2400" dirty="0">
+                <a:latin typeface="源泉圓體 R" panose="020B0500000000000000" pitchFamily="34" charset="-120"/>
+                <a:ea typeface="源泉圓體 R" panose="020B0500000000000000" pitchFamily="34" charset="-120"/>
+              </a:rPr>
+              <a:t>Polynomial kernel</a:t>
+            </a:r>
+            <a:endParaRPr lang="zh-TW" altLang="en-US" sz="2400" dirty="0">
+              <a:latin typeface="源泉圓體 R" panose="020B0500000000000000" pitchFamily="34" charset="-120"/>
+              <a:ea typeface="源泉圓體 R" panose="020B0500000000000000" pitchFamily="34" charset="-120"/>
+            </a:endParaRPr>
+          </a:p>
+        </p:txBody>
+      </p:sp>
+    </p:spTree>
+    <p:extLst>
+      <p:ext uri="{BB962C8B-B14F-4D97-AF65-F5344CB8AC3E}">
+        <p14:creationId xmlns:p14="http://schemas.microsoft.com/office/powerpoint/2010/main" val="2153170247"/>
+      </p:ext>
+    </p:extLst>
+  </p:cSld>
+  <p:clrMapOvr>
+    <a:masterClrMapping/>
+  </p:clrMapOvr>
+</p:sld>
+</file>
+
+<file path=ppt/slides/slide38.xml><?xml version="1.0" encoding="utf-8"?>
+<p:sld xmlns:a="http://schemas.openxmlformats.org/drawingml/2006/main" xmlns:r="http://schemas.openxmlformats.org/officeDocument/2006/relationships" xmlns:p="http://schemas.openxmlformats.org/presentationml/2006/main">
+  <p:cSld>
+    <p:spTree>
+      <p:nvGrpSpPr>
+        <p:cNvPr id="1" name=""/>
+        <p:cNvGrpSpPr/>
+        <p:nvPr/>
+      </p:nvGrpSpPr>
+      <p:grpSpPr>
+        <a:xfrm>
+          <a:off x="0" y="0"/>
+          <a:ext cx="0" cy="0"/>
+          <a:chOff x="0" y="0"/>
+          <a:chExt cx="0" cy="0"/>
+        </a:xfrm>
+      </p:grpSpPr>
+      <p:sp>
+        <p:nvSpPr>
+          <p:cNvPr id="2" name="標題 1">
+            <a:extLst>
+              <a:ext uri="{FF2B5EF4-FFF2-40B4-BE49-F238E27FC236}">
+                <a16:creationId xmlns:a16="http://schemas.microsoft.com/office/drawing/2014/main" id="{0211B06F-6168-7653-9AD5-34ED7872FDE9}"/>
+              </a:ext>
+            </a:extLst>
+          </p:cNvPr>
+          <p:cNvSpPr>
+            <a:spLocks noGrp="1"/>
+          </p:cNvSpPr>
+          <p:nvPr>
+            <p:ph type="title"/>
+          </p:nvPr>
+        </p:nvSpPr>
+        <p:spPr/>
+        <p:txBody>
+          <a:bodyPr/>
+          <a:lstStyle/>
+          <a:p>
+            <a:r>
+              <a:rPr lang="en-US" altLang="zh-TW" dirty="0">
+                <a:latin typeface="Consolas" panose="020B0609020204030204" pitchFamily="49" charset="0"/>
+              </a:rPr>
+              <a:t>Support Vector Machine</a:t>
+            </a:r>
+            <a:endParaRPr lang="zh-TW" altLang="en-US" dirty="0"/>
+          </a:p>
+        </p:txBody>
+      </p:sp>
+      <p:sp>
+        <p:nvSpPr>
+          <p:cNvPr id="8" name="文字方塊 5">
+            <a:extLst>
+              <a:ext uri="{FF2B5EF4-FFF2-40B4-BE49-F238E27FC236}">
+                <a16:creationId xmlns:a16="http://schemas.microsoft.com/office/drawing/2014/main" id="{9C1E5ECD-EA84-1A16-6468-DCE0FDEBBA34}"/>
+              </a:ext>
+            </a:extLst>
+          </p:cNvPr>
+          <p:cNvSpPr txBox="1"/>
+          <p:nvPr/>
+        </p:nvSpPr>
+        <p:spPr>
+          <a:xfrm>
+            <a:off x="838200" y="1690688"/>
+            <a:ext cx="2919099" cy="461665"/>
+          </a:xfrm>
+          <a:prstGeom prst="rect">
+            <a:avLst/>
+          </a:prstGeom>
+          <a:noFill/>
+        </p:spPr>
+        <p:txBody>
+          <a:bodyPr wrap="square">
+            <a:spAutoFit/>
+          </a:bodyPr>
+          <a:lstStyle>
+            <a:defPPr>
+              <a:defRPr lang="zh-TW"/>
+            </a:defPPr>
+            <a:lvl1pPr marL="0" algn="l" defTabSz="914400" rtl="0" eaLnBrk="1" latinLnBrk="0" hangingPunct="1">
+              <a:defRPr sz="1800" kern="1200">
+                <a:solidFill>
+                  <a:schemeClr val="tx1"/>
+                </a:solidFill>
+                <a:latin typeface="+mn-lt"/>
+                <a:ea typeface="+mn-ea"/>
+                <a:cs typeface="+mn-cs"/>
+              </a:defRPr>
+            </a:lvl1pPr>
+            <a:lvl2pPr marL="457200" algn="l" defTabSz="914400" rtl="0" eaLnBrk="1" latinLnBrk="0" hangingPunct="1">
+              <a:defRPr sz="1800" kern="1200">
+                <a:solidFill>
+                  <a:schemeClr val="tx1"/>
+                </a:solidFill>
+                <a:latin typeface="+mn-lt"/>
+                <a:ea typeface="+mn-ea"/>
+                <a:cs typeface="+mn-cs"/>
+              </a:defRPr>
+            </a:lvl2pPr>
+            <a:lvl3pPr marL="914400" algn="l" defTabSz="914400" rtl="0" eaLnBrk="1" latinLnBrk="0" hangingPunct="1">
+              <a:defRPr sz="1800" kern="1200">
+                <a:solidFill>
+                  <a:schemeClr val="tx1"/>
+                </a:solidFill>
+                <a:latin typeface="+mn-lt"/>
+                <a:ea typeface="+mn-ea"/>
+                <a:cs typeface="+mn-cs"/>
+              </a:defRPr>
+            </a:lvl3pPr>
+            <a:lvl4pPr marL="1371600" algn="l" defTabSz="914400" rtl="0" eaLnBrk="1" latinLnBrk="0" hangingPunct="1">
+              <a:defRPr sz="1800" kern="1200">
+                <a:solidFill>
+                  <a:schemeClr val="tx1"/>
+                </a:solidFill>
+                <a:latin typeface="+mn-lt"/>
+                <a:ea typeface="+mn-ea"/>
+                <a:cs typeface="+mn-cs"/>
+              </a:defRPr>
+            </a:lvl4pPr>
+            <a:lvl5pPr marL="1828800" algn="l" defTabSz="914400" rtl="0" eaLnBrk="1" latinLnBrk="0" hangingPunct="1">
+              <a:defRPr sz="1800" kern="1200">
+                <a:solidFill>
+                  <a:schemeClr val="tx1"/>
+                </a:solidFill>
+                <a:latin typeface="+mn-lt"/>
+                <a:ea typeface="+mn-ea"/>
+                <a:cs typeface="+mn-cs"/>
+              </a:defRPr>
+            </a:lvl5pPr>
+            <a:lvl6pPr marL="2286000" algn="l" defTabSz="914400" rtl="0" eaLnBrk="1" latinLnBrk="0" hangingPunct="1">
+              <a:defRPr sz="1800" kern="1200">
+                <a:solidFill>
+                  <a:schemeClr val="tx1"/>
+                </a:solidFill>
+                <a:latin typeface="+mn-lt"/>
+                <a:ea typeface="+mn-ea"/>
+                <a:cs typeface="+mn-cs"/>
+              </a:defRPr>
+            </a:lvl6pPr>
+            <a:lvl7pPr marL="2743200" algn="l" defTabSz="914400" rtl="0" eaLnBrk="1" latinLnBrk="0" hangingPunct="1">
+              <a:defRPr sz="1800" kern="1200">
+                <a:solidFill>
+                  <a:schemeClr val="tx1"/>
+                </a:solidFill>
+                <a:latin typeface="+mn-lt"/>
+                <a:ea typeface="+mn-ea"/>
+                <a:cs typeface="+mn-cs"/>
+              </a:defRPr>
+            </a:lvl7pPr>
+            <a:lvl8pPr marL="3200400" algn="l" defTabSz="914400" rtl="0" eaLnBrk="1" latinLnBrk="0" hangingPunct="1">
+              <a:defRPr sz="1800" kern="1200">
+                <a:solidFill>
+                  <a:schemeClr val="tx1"/>
+                </a:solidFill>
+                <a:latin typeface="+mn-lt"/>
+                <a:ea typeface="+mn-ea"/>
+                <a:cs typeface="+mn-cs"/>
+              </a:defRPr>
+            </a:lvl8pPr>
+            <a:lvl9pPr marL="3657600" algn="l" defTabSz="914400" rtl="0" eaLnBrk="1" latinLnBrk="0" hangingPunct="1">
+              <a:defRPr sz="1800" kern="1200">
+                <a:solidFill>
+                  <a:schemeClr val="tx1"/>
+                </a:solidFill>
+                <a:latin typeface="+mn-lt"/>
+                <a:ea typeface="+mn-ea"/>
+                <a:cs typeface="+mn-cs"/>
+              </a:defRPr>
+            </a:lvl9pPr>
+          </a:lstStyle>
+          <a:p>
+            <a:r>
+              <a:rPr lang="zh-TW" altLang="en-US" sz="2400" dirty="0">
+                <a:latin typeface="源泉圓體 R" panose="020B0500000000000000" pitchFamily="34" charset="-120"/>
+                <a:ea typeface="源泉圓體 R" panose="020B0500000000000000" pitchFamily="34" charset="-120"/>
+              </a:rPr>
+              <a:t>簡而言之：</a:t>
+            </a:r>
+          </a:p>
+        </p:txBody>
+      </p:sp>
+      <p:sp>
+        <p:nvSpPr>
+          <p:cNvPr id="9" name="文字方塊 8">
+            <a:extLst>
+              <a:ext uri="{FF2B5EF4-FFF2-40B4-BE49-F238E27FC236}">
+                <a16:creationId xmlns:a16="http://schemas.microsoft.com/office/drawing/2014/main" id="{745ADE3F-9ADA-50C9-636C-06287866DB84}"/>
+              </a:ext>
+            </a:extLst>
+          </p:cNvPr>
+          <p:cNvSpPr txBox="1"/>
+          <p:nvPr/>
+        </p:nvSpPr>
+        <p:spPr>
+          <a:xfrm>
+            <a:off x="838200" y="2302305"/>
+            <a:ext cx="4634602" cy="1427891"/>
+          </a:xfrm>
+          <a:prstGeom prst="rect">
+            <a:avLst/>
+          </a:prstGeom>
+          <a:noFill/>
+        </p:spPr>
+        <p:txBody>
+          <a:bodyPr wrap="none" rtlCol="0">
+            <a:spAutoFit/>
+          </a:bodyPr>
+          <a:lstStyle>
+            <a:defPPr>
+              <a:defRPr lang="zh-TW"/>
+            </a:defPPr>
+            <a:lvl1pPr marL="0" algn="l" defTabSz="914400" rtl="0" eaLnBrk="1" latinLnBrk="0" hangingPunct="1">
+              <a:defRPr sz="1800" kern="1200">
+                <a:solidFill>
+                  <a:schemeClr val="tx1"/>
+                </a:solidFill>
+                <a:latin typeface="+mn-lt"/>
+                <a:ea typeface="+mn-ea"/>
+                <a:cs typeface="+mn-cs"/>
+              </a:defRPr>
+            </a:lvl1pPr>
+            <a:lvl2pPr marL="457200" algn="l" defTabSz="914400" rtl="0" eaLnBrk="1" latinLnBrk="0" hangingPunct="1">
+              <a:defRPr sz="1800" kern="1200">
+                <a:solidFill>
+                  <a:schemeClr val="tx1"/>
+                </a:solidFill>
+                <a:latin typeface="+mn-lt"/>
+                <a:ea typeface="+mn-ea"/>
+                <a:cs typeface="+mn-cs"/>
+              </a:defRPr>
+            </a:lvl2pPr>
+            <a:lvl3pPr marL="914400" algn="l" defTabSz="914400" rtl="0" eaLnBrk="1" latinLnBrk="0" hangingPunct="1">
+              <a:defRPr sz="1800" kern="1200">
+                <a:solidFill>
+                  <a:schemeClr val="tx1"/>
+                </a:solidFill>
+                <a:latin typeface="+mn-lt"/>
+                <a:ea typeface="+mn-ea"/>
+                <a:cs typeface="+mn-cs"/>
+              </a:defRPr>
+            </a:lvl3pPr>
+            <a:lvl4pPr marL="1371600" algn="l" defTabSz="914400" rtl="0" eaLnBrk="1" latinLnBrk="0" hangingPunct="1">
+              <a:defRPr sz="1800" kern="1200">
+                <a:solidFill>
+                  <a:schemeClr val="tx1"/>
+                </a:solidFill>
+                <a:latin typeface="+mn-lt"/>
+                <a:ea typeface="+mn-ea"/>
+                <a:cs typeface="+mn-cs"/>
+              </a:defRPr>
+            </a:lvl4pPr>
+            <a:lvl5pPr marL="1828800" algn="l" defTabSz="914400" rtl="0" eaLnBrk="1" latinLnBrk="0" hangingPunct="1">
+              <a:defRPr sz="1800" kern="1200">
+                <a:solidFill>
+                  <a:schemeClr val="tx1"/>
+                </a:solidFill>
+                <a:latin typeface="+mn-lt"/>
+                <a:ea typeface="+mn-ea"/>
+                <a:cs typeface="+mn-cs"/>
+              </a:defRPr>
+            </a:lvl5pPr>
+            <a:lvl6pPr marL="2286000" algn="l" defTabSz="914400" rtl="0" eaLnBrk="1" latinLnBrk="0" hangingPunct="1">
+              <a:defRPr sz="1800" kern="1200">
+                <a:solidFill>
+                  <a:schemeClr val="tx1"/>
+                </a:solidFill>
+                <a:latin typeface="+mn-lt"/>
+                <a:ea typeface="+mn-ea"/>
+                <a:cs typeface="+mn-cs"/>
+              </a:defRPr>
+            </a:lvl6pPr>
+            <a:lvl7pPr marL="2743200" algn="l" defTabSz="914400" rtl="0" eaLnBrk="1" latinLnBrk="0" hangingPunct="1">
+              <a:defRPr sz="1800" kern="1200">
+                <a:solidFill>
+                  <a:schemeClr val="tx1"/>
+                </a:solidFill>
+                <a:latin typeface="+mn-lt"/>
+                <a:ea typeface="+mn-ea"/>
+                <a:cs typeface="+mn-cs"/>
+              </a:defRPr>
+            </a:lvl7pPr>
+            <a:lvl8pPr marL="3200400" algn="l" defTabSz="914400" rtl="0" eaLnBrk="1" latinLnBrk="0" hangingPunct="1">
+              <a:defRPr sz="1800" kern="1200">
+                <a:solidFill>
+                  <a:schemeClr val="tx1"/>
+                </a:solidFill>
+                <a:latin typeface="+mn-lt"/>
+                <a:ea typeface="+mn-ea"/>
+                <a:cs typeface="+mn-cs"/>
+              </a:defRPr>
+            </a:lvl8pPr>
+            <a:lvl9pPr marL="3657600" algn="l" defTabSz="914400" rtl="0" eaLnBrk="1" latinLnBrk="0" hangingPunct="1">
+              <a:defRPr sz="1800" kern="1200">
+                <a:solidFill>
+                  <a:schemeClr val="tx1"/>
+                </a:solidFill>
+                <a:latin typeface="+mn-lt"/>
+                <a:ea typeface="+mn-ea"/>
+                <a:cs typeface="+mn-cs"/>
+              </a:defRPr>
+            </a:lvl9pPr>
+          </a:lstStyle>
+          <a:p>
+            <a:pPr marL="342900" indent="-342900">
+              <a:lnSpc>
+                <a:spcPct val="150000"/>
+              </a:lnSpc>
+              <a:buAutoNum type="arabicPeriod"/>
+            </a:pPr>
+            <a:r>
+              <a:rPr lang="zh-TW" altLang="en-US" sz="2000" dirty="0">
+                <a:latin typeface="源泉圓體 R" panose="020B0500000000000000" pitchFamily="34" charset="-120"/>
+                <a:ea typeface="源泉圓體 R" panose="020B0500000000000000" pitchFamily="34" charset="-120"/>
+              </a:rPr>
+              <a:t>選擇 </a:t>
+            </a:r>
+            <a:r>
+              <a:rPr lang="en-US" altLang="zh-TW" sz="2000" dirty="0">
+                <a:latin typeface="源泉圓體 R" panose="020B0500000000000000" pitchFamily="34" charset="-120"/>
+                <a:ea typeface="源泉圓體 R" panose="020B0500000000000000" pitchFamily="34" charset="-120"/>
+              </a:rPr>
+              <a:t>kernel</a:t>
+            </a:r>
+          </a:p>
+          <a:p>
+            <a:pPr marL="342900" indent="-342900">
+              <a:lnSpc>
+                <a:spcPct val="150000"/>
+              </a:lnSpc>
+              <a:buAutoNum type="arabicPeriod"/>
+            </a:pPr>
+            <a:r>
+              <a:rPr lang="zh-TW" altLang="en-US" sz="2000" dirty="0">
+                <a:latin typeface="源泉圓體 R" panose="020B0500000000000000" pitchFamily="34" charset="-120"/>
+                <a:ea typeface="源泉圓體 R" panose="020B0500000000000000" pitchFamily="34" charset="-120"/>
+              </a:rPr>
+              <a:t>投射到 </a:t>
+            </a:r>
+            <a:r>
+              <a:rPr lang="en-US" altLang="zh-TW" sz="2000" dirty="0">
+                <a:latin typeface="源泉圓體 R" panose="020B0500000000000000" pitchFamily="34" charset="-120"/>
+                <a:ea typeface="源泉圓體 R" panose="020B0500000000000000" pitchFamily="34" charset="-120"/>
+              </a:rPr>
+              <a:t>n+1</a:t>
+            </a:r>
+            <a:r>
+              <a:rPr lang="zh-TW" altLang="en-US" sz="2000" dirty="0">
+                <a:latin typeface="源泉圓體 R" panose="020B0500000000000000" pitchFamily="34" charset="-120"/>
+                <a:ea typeface="源泉圓體 R" panose="020B0500000000000000" pitchFamily="34" charset="-120"/>
+              </a:rPr>
+              <a:t> 維的超平面</a:t>
+            </a:r>
+            <a:endParaRPr lang="en-US" altLang="zh-TW" sz="2000" dirty="0">
+              <a:latin typeface="源泉圓體 R" panose="020B0500000000000000" pitchFamily="34" charset="-120"/>
+              <a:ea typeface="源泉圓體 R" panose="020B0500000000000000" pitchFamily="34" charset="-120"/>
+            </a:endParaRPr>
+          </a:p>
+          <a:p>
+            <a:pPr marL="342900" indent="-342900">
+              <a:lnSpc>
+                <a:spcPct val="150000"/>
+              </a:lnSpc>
+              <a:buAutoNum type="arabicPeriod"/>
+            </a:pPr>
+            <a:r>
+              <a:rPr lang="zh-TW" altLang="en-US" sz="2000" dirty="0">
+                <a:latin typeface="源泉圓體 R" panose="020B0500000000000000" pitchFamily="34" charset="-120"/>
+                <a:ea typeface="源泉圓體 R" panose="020B0500000000000000" pitchFamily="34" charset="-120"/>
+              </a:rPr>
+              <a:t>找出一個可以切分兩種數據的超平面</a:t>
+            </a:r>
+          </a:p>
+        </p:txBody>
+      </p:sp>
+    </p:spTree>
+    <p:extLst>
+      <p:ext uri="{BB962C8B-B14F-4D97-AF65-F5344CB8AC3E}">
+        <p14:creationId xmlns:p14="http://schemas.microsoft.com/office/powerpoint/2010/main" val="1333313532"/>
+      </p:ext>
+    </p:extLst>
+  </p:cSld>
+  <p:clrMapOvr>
+    <a:masterClrMapping/>
+  </p:clrMapOvr>
+</p:sld>
+</file>
+
+<file path=ppt/slides/slide39.xml><?xml version="1.0" encoding="utf-8"?>
+<p:sld xmlns:a="http://schemas.openxmlformats.org/drawingml/2006/main" xmlns:r="http://schemas.openxmlformats.org/officeDocument/2006/relationships" xmlns:p="http://schemas.openxmlformats.org/presentationml/2006/main">
+  <p:cSld>
+    <p:spTree>
+      <p:nvGrpSpPr>
+        <p:cNvPr id="1" name=""/>
+        <p:cNvGrpSpPr/>
+        <p:nvPr/>
+      </p:nvGrpSpPr>
+      <p:grpSpPr>
+        <a:xfrm>
+          <a:off x="0" y="0"/>
+          <a:ext cx="0" cy="0"/>
+          <a:chOff x="0" y="0"/>
+          <a:chExt cx="0" cy="0"/>
+        </a:xfrm>
+      </p:grpSpPr>
+      <p:sp>
+        <p:nvSpPr>
+          <p:cNvPr id="2" name="標題 1">
+            <a:extLst>
+              <a:ext uri="{FF2B5EF4-FFF2-40B4-BE49-F238E27FC236}">
+                <a16:creationId xmlns:a16="http://schemas.microsoft.com/office/drawing/2014/main" id="{0211B06F-6168-7653-9AD5-34ED7872FDE9}"/>
+              </a:ext>
+            </a:extLst>
+          </p:cNvPr>
+          <p:cNvSpPr>
+            <a:spLocks noGrp="1"/>
+          </p:cNvSpPr>
+          <p:nvPr>
+            <p:ph type="title"/>
+          </p:nvPr>
+        </p:nvSpPr>
+        <p:spPr/>
+        <p:txBody>
+          <a:bodyPr/>
+          <a:lstStyle/>
+          <a:p>
+            <a:r>
+              <a:rPr lang="en-US" altLang="zh-TW" dirty="0">
+                <a:latin typeface="Consolas" panose="020B0609020204030204" pitchFamily="49" charset="0"/>
+              </a:rPr>
+              <a:t>Support Vector Machine</a:t>
+            </a:r>
+            <a:endParaRPr lang="zh-TW" altLang="en-US" dirty="0"/>
+          </a:p>
+        </p:txBody>
+      </p:sp>
+      <p:sp>
+        <p:nvSpPr>
+          <p:cNvPr id="8" name="文字方塊 5">
+            <a:extLst>
+              <a:ext uri="{FF2B5EF4-FFF2-40B4-BE49-F238E27FC236}">
+                <a16:creationId xmlns:a16="http://schemas.microsoft.com/office/drawing/2014/main" id="{9C1E5ECD-EA84-1A16-6468-DCE0FDEBBA34}"/>
+              </a:ext>
+            </a:extLst>
+          </p:cNvPr>
+          <p:cNvSpPr txBox="1"/>
+          <p:nvPr/>
+        </p:nvSpPr>
+        <p:spPr>
+          <a:xfrm>
+            <a:off x="838200" y="1690688"/>
+            <a:ext cx="2919099" cy="461665"/>
+          </a:xfrm>
+          <a:prstGeom prst="rect">
+            <a:avLst/>
+          </a:prstGeom>
+          <a:noFill/>
+        </p:spPr>
+        <p:txBody>
+          <a:bodyPr wrap="square">
+            <a:spAutoFit/>
+          </a:bodyPr>
+          <a:lstStyle>
+            <a:defPPr>
+              <a:defRPr lang="zh-TW"/>
+            </a:defPPr>
+            <a:lvl1pPr marL="0" algn="l" defTabSz="914400" rtl="0" eaLnBrk="1" latinLnBrk="0" hangingPunct="1">
+              <a:defRPr sz="1800" kern="1200">
+                <a:solidFill>
+                  <a:schemeClr val="tx1"/>
+                </a:solidFill>
+                <a:latin typeface="+mn-lt"/>
+                <a:ea typeface="+mn-ea"/>
+                <a:cs typeface="+mn-cs"/>
+              </a:defRPr>
+            </a:lvl1pPr>
+            <a:lvl2pPr marL="457200" algn="l" defTabSz="914400" rtl="0" eaLnBrk="1" latinLnBrk="0" hangingPunct="1">
+              <a:defRPr sz="1800" kern="1200">
+                <a:solidFill>
+                  <a:schemeClr val="tx1"/>
+                </a:solidFill>
+                <a:latin typeface="+mn-lt"/>
+                <a:ea typeface="+mn-ea"/>
+                <a:cs typeface="+mn-cs"/>
+              </a:defRPr>
+            </a:lvl2pPr>
+            <a:lvl3pPr marL="914400" algn="l" defTabSz="914400" rtl="0" eaLnBrk="1" latinLnBrk="0" hangingPunct="1">
+              <a:defRPr sz="1800" kern="1200">
+                <a:solidFill>
+                  <a:schemeClr val="tx1"/>
+                </a:solidFill>
+                <a:latin typeface="+mn-lt"/>
+                <a:ea typeface="+mn-ea"/>
+                <a:cs typeface="+mn-cs"/>
+              </a:defRPr>
+            </a:lvl3pPr>
+            <a:lvl4pPr marL="1371600" algn="l" defTabSz="914400" rtl="0" eaLnBrk="1" latinLnBrk="0" hangingPunct="1">
+              <a:defRPr sz="1800" kern="1200">
+                <a:solidFill>
+                  <a:schemeClr val="tx1"/>
+                </a:solidFill>
+                <a:latin typeface="+mn-lt"/>
+                <a:ea typeface="+mn-ea"/>
+                <a:cs typeface="+mn-cs"/>
+              </a:defRPr>
+            </a:lvl4pPr>
+            <a:lvl5pPr marL="1828800" algn="l" defTabSz="914400" rtl="0" eaLnBrk="1" latinLnBrk="0" hangingPunct="1">
+              <a:defRPr sz="1800" kern="1200">
+                <a:solidFill>
+                  <a:schemeClr val="tx1"/>
+                </a:solidFill>
+                <a:latin typeface="+mn-lt"/>
+                <a:ea typeface="+mn-ea"/>
+                <a:cs typeface="+mn-cs"/>
+              </a:defRPr>
+            </a:lvl5pPr>
+            <a:lvl6pPr marL="2286000" algn="l" defTabSz="914400" rtl="0" eaLnBrk="1" latinLnBrk="0" hangingPunct="1">
+              <a:defRPr sz="1800" kern="1200">
+                <a:solidFill>
+                  <a:schemeClr val="tx1"/>
+                </a:solidFill>
+                <a:latin typeface="+mn-lt"/>
+                <a:ea typeface="+mn-ea"/>
+                <a:cs typeface="+mn-cs"/>
+              </a:defRPr>
+            </a:lvl6pPr>
+            <a:lvl7pPr marL="2743200" algn="l" defTabSz="914400" rtl="0" eaLnBrk="1" latinLnBrk="0" hangingPunct="1">
+              <a:defRPr sz="1800" kern="1200">
+                <a:solidFill>
+                  <a:schemeClr val="tx1"/>
+                </a:solidFill>
+                <a:latin typeface="+mn-lt"/>
+                <a:ea typeface="+mn-ea"/>
+                <a:cs typeface="+mn-cs"/>
+              </a:defRPr>
+            </a:lvl7pPr>
+            <a:lvl8pPr marL="3200400" algn="l" defTabSz="914400" rtl="0" eaLnBrk="1" latinLnBrk="0" hangingPunct="1">
+              <a:defRPr sz="1800" kern="1200">
+                <a:solidFill>
+                  <a:schemeClr val="tx1"/>
+                </a:solidFill>
+                <a:latin typeface="+mn-lt"/>
+                <a:ea typeface="+mn-ea"/>
+                <a:cs typeface="+mn-cs"/>
+              </a:defRPr>
+            </a:lvl8pPr>
+            <a:lvl9pPr marL="3657600" algn="l" defTabSz="914400" rtl="0" eaLnBrk="1" latinLnBrk="0" hangingPunct="1">
+              <a:defRPr sz="1800" kern="1200">
+                <a:solidFill>
+                  <a:schemeClr val="tx1"/>
+                </a:solidFill>
+                <a:latin typeface="+mn-lt"/>
+                <a:ea typeface="+mn-ea"/>
+                <a:cs typeface="+mn-cs"/>
+              </a:defRPr>
+            </a:lvl9pPr>
+          </a:lstStyle>
+          <a:p>
+            <a:r>
+              <a:rPr lang="zh-TW" altLang="en-US" sz="2400" dirty="0">
+                <a:latin typeface="源泉圓體 R" panose="020B0500000000000000" pitchFamily="34" charset="-120"/>
+                <a:ea typeface="源泉圓體 R" panose="020B0500000000000000" pitchFamily="34" charset="-120"/>
+              </a:rPr>
+              <a:t>簡而言之：</a:t>
+            </a:r>
+          </a:p>
+        </p:txBody>
+      </p:sp>
+      <p:sp>
+        <p:nvSpPr>
+          <p:cNvPr id="9" name="文字方塊 8">
+            <a:extLst>
+              <a:ext uri="{FF2B5EF4-FFF2-40B4-BE49-F238E27FC236}">
+                <a16:creationId xmlns:a16="http://schemas.microsoft.com/office/drawing/2014/main" id="{745ADE3F-9ADA-50C9-636C-06287866DB84}"/>
+              </a:ext>
+            </a:extLst>
+          </p:cNvPr>
+          <p:cNvSpPr txBox="1"/>
+          <p:nvPr/>
+        </p:nvSpPr>
+        <p:spPr>
+          <a:xfrm>
+            <a:off x="838200" y="2302305"/>
+            <a:ext cx="4634602" cy="1427891"/>
+          </a:xfrm>
+          <a:prstGeom prst="rect">
+            <a:avLst/>
+          </a:prstGeom>
+          <a:noFill/>
+        </p:spPr>
+        <p:txBody>
+          <a:bodyPr wrap="none" rtlCol="0">
+            <a:spAutoFit/>
+          </a:bodyPr>
+          <a:lstStyle>
+            <a:defPPr>
+              <a:defRPr lang="zh-TW"/>
+            </a:defPPr>
+            <a:lvl1pPr marL="0" algn="l" defTabSz="914400" rtl="0" eaLnBrk="1" latinLnBrk="0" hangingPunct="1">
+              <a:defRPr sz="1800" kern="1200">
+                <a:solidFill>
+                  <a:schemeClr val="tx1"/>
+                </a:solidFill>
+                <a:latin typeface="+mn-lt"/>
+                <a:ea typeface="+mn-ea"/>
+                <a:cs typeface="+mn-cs"/>
+              </a:defRPr>
+            </a:lvl1pPr>
+            <a:lvl2pPr marL="457200" algn="l" defTabSz="914400" rtl="0" eaLnBrk="1" latinLnBrk="0" hangingPunct="1">
+              <a:defRPr sz="1800" kern="1200">
+                <a:solidFill>
+                  <a:schemeClr val="tx1"/>
+                </a:solidFill>
+                <a:latin typeface="+mn-lt"/>
+                <a:ea typeface="+mn-ea"/>
+                <a:cs typeface="+mn-cs"/>
+              </a:defRPr>
+            </a:lvl2pPr>
+            <a:lvl3pPr marL="914400" algn="l" defTabSz="914400" rtl="0" eaLnBrk="1" latinLnBrk="0" hangingPunct="1">
+              <a:defRPr sz="1800" kern="1200">
+                <a:solidFill>
+                  <a:schemeClr val="tx1"/>
+                </a:solidFill>
+                <a:latin typeface="+mn-lt"/>
+                <a:ea typeface="+mn-ea"/>
+                <a:cs typeface="+mn-cs"/>
+              </a:defRPr>
+            </a:lvl3pPr>
+            <a:lvl4pPr marL="1371600" algn="l" defTabSz="914400" rtl="0" eaLnBrk="1" latinLnBrk="0" hangingPunct="1">
+              <a:defRPr sz="1800" kern="1200">
+                <a:solidFill>
+                  <a:schemeClr val="tx1"/>
+                </a:solidFill>
+                <a:latin typeface="+mn-lt"/>
+                <a:ea typeface="+mn-ea"/>
+                <a:cs typeface="+mn-cs"/>
+              </a:defRPr>
+            </a:lvl4pPr>
+            <a:lvl5pPr marL="1828800" algn="l" defTabSz="914400" rtl="0" eaLnBrk="1" latinLnBrk="0" hangingPunct="1">
+              <a:defRPr sz="1800" kern="1200">
+                <a:solidFill>
+                  <a:schemeClr val="tx1"/>
+                </a:solidFill>
+                <a:latin typeface="+mn-lt"/>
+                <a:ea typeface="+mn-ea"/>
+                <a:cs typeface="+mn-cs"/>
+              </a:defRPr>
+            </a:lvl5pPr>
+            <a:lvl6pPr marL="2286000" algn="l" defTabSz="914400" rtl="0" eaLnBrk="1" latinLnBrk="0" hangingPunct="1">
+              <a:defRPr sz="1800" kern="1200">
+                <a:solidFill>
+                  <a:schemeClr val="tx1"/>
+                </a:solidFill>
+                <a:latin typeface="+mn-lt"/>
+                <a:ea typeface="+mn-ea"/>
+                <a:cs typeface="+mn-cs"/>
+              </a:defRPr>
+            </a:lvl6pPr>
+            <a:lvl7pPr marL="2743200" algn="l" defTabSz="914400" rtl="0" eaLnBrk="1" latinLnBrk="0" hangingPunct="1">
+              <a:defRPr sz="1800" kern="1200">
+                <a:solidFill>
+                  <a:schemeClr val="tx1"/>
+                </a:solidFill>
+                <a:latin typeface="+mn-lt"/>
+                <a:ea typeface="+mn-ea"/>
+                <a:cs typeface="+mn-cs"/>
+              </a:defRPr>
+            </a:lvl7pPr>
+            <a:lvl8pPr marL="3200400" algn="l" defTabSz="914400" rtl="0" eaLnBrk="1" latinLnBrk="0" hangingPunct="1">
+              <a:defRPr sz="1800" kern="1200">
+                <a:solidFill>
+                  <a:schemeClr val="tx1"/>
+                </a:solidFill>
+                <a:latin typeface="+mn-lt"/>
+                <a:ea typeface="+mn-ea"/>
+                <a:cs typeface="+mn-cs"/>
+              </a:defRPr>
+            </a:lvl8pPr>
+            <a:lvl9pPr marL="3657600" algn="l" defTabSz="914400" rtl="0" eaLnBrk="1" latinLnBrk="0" hangingPunct="1">
+              <a:defRPr sz="1800" kern="1200">
+                <a:solidFill>
+                  <a:schemeClr val="tx1"/>
+                </a:solidFill>
+                <a:latin typeface="+mn-lt"/>
+                <a:ea typeface="+mn-ea"/>
+                <a:cs typeface="+mn-cs"/>
+              </a:defRPr>
+            </a:lvl9pPr>
+          </a:lstStyle>
+          <a:p>
+            <a:pPr marL="342900" indent="-342900">
+              <a:lnSpc>
+                <a:spcPct val="150000"/>
+              </a:lnSpc>
+              <a:buAutoNum type="arabicPeriod"/>
+            </a:pPr>
+            <a:r>
+              <a:rPr lang="zh-TW" altLang="en-US" sz="2000" dirty="0">
+                <a:latin typeface="源泉圓體 R" panose="020B0500000000000000" pitchFamily="34" charset="-120"/>
+                <a:ea typeface="源泉圓體 R" panose="020B0500000000000000" pitchFamily="34" charset="-120"/>
+              </a:rPr>
+              <a:t>選擇 </a:t>
+            </a:r>
+            <a:r>
+              <a:rPr lang="en-US" altLang="zh-TW" sz="2000" dirty="0">
+                <a:latin typeface="源泉圓體 R" panose="020B0500000000000000" pitchFamily="34" charset="-120"/>
+                <a:ea typeface="源泉圓體 R" panose="020B0500000000000000" pitchFamily="34" charset="-120"/>
+              </a:rPr>
+              <a:t>kernel</a:t>
+            </a:r>
+          </a:p>
+          <a:p>
+            <a:pPr marL="342900" indent="-342900">
+              <a:lnSpc>
+                <a:spcPct val="150000"/>
+              </a:lnSpc>
+              <a:buAutoNum type="arabicPeriod"/>
+            </a:pPr>
+            <a:r>
+              <a:rPr lang="zh-TW" altLang="en-US" sz="2000" dirty="0">
+                <a:latin typeface="源泉圓體 R" panose="020B0500000000000000" pitchFamily="34" charset="-120"/>
+                <a:ea typeface="源泉圓體 R" panose="020B0500000000000000" pitchFamily="34" charset="-120"/>
+              </a:rPr>
+              <a:t>投射到 </a:t>
+            </a:r>
+            <a:r>
+              <a:rPr lang="en-US" altLang="zh-TW" sz="2000" dirty="0">
+                <a:latin typeface="源泉圓體 R" panose="020B0500000000000000" pitchFamily="34" charset="-120"/>
+                <a:ea typeface="源泉圓體 R" panose="020B0500000000000000" pitchFamily="34" charset="-120"/>
+              </a:rPr>
+              <a:t>n+1</a:t>
+            </a:r>
+            <a:r>
+              <a:rPr lang="zh-TW" altLang="en-US" sz="2000" dirty="0">
+                <a:latin typeface="源泉圓體 R" panose="020B0500000000000000" pitchFamily="34" charset="-120"/>
+                <a:ea typeface="源泉圓體 R" panose="020B0500000000000000" pitchFamily="34" charset="-120"/>
+              </a:rPr>
+              <a:t> 維的超平面</a:t>
+            </a:r>
+            <a:endParaRPr lang="en-US" altLang="zh-TW" sz="2000" dirty="0">
+              <a:latin typeface="源泉圓體 R" panose="020B0500000000000000" pitchFamily="34" charset="-120"/>
+              <a:ea typeface="源泉圓體 R" panose="020B0500000000000000" pitchFamily="34" charset="-120"/>
+            </a:endParaRPr>
+          </a:p>
+          <a:p>
+            <a:pPr marL="342900" indent="-342900">
+              <a:lnSpc>
+                <a:spcPct val="150000"/>
+              </a:lnSpc>
+              <a:buAutoNum type="arabicPeriod"/>
+            </a:pPr>
+            <a:r>
+              <a:rPr lang="zh-TW" altLang="en-US" sz="2000" dirty="0">
+                <a:latin typeface="源泉圓體 R" panose="020B0500000000000000" pitchFamily="34" charset="-120"/>
+                <a:ea typeface="源泉圓體 R" panose="020B0500000000000000" pitchFamily="34" charset="-120"/>
+              </a:rPr>
+              <a:t>找出一個可以切分兩種數據的超平面</a:t>
+            </a:r>
+          </a:p>
+        </p:txBody>
+      </p:sp>
+      <p:sp>
+        <p:nvSpPr>
+          <p:cNvPr id="3" name="文字方塊 2">
+            <a:extLst>
+              <a:ext uri="{FF2B5EF4-FFF2-40B4-BE49-F238E27FC236}">
+                <a16:creationId xmlns:a16="http://schemas.microsoft.com/office/drawing/2014/main" id="{9FCD40DF-A472-A1AA-5ECB-8ECEF0F4E9CA}"/>
+              </a:ext>
+            </a:extLst>
+          </p:cNvPr>
+          <p:cNvSpPr txBox="1"/>
+          <p:nvPr/>
+        </p:nvSpPr>
+        <p:spPr>
+          <a:xfrm>
+            <a:off x="6719200" y="1797743"/>
+            <a:ext cx="1792478" cy="504562"/>
+          </a:xfrm>
+          <a:prstGeom prst="rect">
+            <a:avLst/>
+          </a:prstGeom>
+          <a:noFill/>
+        </p:spPr>
+        <p:txBody>
+          <a:bodyPr wrap="none" rtlCol="0">
+            <a:spAutoFit/>
+          </a:bodyPr>
+          <a:lstStyle>
+            <a:defPPr>
+              <a:defRPr lang="zh-TW"/>
+            </a:defPPr>
+            <a:lvl1pPr marL="0" algn="l" defTabSz="914400" rtl="0" eaLnBrk="1" latinLnBrk="0" hangingPunct="1">
+              <a:defRPr sz="1800" kern="1200">
+                <a:solidFill>
+                  <a:schemeClr val="tx1"/>
+                </a:solidFill>
+                <a:latin typeface="+mn-lt"/>
+                <a:ea typeface="+mn-ea"/>
+                <a:cs typeface="+mn-cs"/>
+              </a:defRPr>
+            </a:lvl1pPr>
+            <a:lvl2pPr marL="457200" algn="l" defTabSz="914400" rtl="0" eaLnBrk="1" latinLnBrk="0" hangingPunct="1">
+              <a:defRPr sz="1800" kern="1200">
+                <a:solidFill>
+                  <a:schemeClr val="tx1"/>
+                </a:solidFill>
+                <a:latin typeface="+mn-lt"/>
+                <a:ea typeface="+mn-ea"/>
+                <a:cs typeface="+mn-cs"/>
+              </a:defRPr>
+            </a:lvl2pPr>
+            <a:lvl3pPr marL="914400" algn="l" defTabSz="914400" rtl="0" eaLnBrk="1" latinLnBrk="0" hangingPunct="1">
+              <a:defRPr sz="1800" kern="1200">
+                <a:solidFill>
+                  <a:schemeClr val="tx1"/>
+                </a:solidFill>
+                <a:latin typeface="+mn-lt"/>
+                <a:ea typeface="+mn-ea"/>
+                <a:cs typeface="+mn-cs"/>
+              </a:defRPr>
+            </a:lvl3pPr>
+            <a:lvl4pPr marL="1371600" algn="l" defTabSz="914400" rtl="0" eaLnBrk="1" latinLnBrk="0" hangingPunct="1">
+              <a:defRPr sz="1800" kern="1200">
+                <a:solidFill>
+                  <a:schemeClr val="tx1"/>
+                </a:solidFill>
+                <a:latin typeface="+mn-lt"/>
+                <a:ea typeface="+mn-ea"/>
+                <a:cs typeface="+mn-cs"/>
+              </a:defRPr>
+            </a:lvl4pPr>
+            <a:lvl5pPr marL="1828800" algn="l" defTabSz="914400" rtl="0" eaLnBrk="1" latinLnBrk="0" hangingPunct="1">
+              <a:defRPr sz="1800" kern="1200">
+                <a:solidFill>
+                  <a:schemeClr val="tx1"/>
+                </a:solidFill>
+                <a:latin typeface="+mn-lt"/>
+                <a:ea typeface="+mn-ea"/>
+                <a:cs typeface="+mn-cs"/>
+              </a:defRPr>
+            </a:lvl5pPr>
+            <a:lvl6pPr marL="2286000" algn="l" defTabSz="914400" rtl="0" eaLnBrk="1" latinLnBrk="0" hangingPunct="1">
+              <a:defRPr sz="1800" kern="1200">
+                <a:solidFill>
+                  <a:schemeClr val="tx1"/>
+                </a:solidFill>
+                <a:latin typeface="+mn-lt"/>
+                <a:ea typeface="+mn-ea"/>
+                <a:cs typeface="+mn-cs"/>
+              </a:defRPr>
+            </a:lvl6pPr>
+            <a:lvl7pPr marL="2743200" algn="l" defTabSz="914400" rtl="0" eaLnBrk="1" latinLnBrk="0" hangingPunct="1">
+              <a:defRPr sz="1800" kern="1200">
+                <a:solidFill>
+                  <a:schemeClr val="tx1"/>
+                </a:solidFill>
+                <a:latin typeface="+mn-lt"/>
+                <a:ea typeface="+mn-ea"/>
+                <a:cs typeface="+mn-cs"/>
+              </a:defRPr>
+            </a:lvl7pPr>
+            <a:lvl8pPr marL="3200400" algn="l" defTabSz="914400" rtl="0" eaLnBrk="1" latinLnBrk="0" hangingPunct="1">
+              <a:defRPr sz="1800" kern="1200">
+                <a:solidFill>
+                  <a:schemeClr val="tx1"/>
+                </a:solidFill>
+                <a:latin typeface="+mn-lt"/>
+                <a:ea typeface="+mn-ea"/>
+                <a:cs typeface="+mn-cs"/>
+              </a:defRPr>
+            </a:lvl8pPr>
+            <a:lvl9pPr marL="3657600" algn="l" defTabSz="914400" rtl="0" eaLnBrk="1" latinLnBrk="0" hangingPunct="1">
+              <a:defRPr sz="1800" kern="1200">
+                <a:solidFill>
+                  <a:schemeClr val="tx1"/>
+                </a:solidFill>
+                <a:latin typeface="+mn-lt"/>
+                <a:ea typeface="+mn-ea"/>
+                <a:cs typeface="+mn-cs"/>
+              </a:defRPr>
+            </a:lvl9pPr>
+          </a:lstStyle>
+          <a:p>
+            <a:pPr>
+              <a:lnSpc>
+                <a:spcPct val="150000"/>
+              </a:lnSpc>
+            </a:pPr>
+            <a:r>
+              <a:rPr lang="en-US" altLang="zh-TW" sz="2000" dirty="0">
+                <a:latin typeface="源泉圓體 R" panose="020B0500000000000000" pitchFamily="34" charset="-120"/>
+                <a:ea typeface="源泉圓體 R" panose="020B0500000000000000" pitchFamily="34" charset="-120"/>
+              </a:rPr>
+              <a:t>Kernel</a:t>
+            </a:r>
+            <a:r>
+              <a:rPr lang="zh-TW" altLang="en-US" sz="2000" dirty="0">
+                <a:latin typeface="源泉圓體 R" panose="020B0500000000000000" pitchFamily="34" charset="-120"/>
+                <a:ea typeface="源泉圓體 R" panose="020B0500000000000000" pitchFamily="34" charset="-120"/>
+              </a:rPr>
+              <a:t> 選擇：</a:t>
+            </a:r>
+          </a:p>
+        </p:txBody>
+      </p:sp>
+      <p:sp>
+        <p:nvSpPr>
+          <p:cNvPr id="5" name="文字方塊 15">
+            <a:extLst>
+              <a:ext uri="{FF2B5EF4-FFF2-40B4-BE49-F238E27FC236}">
+                <a16:creationId xmlns:a16="http://schemas.microsoft.com/office/drawing/2014/main" id="{B98810C8-421F-8061-D82C-88F1F31CE978}"/>
+              </a:ext>
+            </a:extLst>
+          </p:cNvPr>
+          <p:cNvSpPr txBox="1"/>
+          <p:nvPr/>
+        </p:nvSpPr>
+        <p:spPr>
+          <a:xfrm>
+            <a:off x="6719200" y="3104615"/>
+            <a:ext cx="1467068" cy="504562"/>
+          </a:xfrm>
+          <a:prstGeom prst="rect">
+            <a:avLst/>
+          </a:prstGeom>
+          <a:noFill/>
+        </p:spPr>
+        <p:txBody>
+          <a:bodyPr wrap="none" rtlCol="0">
+            <a:spAutoFit/>
+          </a:bodyPr>
+          <a:lstStyle>
+            <a:defPPr>
+              <a:defRPr lang="zh-TW"/>
+            </a:defPPr>
+            <a:lvl1pPr marL="0" algn="l" defTabSz="914400" rtl="0" eaLnBrk="1" latinLnBrk="0" hangingPunct="1">
+              <a:defRPr sz="1800" kern="1200">
+                <a:solidFill>
+                  <a:schemeClr val="tx1"/>
+                </a:solidFill>
+                <a:latin typeface="+mn-lt"/>
+                <a:ea typeface="+mn-ea"/>
+                <a:cs typeface="+mn-cs"/>
+              </a:defRPr>
+            </a:lvl1pPr>
+            <a:lvl2pPr marL="457200" algn="l" defTabSz="914400" rtl="0" eaLnBrk="1" latinLnBrk="0" hangingPunct="1">
+              <a:defRPr sz="1800" kern="1200">
+                <a:solidFill>
+                  <a:schemeClr val="tx1"/>
+                </a:solidFill>
+                <a:latin typeface="+mn-lt"/>
+                <a:ea typeface="+mn-ea"/>
+                <a:cs typeface="+mn-cs"/>
+              </a:defRPr>
+            </a:lvl2pPr>
+            <a:lvl3pPr marL="914400" algn="l" defTabSz="914400" rtl="0" eaLnBrk="1" latinLnBrk="0" hangingPunct="1">
+              <a:defRPr sz="1800" kern="1200">
+                <a:solidFill>
+                  <a:schemeClr val="tx1"/>
+                </a:solidFill>
+                <a:latin typeface="+mn-lt"/>
+                <a:ea typeface="+mn-ea"/>
+                <a:cs typeface="+mn-cs"/>
+              </a:defRPr>
+            </a:lvl3pPr>
+            <a:lvl4pPr marL="1371600" algn="l" defTabSz="914400" rtl="0" eaLnBrk="1" latinLnBrk="0" hangingPunct="1">
+              <a:defRPr sz="1800" kern="1200">
+                <a:solidFill>
+                  <a:schemeClr val="tx1"/>
+                </a:solidFill>
+                <a:latin typeface="+mn-lt"/>
+                <a:ea typeface="+mn-ea"/>
+                <a:cs typeface="+mn-cs"/>
+              </a:defRPr>
+            </a:lvl4pPr>
+            <a:lvl5pPr marL="1828800" algn="l" defTabSz="914400" rtl="0" eaLnBrk="1" latinLnBrk="0" hangingPunct="1">
+              <a:defRPr sz="1800" kern="1200">
+                <a:solidFill>
+                  <a:schemeClr val="tx1"/>
+                </a:solidFill>
+                <a:latin typeface="+mn-lt"/>
+                <a:ea typeface="+mn-ea"/>
+                <a:cs typeface="+mn-cs"/>
+              </a:defRPr>
+            </a:lvl5pPr>
+            <a:lvl6pPr marL="2286000" algn="l" defTabSz="914400" rtl="0" eaLnBrk="1" latinLnBrk="0" hangingPunct="1">
+              <a:defRPr sz="1800" kern="1200">
+                <a:solidFill>
+                  <a:schemeClr val="tx1"/>
+                </a:solidFill>
+                <a:latin typeface="+mn-lt"/>
+                <a:ea typeface="+mn-ea"/>
+                <a:cs typeface="+mn-cs"/>
+              </a:defRPr>
+            </a:lvl6pPr>
+            <a:lvl7pPr marL="2743200" algn="l" defTabSz="914400" rtl="0" eaLnBrk="1" latinLnBrk="0" hangingPunct="1">
+              <a:defRPr sz="1800" kern="1200">
+                <a:solidFill>
+                  <a:schemeClr val="tx1"/>
+                </a:solidFill>
+                <a:latin typeface="+mn-lt"/>
+                <a:ea typeface="+mn-ea"/>
+                <a:cs typeface="+mn-cs"/>
+              </a:defRPr>
+            </a:lvl7pPr>
+            <a:lvl8pPr marL="3200400" algn="l" defTabSz="914400" rtl="0" eaLnBrk="1" latinLnBrk="0" hangingPunct="1">
+              <a:defRPr sz="1800" kern="1200">
+                <a:solidFill>
+                  <a:schemeClr val="tx1"/>
+                </a:solidFill>
+                <a:latin typeface="+mn-lt"/>
+                <a:ea typeface="+mn-ea"/>
+                <a:cs typeface="+mn-cs"/>
+              </a:defRPr>
+            </a:lvl8pPr>
+            <a:lvl9pPr marL="3657600" algn="l" defTabSz="914400" rtl="0" eaLnBrk="1" latinLnBrk="0" hangingPunct="1">
+              <a:defRPr sz="1800" kern="1200">
+                <a:solidFill>
+                  <a:schemeClr val="tx1"/>
+                </a:solidFill>
+                <a:latin typeface="+mn-lt"/>
+                <a:ea typeface="+mn-ea"/>
+                <a:cs typeface="+mn-cs"/>
+              </a:defRPr>
+            </a:lvl9pPr>
+          </a:lstStyle>
+          <a:p>
+            <a:pPr>
+              <a:lnSpc>
+                <a:spcPct val="150000"/>
+              </a:lnSpc>
+            </a:pPr>
+            <a:r>
+              <a:rPr lang="zh-TW" altLang="en-US" sz="2000" dirty="0">
+                <a:latin typeface="源泉圓體 R" panose="020B0500000000000000" pitchFamily="34" charset="-120"/>
+                <a:ea typeface="源泉圓體 R" panose="020B0500000000000000" pitchFamily="34" charset="-120"/>
+              </a:rPr>
+              <a:t>尋找方式：</a:t>
+            </a:r>
+          </a:p>
+        </p:txBody>
+      </p:sp>
+      <p:sp>
+        <p:nvSpPr>
+          <p:cNvPr id="6" name="文字方塊 16">
+            <a:extLst>
+              <a:ext uri="{FF2B5EF4-FFF2-40B4-BE49-F238E27FC236}">
+                <a16:creationId xmlns:a16="http://schemas.microsoft.com/office/drawing/2014/main" id="{67010B17-56D6-E10C-84D1-FFB91EE73813}"/>
+              </a:ext>
+            </a:extLst>
+          </p:cNvPr>
+          <p:cNvSpPr txBox="1"/>
+          <p:nvPr/>
+        </p:nvSpPr>
+        <p:spPr>
+          <a:xfrm>
+            <a:off x="6719200" y="3663610"/>
+            <a:ext cx="3781805" cy="456920"/>
+          </a:xfrm>
+          <a:prstGeom prst="rect">
+            <a:avLst/>
+          </a:prstGeom>
+          <a:noFill/>
+        </p:spPr>
+        <p:txBody>
+          <a:bodyPr wrap="none" rtlCol="0">
+            <a:spAutoFit/>
+          </a:bodyPr>
+          <a:lstStyle>
+            <a:defPPr>
+              <a:defRPr lang="zh-TW"/>
+            </a:defPPr>
+            <a:lvl1pPr marL="0" algn="l" defTabSz="914400" rtl="0" eaLnBrk="1" latinLnBrk="0" hangingPunct="1">
+              <a:defRPr sz="1800" kern="1200">
+                <a:solidFill>
+                  <a:schemeClr val="tx1"/>
+                </a:solidFill>
+                <a:latin typeface="+mn-lt"/>
+                <a:ea typeface="+mn-ea"/>
+                <a:cs typeface="+mn-cs"/>
+              </a:defRPr>
+            </a:lvl1pPr>
+            <a:lvl2pPr marL="457200" algn="l" defTabSz="914400" rtl="0" eaLnBrk="1" latinLnBrk="0" hangingPunct="1">
+              <a:defRPr sz="1800" kern="1200">
+                <a:solidFill>
+                  <a:schemeClr val="tx1"/>
+                </a:solidFill>
+                <a:latin typeface="+mn-lt"/>
+                <a:ea typeface="+mn-ea"/>
+                <a:cs typeface="+mn-cs"/>
+              </a:defRPr>
+            </a:lvl2pPr>
+            <a:lvl3pPr marL="914400" algn="l" defTabSz="914400" rtl="0" eaLnBrk="1" latinLnBrk="0" hangingPunct="1">
+              <a:defRPr sz="1800" kern="1200">
+                <a:solidFill>
+                  <a:schemeClr val="tx1"/>
+                </a:solidFill>
+                <a:latin typeface="+mn-lt"/>
+                <a:ea typeface="+mn-ea"/>
+                <a:cs typeface="+mn-cs"/>
+              </a:defRPr>
+            </a:lvl3pPr>
+            <a:lvl4pPr marL="1371600" algn="l" defTabSz="914400" rtl="0" eaLnBrk="1" latinLnBrk="0" hangingPunct="1">
+              <a:defRPr sz="1800" kern="1200">
+                <a:solidFill>
+                  <a:schemeClr val="tx1"/>
+                </a:solidFill>
+                <a:latin typeface="+mn-lt"/>
+                <a:ea typeface="+mn-ea"/>
+                <a:cs typeface="+mn-cs"/>
+              </a:defRPr>
+            </a:lvl4pPr>
+            <a:lvl5pPr marL="1828800" algn="l" defTabSz="914400" rtl="0" eaLnBrk="1" latinLnBrk="0" hangingPunct="1">
+              <a:defRPr sz="1800" kern="1200">
+                <a:solidFill>
+                  <a:schemeClr val="tx1"/>
+                </a:solidFill>
+                <a:latin typeface="+mn-lt"/>
+                <a:ea typeface="+mn-ea"/>
+                <a:cs typeface="+mn-cs"/>
+              </a:defRPr>
+            </a:lvl5pPr>
+            <a:lvl6pPr marL="2286000" algn="l" defTabSz="914400" rtl="0" eaLnBrk="1" latinLnBrk="0" hangingPunct="1">
+              <a:defRPr sz="1800" kern="1200">
+                <a:solidFill>
+                  <a:schemeClr val="tx1"/>
+                </a:solidFill>
+                <a:latin typeface="+mn-lt"/>
+                <a:ea typeface="+mn-ea"/>
+                <a:cs typeface="+mn-cs"/>
+              </a:defRPr>
+            </a:lvl6pPr>
+            <a:lvl7pPr marL="2743200" algn="l" defTabSz="914400" rtl="0" eaLnBrk="1" latinLnBrk="0" hangingPunct="1">
+              <a:defRPr sz="1800" kern="1200">
+                <a:solidFill>
+                  <a:schemeClr val="tx1"/>
+                </a:solidFill>
+                <a:latin typeface="+mn-lt"/>
+                <a:ea typeface="+mn-ea"/>
+                <a:cs typeface="+mn-cs"/>
+              </a:defRPr>
+            </a:lvl7pPr>
+            <a:lvl8pPr marL="3200400" algn="l" defTabSz="914400" rtl="0" eaLnBrk="1" latinLnBrk="0" hangingPunct="1">
+              <a:defRPr sz="1800" kern="1200">
+                <a:solidFill>
+                  <a:schemeClr val="tx1"/>
+                </a:solidFill>
+                <a:latin typeface="+mn-lt"/>
+                <a:ea typeface="+mn-ea"/>
+                <a:cs typeface="+mn-cs"/>
+              </a:defRPr>
+            </a:lvl8pPr>
+            <a:lvl9pPr marL="3657600" algn="l" defTabSz="914400" rtl="0" eaLnBrk="1" latinLnBrk="0" hangingPunct="1">
+              <a:defRPr sz="1800" kern="1200">
+                <a:solidFill>
+                  <a:schemeClr val="tx1"/>
+                </a:solidFill>
+                <a:latin typeface="+mn-lt"/>
+                <a:ea typeface="+mn-ea"/>
+                <a:cs typeface="+mn-cs"/>
+              </a:defRPr>
+            </a:lvl9pPr>
+          </a:lstStyle>
+          <a:p>
+            <a:pPr>
+              <a:lnSpc>
+                <a:spcPct val="150000"/>
+              </a:lnSpc>
+            </a:pPr>
+            <a:r>
+              <a:rPr lang="zh-TW" altLang="en-US" dirty="0">
+                <a:latin typeface="源泉圓體 R" panose="020B0500000000000000" pitchFamily="34" charset="-120"/>
+                <a:ea typeface="源泉圓體 R" panose="020B0500000000000000" pitchFamily="34" charset="-120"/>
+              </a:rPr>
+              <a:t>基因演算法（</a:t>
+            </a:r>
+            <a:r>
+              <a:rPr lang="en-US" altLang="zh-TW" dirty="0">
+                <a:latin typeface="源泉圓體 R" panose="020B0500000000000000" pitchFamily="34" charset="-120"/>
+                <a:ea typeface="源泉圓體 R" panose="020B0500000000000000" pitchFamily="34" charset="-120"/>
+              </a:rPr>
+              <a:t>Genetic Algorithm</a:t>
+            </a:r>
+            <a:r>
+              <a:rPr lang="zh-TW" altLang="en-US" dirty="0">
+                <a:latin typeface="源泉圓體 R" panose="020B0500000000000000" pitchFamily="34" charset="-120"/>
+                <a:ea typeface="源泉圓體 R" panose="020B0500000000000000" pitchFamily="34" charset="-120"/>
+              </a:rPr>
+              <a:t>）</a:t>
+            </a:r>
+          </a:p>
+        </p:txBody>
+      </p:sp>
+      <p:sp>
+        <p:nvSpPr>
+          <p:cNvPr id="7" name="文字方塊 17">
+            <a:extLst>
+              <a:ext uri="{FF2B5EF4-FFF2-40B4-BE49-F238E27FC236}">
+                <a16:creationId xmlns:a16="http://schemas.microsoft.com/office/drawing/2014/main" id="{99852152-A797-D30F-7389-2569F260902F}"/>
+              </a:ext>
+            </a:extLst>
+          </p:cNvPr>
+          <p:cNvSpPr txBox="1"/>
+          <p:nvPr/>
+        </p:nvSpPr>
+        <p:spPr>
+          <a:xfrm>
+            <a:off x="6719200" y="4541471"/>
+            <a:ext cx="1467068" cy="504562"/>
+          </a:xfrm>
+          <a:prstGeom prst="rect">
+            <a:avLst/>
+          </a:prstGeom>
+          <a:noFill/>
+        </p:spPr>
+        <p:txBody>
+          <a:bodyPr wrap="none" rtlCol="0">
+            <a:spAutoFit/>
+          </a:bodyPr>
+          <a:lstStyle>
+            <a:defPPr>
+              <a:defRPr lang="zh-TW"/>
+            </a:defPPr>
+            <a:lvl1pPr marL="0" algn="l" defTabSz="914400" rtl="0" eaLnBrk="1" latinLnBrk="0" hangingPunct="1">
+              <a:defRPr sz="1800" kern="1200">
+                <a:solidFill>
+                  <a:schemeClr val="tx1"/>
+                </a:solidFill>
+                <a:latin typeface="+mn-lt"/>
+                <a:ea typeface="+mn-ea"/>
+                <a:cs typeface="+mn-cs"/>
+              </a:defRPr>
+            </a:lvl1pPr>
+            <a:lvl2pPr marL="457200" algn="l" defTabSz="914400" rtl="0" eaLnBrk="1" latinLnBrk="0" hangingPunct="1">
+              <a:defRPr sz="1800" kern="1200">
+                <a:solidFill>
+                  <a:schemeClr val="tx1"/>
+                </a:solidFill>
+                <a:latin typeface="+mn-lt"/>
+                <a:ea typeface="+mn-ea"/>
+                <a:cs typeface="+mn-cs"/>
+              </a:defRPr>
+            </a:lvl2pPr>
+            <a:lvl3pPr marL="914400" algn="l" defTabSz="914400" rtl="0" eaLnBrk="1" latinLnBrk="0" hangingPunct="1">
+              <a:defRPr sz="1800" kern="1200">
+                <a:solidFill>
+                  <a:schemeClr val="tx1"/>
+                </a:solidFill>
+                <a:latin typeface="+mn-lt"/>
+                <a:ea typeface="+mn-ea"/>
+                <a:cs typeface="+mn-cs"/>
+              </a:defRPr>
+            </a:lvl3pPr>
+            <a:lvl4pPr marL="1371600" algn="l" defTabSz="914400" rtl="0" eaLnBrk="1" latinLnBrk="0" hangingPunct="1">
+              <a:defRPr sz="1800" kern="1200">
+                <a:solidFill>
+                  <a:schemeClr val="tx1"/>
+                </a:solidFill>
+                <a:latin typeface="+mn-lt"/>
+                <a:ea typeface="+mn-ea"/>
+                <a:cs typeface="+mn-cs"/>
+              </a:defRPr>
+            </a:lvl4pPr>
+            <a:lvl5pPr marL="1828800" algn="l" defTabSz="914400" rtl="0" eaLnBrk="1" latinLnBrk="0" hangingPunct="1">
+              <a:defRPr sz="1800" kern="1200">
+                <a:solidFill>
+                  <a:schemeClr val="tx1"/>
+                </a:solidFill>
+                <a:latin typeface="+mn-lt"/>
+                <a:ea typeface="+mn-ea"/>
+                <a:cs typeface="+mn-cs"/>
+              </a:defRPr>
+            </a:lvl5pPr>
+            <a:lvl6pPr marL="2286000" algn="l" defTabSz="914400" rtl="0" eaLnBrk="1" latinLnBrk="0" hangingPunct="1">
+              <a:defRPr sz="1800" kern="1200">
+                <a:solidFill>
+                  <a:schemeClr val="tx1"/>
+                </a:solidFill>
+                <a:latin typeface="+mn-lt"/>
+                <a:ea typeface="+mn-ea"/>
+                <a:cs typeface="+mn-cs"/>
+              </a:defRPr>
+            </a:lvl6pPr>
+            <a:lvl7pPr marL="2743200" algn="l" defTabSz="914400" rtl="0" eaLnBrk="1" latinLnBrk="0" hangingPunct="1">
+              <a:defRPr sz="1800" kern="1200">
+                <a:solidFill>
+                  <a:schemeClr val="tx1"/>
+                </a:solidFill>
+                <a:latin typeface="+mn-lt"/>
+                <a:ea typeface="+mn-ea"/>
+                <a:cs typeface="+mn-cs"/>
+              </a:defRPr>
+            </a:lvl7pPr>
+            <a:lvl8pPr marL="3200400" algn="l" defTabSz="914400" rtl="0" eaLnBrk="1" latinLnBrk="0" hangingPunct="1">
+              <a:defRPr sz="1800" kern="1200">
+                <a:solidFill>
+                  <a:schemeClr val="tx1"/>
+                </a:solidFill>
+                <a:latin typeface="+mn-lt"/>
+                <a:ea typeface="+mn-ea"/>
+                <a:cs typeface="+mn-cs"/>
+              </a:defRPr>
+            </a:lvl8pPr>
+            <a:lvl9pPr marL="3657600" algn="l" defTabSz="914400" rtl="0" eaLnBrk="1" latinLnBrk="0" hangingPunct="1">
+              <a:defRPr sz="1800" kern="1200">
+                <a:solidFill>
+                  <a:schemeClr val="tx1"/>
+                </a:solidFill>
+                <a:latin typeface="+mn-lt"/>
+                <a:ea typeface="+mn-ea"/>
+                <a:cs typeface="+mn-cs"/>
+              </a:defRPr>
+            </a:lvl9pPr>
+          </a:lstStyle>
+          <a:p>
+            <a:pPr>
+              <a:lnSpc>
+                <a:spcPct val="150000"/>
+              </a:lnSpc>
+            </a:pPr>
+            <a:r>
+              <a:rPr lang="zh-TW" altLang="en-US" sz="2000" dirty="0">
+                <a:latin typeface="源泉圓體 R" panose="020B0500000000000000" pitchFamily="34" charset="-120"/>
+                <a:ea typeface="源泉圓體 R" panose="020B0500000000000000" pitchFamily="34" charset="-120"/>
+              </a:rPr>
+              <a:t>程式語言：</a:t>
+            </a:r>
+          </a:p>
+        </p:txBody>
+      </p:sp>
+      <p:sp>
+        <p:nvSpPr>
+          <p:cNvPr id="10" name="文字方塊 18">
+            <a:extLst>
+              <a:ext uri="{FF2B5EF4-FFF2-40B4-BE49-F238E27FC236}">
+                <a16:creationId xmlns:a16="http://schemas.microsoft.com/office/drawing/2014/main" id="{F1A43FD3-844F-BD12-46F6-A0BBFB0037BC}"/>
+              </a:ext>
+            </a:extLst>
+          </p:cNvPr>
+          <p:cNvSpPr txBox="1"/>
+          <p:nvPr/>
+        </p:nvSpPr>
+        <p:spPr>
+          <a:xfrm>
+            <a:off x="6719200" y="5046033"/>
+            <a:ext cx="678391" cy="456920"/>
+          </a:xfrm>
+          <a:prstGeom prst="rect">
+            <a:avLst/>
+          </a:prstGeom>
+          <a:noFill/>
+        </p:spPr>
+        <p:txBody>
+          <a:bodyPr wrap="none" rtlCol="0">
+            <a:spAutoFit/>
+          </a:bodyPr>
+          <a:lstStyle>
+            <a:defPPr>
+              <a:defRPr lang="zh-TW"/>
+            </a:defPPr>
+            <a:lvl1pPr marL="0" algn="l" defTabSz="914400" rtl="0" eaLnBrk="1" latinLnBrk="0" hangingPunct="1">
+              <a:defRPr sz="1800" kern="1200">
+                <a:solidFill>
+                  <a:schemeClr val="tx1"/>
+                </a:solidFill>
+                <a:latin typeface="+mn-lt"/>
+                <a:ea typeface="+mn-ea"/>
+                <a:cs typeface="+mn-cs"/>
+              </a:defRPr>
+            </a:lvl1pPr>
+            <a:lvl2pPr marL="457200" algn="l" defTabSz="914400" rtl="0" eaLnBrk="1" latinLnBrk="0" hangingPunct="1">
+              <a:defRPr sz="1800" kern="1200">
+                <a:solidFill>
+                  <a:schemeClr val="tx1"/>
+                </a:solidFill>
+                <a:latin typeface="+mn-lt"/>
+                <a:ea typeface="+mn-ea"/>
+                <a:cs typeface="+mn-cs"/>
+              </a:defRPr>
+            </a:lvl2pPr>
+            <a:lvl3pPr marL="914400" algn="l" defTabSz="914400" rtl="0" eaLnBrk="1" latinLnBrk="0" hangingPunct="1">
+              <a:defRPr sz="1800" kern="1200">
+                <a:solidFill>
+                  <a:schemeClr val="tx1"/>
+                </a:solidFill>
+                <a:latin typeface="+mn-lt"/>
+                <a:ea typeface="+mn-ea"/>
+                <a:cs typeface="+mn-cs"/>
+              </a:defRPr>
+            </a:lvl3pPr>
+            <a:lvl4pPr marL="1371600" algn="l" defTabSz="914400" rtl="0" eaLnBrk="1" latinLnBrk="0" hangingPunct="1">
+              <a:defRPr sz="1800" kern="1200">
+                <a:solidFill>
+                  <a:schemeClr val="tx1"/>
+                </a:solidFill>
+                <a:latin typeface="+mn-lt"/>
+                <a:ea typeface="+mn-ea"/>
+                <a:cs typeface="+mn-cs"/>
+              </a:defRPr>
+            </a:lvl4pPr>
+            <a:lvl5pPr marL="1828800" algn="l" defTabSz="914400" rtl="0" eaLnBrk="1" latinLnBrk="0" hangingPunct="1">
+              <a:defRPr sz="1800" kern="1200">
+                <a:solidFill>
+                  <a:schemeClr val="tx1"/>
+                </a:solidFill>
+                <a:latin typeface="+mn-lt"/>
+                <a:ea typeface="+mn-ea"/>
+                <a:cs typeface="+mn-cs"/>
+              </a:defRPr>
+            </a:lvl5pPr>
+            <a:lvl6pPr marL="2286000" algn="l" defTabSz="914400" rtl="0" eaLnBrk="1" latinLnBrk="0" hangingPunct="1">
+              <a:defRPr sz="1800" kern="1200">
+                <a:solidFill>
+                  <a:schemeClr val="tx1"/>
+                </a:solidFill>
+                <a:latin typeface="+mn-lt"/>
+                <a:ea typeface="+mn-ea"/>
+                <a:cs typeface="+mn-cs"/>
+              </a:defRPr>
+            </a:lvl6pPr>
+            <a:lvl7pPr marL="2743200" algn="l" defTabSz="914400" rtl="0" eaLnBrk="1" latinLnBrk="0" hangingPunct="1">
+              <a:defRPr sz="1800" kern="1200">
+                <a:solidFill>
+                  <a:schemeClr val="tx1"/>
+                </a:solidFill>
+                <a:latin typeface="+mn-lt"/>
+                <a:ea typeface="+mn-ea"/>
+                <a:cs typeface="+mn-cs"/>
+              </a:defRPr>
+            </a:lvl7pPr>
+            <a:lvl8pPr marL="3200400" algn="l" defTabSz="914400" rtl="0" eaLnBrk="1" latinLnBrk="0" hangingPunct="1">
+              <a:defRPr sz="1800" kern="1200">
+                <a:solidFill>
+                  <a:schemeClr val="tx1"/>
+                </a:solidFill>
+                <a:latin typeface="+mn-lt"/>
+                <a:ea typeface="+mn-ea"/>
+                <a:cs typeface="+mn-cs"/>
+              </a:defRPr>
+            </a:lvl8pPr>
+            <a:lvl9pPr marL="3657600" algn="l" defTabSz="914400" rtl="0" eaLnBrk="1" latinLnBrk="0" hangingPunct="1">
+              <a:defRPr sz="1800" kern="1200">
+                <a:solidFill>
+                  <a:schemeClr val="tx1"/>
+                </a:solidFill>
+                <a:latin typeface="+mn-lt"/>
+                <a:ea typeface="+mn-ea"/>
+                <a:cs typeface="+mn-cs"/>
+              </a:defRPr>
+            </a:lvl9pPr>
+          </a:lstStyle>
+          <a:p>
+            <a:pPr>
+              <a:lnSpc>
+                <a:spcPct val="150000"/>
+              </a:lnSpc>
+            </a:pPr>
+            <a:r>
+              <a:rPr lang="en-US" altLang="zh-TW" dirty="0">
+                <a:latin typeface="源泉圓體 R" panose="020B0500000000000000" pitchFamily="34" charset="-120"/>
+                <a:ea typeface="源泉圓體 R" panose="020B0500000000000000" pitchFamily="34" charset="-120"/>
+              </a:rPr>
+              <a:t>C++</a:t>
+            </a:r>
+            <a:endParaRPr lang="zh-TW" altLang="en-US" dirty="0">
+              <a:latin typeface="源泉圓體 R" panose="020B0500000000000000" pitchFamily="34" charset="-120"/>
+              <a:ea typeface="源泉圓體 R" panose="020B0500000000000000" pitchFamily="34" charset="-120"/>
+            </a:endParaRPr>
+          </a:p>
+        </p:txBody>
+      </p:sp>
+      <p:sp>
+        <p:nvSpPr>
+          <p:cNvPr id="11" name="文字方塊 15">
+            <a:extLst>
+              <a:ext uri="{FF2B5EF4-FFF2-40B4-BE49-F238E27FC236}">
+                <a16:creationId xmlns:a16="http://schemas.microsoft.com/office/drawing/2014/main" id="{C8DD5EF5-BE5B-6715-82ED-671CB1CF0336}"/>
+              </a:ext>
+            </a:extLst>
+          </p:cNvPr>
+          <p:cNvSpPr txBox="1"/>
+          <p:nvPr/>
+        </p:nvSpPr>
+        <p:spPr>
+          <a:xfrm>
+            <a:off x="6719200" y="2337361"/>
+            <a:ext cx="2919099" cy="400110"/>
+          </a:xfrm>
+          <a:prstGeom prst="rect">
+            <a:avLst/>
+          </a:prstGeom>
+          <a:noFill/>
+        </p:spPr>
+        <p:txBody>
+          <a:bodyPr wrap="square">
+            <a:spAutoFit/>
+          </a:bodyPr>
+          <a:lstStyle>
+            <a:defPPr>
+              <a:defRPr lang="zh-TW"/>
+            </a:defPPr>
+            <a:lvl1pPr marL="0" algn="l" defTabSz="914400" rtl="0" eaLnBrk="1" latinLnBrk="0" hangingPunct="1">
+              <a:defRPr sz="1800" kern="1200">
+                <a:solidFill>
+                  <a:schemeClr val="tx1"/>
+                </a:solidFill>
+                <a:latin typeface="+mn-lt"/>
+                <a:ea typeface="+mn-ea"/>
+                <a:cs typeface="+mn-cs"/>
+              </a:defRPr>
+            </a:lvl1pPr>
+            <a:lvl2pPr marL="457200" algn="l" defTabSz="914400" rtl="0" eaLnBrk="1" latinLnBrk="0" hangingPunct="1">
+              <a:defRPr sz="1800" kern="1200">
+                <a:solidFill>
+                  <a:schemeClr val="tx1"/>
+                </a:solidFill>
+                <a:latin typeface="+mn-lt"/>
+                <a:ea typeface="+mn-ea"/>
+                <a:cs typeface="+mn-cs"/>
+              </a:defRPr>
+            </a:lvl2pPr>
+            <a:lvl3pPr marL="914400" algn="l" defTabSz="914400" rtl="0" eaLnBrk="1" latinLnBrk="0" hangingPunct="1">
+              <a:defRPr sz="1800" kern="1200">
+                <a:solidFill>
+                  <a:schemeClr val="tx1"/>
+                </a:solidFill>
+                <a:latin typeface="+mn-lt"/>
+                <a:ea typeface="+mn-ea"/>
+                <a:cs typeface="+mn-cs"/>
+              </a:defRPr>
+            </a:lvl3pPr>
+            <a:lvl4pPr marL="1371600" algn="l" defTabSz="914400" rtl="0" eaLnBrk="1" latinLnBrk="0" hangingPunct="1">
+              <a:defRPr sz="1800" kern="1200">
+                <a:solidFill>
+                  <a:schemeClr val="tx1"/>
+                </a:solidFill>
+                <a:latin typeface="+mn-lt"/>
+                <a:ea typeface="+mn-ea"/>
+                <a:cs typeface="+mn-cs"/>
+              </a:defRPr>
+            </a:lvl4pPr>
+            <a:lvl5pPr marL="1828800" algn="l" defTabSz="914400" rtl="0" eaLnBrk="1" latinLnBrk="0" hangingPunct="1">
+              <a:defRPr sz="1800" kern="1200">
+                <a:solidFill>
+                  <a:schemeClr val="tx1"/>
+                </a:solidFill>
+                <a:latin typeface="+mn-lt"/>
+                <a:ea typeface="+mn-ea"/>
+                <a:cs typeface="+mn-cs"/>
+              </a:defRPr>
+            </a:lvl5pPr>
+            <a:lvl6pPr marL="2286000" algn="l" defTabSz="914400" rtl="0" eaLnBrk="1" latinLnBrk="0" hangingPunct="1">
+              <a:defRPr sz="1800" kern="1200">
+                <a:solidFill>
+                  <a:schemeClr val="tx1"/>
+                </a:solidFill>
+                <a:latin typeface="+mn-lt"/>
+                <a:ea typeface="+mn-ea"/>
+                <a:cs typeface="+mn-cs"/>
+              </a:defRPr>
+            </a:lvl6pPr>
+            <a:lvl7pPr marL="2743200" algn="l" defTabSz="914400" rtl="0" eaLnBrk="1" latinLnBrk="0" hangingPunct="1">
+              <a:defRPr sz="1800" kern="1200">
+                <a:solidFill>
+                  <a:schemeClr val="tx1"/>
+                </a:solidFill>
+                <a:latin typeface="+mn-lt"/>
+                <a:ea typeface="+mn-ea"/>
+                <a:cs typeface="+mn-cs"/>
+              </a:defRPr>
+            </a:lvl7pPr>
+            <a:lvl8pPr marL="3200400" algn="l" defTabSz="914400" rtl="0" eaLnBrk="1" latinLnBrk="0" hangingPunct="1">
+              <a:defRPr sz="1800" kern="1200">
+                <a:solidFill>
+                  <a:schemeClr val="tx1"/>
+                </a:solidFill>
+                <a:latin typeface="+mn-lt"/>
+                <a:ea typeface="+mn-ea"/>
+                <a:cs typeface="+mn-cs"/>
+              </a:defRPr>
+            </a:lvl8pPr>
+            <a:lvl9pPr marL="3657600" algn="l" defTabSz="914400" rtl="0" eaLnBrk="1" latinLnBrk="0" hangingPunct="1">
+              <a:defRPr sz="1800" kern="1200">
+                <a:solidFill>
+                  <a:schemeClr val="tx1"/>
+                </a:solidFill>
+                <a:latin typeface="+mn-lt"/>
+                <a:ea typeface="+mn-ea"/>
+                <a:cs typeface="+mn-cs"/>
+              </a:defRPr>
+            </a:lvl9pPr>
+          </a:lstStyle>
+          <a:p>
+            <a:r>
+              <a:rPr lang="en-US" altLang="zh-TW" sz="2000" dirty="0">
+                <a:latin typeface="源泉圓體 R" panose="020B0500000000000000" pitchFamily="34" charset="-120"/>
+                <a:ea typeface="源泉圓體 R" panose="020B0500000000000000" pitchFamily="34" charset="-120"/>
+              </a:rPr>
+              <a:t>Polynomial kernel</a:t>
+            </a:r>
+            <a:endParaRPr lang="zh-TW" altLang="en-US" sz="2000" dirty="0">
+              <a:latin typeface="源泉圓體 R" panose="020B0500000000000000" pitchFamily="34" charset="-120"/>
+              <a:ea typeface="源泉圓體 R" panose="020B0500000000000000" pitchFamily="34" charset="-120"/>
+            </a:endParaRPr>
+          </a:p>
+        </p:txBody>
+      </p:sp>
+    </p:spTree>
+    <p:extLst>
+      <p:ext uri="{BB962C8B-B14F-4D97-AF65-F5344CB8AC3E}">
+        <p14:creationId xmlns:p14="http://schemas.microsoft.com/office/powerpoint/2010/main" val="4251257979"/>
       </p:ext>
     </p:extLst>
   </p:cSld>
@@ -23160,6 +29578,1237 @@
     <p:extLst>
       <p:ext uri="{BB962C8B-B14F-4D97-AF65-F5344CB8AC3E}">
         <p14:creationId xmlns:p14="http://schemas.microsoft.com/office/powerpoint/2010/main" val="3998631263"/>
+      </p:ext>
+    </p:extLst>
+  </p:cSld>
+  <p:clrMapOvr>
+    <a:masterClrMapping/>
+  </p:clrMapOvr>
+</p:sld>
+</file>
+
+<file path=ppt/slides/slide40.xml><?xml version="1.0" encoding="utf-8"?>
+<p:sld xmlns:a="http://schemas.openxmlformats.org/drawingml/2006/main" xmlns:r="http://schemas.openxmlformats.org/officeDocument/2006/relationships" xmlns:p="http://schemas.openxmlformats.org/presentationml/2006/main">
+  <p:cSld>
+    <p:spTree>
+      <p:nvGrpSpPr>
+        <p:cNvPr id="1" name=""/>
+        <p:cNvGrpSpPr/>
+        <p:nvPr/>
+      </p:nvGrpSpPr>
+      <p:grpSpPr>
+        <a:xfrm>
+          <a:off x="0" y="0"/>
+          <a:ext cx="0" cy="0"/>
+          <a:chOff x="0" y="0"/>
+          <a:chExt cx="0" cy="0"/>
+        </a:xfrm>
+      </p:grpSpPr>
+      <p:sp>
+        <p:nvSpPr>
+          <p:cNvPr id="2" name="標題 1">
+            <a:extLst>
+              <a:ext uri="{FF2B5EF4-FFF2-40B4-BE49-F238E27FC236}">
+                <a16:creationId xmlns:a16="http://schemas.microsoft.com/office/drawing/2014/main" id="{0211B06F-6168-7653-9AD5-34ED7872FDE9}"/>
+              </a:ext>
+            </a:extLst>
+          </p:cNvPr>
+          <p:cNvSpPr>
+            <a:spLocks noGrp="1"/>
+          </p:cNvSpPr>
+          <p:nvPr>
+            <p:ph type="title"/>
+          </p:nvPr>
+        </p:nvSpPr>
+        <p:spPr/>
+        <p:txBody>
+          <a:bodyPr/>
+          <a:lstStyle/>
+          <a:p>
+            <a:r>
+              <a:rPr lang="en-US" altLang="zh-TW" dirty="0">
+                <a:latin typeface="Consolas" panose="020B0609020204030204" pitchFamily="49" charset="0"/>
+              </a:rPr>
+              <a:t>Support Vector Machine</a:t>
+            </a:r>
+            <a:endParaRPr lang="zh-TW" altLang="en-US" dirty="0"/>
+          </a:p>
+        </p:txBody>
+      </p:sp>
+      <p:sp>
+        <p:nvSpPr>
+          <p:cNvPr id="4" name="文字方塊 5">
+            <a:extLst>
+              <a:ext uri="{FF2B5EF4-FFF2-40B4-BE49-F238E27FC236}">
+                <a16:creationId xmlns:a16="http://schemas.microsoft.com/office/drawing/2014/main" id="{9C1E5ECD-EA84-1A16-6468-DCE0FDEBBA34}"/>
+              </a:ext>
+            </a:extLst>
+          </p:cNvPr>
+          <p:cNvSpPr txBox="1"/>
+          <p:nvPr/>
+        </p:nvSpPr>
+        <p:spPr>
+          <a:xfrm>
+            <a:off x="838200" y="1690688"/>
+            <a:ext cx="3694162" cy="461665"/>
+          </a:xfrm>
+          <a:prstGeom prst="rect">
+            <a:avLst/>
+          </a:prstGeom>
+          <a:noFill/>
+        </p:spPr>
+        <p:txBody>
+          <a:bodyPr wrap="square">
+            <a:spAutoFit/>
+          </a:bodyPr>
+          <a:lstStyle>
+            <a:defPPr>
+              <a:defRPr lang="zh-TW"/>
+            </a:defPPr>
+            <a:lvl1pPr marL="0" algn="l" defTabSz="914400" rtl="0" eaLnBrk="1" latinLnBrk="0" hangingPunct="1">
+              <a:defRPr sz="1800" kern="1200">
+                <a:solidFill>
+                  <a:schemeClr val="tx1"/>
+                </a:solidFill>
+                <a:latin typeface="+mn-lt"/>
+                <a:ea typeface="+mn-ea"/>
+                <a:cs typeface="+mn-cs"/>
+              </a:defRPr>
+            </a:lvl1pPr>
+            <a:lvl2pPr marL="457200" algn="l" defTabSz="914400" rtl="0" eaLnBrk="1" latinLnBrk="0" hangingPunct="1">
+              <a:defRPr sz="1800" kern="1200">
+                <a:solidFill>
+                  <a:schemeClr val="tx1"/>
+                </a:solidFill>
+                <a:latin typeface="+mn-lt"/>
+                <a:ea typeface="+mn-ea"/>
+                <a:cs typeface="+mn-cs"/>
+              </a:defRPr>
+            </a:lvl2pPr>
+            <a:lvl3pPr marL="914400" algn="l" defTabSz="914400" rtl="0" eaLnBrk="1" latinLnBrk="0" hangingPunct="1">
+              <a:defRPr sz="1800" kern="1200">
+                <a:solidFill>
+                  <a:schemeClr val="tx1"/>
+                </a:solidFill>
+                <a:latin typeface="+mn-lt"/>
+                <a:ea typeface="+mn-ea"/>
+                <a:cs typeface="+mn-cs"/>
+              </a:defRPr>
+            </a:lvl3pPr>
+            <a:lvl4pPr marL="1371600" algn="l" defTabSz="914400" rtl="0" eaLnBrk="1" latinLnBrk="0" hangingPunct="1">
+              <a:defRPr sz="1800" kern="1200">
+                <a:solidFill>
+                  <a:schemeClr val="tx1"/>
+                </a:solidFill>
+                <a:latin typeface="+mn-lt"/>
+                <a:ea typeface="+mn-ea"/>
+                <a:cs typeface="+mn-cs"/>
+              </a:defRPr>
+            </a:lvl4pPr>
+            <a:lvl5pPr marL="1828800" algn="l" defTabSz="914400" rtl="0" eaLnBrk="1" latinLnBrk="0" hangingPunct="1">
+              <a:defRPr sz="1800" kern="1200">
+                <a:solidFill>
+                  <a:schemeClr val="tx1"/>
+                </a:solidFill>
+                <a:latin typeface="+mn-lt"/>
+                <a:ea typeface="+mn-ea"/>
+                <a:cs typeface="+mn-cs"/>
+              </a:defRPr>
+            </a:lvl5pPr>
+            <a:lvl6pPr marL="2286000" algn="l" defTabSz="914400" rtl="0" eaLnBrk="1" latinLnBrk="0" hangingPunct="1">
+              <a:defRPr sz="1800" kern="1200">
+                <a:solidFill>
+                  <a:schemeClr val="tx1"/>
+                </a:solidFill>
+                <a:latin typeface="+mn-lt"/>
+                <a:ea typeface="+mn-ea"/>
+                <a:cs typeface="+mn-cs"/>
+              </a:defRPr>
+            </a:lvl6pPr>
+            <a:lvl7pPr marL="2743200" algn="l" defTabSz="914400" rtl="0" eaLnBrk="1" latinLnBrk="0" hangingPunct="1">
+              <a:defRPr sz="1800" kern="1200">
+                <a:solidFill>
+                  <a:schemeClr val="tx1"/>
+                </a:solidFill>
+                <a:latin typeface="+mn-lt"/>
+                <a:ea typeface="+mn-ea"/>
+                <a:cs typeface="+mn-cs"/>
+              </a:defRPr>
+            </a:lvl7pPr>
+            <a:lvl8pPr marL="3200400" algn="l" defTabSz="914400" rtl="0" eaLnBrk="1" latinLnBrk="0" hangingPunct="1">
+              <a:defRPr sz="1800" kern="1200">
+                <a:solidFill>
+                  <a:schemeClr val="tx1"/>
+                </a:solidFill>
+                <a:latin typeface="+mn-lt"/>
+                <a:ea typeface="+mn-ea"/>
+                <a:cs typeface="+mn-cs"/>
+              </a:defRPr>
+            </a:lvl8pPr>
+            <a:lvl9pPr marL="3657600" algn="l" defTabSz="914400" rtl="0" eaLnBrk="1" latinLnBrk="0" hangingPunct="1">
+              <a:defRPr sz="1800" kern="1200">
+                <a:solidFill>
+                  <a:schemeClr val="tx1"/>
+                </a:solidFill>
+                <a:latin typeface="+mn-lt"/>
+                <a:ea typeface="+mn-ea"/>
+                <a:cs typeface="+mn-cs"/>
+              </a:defRPr>
+            </a:lvl9pPr>
+          </a:lstStyle>
+          <a:p>
+            <a:r>
+              <a:rPr lang="zh-TW" altLang="en-US" sz="2400" dirty="0">
+                <a:latin typeface="源泉圓體 R" panose="020B0500000000000000" pitchFamily="34" charset="-120"/>
+                <a:ea typeface="源泉圓體 R" panose="020B0500000000000000" pitchFamily="34" charset="-120"/>
+              </a:rPr>
+              <a:t>基因演算法（超啟發）：</a:t>
+            </a:r>
+          </a:p>
+        </p:txBody>
+      </p:sp>
+      <p:sp>
+        <p:nvSpPr>
+          <p:cNvPr id="12" name="文字方塊 3">
+            <a:extLst>
+              <a:ext uri="{FF2B5EF4-FFF2-40B4-BE49-F238E27FC236}">
+                <a16:creationId xmlns:a16="http://schemas.microsoft.com/office/drawing/2014/main" id="{531C87CF-8713-F74D-FBCD-81A5F92D41E9}"/>
+              </a:ext>
+            </a:extLst>
+          </p:cNvPr>
+          <p:cNvSpPr txBox="1"/>
+          <p:nvPr/>
+        </p:nvSpPr>
+        <p:spPr>
+          <a:xfrm>
+            <a:off x="1100790" y="2152353"/>
+            <a:ext cx="6412333" cy="2125325"/>
+          </a:xfrm>
+          <a:prstGeom prst="rect">
+            <a:avLst/>
+          </a:prstGeom>
+          <a:noFill/>
+        </p:spPr>
+        <p:txBody>
+          <a:bodyPr wrap="none" rtlCol="0">
+            <a:spAutoFit/>
+          </a:bodyPr>
+          <a:lstStyle>
+            <a:defPPr>
+              <a:defRPr lang="zh-TW"/>
+            </a:defPPr>
+            <a:lvl1pPr marL="0" algn="l" defTabSz="914400" rtl="0" eaLnBrk="1" latinLnBrk="0" hangingPunct="1">
+              <a:defRPr sz="1800" kern="1200">
+                <a:solidFill>
+                  <a:schemeClr val="tx1"/>
+                </a:solidFill>
+                <a:latin typeface="+mn-lt"/>
+                <a:ea typeface="+mn-ea"/>
+                <a:cs typeface="+mn-cs"/>
+              </a:defRPr>
+            </a:lvl1pPr>
+            <a:lvl2pPr marL="457200" algn="l" defTabSz="914400" rtl="0" eaLnBrk="1" latinLnBrk="0" hangingPunct="1">
+              <a:defRPr sz="1800" kern="1200">
+                <a:solidFill>
+                  <a:schemeClr val="tx1"/>
+                </a:solidFill>
+                <a:latin typeface="+mn-lt"/>
+                <a:ea typeface="+mn-ea"/>
+                <a:cs typeface="+mn-cs"/>
+              </a:defRPr>
+            </a:lvl2pPr>
+            <a:lvl3pPr marL="914400" algn="l" defTabSz="914400" rtl="0" eaLnBrk="1" latinLnBrk="0" hangingPunct="1">
+              <a:defRPr sz="1800" kern="1200">
+                <a:solidFill>
+                  <a:schemeClr val="tx1"/>
+                </a:solidFill>
+                <a:latin typeface="+mn-lt"/>
+                <a:ea typeface="+mn-ea"/>
+                <a:cs typeface="+mn-cs"/>
+              </a:defRPr>
+            </a:lvl3pPr>
+            <a:lvl4pPr marL="1371600" algn="l" defTabSz="914400" rtl="0" eaLnBrk="1" latinLnBrk="0" hangingPunct="1">
+              <a:defRPr sz="1800" kern="1200">
+                <a:solidFill>
+                  <a:schemeClr val="tx1"/>
+                </a:solidFill>
+                <a:latin typeface="+mn-lt"/>
+                <a:ea typeface="+mn-ea"/>
+                <a:cs typeface="+mn-cs"/>
+              </a:defRPr>
+            </a:lvl4pPr>
+            <a:lvl5pPr marL="1828800" algn="l" defTabSz="914400" rtl="0" eaLnBrk="1" latinLnBrk="0" hangingPunct="1">
+              <a:defRPr sz="1800" kern="1200">
+                <a:solidFill>
+                  <a:schemeClr val="tx1"/>
+                </a:solidFill>
+                <a:latin typeface="+mn-lt"/>
+                <a:ea typeface="+mn-ea"/>
+                <a:cs typeface="+mn-cs"/>
+              </a:defRPr>
+            </a:lvl5pPr>
+            <a:lvl6pPr marL="2286000" algn="l" defTabSz="914400" rtl="0" eaLnBrk="1" latinLnBrk="0" hangingPunct="1">
+              <a:defRPr sz="1800" kern="1200">
+                <a:solidFill>
+                  <a:schemeClr val="tx1"/>
+                </a:solidFill>
+                <a:latin typeface="+mn-lt"/>
+                <a:ea typeface="+mn-ea"/>
+                <a:cs typeface="+mn-cs"/>
+              </a:defRPr>
+            </a:lvl6pPr>
+            <a:lvl7pPr marL="2743200" algn="l" defTabSz="914400" rtl="0" eaLnBrk="1" latinLnBrk="0" hangingPunct="1">
+              <a:defRPr sz="1800" kern="1200">
+                <a:solidFill>
+                  <a:schemeClr val="tx1"/>
+                </a:solidFill>
+                <a:latin typeface="+mn-lt"/>
+                <a:ea typeface="+mn-ea"/>
+                <a:cs typeface="+mn-cs"/>
+              </a:defRPr>
+            </a:lvl7pPr>
+            <a:lvl8pPr marL="3200400" algn="l" defTabSz="914400" rtl="0" eaLnBrk="1" latinLnBrk="0" hangingPunct="1">
+              <a:defRPr sz="1800" kern="1200">
+                <a:solidFill>
+                  <a:schemeClr val="tx1"/>
+                </a:solidFill>
+                <a:latin typeface="+mn-lt"/>
+                <a:ea typeface="+mn-ea"/>
+                <a:cs typeface="+mn-cs"/>
+              </a:defRPr>
+            </a:lvl8pPr>
+            <a:lvl9pPr marL="3657600" algn="l" defTabSz="914400" rtl="0" eaLnBrk="1" latinLnBrk="0" hangingPunct="1">
+              <a:defRPr sz="1800" kern="1200">
+                <a:solidFill>
+                  <a:schemeClr val="tx1"/>
+                </a:solidFill>
+                <a:latin typeface="+mn-lt"/>
+                <a:ea typeface="+mn-ea"/>
+                <a:cs typeface="+mn-cs"/>
+              </a:defRPr>
+            </a:lvl9pPr>
+          </a:lstStyle>
+          <a:p>
+            <a:pPr marL="342900" indent="-342900">
+              <a:lnSpc>
+                <a:spcPct val="150000"/>
+              </a:lnSpc>
+              <a:buAutoNum type="arabicPeriod"/>
+            </a:pPr>
+            <a:r>
+              <a:rPr lang="zh-TW" altLang="en-US" dirty="0">
+                <a:latin typeface="源泉圓體 R" panose="020B0500000000000000" pitchFamily="34" charset="-120"/>
+                <a:ea typeface="源泉圓體 R" panose="020B0500000000000000" pitchFamily="34" charset="-120"/>
+              </a:rPr>
+              <a:t>隨機找出 </a:t>
+            </a:r>
+            <a:r>
+              <a:rPr lang="en-US" altLang="zh-TW" dirty="0">
+                <a:latin typeface="源泉圓體 R" panose="020B0500000000000000" pitchFamily="34" charset="-120"/>
+                <a:ea typeface="源泉圓體 R" panose="020B0500000000000000" pitchFamily="34" charset="-120"/>
+              </a:rPr>
+              <a:t>250</a:t>
+            </a:r>
+            <a:r>
+              <a:rPr lang="zh-TW" altLang="en-US" dirty="0">
+                <a:latin typeface="源泉圓體 R" panose="020B0500000000000000" pitchFamily="34" charset="-120"/>
+                <a:ea typeface="源泉圓體 R" panose="020B0500000000000000" pitchFamily="34" charset="-120"/>
+              </a:rPr>
+              <a:t> 個超平面（也就是向量 </a:t>
+            </a:r>
+            <a:r>
+              <a:rPr lang="en-US" altLang="zh-TW" dirty="0">
+                <a:latin typeface="源泉圓體 R" panose="020B0500000000000000" pitchFamily="34" charset="-120"/>
+                <a:ea typeface="源泉圓體 R" panose="020B0500000000000000" pitchFamily="34" charset="-120"/>
+              </a:rPr>
+              <a:t>w</a:t>
+            </a:r>
+            <a:r>
+              <a:rPr lang="zh-TW" altLang="en-US" dirty="0">
+                <a:latin typeface="源泉圓體 R" panose="020B0500000000000000" pitchFamily="34" charset="-120"/>
+                <a:ea typeface="源泉圓體 R" panose="020B0500000000000000" pitchFamily="34" charset="-120"/>
+              </a:rPr>
+              <a:t>）</a:t>
+            </a:r>
+            <a:endParaRPr lang="en-US" altLang="zh-TW" dirty="0">
+              <a:latin typeface="源泉圓體 R" panose="020B0500000000000000" pitchFamily="34" charset="-120"/>
+              <a:ea typeface="源泉圓體 R" panose="020B0500000000000000" pitchFamily="34" charset="-120"/>
+            </a:endParaRPr>
+          </a:p>
+          <a:p>
+            <a:pPr marL="342900" indent="-342900">
+              <a:lnSpc>
+                <a:spcPct val="150000"/>
+              </a:lnSpc>
+              <a:buAutoNum type="arabicPeriod"/>
+            </a:pPr>
+            <a:r>
+              <a:rPr lang="zh-TW" altLang="en-US" dirty="0">
+                <a:latin typeface="源泉圓體 R" panose="020B0500000000000000" pitchFamily="34" charset="-120"/>
+                <a:ea typeface="源泉圓體 R" panose="020B0500000000000000" pitchFamily="34" charset="-120"/>
+              </a:rPr>
+              <a:t>選擇表現最好的 </a:t>
+            </a:r>
+            <a:r>
+              <a:rPr lang="en-US" altLang="zh-TW" dirty="0">
+                <a:latin typeface="源泉圓體 R" panose="020B0500000000000000" pitchFamily="34" charset="-120"/>
+                <a:ea typeface="源泉圓體 R" panose="020B0500000000000000" pitchFamily="34" charset="-120"/>
+              </a:rPr>
+              <a:t>25 </a:t>
+            </a:r>
+            <a:r>
+              <a:rPr lang="zh-TW" altLang="en-US" dirty="0">
+                <a:latin typeface="源泉圓體 R" panose="020B0500000000000000" pitchFamily="34" charset="-120"/>
+                <a:ea typeface="源泉圓體 R" panose="020B0500000000000000" pitchFamily="34" charset="-120"/>
+              </a:rPr>
+              <a:t>個（菁英）</a:t>
+            </a:r>
+            <a:endParaRPr lang="en-US" altLang="zh-TW" dirty="0">
+              <a:latin typeface="源泉圓體 R" panose="020B0500000000000000" pitchFamily="34" charset="-120"/>
+              <a:ea typeface="源泉圓體 R" panose="020B0500000000000000" pitchFamily="34" charset="-120"/>
+            </a:endParaRPr>
+          </a:p>
+          <a:p>
+            <a:pPr marL="342900" indent="-342900">
+              <a:lnSpc>
+                <a:spcPct val="150000"/>
+              </a:lnSpc>
+              <a:buAutoNum type="arabicPeriod"/>
+            </a:pPr>
+            <a:r>
+              <a:rPr lang="zh-TW" altLang="en-US" dirty="0">
+                <a:latin typeface="源泉圓體 R" panose="020B0500000000000000" pitchFamily="34" charset="-120"/>
+                <a:ea typeface="源泉圓體 R" panose="020B0500000000000000" pitchFamily="34" charset="-120"/>
+              </a:rPr>
+              <a:t>讓這 </a:t>
+            </a:r>
+            <a:r>
+              <a:rPr lang="en-US" altLang="zh-TW" dirty="0">
+                <a:latin typeface="源泉圓體 R" panose="020B0500000000000000" pitchFamily="34" charset="-120"/>
+                <a:ea typeface="源泉圓體 R" panose="020B0500000000000000" pitchFamily="34" charset="-120"/>
+              </a:rPr>
+              <a:t>25</a:t>
+            </a:r>
+            <a:r>
+              <a:rPr lang="zh-TW" altLang="en-US" dirty="0">
+                <a:latin typeface="源泉圓體 R" panose="020B0500000000000000" pitchFamily="34" charset="-120"/>
+                <a:ea typeface="源泉圓體 R" panose="020B0500000000000000" pitchFamily="34" charset="-120"/>
+              </a:rPr>
+              <a:t> 個最好的菁英交配（數據交換，有</a:t>
+            </a:r>
+            <a:r>
+              <a:rPr lang="en-US" altLang="zh-TW" dirty="0">
+                <a:latin typeface="源泉圓體 R" panose="020B0500000000000000" pitchFamily="34" charset="-120"/>
+                <a:ea typeface="源泉圓體 R" panose="020B0500000000000000" pitchFamily="34" charset="-120"/>
+              </a:rPr>
+              <a:t> 5%</a:t>
+            </a:r>
+            <a:r>
+              <a:rPr lang="zh-TW" altLang="en-US" dirty="0">
+                <a:latin typeface="源泉圓體 R" panose="020B0500000000000000" pitchFamily="34" charset="-120"/>
+                <a:ea typeface="源泉圓體 R" panose="020B0500000000000000" pitchFamily="34" charset="-120"/>
+              </a:rPr>
+              <a:t> 機率突變）</a:t>
+            </a:r>
+            <a:endParaRPr lang="en-US" altLang="zh-TW" dirty="0">
+              <a:latin typeface="源泉圓體 R" panose="020B0500000000000000" pitchFamily="34" charset="-120"/>
+              <a:ea typeface="源泉圓體 R" panose="020B0500000000000000" pitchFamily="34" charset="-120"/>
+            </a:endParaRPr>
+          </a:p>
+          <a:p>
+            <a:pPr marL="342900" indent="-342900">
+              <a:lnSpc>
+                <a:spcPct val="150000"/>
+              </a:lnSpc>
+              <a:buAutoNum type="arabicPeriod"/>
+            </a:pPr>
+            <a:r>
+              <a:rPr lang="zh-TW" altLang="en-US" dirty="0">
+                <a:latin typeface="源泉圓體 R" panose="020B0500000000000000" pitchFamily="34" charset="-120"/>
+                <a:ea typeface="源泉圓體 R" panose="020B0500000000000000" pitchFamily="34" charset="-120"/>
+              </a:rPr>
+              <a:t>交配直到擁有 </a:t>
+            </a:r>
+            <a:r>
+              <a:rPr lang="en-US" altLang="zh-TW" dirty="0">
+                <a:latin typeface="源泉圓體 R" panose="020B0500000000000000" pitchFamily="34" charset="-120"/>
+                <a:ea typeface="源泉圓體 R" panose="020B0500000000000000" pitchFamily="34" charset="-120"/>
+              </a:rPr>
+              <a:t>250</a:t>
+            </a:r>
+            <a:r>
+              <a:rPr lang="zh-TW" altLang="en-US" dirty="0">
+                <a:latin typeface="源泉圓體 R" panose="020B0500000000000000" pitchFamily="34" charset="-120"/>
+                <a:ea typeface="源泉圓體 R" panose="020B0500000000000000" pitchFamily="34" charset="-120"/>
+              </a:rPr>
+              <a:t> 個超平面</a:t>
+            </a:r>
+            <a:endParaRPr lang="en-US" altLang="zh-TW" dirty="0">
+              <a:latin typeface="源泉圓體 R" panose="020B0500000000000000" pitchFamily="34" charset="-120"/>
+              <a:ea typeface="源泉圓體 R" panose="020B0500000000000000" pitchFamily="34" charset="-120"/>
+            </a:endParaRPr>
+          </a:p>
+          <a:p>
+            <a:pPr marL="342900" indent="-342900">
+              <a:lnSpc>
+                <a:spcPct val="150000"/>
+              </a:lnSpc>
+              <a:buAutoNum type="arabicPeriod"/>
+            </a:pPr>
+            <a:r>
+              <a:rPr lang="zh-TW" altLang="en-US" dirty="0">
+                <a:latin typeface="源泉圓體 R" panose="020B0500000000000000" pitchFamily="34" charset="-120"/>
+                <a:ea typeface="源泉圓體 R" panose="020B0500000000000000" pitchFamily="34" charset="-120"/>
+              </a:rPr>
+              <a:t>回到步驟 </a:t>
+            </a:r>
+            <a:r>
+              <a:rPr lang="en-US" altLang="zh-TW" dirty="0">
+                <a:latin typeface="源泉圓體 R" panose="020B0500000000000000" pitchFamily="34" charset="-120"/>
+                <a:ea typeface="源泉圓體 R" panose="020B0500000000000000" pitchFamily="34" charset="-120"/>
+              </a:rPr>
+              <a:t>2 </a:t>
+            </a:r>
+            <a:r>
+              <a:rPr lang="zh-TW" altLang="en-US" dirty="0">
+                <a:latin typeface="源泉圓體 R" panose="020B0500000000000000" pitchFamily="34" charset="-120"/>
+                <a:ea typeface="源泉圓體 R" panose="020B0500000000000000" pitchFamily="34" charset="-120"/>
+              </a:rPr>
+              <a:t>（重複 </a:t>
+            </a:r>
+            <a:r>
+              <a:rPr lang="en-US" altLang="zh-TW" dirty="0">
+                <a:latin typeface="源泉圓體 R" panose="020B0500000000000000" pitchFamily="34" charset="-120"/>
+                <a:ea typeface="源泉圓體 R" panose="020B0500000000000000" pitchFamily="34" charset="-120"/>
+              </a:rPr>
+              <a:t>300</a:t>
+            </a:r>
+            <a:r>
+              <a:rPr lang="zh-TW" altLang="en-US" dirty="0">
+                <a:latin typeface="源泉圓體 R" panose="020B0500000000000000" pitchFamily="34" charset="-120"/>
+                <a:ea typeface="源泉圓體 R" panose="020B0500000000000000" pitchFamily="34" charset="-120"/>
+              </a:rPr>
+              <a:t> 次）</a:t>
+            </a:r>
+          </a:p>
+        </p:txBody>
+      </p:sp>
+    </p:spTree>
+    <p:extLst>
+      <p:ext uri="{BB962C8B-B14F-4D97-AF65-F5344CB8AC3E}">
+        <p14:creationId xmlns:p14="http://schemas.microsoft.com/office/powerpoint/2010/main" val="2694977332"/>
+      </p:ext>
+    </p:extLst>
+  </p:cSld>
+  <p:clrMapOvr>
+    <a:masterClrMapping/>
+  </p:clrMapOvr>
+</p:sld>
+</file>
+
+<file path=ppt/slides/slide41.xml><?xml version="1.0" encoding="utf-8"?>
+<p:sld xmlns:a="http://schemas.openxmlformats.org/drawingml/2006/main" xmlns:r="http://schemas.openxmlformats.org/officeDocument/2006/relationships" xmlns:p="http://schemas.openxmlformats.org/presentationml/2006/main">
+  <p:cSld>
+    <p:spTree>
+      <p:nvGrpSpPr>
+        <p:cNvPr id="1" name=""/>
+        <p:cNvGrpSpPr/>
+        <p:nvPr/>
+      </p:nvGrpSpPr>
+      <p:grpSpPr>
+        <a:xfrm>
+          <a:off x="0" y="0"/>
+          <a:ext cx="0" cy="0"/>
+          <a:chOff x="0" y="0"/>
+          <a:chExt cx="0" cy="0"/>
+        </a:xfrm>
+      </p:grpSpPr>
+      <p:sp>
+        <p:nvSpPr>
+          <p:cNvPr id="2" name="標題 1">
+            <a:extLst>
+              <a:ext uri="{FF2B5EF4-FFF2-40B4-BE49-F238E27FC236}">
+                <a16:creationId xmlns:a16="http://schemas.microsoft.com/office/drawing/2014/main" id="{0211B06F-6168-7653-9AD5-34ED7872FDE9}"/>
+              </a:ext>
+            </a:extLst>
+          </p:cNvPr>
+          <p:cNvSpPr>
+            <a:spLocks noGrp="1"/>
+          </p:cNvSpPr>
+          <p:nvPr>
+            <p:ph type="title"/>
+          </p:nvPr>
+        </p:nvSpPr>
+        <p:spPr/>
+        <p:txBody>
+          <a:bodyPr/>
+          <a:lstStyle/>
+          <a:p>
+            <a:r>
+              <a:rPr lang="en-US" altLang="zh-TW" dirty="0">
+                <a:latin typeface="Consolas" panose="020B0609020204030204" pitchFamily="49" charset="0"/>
+              </a:rPr>
+              <a:t>Support Vector Machine</a:t>
+            </a:r>
+            <a:endParaRPr lang="zh-TW" altLang="en-US" dirty="0"/>
+          </a:p>
+        </p:txBody>
+      </p:sp>
+      <p:sp>
+        <p:nvSpPr>
+          <p:cNvPr id="3" name="文字方塊 5">
+            <a:extLst>
+              <a:ext uri="{FF2B5EF4-FFF2-40B4-BE49-F238E27FC236}">
+                <a16:creationId xmlns:a16="http://schemas.microsoft.com/office/drawing/2014/main" id="{9C1E5ECD-EA84-1A16-6468-DCE0FDEBBA34}"/>
+              </a:ext>
+            </a:extLst>
+          </p:cNvPr>
+          <p:cNvSpPr txBox="1"/>
+          <p:nvPr/>
+        </p:nvSpPr>
+        <p:spPr>
+          <a:xfrm>
+            <a:off x="838200" y="1690688"/>
+            <a:ext cx="3694162" cy="461665"/>
+          </a:xfrm>
+          <a:prstGeom prst="rect">
+            <a:avLst/>
+          </a:prstGeom>
+          <a:noFill/>
+        </p:spPr>
+        <p:txBody>
+          <a:bodyPr wrap="square">
+            <a:spAutoFit/>
+          </a:bodyPr>
+          <a:lstStyle>
+            <a:defPPr>
+              <a:defRPr lang="zh-TW"/>
+            </a:defPPr>
+            <a:lvl1pPr marL="0" algn="l" defTabSz="914400" rtl="0" eaLnBrk="1" latinLnBrk="0" hangingPunct="1">
+              <a:defRPr sz="1800" kern="1200">
+                <a:solidFill>
+                  <a:schemeClr val="tx1"/>
+                </a:solidFill>
+                <a:latin typeface="+mn-lt"/>
+                <a:ea typeface="+mn-ea"/>
+                <a:cs typeface="+mn-cs"/>
+              </a:defRPr>
+            </a:lvl1pPr>
+            <a:lvl2pPr marL="457200" algn="l" defTabSz="914400" rtl="0" eaLnBrk="1" latinLnBrk="0" hangingPunct="1">
+              <a:defRPr sz="1800" kern="1200">
+                <a:solidFill>
+                  <a:schemeClr val="tx1"/>
+                </a:solidFill>
+                <a:latin typeface="+mn-lt"/>
+                <a:ea typeface="+mn-ea"/>
+                <a:cs typeface="+mn-cs"/>
+              </a:defRPr>
+            </a:lvl2pPr>
+            <a:lvl3pPr marL="914400" algn="l" defTabSz="914400" rtl="0" eaLnBrk="1" latinLnBrk="0" hangingPunct="1">
+              <a:defRPr sz="1800" kern="1200">
+                <a:solidFill>
+                  <a:schemeClr val="tx1"/>
+                </a:solidFill>
+                <a:latin typeface="+mn-lt"/>
+                <a:ea typeface="+mn-ea"/>
+                <a:cs typeface="+mn-cs"/>
+              </a:defRPr>
+            </a:lvl3pPr>
+            <a:lvl4pPr marL="1371600" algn="l" defTabSz="914400" rtl="0" eaLnBrk="1" latinLnBrk="0" hangingPunct="1">
+              <a:defRPr sz="1800" kern="1200">
+                <a:solidFill>
+                  <a:schemeClr val="tx1"/>
+                </a:solidFill>
+                <a:latin typeface="+mn-lt"/>
+                <a:ea typeface="+mn-ea"/>
+                <a:cs typeface="+mn-cs"/>
+              </a:defRPr>
+            </a:lvl4pPr>
+            <a:lvl5pPr marL="1828800" algn="l" defTabSz="914400" rtl="0" eaLnBrk="1" latinLnBrk="0" hangingPunct="1">
+              <a:defRPr sz="1800" kern="1200">
+                <a:solidFill>
+                  <a:schemeClr val="tx1"/>
+                </a:solidFill>
+                <a:latin typeface="+mn-lt"/>
+                <a:ea typeface="+mn-ea"/>
+                <a:cs typeface="+mn-cs"/>
+              </a:defRPr>
+            </a:lvl5pPr>
+            <a:lvl6pPr marL="2286000" algn="l" defTabSz="914400" rtl="0" eaLnBrk="1" latinLnBrk="0" hangingPunct="1">
+              <a:defRPr sz="1800" kern="1200">
+                <a:solidFill>
+                  <a:schemeClr val="tx1"/>
+                </a:solidFill>
+                <a:latin typeface="+mn-lt"/>
+                <a:ea typeface="+mn-ea"/>
+                <a:cs typeface="+mn-cs"/>
+              </a:defRPr>
+            </a:lvl6pPr>
+            <a:lvl7pPr marL="2743200" algn="l" defTabSz="914400" rtl="0" eaLnBrk="1" latinLnBrk="0" hangingPunct="1">
+              <a:defRPr sz="1800" kern="1200">
+                <a:solidFill>
+                  <a:schemeClr val="tx1"/>
+                </a:solidFill>
+                <a:latin typeface="+mn-lt"/>
+                <a:ea typeface="+mn-ea"/>
+                <a:cs typeface="+mn-cs"/>
+              </a:defRPr>
+            </a:lvl7pPr>
+            <a:lvl8pPr marL="3200400" algn="l" defTabSz="914400" rtl="0" eaLnBrk="1" latinLnBrk="0" hangingPunct="1">
+              <a:defRPr sz="1800" kern="1200">
+                <a:solidFill>
+                  <a:schemeClr val="tx1"/>
+                </a:solidFill>
+                <a:latin typeface="+mn-lt"/>
+                <a:ea typeface="+mn-ea"/>
+                <a:cs typeface="+mn-cs"/>
+              </a:defRPr>
+            </a:lvl8pPr>
+            <a:lvl9pPr marL="3657600" algn="l" defTabSz="914400" rtl="0" eaLnBrk="1" latinLnBrk="0" hangingPunct="1">
+              <a:defRPr sz="1800" kern="1200">
+                <a:solidFill>
+                  <a:schemeClr val="tx1"/>
+                </a:solidFill>
+                <a:latin typeface="+mn-lt"/>
+                <a:ea typeface="+mn-ea"/>
+                <a:cs typeface="+mn-cs"/>
+              </a:defRPr>
+            </a:lvl9pPr>
+          </a:lstStyle>
+          <a:p>
+            <a:r>
+              <a:rPr lang="zh-TW" altLang="en-US" sz="2400" dirty="0">
+                <a:latin typeface="源泉圓體 R" panose="020B0500000000000000" pitchFamily="34" charset="-120"/>
+                <a:ea typeface="源泉圓體 R" panose="020B0500000000000000" pitchFamily="34" charset="-120"/>
+              </a:rPr>
+              <a:t>結果呈現：</a:t>
+            </a:r>
+          </a:p>
+        </p:txBody>
+      </p:sp>
+      <p:pic>
+        <p:nvPicPr>
+          <p:cNvPr id="5" name="圖片 4">
+            <a:extLst>
+              <a:ext uri="{FF2B5EF4-FFF2-40B4-BE49-F238E27FC236}">
+                <a16:creationId xmlns:a16="http://schemas.microsoft.com/office/drawing/2014/main" id="{D7376F53-28C9-7D5B-9886-04735FABBDB8}"/>
+              </a:ext>
+            </a:extLst>
+          </p:cNvPr>
+          <p:cNvPicPr>
+            <a:picLocks noChangeAspect="1"/>
+          </p:cNvPicPr>
+          <p:nvPr/>
+        </p:nvPicPr>
+        <p:blipFill>
+          <a:blip r:embed="rId2"/>
+          <a:stretch>
+            <a:fillRect/>
+          </a:stretch>
+        </p:blipFill>
+        <p:spPr>
+          <a:xfrm>
+            <a:off x="1227752" y="2231445"/>
+            <a:ext cx="2915057" cy="4363059"/>
+          </a:xfrm>
+          <a:prstGeom prst="rect">
+            <a:avLst/>
+          </a:prstGeom>
+        </p:spPr>
+      </p:pic>
+      <p:sp>
+        <p:nvSpPr>
+          <p:cNvPr id="6" name="文字方塊 27">
+            <a:extLst>
+              <a:ext uri="{FF2B5EF4-FFF2-40B4-BE49-F238E27FC236}">
+                <a16:creationId xmlns:a16="http://schemas.microsoft.com/office/drawing/2014/main" id="{6C785CBE-CFB9-4778-4493-FE0DE44E2B3A}"/>
+              </a:ext>
+            </a:extLst>
+          </p:cNvPr>
+          <p:cNvSpPr txBox="1"/>
+          <p:nvPr/>
+        </p:nvSpPr>
+        <p:spPr>
+          <a:xfrm>
+            <a:off x="4826146" y="2489246"/>
+            <a:ext cx="3951066" cy="400110"/>
+          </a:xfrm>
+          <a:prstGeom prst="rect">
+            <a:avLst/>
+          </a:prstGeom>
+          <a:noFill/>
+        </p:spPr>
+        <p:txBody>
+          <a:bodyPr wrap="square">
+            <a:spAutoFit/>
+          </a:bodyPr>
+          <a:lstStyle>
+            <a:defPPr>
+              <a:defRPr lang="zh-TW"/>
+            </a:defPPr>
+            <a:lvl1pPr marL="0" algn="l" defTabSz="914400" rtl="0" eaLnBrk="1" latinLnBrk="0" hangingPunct="1">
+              <a:defRPr sz="1800" kern="1200">
+                <a:solidFill>
+                  <a:schemeClr val="tx1"/>
+                </a:solidFill>
+                <a:latin typeface="+mn-lt"/>
+                <a:ea typeface="+mn-ea"/>
+                <a:cs typeface="+mn-cs"/>
+              </a:defRPr>
+            </a:lvl1pPr>
+            <a:lvl2pPr marL="457200" algn="l" defTabSz="914400" rtl="0" eaLnBrk="1" latinLnBrk="0" hangingPunct="1">
+              <a:defRPr sz="1800" kern="1200">
+                <a:solidFill>
+                  <a:schemeClr val="tx1"/>
+                </a:solidFill>
+                <a:latin typeface="+mn-lt"/>
+                <a:ea typeface="+mn-ea"/>
+                <a:cs typeface="+mn-cs"/>
+              </a:defRPr>
+            </a:lvl2pPr>
+            <a:lvl3pPr marL="914400" algn="l" defTabSz="914400" rtl="0" eaLnBrk="1" latinLnBrk="0" hangingPunct="1">
+              <a:defRPr sz="1800" kern="1200">
+                <a:solidFill>
+                  <a:schemeClr val="tx1"/>
+                </a:solidFill>
+                <a:latin typeface="+mn-lt"/>
+                <a:ea typeface="+mn-ea"/>
+                <a:cs typeface="+mn-cs"/>
+              </a:defRPr>
+            </a:lvl3pPr>
+            <a:lvl4pPr marL="1371600" algn="l" defTabSz="914400" rtl="0" eaLnBrk="1" latinLnBrk="0" hangingPunct="1">
+              <a:defRPr sz="1800" kern="1200">
+                <a:solidFill>
+                  <a:schemeClr val="tx1"/>
+                </a:solidFill>
+                <a:latin typeface="+mn-lt"/>
+                <a:ea typeface="+mn-ea"/>
+                <a:cs typeface="+mn-cs"/>
+              </a:defRPr>
+            </a:lvl4pPr>
+            <a:lvl5pPr marL="1828800" algn="l" defTabSz="914400" rtl="0" eaLnBrk="1" latinLnBrk="0" hangingPunct="1">
+              <a:defRPr sz="1800" kern="1200">
+                <a:solidFill>
+                  <a:schemeClr val="tx1"/>
+                </a:solidFill>
+                <a:latin typeface="+mn-lt"/>
+                <a:ea typeface="+mn-ea"/>
+                <a:cs typeface="+mn-cs"/>
+              </a:defRPr>
+            </a:lvl5pPr>
+            <a:lvl6pPr marL="2286000" algn="l" defTabSz="914400" rtl="0" eaLnBrk="1" latinLnBrk="0" hangingPunct="1">
+              <a:defRPr sz="1800" kern="1200">
+                <a:solidFill>
+                  <a:schemeClr val="tx1"/>
+                </a:solidFill>
+                <a:latin typeface="+mn-lt"/>
+                <a:ea typeface="+mn-ea"/>
+                <a:cs typeface="+mn-cs"/>
+              </a:defRPr>
+            </a:lvl6pPr>
+            <a:lvl7pPr marL="2743200" algn="l" defTabSz="914400" rtl="0" eaLnBrk="1" latinLnBrk="0" hangingPunct="1">
+              <a:defRPr sz="1800" kern="1200">
+                <a:solidFill>
+                  <a:schemeClr val="tx1"/>
+                </a:solidFill>
+                <a:latin typeface="+mn-lt"/>
+                <a:ea typeface="+mn-ea"/>
+                <a:cs typeface="+mn-cs"/>
+              </a:defRPr>
+            </a:lvl7pPr>
+            <a:lvl8pPr marL="3200400" algn="l" defTabSz="914400" rtl="0" eaLnBrk="1" latinLnBrk="0" hangingPunct="1">
+              <a:defRPr sz="1800" kern="1200">
+                <a:solidFill>
+                  <a:schemeClr val="tx1"/>
+                </a:solidFill>
+                <a:latin typeface="+mn-lt"/>
+                <a:ea typeface="+mn-ea"/>
+                <a:cs typeface="+mn-cs"/>
+              </a:defRPr>
+            </a:lvl8pPr>
+            <a:lvl9pPr marL="3657600" algn="l" defTabSz="914400" rtl="0" eaLnBrk="1" latinLnBrk="0" hangingPunct="1">
+              <a:defRPr sz="1800" kern="1200">
+                <a:solidFill>
+                  <a:schemeClr val="tx1"/>
+                </a:solidFill>
+                <a:latin typeface="+mn-lt"/>
+                <a:ea typeface="+mn-ea"/>
+                <a:cs typeface="+mn-cs"/>
+              </a:defRPr>
+            </a:lvl9pPr>
+          </a:lstStyle>
+          <a:p>
+            <a:r>
+              <a:rPr lang="zh-TW" altLang="en-US" sz="2000" dirty="0">
+                <a:latin typeface="源泉圓體 R" panose="020B0500000000000000" pitchFamily="34" charset="-120"/>
+                <a:ea typeface="源泉圓體 R" panose="020B0500000000000000" pitchFamily="34" charset="-120"/>
+              </a:rPr>
+              <a:t>準確率約落在 </a:t>
+            </a:r>
+            <a:r>
+              <a:rPr lang="en-US" altLang="zh-TW" sz="2000" dirty="0">
+                <a:latin typeface="源泉圓體 R" panose="020B0500000000000000" pitchFamily="34" charset="-120"/>
+                <a:ea typeface="源泉圓體 R" panose="020B0500000000000000" pitchFamily="34" charset="-120"/>
+              </a:rPr>
+              <a:t>73% ~ 80%</a:t>
+            </a:r>
+            <a:r>
+              <a:rPr lang="zh-TW" altLang="en-US" sz="2000" dirty="0">
+                <a:latin typeface="源泉圓體 R" panose="020B0500000000000000" pitchFamily="34" charset="-120"/>
+                <a:ea typeface="源泉圓體 R" panose="020B0500000000000000" pitchFamily="34" charset="-120"/>
+              </a:rPr>
+              <a:t> 左右</a:t>
+            </a:r>
+          </a:p>
+        </p:txBody>
+      </p:sp>
+      <p:sp>
+        <p:nvSpPr>
+          <p:cNvPr id="9" name="文字方塊 1">
+            <a:extLst>
+              <a:ext uri="{FF2B5EF4-FFF2-40B4-BE49-F238E27FC236}">
+                <a16:creationId xmlns:a16="http://schemas.microsoft.com/office/drawing/2014/main" id="{6F8DD1C6-DA31-F309-7930-D63E7758C9C7}"/>
+              </a:ext>
+            </a:extLst>
+          </p:cNvPr>
+          <p:cNvSpPr txBox="1"/>
+          <p:nvPr/>
+        </p:nvSpPr>
+        <p:spPr>
+          <a:xfrm>
+            <a:off x="4826146" y="3536097"/>
+            <a:ext cx="3951066" cy="461665"/>
+          </a:xfrm>
+          <a:prstGeom prst="rect">
+            <a:avLst/>
+          </a:prstGeom>
+          <a:noFill/>
+        </p:spPr>
+        <p:txBody>
+          <a:bodyPr wrap="square">
+            <a:spAutoFit/>
+          </a:bodyPr>
+          <a:lstStyle>
+            <a:defPPr>
+              <a:defRPr lang="zh-TW"/>
+            </a:defPPr>
+            <a:lvl1pPr marL="0" algn="l" defTabSz="914400" rtl="0" eaLnBrk="1" latinLnBrk="0" hangingPunct="1">
+              <a:defRPr sz="1800" kern="1200">
+                <a:solidFill>
+                  <a:schemeClr val="tx1"/>
+                </a:solidFill>
+                <a:latin typeface="+mn-lt"/>
+                <a:ea typeface="+mn-ea"/>
+                <a:cs typeface="+mn-cs"/>
+              </a:defRPr>
+            </a:lvl1pPr>
+            <a:lvl2pPr marL="457200" algn="l" defTabSz="914400" rtl="0" eaLnBrk="1" latinLnBrk="0" hangingPunct="1">
+              <a:defRPr sz="1800" kern="1200">
+                <a:solidFill>
+                  <a:schemeClr val="tx1"/>
+                </a:solidFill>
+                <a:latin typeface="+mn-lt"/>
+                <a:ea typeface="+mn-ea"/>
+                <a:cs typeface="+mn-cs"/>
+              </a:defRPr>
+            </a:lvl2pPr>
+            <a:lvl3pPr marL="914400" algn="l" defTabSz="914400" rtl="0" eaLnBrk="1" latinLnBrk="0" hangingPunct="1">
+              <a:defRPr sz="1800" kern="1200">
+                <a:solidFill>
+                  <a:schemeClr val="tx1"/>
+                </a:solidFill>
+                <a:latin typeface="+mn-lt"/>
+                <a:ea typeface="+mn-ea"/>
+                <a:cs typeface="+mn-cs"/>
+              </a:defRPr>
+            </a:lvl3pPr>
+            <a:lvl4pPr marL="1371600" algn="l" defTabSz="914400" rtl="0" eaLnBrk="1" latinLnBrk="0" hangingPunct="1">
+              <a:defRPr sz="1800" kern="1200">
+                <a:solidFill>
+                  <a:schemeClr val="tx1"/>
+                </a:solidFill>
+                <a:latin typeface="+mn-lt"/>
+                <a:ea typeface="+mn-ea"/>
+                <a:cs typeface="+mn-cs"/>
+              </a:defRPr>
+            </a:lvl4pPr>
+            <a:lvl5pPr marL="1828800" algn="l" defTabSz="914400" rtl="0" eaLnBrk="1" latinLnBrk="0" hangingPunct="1">
+              <a:defRPr sz="1800" kern="1200">
+                <a:solidFill>
+                  <a:schemeClr val="tx1"/>
+                </a:solidFill>
+                <a:latin typeface="+mn-lt"/>
+                <a:ea typeface="+mn-ea"/>
+                <a:cs typeface="+mn-cs"/>
+              </a:defRPr>
+            </a:lvl5pPr>
+            <a:lvl6pPr marL="2286000" algn="l" defTabSz="914400" rtl="0" eaLnBrk="1" latinLnBrk="0" hangingPunct="1">
+              <a:defRPr sz="1800" kern="1200">
+                <a:solidFill>
+                  <a:schemeClr val="tx1"/>
+                </a:solidFill>
+                <a:latin typeface="+mn-lt"/>
+                <a:ea typeface="+mn-ea"/>
+                <a:cs typeface="+mn-cs"/>
+              </a:defRPr>
+            </a:lvl6pPr>
+            <a:lvl7pPr marL="2743200" algn="l" defTabSz="914400" rtl="0" eaLnBrk="1" latinLnBrk="0" hangingPunct="1">
+              <a:defRPr sz="1800" kern="1200">
+                <a:solidFill>
+                  <a:schemeClr val="tx1"/>
+                </a:solidFill>
+                <a:latin typeface="+mn-lt"/>
+                <a:ea typeface="+mn-ea"/>
+                <a:cs typeface="+mn-cs"/>
+              </a:defRPr>
+            </a:lvl7pPr>
+            <a:lvl8pPr marL="3200400" algn="l" defTabSz="914400" rtl="0" eaLnBrk="1" latinLnBrk="0" hangingPunct="1">
+              <a:defRPr sz="1800" kern="1200">
+                <a:solidFill>
+                  <a:schemeClr val="tx1"/>
+                </a:solidFill>
+                <a:latin typeface="+mn-lt"/>
+                <a:ea typeface="+mn-ea"/>
+                <a:cs typeface="+mn-cs"/>
+              </a:defRPr>
+            </a:lvl8pPr>
+            <a:lvl9pPr marL="3657600" algn="l" defTabSz="914400" rtl="0" eaLnBrk="1" latinLnBrk="0" hangingPunct="1">
+              <a:defRPr sz="1800" kern="1200">
+                <a:solidFill>
+                  <a:schemeClr val="tx1"/>
+                </a:solidFill>
+                <a:latin typeface="+mn-lt"/>
+                <a:ea typeface="+mn-ea"/>
+                <a:cs typeface="+mn-cs"/>
+              </a:defRPr>
+            </a:lvl9pPr>
+          </a:lstStyle>
+          <a:p>
+            <a:r>
+              <a:rPr lang="zh-TW" altLang="en-US" sz="2400" dirty="0">
+                <a:latin typeface="源泉圓體 R" panose="020B0500000000000000" pitchFamily="34" charset="-120"/>
+                <a:ea typeface="源泉圓體 R" panose="020B0500000000000000" pitchFamily="34" charset="-120"/>
+              </a:rPr>
+              <a:t>可能改善方式：</a:t>
+            </a:r>
+          </a:p>
+        </p:txBody>
+      </p:sp>
+      <p:sp>
+        <p:nvSpPr>
+          <p:cNvPr id="10" name="文字方塊 2">
+            <a:extLst>
+              <a:ext uri="{FF2B5EF4-FFF2-40B4-BE49-F238E27FC236}">
+                <a16:creationId xmlns:a16="http://schemas.microsoft.com/office/drawing/2014/main" id="{EA6B4745-C759-612C-3CBA-2663AEDE44F4}"/>
+              </a:ext>
+            </a:extLst>
+          </p:cNvPr>
+          <p:cNvSpPr txBox="1"/>
+          <p:nvPr/>
+        </p:nvSpPr>
+        <p:spPr>
+          <a:xfrm>
+            <a:off x="4826146" y="4168699"/>
+            <a:ext cx="4589417" cy="1323439"/>
+          </a:xfrm>
+          <a:prstGeom prst="rect">
+            <a:avLst/>
+          </a:prstGeom>
+          <a:noFill/>
+        </p:spPr>
+        <p:txBody>
+          <a:bodyPr wrap="square">
+            <a:spAutoFit/>
+          </a:bodyPr>
+          <a:lstStyle>
+            <a:defPPr>
+              <a:defRPr lang="zh-TW"/>
+            </a:defPPr>
+            <a:lvl1pPr marL="0" algn="l" defTabSz="914400" rtl="0" eaLnBrk="1" latinLnBrk="0" hangingPunct="1">
+              <a:defRPr sz="1800" kern="1200">
+                <a:solidFill>
+                  <a:schemeClr val="tx1"/>
+                </a:solidFill>
+                <a:latin typeface="+mn-lt"/>
+                <a:ea typeface="+mn-ea"/>
+                <a:cs typeface="+mn-cs"/>
+              </a:defRPr>
+            </a:lvl1pPr>
+            <a:lvl2pPr marL="457200" algn="l" defTabSz="914400" rtl="0" eaLnBrk="1" latinLnBrk="0" hangingPunct="1">
+              <a:defRPr sz="1800" kern="1200">
+                <a:solidFill>
+                  <a:schemeClr val="tx1"/>
+                </a:solidFill>
+                <a:latin typeface="+mn-lt"/>
+                <a:ea typeface="+mn-ea"/>
+                <a:cs typeface="+mn-cs"/>
+              </a:defRPr>
+            </a:lvl2pPr>
+            <a:lvl3pPr marL="914400" algn="l" defTabSz="914400" rtl="0" eaLnBrk="1" latinLnBrk="0" hangingPunct="1">
+              <a:defRPr sz="1800" kern="1200">
+                <a:solidFill>
+                  <a:schemeClr val="tx1"/>
+                </a:solidFill>
+                <a:latin typeface="+mn-lt"/>
+                <a:ea typeface="+mn-ea"/>
+                <a:cs typeface="+mn-cs"/>
+              </a:defRPr>
+            </a:lvl3pPr>
+            <a:lvl4pPr marL="1371600" algn="l" defTabSz="914400" rtl="0" eaLnBrk="1" latinLnBrk="0" hangingPunct="1">
+              <a:defRPr sz="1800" kern="1200">
+                <a:solidFill>
+                  <a:schemeClr val="tx1"/>
+                </a:solidFill>
+                <a:latin typeface="+mn-lt"/>
+                <a:ea typeface="+mn-ea"/>
+                <a:cs typeface="+mn-cs"/>
+              </a:defRPr>
+            </a:lvl4pPr>
+            <a:lvl5pPr marL="1828800" algn="l" defTabSz="914400" rtl="0" eaLnBrk="1" latinLnBrk="0" hangingPunct="1">
+              <a:defRPr sz="1800" kern="1200">
+                <a:solidFill>
+                  <a:schemeClr val="tx1"/>
+                </a:solidFill>
+                <a:latin typeface="+mn-lt"/>
+                <a:ea typeface="+mn-ea"/>
+                <a:cs typeface="+mn-cs"/>
+              </a:defRPr>
+            </a:lvl5pPr>
+            <a:lvl6pPr marL="2286000" algn="l" defTabSz="914400" rtl="0" eaLnBrk="1" latinLnBrk="0" hangingPunct="1">
+              <a:defRPr sz="1800" kern="1200">
+                <a:solidFill>
+                  <a:schemeClr val="tx1"/>
+                </a:solidFill>
+                <a:latin typeface="+mn-lt"/>
+                <a:ea typeface="+mn-ea"/>
+                <a:cs typeface="+mn-cs"/>
+              </a:defRPr>
+            </a:lvl6pPr>
+            <a:lvl7pPr marL="2743200" algn="l" defTabSz="914400" rtl="0" eaLnBrk="1" latinLnBrk="0" hangingPunct="1">
+              <a:defRPr sz="1800" kern="1200">
+                <a:solidFill>
+                  <a:schemeClr val="tx1"/>
+                </a:solidFill>
+                <a:latin typeface="+mn-lt"/>
+                <a:ea typeface="+mn-ea"/>
+                <a:cs typeface="+mn-cs"/>
+              </a:defRPr>
+            </a:lvl7pPr>
+            <a:lvl8pPr marL="3200400" algn="l" defTabSz="914400" rtl="0" eaLnBrk="1" latinLnBrk="0" hangingPunct="1">
+              <a:defRPr sz="1800" kern="1200">
+                <a:solidFill>
+                  <a:schemeClr val="tx1"/>
+                </a:solidFill>
+                <a:latin typeface="+mn-lt"/>
+                <a:ea typeface="+mn-ea"/>
+                <a:cs typeface="+mn-cs"/>
+              </a:defRPr>
+            </a:lvl8pPr>
+            <a:lvl9pPr marL="3657600" algn="l" defTabSz="914400" rtl="0" eaLnBrk="1" latinLnBrk="0" hangingPunct="1">
+              <a:defRPr sz="1800" kern="1200">
+                <a:solidFill>
+                  <a:schemeClr val="tx1"/>
+                </a:solidFill>
+                <a:latin typeface="+mn-lt"/>
+                <a:ea typeface="+mn-ea"/>
+                <a:cs typeface="+mn-cs"/>
+              </a:defRPr>
+            </a:lvl9pPr>
+          </a:lstStyle>
+          <a:p>
+            <a:pPr marL="457200" indent="-457200">
+              <a:buAutoNum type="arabicPeriod"/>
+            </a:pPr>
+            <a:r>
+              <a:rPr lang="zh-TW" altLang="en-US" sz="2000" dirty="0">
+                <a:latin typeface="源泉圓體 R" panose="020B0500000000000000" pitchFamily="34" charset="-120"/>
+                <a:ea typeface="源泉圓體 R" panose="020B0500000000000000" pitchFamily="34" charset="-120"/>
+              </a:rPr>
+              <a:t>換個</a:t>
+            </a:r>
+            <a:r>
+              <a:rPr lang="en-US" altLang="zh-TW" sz="2000" dirty="0">
+                <a:latin typeface="源泉圓體 R" panose="020B0500000000000000" pitchFamily="34" charset="-120"/>
+                <a:ea typeface="源泉圓體 R" panose="020B0500000000000000" pitchFamily="34" charset="-120"/>
+              </a:rPr>
+              <a:t> kernel </a:t>
+            </a:r>
+            <a:r>
+              <a:rPr lang="zh-TW" altLang="en-US" sz="2000" dirty="0">
+                <a:latin typeface="源泉圓體 R" panose="020B0500000000000000" pitchFamily="34" charset="-120"/>
+                <a:ea typeface="源泉圓體 R" panose="020B0500000000000000" pitchFamily="34" charset="-120"/>
+              </a:rPr>
+              <a:t>（因為是自己想的）</a:t>
+            </a:r>
+            <a:endParaRPr lang="en-US" altLang="zh-TW" sz="2000" dirty="0">
+              <a:latin typeface="源泉圓體 R" panose="020B0500000000000000" pitchFamily="34" charset="-120"/>
+              <a:ea typeface="源泉圓體 R" panose="020B0500000000000000" pitchFamily="34" charset="-120"/>
+            </a:endParaRPr>
+          </a:p>
+          <a:p>
+            <a:pPr marL="457200" indent="-457200">
+              <a:buAutoNum type="arabicPeriod"/>
+            </a:pPr>
+            <a:r>
+              <a:rPr lang="zh-TW" altLang="en-US" sz="2000" dirty="0">
+                <a:latin typeface="源泉圓體 R" panose="020B0500000000000000" pitchFamily="34" charset="-120"/>
+                <a:ea typeface="源泉圓體 R" panose="020B0500000000000000" pitchFamily="34" charset="-120"/>
+              </a:rPr>
+              <a:t>修理 </a:t>
+            </a:r>
+            <a:r>
+              <a:rPr lang="en-US" altLang="zh-TW" sz="2000" dirty="0">
+                <a:latin typeface="源泉圓體 R" panose="020B0500000000000000" pitchFamily="34" charset="-120"/>
+                <a:ea typeface="源泉圓體 R" panose="020B0500000000000000" pitchFamily="34" charset="-120"/>
+              </a:rPr>
+              <a:t>training data</a:t>
+            </a:r>
+            <a:r>
+              <a:rPr lang="zh-TW" altLang="en-US" sz="2000" dirty="0">
+                <a:latin typeface="源泉圓體 R" panose="020B0500000000000000" pitchFamily="34" charset="-120"/>
+                <a:ea typeface="源泉圓體 R" panose="020B0500000000000000" pitchFamily="34" charset="-120"/>
+              </a:rPr>
+              <a:t> 少資料的問題</a:t>
+            </a:r>
+            <a:endParaRPr lang="en-US" altLang="zh-TW" sz="2000" dirty="0">
+              <a:latin typeface="源泉圓體 R" panose="020B0500000000000000" pitchFamily="34" charset="-120"/>
+              <a:ea typeface="源泉圓體 R" panose="020B0500000000000000" pitchFamily="34" charset="-120"/>
+            </a:endParaRPr>
+          </a:p>
+          <a:p>
+            <a:pPr marL="457200" indent="-457200">
+              <a:buAutoNum type="arabicPeriod"/>
+            </a:pPr>
+            <a:r>
+              <a:rPr lang="zh-TW" altLang="en-US" sz="2000" dirty="0">
+                <a:latin typeface="源泉圓體 R" panose="020B0500000000000000" pitchFamily="34" charset="-120"/>
+                <a:ea typeface="源泉圓體 R" panose="020B0500000000000000" pitchFamily="34" charset="-120"/>
+              </a:rPr>
+              <a:t>改變參數</a:t>
+            </a:r>
+            <a:endParaRPr lang="en-US" altLang="zh-TW" sz="2000" dirty="0">
+              <a:latin typeface="源泉圓體 R" panose="020B0500000000000000" pitchFamily="34" charset="-120"/>
+              <a:ea typeface="源泉圓體 R" panose="020B0500000000000000" pitchFamily="34" charset="-120"/>
+            </a:endParaRPr>
+          </a:p>
+          <a:p>
+            <a:pPr marL="457200" indent="-457200">
+              <a:buAutoNum type="arabicPeriod"/>
+            </a:pPr>
+            <a:r>
+              <a:rPr lang="zh-TW" altLang="en-US" sz="2000" dirty="0">
+                <a:latin typeface="源泉圓體 R" panose="020B0500000000000000" pitchFamily="34" charset="-120"/>
+                <a:ea typeface="源泉圓體 R" panose="020B0500000000000000" pitchFamily="34" charset="-120"/>
+              </a:rPr>
+              <a:t>標準化</a:t>
+            </a:r>
+          </a:p>
+        </p:txBody>
+      </p:sp>
+    </p:spTree>
+    <p:extLst>
+      <p:ext uri="{BB962C8B-B14F-4D97-AF65-F5344CB8AC3E}">
+        <p14:creationId xmlns:p14="http://schemas.microsoft.com/office/powerpoint/2010/main" val="179688864"/>
       </p:ext>
     </p:extLst>
   </p:cSld>
